--- a/presentation-june/Presentation.pptx
+++ b/presentation-june/Presentation.pptx
@@ -1,24 +1,26 @@
 
 <file path=ppt/presentation.xml><?xml version="1.0" encoding="utf-8"?>
-<p:presentation xmlns:a="http://schemas.openxmlformats.org/drawingml/2006/main" xmlns:r="http://schemas.openxmlformats.org/officeDocument/2006/relationships" xmlns:p="http://schemas.openxmlformats.org/presentationml/2006/main" saveSubsetFonts="1" autoCompressPictures="0">
+<p:presentation xmlns:a="http://schemas.openxmlformats.org/drawingml/2006/main" xmlns:r="http://schemas.openxmlformats.org/officeDocument/2006/relationships" xmlns:p="http://schemas.openxmlformats.org/presentationml/2006/main" saveSubsetFonts="1">
   <p:sldMasterIdLst>
-    <p:sldMasterId id="2147483931" r:id="rId1"/>
+    <p:sldMasterId id="2147483648" r:id="rId1"/>
   </p:sldMasterIdLst>
+  <p:notesMasterIdLst>
+    <p:notesMasterId r:id="rId15"/>
+  </p:notesMasterIdLst>
   <p:sldIdLst>
     <p:sldId id="256" r:id="rId2"/>
     <p:sldId id="257" r:id="rId3"/>
-    <p:sldId id="260" r:id="rId4"/>
+    <p:sldId id="269" r:id="rId4"/>
     <p:sldId id="259" r:id="rId5"/>
-    <p:sldId id="261" r:id="rId6"/>
-    <p:sldId id="262" r:id="rId7"/>
-    <p:sldId id="265" r:id="rId8"/>
+    <p:sldId id="260" r:id="rId6"/>
+    <p:sldId id="261" r:id="rId7"/>
+    <p:sldId id="262" r:id="rId8"/>
     <p:sldId id="263" r:id="rId9"/>
     <p:sldId id="264" r:id="rId10"/>
-    <p:sldId id="267" r:id="rId11"/>
+    <p:sldId id="265" r:id="rId11"/>
     <p:sldId id="266" r:id="rId12"/>
-    <p:sldId id="268" r:id="rId13"/>
-    <p:sldId id="269" r:id="rId14"/>
-    <p:sldId id="270" r:id="rId15"/>
+    <p:sldId id="267" r:id="rId13"/>
+    <p:sldId id="268" r:id="rId14"/>
   </p:sldIdLst>
   <p:sldSz cx="9144000" cy="6858000" type="screen4x3"/>
   <p:notesSz cx="6858000" cy="9144000"/>
@@ -26,7 +28,7 @@
     <a:defPPr>
       <a:defRPr lang="en-US"/>
     </a:defPPr>
-    <a:lvl1pPr marL="0" algn="l" defTabSz="457200" rtl="0" eaLnBrk="1" latinLnBrk="0" hangingPunct="1">
+    <a:lvl1pPr marL="0" algn="l" defTabSz="914400" rtl="0" eaLnBrk="1" latinLnBrk="0" hangingPunct="1">
       <a:defRPr sz="1800" kern="1200">
         <a:solidFill>
           <a:schemeClr val="tx1"/>
@@ -36,7 +38,7 @@
         <a:cs typeface="+mn-cs"/>
       </a:defRPr>
     </a:lvl1pPr>
-    <a:lvl2pPr marL="457200" algn="l" defTabSz="457200" rtl="0" eaLnBrk="1" latinLnBrk="0" hangingPunct="1">
+    <a:lvl2pPr marL="457200" algn="l" defTabSz="914400" rtl="0" eaLnBrk="1" latinLnBrk="0" hangingPunct="1">
       <a:defRPr sz="1800" kern="1200">
         <a:solidFill>
           <a:schemeClr val="tx1"/>
@@ -46,7 +48,7 @@
         <a:cs typeface="+mn-cs"/>
       </a:defRPr>
     </a:lvl2pPr>
-    <a:lvl3pPr marL="914400" algn="l" defTabSz="457200" rtl="0" eaLnBrk="1" latinLnBrk="0" hangingPunct="1">
+    <a:lvl3pPr marL="914400" algn="l" defTabSz="914400" rtl="0" eaLnBrk="1" latinLnBrk="0" hangingPunct="1">
       <a:defRPr sz="1800" kern="1200">
         <a:solidFill>
           <a:schemeClr val="tx1"/>
@@ -56,7 +58,7 @@
         <a:cs typeface="+mn-cs"/>
       </a:defRPr>
     </a:lvl3pPr>
-    <a:lvl4pPr marL="1371600" algn="l" defTabSz="457200" rtl="0" eaLnBrk="1" latinLnBrk="0" hangingPunct="1">
+    <a:lvl4pPr marL="1371600" algn="l" defTabSz="914400" rtl="0" eaLnBrk="1" latinLnBrk="0" hangingPunct="1">
       <a:defRPr sz="1800" kern="1200">
         <a:solidFill>
           <a:schemeClr val="tx1"/>
@@ -66,7 +68,7 @@
         <a:cs typeface="+mn-cs"/>
       </a:defRPr>
     </a:lvl4pPr>
-    <a:lvl5pPr marL="1828800" algn="l" defTabSz="457200" rtl="0" eaLnBrk="1" latinLnBrk="0" hangingPunct="1">
+    <a:lvl5pPr marL="1828800" algn="l" defTabSz="914400" rtl="0" eaLnBrk="1" latinLnBrk="0" hangingPunct="1">
       <a:defRPr sz="1800" kern="1200">
         <a:solidFill>
           <a:schemeClr val="tx1"/>
@@ -76,7 +78,7 @@
         <a:cs typeface="+mn-cs"/>
       </a:defRPr>
     </a:lvl5pPr>
-    <a:lvl6pPr marL="2286000" algn="l" defTabSz="457200" rtl="0" eaLnBrk="1" latinLnBrk="0" hangingPunct="1">
+    <a:lvl6pPr marL="2286000" algn="l" defTabSz="914400" rtl="0" eaLnBrk="1" latinLnBrk="0" hangingPunct="1">
       <a:defRPr sz="1800" kern="1200">
         <a:solidFill>
           <a:schemeClr val="tx1"/>
@@ -86,7 +88,7 @@
         <a:cs typeface="+mn-cs"/>
       </a:defRPr>
     </a:lvl6pPr>
-    <a:lvl7pPr marL="2743200" algn="l" defTabSz="457200" rtl="0" eaLnBrk="1" latinLnBrk="0" hangingPunct="1">
+    <a:lvl7pPr marL="2743200" algn="l" defTabSz="914400" rtl="0" eaLnBrk="1" latinLnBrk="0" hangingPunct="1">
       <a:defRPr sz="1800" kern="1200">
         <a:solidFill>
           <a:schemeClr val="tx1"/>
@@ -96,7 +98,7 @@
         <a:cs typeface="+mn-cs"/>
       </a:defRPr>
     </a:lvl7pPr>
-    <a:lvl8pPr marL="3200400" algn="l" defTabSz="457200" rtl="0" eaLnBrk="1" latinLnBrk="0" hangingPunct="1">
+    <a:lvl8pPr marL="3200400" algn="l" defTabSz="914400" rtl="0" eaLnBrk="1" latinLnBrk="0" hangingPunct="1">
       <a:defRPr sz="1800" kern="1200">
         <a:solidFill>
           <a:schemeClr val="tx1"/>
@@ -106,7 +108,7 @@
         <a:cs typeface="+mn-cs"/>
       </a:defRPr>
     </a:lvl8pPr>
-    <a:lvl9pPr marL="3657600" algn="l" defTabSz="457200" rtl="0" eaLnBrk="1" latinLnBrk="0" hangingPunct="1">
+    <a:lvl9pPr marL="3657600" algn="l" defTabSz="914400" rtl="0" eaLnBrk="1" latinLnBrk="0" hangingPunct="1">
       <a:defRPr sz="1800" kern="1200">
         <a:solidFill>
           <a:schemeClr val="tx1"/>
@@ -118,6 +120,1184 @@
     </a:lvl9pPr>
   </p:defaultTextStyle>
 </p:presentation>
+</file>
+
+<file path=ppt/charts/chart1.xml><?xml version="1.0" encoding="utf-8"?>
+<c:chartSpace xmlns:c="http://schemas.openxmlformats.org/drawingml/2006/chart" xmlns:a="http://schemas.openxmlformats.org/drawingml/2006/main" xmlns:r="http://schemas.openxmlformats.org/officeDocument/2006/relationships">
+  <c:date1904 val="0"/>
+  <c:lang val="en-GB"/>
+  <c:roundedCorners val="0"/>
+  <mc:AlternateContent xmlns:mc="http://schemas.openxmlformats.org/markup-compatibility/2006">
+    <mc:Choice xmlns:c14="http://schemas.microsoft.com/office/drawing/2007/8/2/chart" Requires="c14">
+      <c14:style val="102"/>
+    </mc:Choice>
+    <mc:Fallback>
+      <c:style val="2"/>
+    </mc:Fallback>
+  </mc:AlternateContent>
+  <c:chart>
+    <c:autoTitleDeleted val="1"/>
+    <c:view3D>
+      <c:rotX val="50"/>
+      <c:rotY val="0"/>
+      <c:rAngAx val="0"/>
+      <c:perspective val="30"/>
+    </c:view3D>
+    <c:floor>
+      <c:thickness val="0"/>
+    </c:floor>
+    <c:sideWall>
+      <c:thickness val="0"/>
+    </c:sideWall>
+    <c:backWall>
+      <c:thickness val="0"/>
+    </c:backWall>
+    <c:plotArea>
+      <c:layout/>
+      <c:pie3DChart>
+        <c:varyColors val="1"/>
+        <c:ser>
+          <c:idx val="0"/>
+          <c:order val="0"/>
+          <c:tx>
+            <c:strRef>
+              <c:f>Sheet1!$B$1</c:f>
+              <c:strCache>
+                <c:ptCount val="1"/>
+                <c:pt idx="0">
+                  <c:v>Sales</c:v>
+                </c:pt>
+              </c:strCache>
+            </c:strRef>
+          </c:tx>
+          <c:spPr>
+            <a:ln>
+              <a:noFill/>
+            </a:ln>
+            <a:scene3d>
+              <a:camera prst="orthographicFront"/>
+              <a:lightRig rig="threePt" dir="t"/>
+            </a:scene3d>
+            <a:sp3d/>
+          </c:spPr>
+          <c:dPt>
+            <c:idx val="0"/>
+            <c:bubble3D val="0"/>
+            <c:spPr>
+              <a:gradFill rotWithShape="1">
+                <a:gsLst>
+                  <a:gs pos="0">
+                    <a:schemeClr val="accent5">
+                      <a:shade val="51000"/>
+                      <a:satMod val="130000"/>
+                    </a:schemeClr>
+                  </a:gs>
+                  <a:gs pos="80000">
+                    <a:schemeClr val="accent5">
+                      <a:shade val="93000"/>
+                      <a:satMod val="130000"/>
+                    </a:schemeClr>
+                  </a:gs>
+                  <a:gs pos="100000">
+                    <a:schemeClr val="accent5">
+                      <a:shade val="94000"/>
+                      <a:satMod val="135000"/>
+                    </a:schemeClr>
+                  </a:gs>
+                </a:gsLst>
+                <a:lin ang="16200000" scaled="0"/>
+              </a:gradFill>
+              <a:ln w="9525" cap="flat" cmpd="sng" algn="ctr">
+                <a:noFill/>
+                <a:prstDash val="solid"/>
+              </a:ln>
+              <a:effectLst>
+                <a:outerShdw blurRad="40000" dist="23000" dir="5400000" rotWithShape="0">
+                  <a:srgbClr val="000000">
+                    <a:alpha val="35000"/>
+                  </a:srgbClr>
+                </a:outerShdw>
+              </a:effectLst>
+              <a:scene3d>
+                <a:camera prst="orthographicFront"/>
+                <a:lightRig rig="threePt" dir="t"/>
+              </a:scene3d>
+              <a:sp3d/>
+            </c:spPr>
+          </c:dPt>
+          <c:dPt>
+            <c:idx val="1"/>
+            <c:bubble3D val="0"/>
+            <c:spPr>
+              <a:gradFill rotWithShape="1">
+                <a:gsLst>
+                  <a:gs pos="0">
+                    <a:schemeClr val="accent3">
+                      <a:shade val="51000"/>
+                      <a:satMod val="130000"/>
+                    </a:schemeClr>
+                  </a:gs>
+                  <a:gs pos="80000">
+                    <a:schemeClr val="accent3">
+                      <a:shade val="93000"/>
+                      <a:satMod val="130000"/>
+                    </a:schemeClr>
+                  </a:gs>
+                  <a:gs pos="100000">
+                    <a:schemeClr val="accent3">
+                      <a:shade val="94000"/>
+                      <a:satMod val="135000"/>
+                    </a:schemeClr>
+                  </a:gs>
+                </a:gsLst>
+                <a:lin ang="16200000" scaled="0"/>
+              </a:gradFill>
+              <a:ln w="9525" cap="flat" cmpd="sng" algn="ctr">
+                <a:noFill/>
+                <a:prstDash val="solid"/>
+              </a:ln>
+              <a:effectLst>
+                <a:outerShdw blurRad="40000" dist="23000" dir="5400000" rotWithShape="0">
+                  <a:srgbClr val="000000">
+                    <a:alpha val="35000"/>
+                  </a:srgbClr>
+                </a:outerShdw>
+              </a:effectLst>
+              <a:scene3d>
+                <a:camera prst="orthographicFront"/>
+                <a:lightRig rig="threePt" dir="t"/>
+              </a:scene3d>
+              <a:sp3d/>
+            </c:spPr>
+          </c:dPt>
+          <c:cat>
+            <c:strRef>
+              <c:f>Sheet1!$A$2:$A$3</c:f>
+              <c:strCache>
+                <c:ptCount val="2"/>
+                <c:pt idx="0">
+                  <c:v>1st Qtr</c:v>
+                </c:pt>
+                <c:pt idx="1">
+                  <c:v>2nd Qtr</c:v>
+                </c:pt>
+              </c:strCache>
+            </c:strRef>
+          </c:cat>
+          <c:val>
+            <c:numRef>
+              <c:f>Sheet1!$B$2:$B$3</c:f>
+              <c:numCache>
+                <c:formatCode>General</c:formatCode>
+                <c:ptCount val="2"/>
+                <c:pt idx="0">
+                  <c:v>2</c:v>
+                </c:pt>
+                <c:pt idx="1">
+                  <c:v>98</c:v>
+                </c:pt>
+              </c:numCache>
+            </c:numRef>
+          </c:val>
+        </c:ser>
+        <c:dLbls>
+          <c:showLegendKey val="0"/>
+          <c:showVal val="0"/>
+          <c:showCatName val="0"/>
+          <c:showSerName val="0"/>
+          <c:showPercent val="0"/>
+          <c:showBubbleSize val="0"/>
+          <c:showLeaderLines val="1"/>
+        </c:dLbls>
+      </c:pie3DChart>
+    </c:plotArea>
+    <c:plotVisOnly val="1"/>
+    <c:dispBlanksAs val="gap"/>
+    <c:showDLblsOverMax val="0"/>
+  </c:chart>
+  <c:txPr>
+    <a:bodyPr/>
+    <a:lstStyle/>
+    <a:p>
+      <a:pPr>
+        <a:defRPr sz="1800"/>
+      </a:pPr>
+      <a:endParaRPr lang="en-US"/>
+    </a:p>
+  </c:txPr>
+  <c:externalData r:id="rId1">
+    <c:autoUpdate val="0"/>
+  </c:externalData>
+</c:chartSpace>
+</file>
+
+<file path=ppt/charts/chart2.xml><?xml version="1.0" encoding="utf-8"?>
+<c:chartSpace xmlns:c="http://schemas.openxmlformats.org/drawingml/2006/chart" xmlns:a="http://schemas.openxmlformats.org/drawingml/2006/main" xmlns:r="http://schemas.openxmlformats.org/officeDocument/2006/relationships">
+  <c:date1904 val="0"/>
+  <c:lang val="en-GB"/>
+  <c:roundedCorners val="0"/>
+  <mc:AlternateContent xmlns:mc="http://schemas.openxmlformats.org/markup-compatibility/2006">
+    <mc:Choice xmlns:c14="http://schemas.microsoft.com/office/drawing/2007/8/2/chart" Requires="c14">
+      <c14:style val="102"/>
+    </mc:Choice>
+    <mc:Fallback>
+      <c:style val="2"/>
+    </mc:Fallback>
+  </mc:AlternateContent>
+  <c:chart>
+    <c:autoTitleDeleted val="1"/>
+    <c:view3D>
+      <c:rotX val="50"/>
+      <c:rotY val="0"/>
+      <c:rAngAx val="0"/>
+      <c:perspective val="30"/>
+    </c:view3D>
+    <c:floor>
+      <c:thickness val="0"/>
+    </c:floor>
+    <c:sideWall>
+      <c:thickness val="0"/>
+    </c:sideWall>
+    <c:backWall>
+      <c:thickness val="0"/>
+    </c:backWall>
+    <c:plotArea>
+      <c:layout/>
+      <c:pie3DChart>
+        <c:varyColors val="1"/>
+        <c:ser>
+          <c:idx val="0"/>
+          <c:order val="0"/>
+          <c:tx>
+            <c:strRef>
+              <c:f>Sheet1!$B$1</c:f>
+              <c:strCache>
+                <c:ptCount val="1"/>
+                <c:pt idx="0">
+                  <c:v>Sales</c:v>
+                </c:pt>
+              </c:strCache>
+            </c:strRef>
+          </c:tx>
+          <c:spPr>
+            <a:ln>
+              <a:noFill/>
+            </a:ln>
+            <a:scene3d>
+              <a:camera prst="orthographicFront"/>
+              <a:lightRig rig="threePt" dir="t"/>
+            </a:scene3d>
+            <a:sp3d prstMaterial="plastic"/>
+          </c:spPr>
+          <c:dPt>
+            <c:idx val="0"/>
+            <c:bubble3D val="0"/>
+            <c:spPr>
+              <a:gradFill rotWithShape="1">
+                <a:gsLst>
+                  <a:gs pos="0">
+                    <a:schemeClr val="accent5">
+                      <a:shade val="51000"/>
+                      <a:satMod val="130000"/>
+                    </a:schemeClr>
+                  </a:gs>
+                  <a:gs pos="80000">
+                    <a:schemeClr val="accent5">
+                      <a:shade val="93000"/>
+                      <a:satMod val="130000"/>
+                    </a:schemeClr>
+                  </a:gs>
+                  <a:gs pos="100000">
+                    <a:schemeClr val="accent5">
+                      <a:shade val="94000"/>
+                      <a:satMod val="135000"/>
+                    </a:schemeClr>
+                  </a:gs>
+                </a:gsLst>
+                <a:lin ang="16200000" scaled="0"/>
+              </a:gradFill>
+              <a:ln w="9525" cap="flat" cmpd="sng" algn="ctr">
+                <a:noFill/>
+                <a:prstDash val="solid"/>
+              </a:ln>
+              <a:effectLst>
+                <a:outerShdw blurRad="40000" dist="23000" dir="5400000" rotWithShape="0">
+                  <a:srgbClr val="000000">
+                    <a:alpha val="35000"/>
+                  </a:srgbClr>
+                </a:outerShdw>
+              </a:effectLst>
+              <a:scene3d>
+                <a:camera prst="orthographicFront"/>
+                <a:lightRig rig="threePt" dir="t"/>
+              </a:scene3d>
+              <a:sp3d prstMaterial="plastic"/>
+            </c:spPr>
+          </c:dPt>
+          <c:dPt>
+            <c:idx val="1"/>
+            <c:bubble3D val="0"/>
+            <c:spPr>
+              <a:gradFill rotWithShape="1">
+                <a:gsLst>
+                  <a:gs pos="0">
+                    <a:schemeClr val="accent3">
+                      <a:shade val="51000"/>
+                      <a:satMod val="130000"/>
+                    </a:schemeClr>
+                  </a:gs>
+                  <a:gs pos="80000">
+                    <a:schemeClr val="accent3">
+                      <a:shade val="93000"/>
+                      <a:satMod val="130000"/>
+                    </a:schemeClr>
+                  </a:gs>
+                  <a:gs pos="100000">
+                    <a:schemeClr val="accent3">
+                      <a:shade val="94000"/>
+                      <a:satMod val="135000"/>
+                    </a:schemeClr>
+                  </a:gs>
+                </a:gsLst>
+                <a:lin ang="16200000" scaled="0"/>
+              </a:gradFill>
+              <a:ln w="9525" cap="flat" cmpd="sng" algn="ctr">
+                <a:noFill/>
+                <a:prstDash val="solid"/>
+              </a:ln>
+              <a:effectLst>
+                <a:outerShdw blurRad="40000" dist="23000" dir="5400000" rotWithShape="0">
+                  <a:srgbClr val="000000">
+                    <a:alpha val="35000"/>
+                  </a:srgbClr>
+                </a:outerShdw>
+              </a:effectLst>
+              <a:scene3d>
+                <a:camera prst="orthographicFront"/>
+                <a:lightRig rig="threePt" dir="t"/>
+              </a:scene3d>
+              <a:sp3d prstMaterial="plastic"/>
+            </c:spPr>
+          </c:dPt>
+          <c:cat>
+            <c:strRef>
+              <c:f>Sheet1!$A$2:$A$3</c:f>
+              <c:strCache>
+                <c:ptCount val="2"/>
+                <c:pt idx="0">
+                  <c:v>1st Qtr</c:v>
+                </c:pt>
+                <c:pt idx="1">
+                  <c:v>2nd Qtr</c:v>
+                </c:pt>
+              </c:strCache>
+            </c:strRef>
+          </c:cat>
+          <c:val>
+            <c:numRef>
+              <c:f>Sheet1!$B$2:$B$3</c:f>
+              <c:numCache>
+                <c:formatCode>General</c:formatCode>
+                <c:ptCount val="2"/>
+                <c:pt idx="0">
+                  <c:v>50</c:v>
+                </c:pt>
+                <c:pt idx="1">
+                  <c:v>50</c:v>
+                </c:pt>
+              </c:numCache>
+            </c:numRef>
+          </c:val>
+        </c:ser>
+        <c:dLbls>
+          <c:showLegendKey val="0"/>
+          <c:showVal val="0"/>
+          <c:showCatName val="0"/>
+          <c:showSerName val="0"/>
+          <c:showPercent val="0"/>
+          <c:showBubbleSize val="0"/>
+          <c:showLeaderLines val="1"/>
+        </c:dLbls>
+      </c:pie3DChart>
+    </c:plotArea>
+    <c:plotVisOnly val="1"/>
+    <c:dispBlanksAs val="gap"/>
+    <c:showDLblsOverMax val="0"/>
+  </c:chart>
+  <c:spPr>
+    <a:effectLst>
+      <a:softEdge rad="31750"/>
+    </a:effectLst>
+    <a:scene3d>
+      <a:camera prst="orthographicFront"/>
+      <a:lightRig rig="threePt" dir="t"/>
+    </a:scene3d>
+    <a:sp3d prstMaterial="dkEdge"/>
+  </c:spPr>
+  <c:txPr>
+    <a:bodyPr/>
+    <a:lstStyle/>
+    <a:p>
+      <a:pPr>
+        <a:defRPr sz="1800"/>
+      </a:pPr>
+      <a:endParaRPr lang="en-US"/>
+    </a:p>
+  </c:txPr>
+  <c:externalData r:id="rId1">
+    <c:autoUpdate val="0"/>
+  </c:externalData>
+</c:chartSpace>
+</file>
+
+<file path=ppt/notesMasters/notesMaster1.xml><?xml version="1.0" encoding="utf-8"?>
+<p:notesMaster xmlns:a="http://schemas.openxmlformats.org/drawingml/2006/main" xmlns:r="http://schemas.openxmlformats.org/officeDocument/2006/relationships" xmlns:p="http://schemas.openxmlformats.org/presentationml/2006/main">
+  <p:cSld>
+    <p:bg>
+      <p:bgRef idx="1001">
+        <a:schemeClr val="bg1"/>
+      </p:bgRef>
+    </p:bg>
+    <p:spTree>
+      <p:nvGrpSpPr>
+        <p:cNvPr id="1" name=""/>
+        <p:cNvGrpSpPr/>
+        <p:nvPr/>
+      </p:nvGrpSpPr>
+      <p:grpSpPr>
+        <a:xfrm>
+          <a:off x="0" y="0"/>
+          <a:ext cx="0" cy="0"/>
+          <a:chOff x="0" y="0"/>
+          <a:chExt cx="0" cy="0"/>
+        </a:xfrm>
+      </p:grpSpPr>
+      <p:sp>
+        <p:nvSpPr>
+          <p:cNvPr id="2" name="Header Placeholder 1"/>
+          <p:cNvSpPr>
+            <a:spLocks noGrp="1"/>
+          </p:cNvSpPr>
+          <p:nvPr>
+            <p:ph type="hdr" sz="quarter"/>
+          </p:nvPr>
+        </p:nvSpPr>
+        <p:spPr>
+          <a:xfrm>
+            <a:off x="0" y="0"/>
+            <a:ext cx="2971800" cy="457200"/>
+          </a:xfrm>
+          <a:prstGeom prst="rect">
+            <a:avLst/>
+          </a:prstGeom>
+        </p:spPr>
+        <p:txBody>
+          <a:bodyPr vert="horz" lIns="91440" tIns="45720" rIns="91440" bIns="45720" rtlCol="0"/>
+          <a:lstStyle>
+            <a:lvl1pPr algn="l">
+              <a:defRPr sz="1200"/>
+            </a:lvl1pPr>
+          </a:lstStyle>
+          <a:p>
+            <a:endParaRPr lang="en-GB"/>
+          </a:p>
+        </p:txBody>
+      </p:sp>
+      <p:sp>
+        <p:nvSpPr>
+          <p:cNvPr id="3" name="Date Placeholder 2"/>
+          <p:cNvSpPr>
+            <a:spLocks noGrp="1"/>
+          </p:cNvSpPr>
+          <p:nvPr>
+            <p:ph type="dt" idx="1"/>
+          </p:nvPr>
+        </p:nvSpPr>
+        <p:spPr>
+          <a:xfrm>
+            <a:off x="3884613" y="0"/>
+            <a:ext cx="2971800" cy="457200"/>
+          </a:xfrm>
+          <a:prstGeom prst="rect">
+            <a:avLst/>
+          </a:prstGeom>
+        </p:spPr>
+        <p:txBody>
+          <a:bodyPr vert="horz" lIns="91440" tIns="45720" rIns="91440" bIns="45720" rtlCol="0"/>
+          <a:lstStyle>
+            <a:lvl1pPr algn="r">
+              <a:defRPr sz="1200"/>
+            </a:lvl1pPr>
+          </a:lstStyle>
+          <a:p>
+            <a:fld id="{D2D90C8E-9ABA-428A-AE3B-7180319A3F53}" type="datetimeFigureOut">
+              <a:rPr lang="en-GB" smtClean="0"/>
+              <a:t>30/05/2012</a:t>
+            </a:fld>
+            <a:endParaRPr lang="en-GB"/>
+          </a:p>
+        </p:txBody>
+      </p:sp>
+      <p:sp>
+        <p:nvSpPr>
+          <p:cNvPr id="4" name="Slide Image Placeholder 3"/>
+          <p:cNvSpPr>
+            <a:spLocks noGrp="1" noRot="1" noChangeAspect="1"/>
+          </p:cNvSpPr>
+          <p:nvPr>
+            <p:ph type="sldImg" idx="2"/>
+          </p:nvPr>
+        </p:nvSpPr>
+        <p:spPr>
+          <a:xfrm>
+            <a:off x="1143000" y="685800"/>
+            <a:ext cx="4572000" cy="3429000"/>
+          </a:xfrm>
+          <a:prstGeom prst="rect">
+            <a:avLst/>
+          </a:prstGeom>
+          <a:noFill/>
+          <a:ln w="12700">
+            <a:solidFill>
+              <a:prstClr val="black"/>
+            </a:solidFill>
+          </a:ln>
+        </p:spPr>
+        <p:txBody>
+          <a:bodyPr vert="horz" lIns="91440" tIns="45720" rIns="91440" bIns="45720" rtlCol="0" anchor="ctr"/>
+          <a:lstStyle/>
+          <a:p>
+            <a:endParaRPr lang="en-GB"/>
+          </a:p>
+        </p:txBody>
+      </p:sp>
+      <p:sp>
+        <p:nvSpPr>
+          <p:cNvPr id="5" name="Notes Placeholder 4"/>
+          <p:cNvSpPr>
+            <a:spLocks noGrp="1"/>
+          </p:cNvSpPr>
+          <p:nvPr>
+            <p:ph type="body" sz="quarter" idx="3"/>
+          </p:nvPr>
+        </p:nvSpPr>
+        <p:spPr>
+          <a:xfrm>
+            <a:off x="685800" y="4343400"/>
+            <a:ext cx="5486400" cy="4114800"/>
+          </a:xfrm>
+          <a:prstGeom prst="rect">
+            <a:avLst/>
+          </a:prstGeom>
+        </p:spPr>
+        <p:txBody>
+          <a:bodyPr vert="horz" lIns="91440" tIns="45720" rIns="91440" bIns="45720" rtlCol="0"/>
+          <a:lstStyle/>
+          <a:p>
+            <a:pPr lvl="0"/>
+            <a:r>
+              <a:rPr lang="en-US" smtClean="0"/>
+              <a:t>Click to edit Master text styles</a:t>
+            </a:r>
+          </a:p>
+          <a:p>
+            <a:pPr lvl="1"/>
+            <a:r>
+              <a:rPr lang="en-US" smtClean="0"/>
+              <a:t>Second level</a:t>
+            </a:r>
+          </a:p>
+          <a:p>
+            <a:pPr lvl="2"/>
+            <a:r>
+              <a:rPr lang="en-US" smtClean="0"/>
+              <a:t>Third level</a:t>
+            </a:r>
+          </a:p>
+          <a:p>
+            <a:pPr lvl="3"/>
+            <a:r>
+              <a:rPr lang="en-US" smtClean="0"/>
+              <a:t>Fourth level</a:t>
+            </a:r>
+          </a:p>
+          <a:p>
+            <a:pPr lvl="4"/>
+            <a:r>
+              <a:rPr lang="en-US" smtClean="0"/>
+              <a:t>Fifth level</a:t>
+            </a:r>
+            <a:endParaRPr lang="en-GB"/>
+          </a:p>
+        </p:txBody>
+      </p:sp>
+      <p:sp>
+        <p:nvSpPr>
+          <p:cNvPr id="6" name="Footer Placeholder 5"/>
+          <p:cNvSpPr>
+            <a:spLocks noGrp="1"/>
+          </p:cNvSpPr>
+          <p:nvPr>
+            <p:ph type="ftr" sz="quarter" idx="4"/>
+          </p:nvPr>
+        </p:nvSpPr>
+        <p:spPr>
+          <a:xfrm>
+            <a:off x="0" y="8685213"/>
+            <a:ext cx="2971800" cy="457200"/>
+          </a:xfrm>
+          <a:prstGeom prst="rect">
+            <a:avLst/>
+          </a:prstGeom>
+        </p:spPr>
+        <p:txBody>
+          <a:bodyPr vert="horz" lIns="91440" tIns="45720" rIns="91440" bIns="45720" rtlCol="0" anchor="b"/>
+          <a:lstStyle>
+            <a:lvl1pPr algn="l">
+              <a:defRPr sz="1200"/>
+            </a:lvl1pPr>
+          </a:lstStyle>
+          <a:p>
+            <a:endParaRPr lang="en-GB"/>
+          </a:p>
+        </p:txBody>
+      </p:sp>
+      <p:sp>
+        <p:nvSpPr>
+          <p:cNvPr id="7" name="Slide Number Placeholder 6"/>
+          <p:cNvSpPr>
+            <a:spLocks noGrp="1"/>
+          </p:cNvSpPr>
+          <p:nvPr>
+            <p:ph type="sldNum" sz="quarter" idx="5"/>
+          </p:nvPr>
+        </p:nvSpPr>
+        <p:spPr>
+          <a:xfrm>
+            <a:off x="3884613" y="8685213"/>
+            <a:ext cx="2971800" cy="457200"/>
+          </a:xfrm>
+          <a:prstGeom prst="rect">
+            <a:avLst/>
+          </a:prstGeom>
+        </p:spPr>
+        <p:txBody>
+          <a:bodyPr vert="horz" lIns="91440" tIns="45720" rIns="91440" bIns="45720" rtlCol="0" anchor="b"/>
+          <a:lstStyle>
+            <a:lvl1pPr algn="r">
+              <a:defRPr sz="1200"/>
+            </a:lvl1pPr>
+          </a:lstStyle>
+          <a:p>
+            <a:fld id="{359ABEBD-ED10-45EA-AD6C-D56FB4AE805F}" type="slidenum">
+              <a:rPr lang="en-GB" smtClean="0"/>
+              <a:t>‹#›</a:t>
+            </a:fld>
+            <a:endParaRPr lang="en-GB"/>
+          </a:p>
+        </p:txBody>
+      </p:sp>
+    </p:spTree>
+    <p:extLst>
+      <p:ext uri="{BB962C8B-B14F-4D97-AF65-F5344CB8AC3E}">
+        <p14:creationId xmlns:p14="http://schemas.microsoft.com/office/powerpoint/2010/main" val="3744654394"/>
+      </p:ext>
+    </p:extLst>
+  </p:cSld>
+  <p:clrMap bg1="lt1" tx1="dk1" bg2="lt2" tx2="dk2" accent1="accent1" accent2="accent2" accent3="accent3" accent4="accent4" accent5="accent5" accent6="accent6" hlink="hlink" folHlink="folHlink"/>
+  <p:notesStyle>
+    <a:lvl1pPr marL="0" algn="l" defTabSz="914400" rtl="0" eaLnBrk="1" latinLnBrk="0" hangingPunct="1">
+      <a:defRPr sz="1200" kern="1200">
+        <a:solidFill>
+          <a:schemeClr val="tx1"/>
+        </a:solidFill>
+        <a:latin typeface="+mn-lt"/>
+        <a:ea typeface="+mn-ea"/>
+        <a:cs typeface="+mn-cs"/>
+      </a:defRPr>
+    </a:lvl1pPr>
+    <a:lvl2pPr marL="457200" algn="l" defTabSz="914400" rtl="0" eaLnBrk="1" latinLnBrk="0" hangingPunct="1">
+      <a:defRPr sz="1200" kern="1200">
+        <a:solidFill>
+          <a:schemeClr val="tx1"/>
+        </a:solidFill>
+        <a:latin typeface="+mn-lt"/>
+        <a:ea typeface="+mn-ea"/>
+        <a:cs typeface="+mn-cs"/>
+      </a:defRPr>
+    </a:lvl2pPr>
+    <a:lvl3pPr marL="914400" algn="l" defTabSz="914400" rtl="0" eaLnBrk="1" latinLnBrk="0" hangingPunct="1">
+      <a:defRPr sz="1200" kern="1200">
+        <a:solidFill>
+          <a:schemeClr val="tx1"/>
+        </a:solidFill>
+        <a:latin typeface="+mn-lt"/>
+        <a:ea typeface="+mn-ea"/>
+        <a:cs typeface="+mn-cs"/>
+      </a:defRPr>
+    </a:lvl3pPr>
+    <a:lvl4pPr marL="1371600" algn="l" defTabSz="914400" rtl="0" eaLnBrk="1" latinLnBrk="0" hangingPunct="1">
+      <a:defRPr sz="1200" kern="1200">
+        <a:solidFill>
+          <a:schemeClr val="tx1"/>
+        </a:solidFill>
+        <a:latin typeface="+mn-lt"/>
+        <a:ea typeface="+mn-ea"/>
+        <a:cs typeface="+mn-cs"/>
+      </a:defRPr>
+    </a:lvl4pPr>
+    <a:lvl5pPr marL="1828800" algn="l" defTabSz="914400" rtl="0" eaLnBrk="1" latinLnBrk="0" hangingPunct="1">
+      <a:defRPr sz="1200" kern="1200">
+        <a:solidFill>
+          <a:schemeClr val="tx1"/>
+        </a:solidFill>
+        <a:latin typeface="+mn-lt"/>
+        <a:ea typeface="+mn-ea"/>
+        <a:cs typeface="+mn-cs"/>
+      </a:defRPr>
+    </a:lvl5pPr>
+    <a:lvl6pPr marL="2286000" algn="l" defTabSz="914400" rtl="0" eaLnBrk="1" latinLnBrk="0" hangingPunct="1">
+      <a:defRPr sz="1200" kern="1200">
+        <a:solidFill>
+          <a:schemeClr val="tx1"/>
+        </a:solidFill>
+        <a:latin typeface="+mn-lt"/>
+        <a:ea typeface="+mn-ea"/>
+        <a:cs typeface="+mn-cs"/>
+      </a:defRPr>
+    </a:lvl6pPr>
+    <a:lvl7pPr marL="2743200" algn="l" defTabSz="914400" rtl="0" eaLnBrk="1" latinLnBrk="0" hangingPunct="1">
+      <a:defRPr sz="1200" kern="1200">
+        <a:solidFill>
+          <a:schemeClr val="tx1"/>
+        </a:solidFill>
+        <a:latin typeface="+mn-lt"/>
+        <a:ea typeface="+mn-ea"/>
+        <a:cs typeface="+mn-cs"/>
+      </a:defRPr>
+    </a:lvl7pPr>
+    <a:lvl8pPr marL="3200400" algn="l" defTabSz="914400" rtl="0" eaLnBrk="1" latinLnBrk="0" hangingPunct="1">
+      <a:defRPr sz="1200" kern="1200">
+        <a:solidFill>
+          <a:schemeClr val="tx1"/>
+        </a:solidFill>
+        <a:latin typeface="+mn-lt"/>
+        <a:ea typeface="+mn-ea"/>
+        <a:cs typeface="+mn-cs"/>
+      </a:defRPr>
+    </a:lvl8pPr>
+    <a:lvl9pPr marL="3657600" algn="l" defTabSz="914400" rtl="0" eaLnBrk="1" latinLnBrk="0" hangingPunct="1">
+      <a:defRPr sz="1200" kern="1200">
+        <a:solidFill>
+          <a:schemeClr val="tx1"/>
+        </a:solidFill>
+        <a:latin typeface="+mn-lt"/>
+        <a:ea typeface="+mn-ea"/>
+        <a:cs typeface="+mn-cs"/>
+      </a:defRPr>
+    </a:lvl9pPr>
+  </p:notesStyle>
+</p:notesMaster>
+</file>
+
+<file path=ppt/notesSlides/notesSlide1.xml><?xml version="1.0" encoding="utf-8"?>
+<p:notes xmlns:a="http://schemas.openxmlformats.org/drawingml/2006/main" xmlns:r="http://schemas.openxmlformats.org/officeDocument/2006/relationships" xmlns:p="http://schemas.openxmlformats.org/presentationml/2006/main">
+  <p:cSld>
+    <p:spTree>
+      <p:nvGrpSpPr>
+        <p:cNvPr id="1" name=""/>
+        <p:cNvGrpSpPr/>
+        <p:nvPr/>
+      </p:nvGrpSpPr>
+      <p:grpSpPr>
+        <a:xfrm>
+          <a:off x="0" y="0"/>
+          <a:ext cx="0" cy="0"/>
+          <a:chOff x="0" y="0"/>
+          <a:chExt cx="0" cy="0"/>
+        </a:xfrm>
+      </p:grpSpPr>
+      <p:sp>
+        <p:nvSpPr>
+          <p:cNvPr id="2" name="Slide Image Placeholder 1"/>
+          <p:cNvSpPr>
+            <a:spLocks noGrp="1" noRot="1" noChangeAspect="1"/>
+          </p:cNvSpPr>
+          <p:nvPr>
+            <p:ph type="sldImg"/>
+          </p:nvPr>
+        </p:nvSpPr>
+        <p:spPr/>
+      </p:sp>
+      <p:sp>
+        <p:nvSpPr>
+          <p:cNvPr id="3" name="Notes Placeholder 2"/>
+          <p:cNvSpPr>
+            <a:spLocks noGrp="1"/>
+          </p:cNvSpPr>
+          <p:nvPr>
+            <p:ph type="body" idx="1"/>
+          </p:nvPr>
+        </p:nvSpPr>
+        <p:spPr/>
+        <p:txBody>
+          <a:bodyPr/>
+          <a:lstStyle/>
+          <a:p>
+            <a:endParaRPr lang="en-GB" dirty="0"/>
+          </a:p>
+        </p:txBody>
+      </p:sp>
+      <p:sp>
+        <p:nvSpPr>
+          <p:cNvPr id="4" name="Slide Number Placeholder 3"/>
+          <p:cNvSpPr>
+            <a:spLocks noGrp="1"/>
+          </p:cNvSpPr>
+          <p:nvPr>
+            <p:ph type="sldNum" sz="quarter" idx="10"/>
+          </p:nvPr>
+        </p:nvSpPr>
+        <p:spPr/>
+        <p:txBody>
+          <a:bodyPr/>
+          <a:lstStyle/>
+          <a:p>
+            <a:fld id="{359ABEBD-ED10-45EA-AD6C-D56FB4AE805F}" type="slidenum">
+              <a:rPr lang="en-GB" smtClean="0"/>
+              <a:t>4</a:t>
+            </a:fld>
+            <a:endParaRPr lang="en-GB"/>
+          </a:p>
+        </p:txBody>
+      </p:sp>
+    </p:spTree>
+    <p:extLst>
+      <p:ext uri="{BB962C8B-B14F-4D97-AF65-F5344CB8AC3E}">
+        <p14:creationId xmlns:p14="http://schemas.microsoft.com/office/powerpoint/2010/main" val="2404321946"/>
+      </p:ext>
+    </p:extLst>
+  </p:cSld>
+  <p:clrMapOvr>
+    <a:masterClrMapping/>
+  </p:clrMapOvr>
+</p:notes>
+</file>
+
+<file path=ppt/notesSlides/notesSlide2.xml><?xml version="1.0" encoding="utf-8"?>
+<p:notes xmlns:a="http://schemas.openxmlformats.org/drawingml/2006/main" xmlns:r="http://schemas.openxmlformats.org/officeDocument/2006/relationships" xmlns:p="http://schemas.openxmlformats.org/presentationml/2006/main">
+  <p:cSld>
+    <p:spTree>
+      <p:nvGrpSpPr>
+        <p:cNvPr id="1" name=""/>
+        <p:cNvGrpSpPr/>
+        <p:nvPr/>
+      </p:nvGrpSpPr>
+      <p:grpSpPr>
+        <a:xfrm>
+          <a:off x="0" y="0"/>
+          <a:ext cx="0" cy="0"/>
+          <a:chOff x="0" y="0"/>
+          <a:chExt cx="0" cy="0"/>
+        </a:xfrm>
+      </p:grpSpPr>
+      <p:sp>
+        <p:nvSpPr>
+          <p:cNvPr id="2" name="Slide Image Placeholder 1"/>
+          <p:cNvSpPr>
+            <a:spLocks noGrp="1" noRot="1" noChangeAspect="1"/>
+          </p:cNvSpPr>
+          <p:nvPr>
+            <p:ph type="sldImg"/>
+          </p:nvPr>
+        </p:nvSpPr>
+        <p:spPr/>
+      </p:sp>
+      <p:sp>
+        <p:nvSpPr>
+          <p:cNvPr id="3" name="Notes Placeholder 2"/>
+          <p:cNvSpPr>
+            <a:spLocks noGrp="1"/>
+          </p:cNvSpPr>
+          <p:nvPr>
+            <p:ph type="body" idx="1"/>
+          </p:nvPr>
+        </p:nvSpPr>
+        <p:spPr/>
+        <p:txBody>
+          <a:bodyPr/>
+          <a:lstStyle/>
+          <a:p>
+            <a:pPr marL="0" marR="0" indent="0" algn="l" defTabSz="914400" rtl="0" eaLnBrk="1" fontAlgn="auto" latinLnBrk="0" hangingPunct="1">
+              <a:lnSpc>
+                <a:spcPct val="100000"/>
+              </a:lnSpc>
+              <a:spcBef>
+                <a:spcPts val="0"/>
+              </a:spcBef>
+              <a:spcAft>
+                <a:spcPts val="0"/>
+              </a:spcAft>
+              <a:buClrTx/>
+              <a:buSzTx/>
+              <a:buFontTx/>
+              <a:buNone/>
+              <a:tabLst/>
+              <a:defRPr/>
+            </a:pPr>
+            <a:endParaRPr lang="en-GB" b="1" i="1" dirty="0" smtClean="0"/>
+          </a:p>
+        </p:txBody>
+      </p:sp>
+      <p:sp>
+        <p:nvSpPr>
+          <p:cNvPr id="4" name="Slide Number Placeholder 3"/>
+          <p:cNvSpPr>
+            <a:spLocks noGrp="1"/>
+          </p:cNvSpPr>
+          <p:nvPr>
+            <p:ph type="sldNum" sz="quarter" idx="10"/>
+          </p:nvPr>
+        </p:nvSpPr>
+        <p:spPr/>
+        <p:txBody>
+          <a:bodyPr/>
+          <a:lstStyle/>
+          <a:p>
+            <a:fld id="{359ABEBD-ED10-45EA-AD6C-D56FB4AE805F}" type="slidenum">
+              <a:rPr lang="en-GB" smtClean="0"/>
+              <a:t>5</a:t>
+            </a:fld>
+            <a:endParaRPr lang="en-GB"/>
+          </a:p>
+        </p:txBody>
+      </p:sp>
+    </p:spTree>
+    <p:extLst>
+      <p:ext uri="{BB962C8B-B14F-4D97-AF65-F5344CB8AC3E}">
+        <p14:creationId xmlns:p14="http://schemas.microsoft.com/office/powerpoint/2010/main" val="1464115544"/>
+      </p:ext>
+    </p:extLst>
+  </p:cSld>
+  <p:clrMapOvr>
+    <a:masterClrMapping/>
+  </p:clrMapOvr>
+</p:notes>
+</file>
+
+<file path=ppt/notesSlides/notesSlide3.xml><?xml version="1.0" encoding="utf-8"?>
+<p:notes xmlns:a="http://schemas.openxmlformats.org/drawingml/2006/main" xmlns:r="http://schemas.openxmlformats.org/officeDocument/2006/relationships" xmlns:p="http://schemas.openxmlformats.org/presentationml/2006/main">
+  <p:cSld>
+    <p:spTree>
+      <p:nvGrpSpPr>
+        <p:cNvPr id="1" name=""/>
+        <p:cNvGrpSpPr/>
+        <p:nvPr/>
+      </p:nvGrpSpPr>
+      <p:grpSpPr>
+        <a:xfrm>
+          <a:off x="0" y="0"/>
+          <a:ext cx="0" cy="0"/>
+          <a:chOff x="0" y="0"/>
+          <a:chExt cx="0" cy="0"/>
+        </a:xfrm>
+      </p:grpSpPr>
+      <p:sp>
+        <p:nvSpPr>
+          <p:cNvPr id="2" name="Slide Image Placeholder 1"/>
+          <p:cNvSpPr>
+            <a:spLocks noGrp="1" noRot="1" noChangeAspect="1"/>
+          </p:cNvSpPr>
+          <p:nvPr>
+            <p:ph type="sldImg"/>
+          </p:nvPr>
+        </p:nvSpPr>
+        <p:spPr/>
+      </p:sp>
+      <p:sp>
+        <p:nvSpPr>
+          <p:cNvPr id="3" name="Notes Placeholder 2"/>
+          <p:cNvSpPr>
+            <a:spLocks noGrp="1"/>
+          </p:cNvSpPr>
+          <p:nvPr>
+            <p:ph type="body" idx="1"/>
+          </p:nvPr>
+        </p:nvSpPr>
+        <p:spPr/>
+        <p:txBody>
+          <a:bodyPr/>
+          <a:lstStyle/>
+          <a:p>
+            <a:pPr marL="0" marR="0" indent="0" algn="l" defTabSz="914400" rtl="0" eaLnBrk="1" fontAlgn="auto" latinLnBrk="0" hangingPunct="1">
+              <a:lnSpc>
+                <a:spcPct val="100000"/>
+              </a:lnSpc>
+              <a:spcBef>
+                <a:spcPts val="0"/>
+              </a:spcBef>
+              <a:spcAft>
+                <a:spcPts val="0"/>
+              </a:spcAft>
+              <a:buClrTx/>
+              <a:buSzTx/>
+              <a:buFontTx/>
+              <a:buNone/>
+              <a:tabLst/>
+              <a:defRPr/>
+            </a:pPr>
+            <a:r>
+              <a:rPr lang="en-GB" dirty="0" smtClean="0"/>
+              <a:t>Inspired in the </a:t>
+            </a:r>
+            <a:r>
+              <a:rPr lang="en-GB" dirty="0" err="1" smtClean="0"/>
+              <a:t>subsumption</a:t>
+            </a:r>
+            <a:r>
+              <a:rPr lang="en-GB" dirty="0" smtClean="0"/>
+              <a:t> architecture proposed by Brooks in this famous paper </a:t>
+            </a:r>
+            <a:r>
+              <a:rPr lang="en-GB" b="1" dirty="0" smtClean="0"/>
+              <a:t>“Intelligence Without Representation”</a:t>
+            </a:r>
+          </a:p>
+          <a:p>
+            <a:endParaRPr lang="en-GB" dirty="0"/>
+          </a:p>
+        </p:txBody>
+      </p:sp>
+      <p:sp>
+        <p:nvSpPr>
+          <p:cNvPr id="4" name="Slide Number Placeholder 3"/>
+          <p:cNvSpPr>
+            <a:spLocks noGrp="1"/>
+          </p:cNvSpPr>
+          <p:nvPr>
+            <p:ph type="sldNum" sz="quarter" idx="10"/>
+          </p:nvPr>
+        </p:nvSpPr>
+        <p:spPr/>
+        <p:txBody>
+          <a:bodyPr/>
+          <a:lstStyle/>
+          <a:p>
+            <a:fld id="{359ABEBD-ED10-45EA-AD6C-D56FB4AE805F}" type="slidenum">
+              <a:rPr lang="en-GB" smtClean="0"/>
+              <a:t>6</a:t>
+            </a:fld>
+            <a:endParaRPr lang="en-GB"/>
+          </a:p>
+        </p:txBody>
+      </p:sp>
+    </p:spTree>
+    <p:extLst>
+      <p:ext uri="{BB962C8B-B14F-4D97-AF65-F5344CB8AC3E}">
+        <p14:creationId xmlns:p14="http://schemas.microsoft.com/office/powerpoint/2010/main" val="2967263225"/>
+      </p:ext>
+    </p:extLst>
+  </p:cSld>
+  <p:clrMapOvr>
+    <a:masterClrMapping/>
+  </p:clrMapOvr>
+</p:notes>
+</file>
+
+<file path=ppt/notesSlides/notesSlide4.xml><?xml version="1.0" encoding="utf-8"?>
+<p:notes xmlns:a="http://schemas.openxmlformats.org/drawingml/2006/main" xmlns:r="http://schemas.openxmlformats.org/officeDocument/2006/relationships" xmlns:p="http://schemas.openxmlformats.org/presentationml/2006/main">
+  <p:cSld>
+    <p:spTree>
+      <p:nvGrpSpPr>
+        <p:cNvPr id="1" name=""/>
+        <p:cNvGrpSpPr/>
+        <p:nvPr/>
+      </p:nvGrpSpPr>
+      <p:grpSpPr>
+        <a:xfrm>
+          <a:off x="0" y="0"/>
+          <a:ext cx="0" cy="0"/>
+          <a:chOff x="0" y="0"/>
+          <a:chExt cx="0" cy="0"/>
+        </a:xfrm>
+      </p:grpSpPr>
+      <p:sp>
+        <p:nvSpPr>
+          <p:cNvPr id="2" name="Slide Image Placeholder 1"/>
+          <p:cNvSpPr>
+            <a:spLocks noGrp="1" noRot="1" noChangeAspect="1"/>
+          </p:cNvSpPr>
+          <p:nvPr>
+            <p:ph type="sldImg"/>
+          </p:nvPr>
+        </p:nvSpPr>
+        <p:spPr/>
+      </p:sp>
+      <p:sp>
+        <p:nvSpPr>
+          <p:cNvPr id="3" name="Notes Placeholder 2"/>
+          <p:cNvSpPr>
+            <a:spLocks noGrp="1"/>
+          </p:cNvSpPr>
+          <p:nvPr>
+            <p:ph type="body" idx="1"/>
+          </p:nvPr>
+        </p:nvSpPr>
+        <p:spPr/>
+        <p:txBody>
+          <a:bodyPr/>
+          <a:lstStyle/>
+          <a:p>
+            <a:r>
+              <a:rPr lang="en-GB" dirty="0" smtClean="0"/>
+              <a:t>How does this information about the predator travel through the colony?</a:t>
+            </a:r>
+          </a:p>
+          <a:p>
+            <a:r>
+              <a:rPr lang="en-GB" dirty="0" smtClean="0"/>
+              <a:t>Is the speed of the communication affected by the pheromone trail left by the colony when foraging?</a:t>
+            </a:r>
+          </a:p>
+          <a:p>
+            <a:endParaRPr lang="en-GB" dirty="0"/>
+          </a:p>
+        </p:txBody>
+      </p:sp>
+      <p:sp>
+        <p:nvSpPr>
+          <p:cNvPr id="4" name="Slide Number Placeholder 3"/>
+          <p:cNvSpPr>
+            <a:spLocks noGrp="1"/>
+          </p:cNvSpPr>
+          <p:nvPr>
+            <p:ph type="sldNum" sz="quarter" idx="10"/>
+          </p:nvPr>
+        </p:nvSpPr>
+        <p:spPr/>
+        <p:txBody>
+          <a:bodyPr/>
+          <a:lstStyle/>
+          <a:p>
+            <a:fld id="{359ABEBD-ED10-45EA-AD6C-D56FB4AE805F}" type="slidenum">
+              <a:rPr lang="en-GB" smtClean="0"/>
+              <a:t>9</a:t>
+            </a:fld>
+            <a:endParaRPr lang="en-GB"/>
+          </a:p>
+        </p:txBody>
+      </p:sp>
+    </p:spTree>
+    <p:extLst>
+      <p:ext uri="{BB962C8B-B14F-4D97-AF65-F5344CB8AC3E}">
+        <p14:creationId xmlns:p14="http://schemas.microsoft.com/office/powerpoint/2010/main" val="3229810936"/>
+      </p:ext>
+    </p:extLst>
+  </p:cSld>
+  <p:clrMapOvr>
+    <a:masterClrMapping/>
+  </p:clrMapOvr>
+</p:notes>
 </file>
 
 <file path=ppt/slideLayouts/slideLayout1.xml><?xml version="1.0" encoding="utf-8"?>
@@ -137,6 +1317,36 @@
           <a:chExt cx="0" cy="0"/>
         </a:xfrm>
       </p:grpSpPr>
+      <p:pic>
+        <p:nvPicPr>
+          <p:cNvPr id="8" name="Picture 7"/>
+          <p:cNvPicPr>
+            <a:picLocks noChangeAspect="1"/>
+          </p:cNvPicPr>
+          <p:nvPr userDrawn="1"/>
+        </p:nvPicPr>
+        <p:blipFill>
+          <a:blip r:embed="rId2">
+            <a:extLst>
+              <a:ext uri="{28A0092B-C50C-407E-A947-70E740481C1C}">
+                <a14:useLocalDpi xmlns:a14="http://schemas.microsoft.com/office/drawing/2010/main" val="0"/>
+              </a:ext>
+            </a:extLst>
+          </a:blip>
+          <a:stretch>
+            <a:fillRect/>
+          </a:stretch>
+        </p:blipFill>
+        <p:spPr>
+          <a:xfrm>
+            <a:off x="0" y="0"/>
+            <a:ext cx="9144000" cy="6858000"/>
+          </a:xfrm>
+          <a:prstGeom prst="rect">
+            <a:avLst/>
+          </a:prstGeom>
+        </p:spPr>
+      </p:pic>
       <p:sp>
         <p:nvSpPr>
           <p:cNvPr id="2" name="Title 1"/>
@@ -154,14 +1364,26 @@
           </a:xfrm>
         </p:spPr>
         <p:txBody>
-          <a:bodyPr/>
-          <a:lstStyle/>
-          <a:p>
-            <a:r>
-              <a:rPr lang="en-GB" smtClean="0"/>
+          <a:bodyPr>
+            <a:normAutofit/>
+          </a:bodyPr>
+          <a:lstStyle>
+            <a:lvl1pPr>
+              <a:defRPr sz="4800" b="1">
+                <a:solidFill>
+                  <a:schemeClr val="accent5">
+                    <a:lumMod val="75000"/>
+                  </a:schemeClr>
+                </a:solidFill>
+              </a:defRPr>
+            </a:lvl1pPr>
+          </a:lstStyle>
+          <a:p>
+            <a:r>
+              <a:rPr lang="en-US" dirty="0" smtClean="0"/>
               <a:t>Click to edit Master title style</a:t>
             </a:r>
-            <a:endParaRPr lang="en-US"/>
+            <a:endParaRPr lang="en-GB" dirty="0"/>
           </a:p>
         </p:txBody>
       </p:sp>
@@ -177,7 +1399,7 @@
         </p:nvSpPr>
         <p:spPr>
           <a:xfrm>
-            <a:off x="1371600" y="3886200"/>
+            <a:off x="1371600" y="3645024"/>
             <a:ext cx="6400800" cy="1752600"/>
           </a:xfrm>
         </p:spPr>
@@ -277,10 +1499,10 @@
           </a:lstStyle>
           <a:p>
             <a:r>
-              <a:rPr lang="en-GB" smtClean="0"/>
+              <a:rPr lang="en-US" dirty="0" smtClean="0"/>
               <a:t>Click to edit Master subtitle style</a:t>
             </a:r>
-            <a:endParaRPr lang="en-US"/>
+            <a:endParaRPr lang="en-GB" dirty="0"/>
           </a:p>
         </p:txBody>
       </p:sp>
@@ -299,11 +1521,11 @@
           <a:bodyPr/>
           <a:lstStyle/>
           <a:p>
-            <a:fld id="{47C15FC7-0077-9045-B423-15FE9A927542}" type="datetimeFigureOut">
-              <a:rPr lang="en-US" smtClean="0"/>
-              <a:t>20/05/2012</a:t>
+            <a:fld id="{70186140-57E4-4B6F-BB49-D5C1E28E250A}" type="datetimeFigureOut">
+              <a:rPr lang="en-GB" smtClean="0"/>
+              <a:t>30/05/2012</a:t>
             </a:fld>
-            <a:endParaRPr lang="en-US"/>
+            <a:endParaRPr lang="en-GB"/>
           </a:p>
         </p:txBody>
       </p:sp>
@@ -322,7 +1544,7 @@
           <a:bodyPr/>
           <a:lstStyle/>
           <a:p>
-            <a:endParaRPr lang="en-US"/>
+            <a:endParaRPr lang="en-GB"/>
           </a:p>
         </p:txBody>
       </p:sp>
@@ -341,25 +1563,31 @@
           <a:bodyPr/>
           <a:lstStyle/>
           <a:p>
-            <a:fld id="{FA84A37A-AFC2-4A01-80A1-FC20F2C0D5BB}" type="slidenum">
-              <a:rPr lang="en-US" smtClean="0"/>
-              <a:pPr/>
+            <a:fld id="{1AC77A6C-4FB5-42D8-8AB1-FA715EF84ECB}" type="slidenum">
+              <a:rPr lang="en-GB" smtClean="0"/>
               <a:t>‹#›</a:t>
             </a:fld>
-            <a:endParaRPr lang="en-US" dirty="0"/>
+            <a:endParaRPr lang="en-GB"/>
           </a:p>
         </p:txBody>
       </p:sp>
     </p:spTree>
     <p:extLst>
       <p:ext uri="{BB962C8B-B14F-4D97-AF65-F5344CB8AC3E}">
-        <p14:creationId xmlns:p14="http://schemas.microsoft.com/office/powerpoint/2010/main" val="587245906"/>
+        <p14:creationId xmlns:p14="http://schemas.microsoft.com/office/powerpoint/2010/main" val="1289881598"/>
       </p:ext>
     </p:extLst>
   </p:cSld>
   <p:clrMapOvr>
     <a:masterClrMapping/>
   </p:clrMapOvr>
+  <p:timing>
+    <p:tnLst>
+      <p:par>
+        <p:cTn id="1" dur="indefinite" restart="never" nodeType="tmRoot"/>
+      </p:par>
+    </p:tnLst>
+  </p:timing>
 </p:sldLayout>
 </file>
 
@@ -396,10 +1624,10 @@
           <a:lstStyle/>
           <a:p>
             <a:r>
-              <a:rPr lang="en-GB" smtClean="0"/>
+              <a:rPr lang="en-US" smtClean="0"/>
               <a:t>Click to edit Master title style</a:t>
             </a:r>
-            <a:endParaRPr lang="en-US"/>
+            <a:endParaRPr lang="en-GB"/>
           </a:p>
         </p:txBody>
       </p:sp>
@@ -420,38 +1648,38 @@
           <a:p>
             <a:pPr lvl="0"/>
             <a:r>
-              <a:rPr lang="en-GB" smtClean="0"/>
+              <a:rPr lang="en-US" smtClean="0"/>
               <a:t>Click to edit Master text styles</a:t>
             </a:r>
           </a:p>
           <a:p>
             <a:pPr lvl="1"/>
             <a:r>
-              <a:rPr lang="en-GB" smtClean="0"/>
+              <a:rPr lang="en-US" smtClean="0"/>
               <a:t>Second level</a:t>
             </a:r>
           </a:p>
           <a:p>
             <a:pPr lvl="2"/>
             <a:r>
-              <a:rPr lang="en-GB" smtClean="0"/>
+              <a:rPr lang="en-US" smtClean="0"/>
               <a:t>Third level</a:t>
             </a:r>
           </a:p>
           <a:p>
             <a:pPr lvl="3"/>
             <a:r>
-              <a:rPr lang="en-GB" smtClean="0"/>
+              <a:rPr lang="en-US" smtClean="0"/>
               <a:t>Fourth level</a:t>
             </a:r>
           </a:p>
           <a:p>
             <a:pPr lvl="4"/>
             <a:r>
-              <a:rPr lang="en-GB" smtClean="0"/>
+              <a:rPr lang="en-US" smtClean="0"/>
               <a:t>Fifth level</a:t>
             </a:r>
-            <a:endParaRPr lang="en-US"/>
+            <a:endParaRPr lang="en-GB"/>
           </a:p>
         </p:txBody>
       </p:sp>
@@ -470,11 +1698,11 @@
           <a:bodyPr/>
           <a:lstStyle/>
           <a:p>
-            <a:fld id="{47C15FC7-0077-9045-B423-15FE9A927542}" type="datetimeFigureOut">
-              <a:rPr lang="en-US" smtClean="0"/>
-              <a:t>20/05/2012</a:t>
+            <a:fld id="{70186140-57E4-4B6F-BB49-D5C1E28E250A}" type="datetimeFigureOut">
+              <a:rPr lang="en-GB" smtClean="0"/>
+              <a:t>30/05/2012</a:t>
             </a:fld>
-            <a:endParaRPr lang="en-US"/>
+            <a:endParaRPr lang="en-GB"/>
           </a:p>
         </p:txBody>
       </p:sp>
@@ -493,7 +1721,7 @@
           <a:bodyPr/>
           <a:lstStyle/>
           <a:p>
-            <a:endParaRPr lang="en-US"/>
+            <a:endParaRPr lang="en-GB"/>
           </a:p>
         </p:txBody>
       </p:sp>
@@ -512,18 +1740,18 @@
           <a:bodyPr/>
           <a:lstStyle/>
           <a:p>
-            <a:fld id="{2647D3E8-CB8F-A24E-B4C0-CD89BE99CF35}" type="slidenum">
-              <a:rPr lang="en-US" smtClean="0"/>
+            <a:fld id="{1AC77A6C-4FB5-42D8-8AB1-FA715EF84ECB}" type="slidenum">
+              <a:rPr lang="en-GB" smtClean="0"/>
               <a:t>‹#›</a:t>
             </a:fld>
-            <a:endParaRPr lang="en-US"/>
+            <a:endParaRPr lang="en-GB"/>
           </a:p>
         </p:txBody>
       </p:sp>
     </p:spTree>
     <p:extLst>
       <p:ext uri="{BB962C8B-B14F-4D97-AF65-F5344CB8AC3E}">
-        <p14:creationId xmlns:p14="http://schemas.microsoft.com/office/powerpoint/2010/main" val="995786535"/>
+        <p14:creationId xmlns:p14="http://schemas.microsoft.com/office/powerpoint/2010/main" val="1924214043"/>
       </p:ext>
     </p:extLst>
   </p:cSld>
@@ -571,10 +1799,10 @@
           <a:lstStyle/>
           <a:p>
             <a:r>
-              <a:rPr lang="en-GB" smtClean="0"/>
+              <a:rPr lang="en-US" smtClean="0"/>
               <a:t>Click to edit Master title style</a:t>
             </a:r>
-            <a:endParaRPr lang="en-US"/>
+            <a:endParaRPr lang="en-GB"/>
           </a:p>
         </p:txBody>
       </p:sp>
@@ -600,38 +1828,38 @@
           <a:p>
             <a:pPr lvl="0"/>
             <a:r>
-              <a:rPr lang="en-GB" smtClean="0"/>
+              <a:rPr lang="en-US" smtClean="0"/>
               <a:t>Click to edit Master text styles</a:t>
             </a:r>
           </a:p>
           <a:p>
             <a:pPr lvl="1"/>
             <a:r>
-              <a:rPr lang="en-GB" smtClean="0"/>
+              <a:rPr lang="en-US" smtClean="0"/>
               <a:t>Second level</a:t>
             </a:r>
           </a:p>
           <a:p>
             <a:pPr lvl="2"/>
             <a:r>
-              <a:rPr lang="en-GB" smtClean="0"/>
+              <a:rPr lang="en-US" smtClean="0"/>
               <a:t>Third level</a:t>
             </a:r>
           </a:p>
           <a:p>
             <a:pPr lvl="3"/>
             <a:r>
-              <a:rPr lang="en-GB" smtClean="0"/>
+              <a:rPr lang="en-US" smtClean="0"/>
               <a:t>Fourth level</a:t>
             </a:r>
           </a:p>
           <a:p>
             <a:pPr lvl="4"/>
             <a:r>
-              <a:rPr lang="en-GB" smtClean="0"/>
+              <a:rPr lang="en-US" smtClean="0"/>
               <a:t>Fifth level</a:t>
             </a:r>
-            <a:endParaRPr lang="en-US"/>
+            <a:endParaRPr lang="en-GB"/>
           </a:p>
         </p:txBody>
       </p:sp>
@@ -650,11 +1878,11 @@
           <a:bodyPr/>
           <a:lstStyle/>
           <a:p>
-            <a:fld id="{47C15FC7-0077-9045-B423-15FE9A927542}" type="datetimeFigureOut">
-              <a:rPr lang="en-US" smtClean="0"/>
-              <a:t>20/05/2012</a:t>
+            <a:fld id="{70186140-57E4-4B6F-BB49-D5C1E28E250A}" type="datetimeFigureOut">
+              <a:rPr lang="en-GB" smtClean="0"/>
+              <a:t>30/05/2012</a:t>
             </a:fld>
-            <a:endParaRPr lang="en-US"/>
+            <a:endParaRPr lang="en-GB"/>
           </a:p>
         </p:txBody>
       </p:sp>
@@ -673,7 +1901,7 @@
           <a:bodyPr/>
           <a:lstStyle/>
           <a:p>
-            <a:endParaRPr lang="en-US"/>
+            <a:endParaRPr lang="en-GB"/>
           </a:p>
         </p:txBody>
       </p:sp>
@@ -692,18 +1920,18 @@
           <a:bodyPr/>
           <a:lstStyle/>
           <a:p>
-            <a:fld id="{2647D3E8-CB8F-A24E-B4C0-CD89BE99CF35}" type="slidenum">
-              <a:rPr lang="en-US" smtClean="0"/>
+            <a:fld id="{1AC77A6C-4FB5-42D8-8AB1-FA715EF84ECB}" type="slidenum">
+              <a:rPr lang="en-GB" smtClean="0"/>
               <a:t>‹#›</a:t>
             </a:fld>
-            <a:endParaRPr lang="en-US"/>
+            <a:endParaRPr lang="en-GB"/>
           </a:p>
         </p:txBody>
       </p:sp>
     </p:spTree>
     <p:extLst>
       <p:ext uri="{BB962C8B-B14F-4D97-AF65-F5344CB8AC3E}">
-        <p14:creationId xmlns:p14="http://schemas.microsoft.com/office/powerpoint/2010/main" val="210149997"/>
+        <p14:creationId xmlns:p14="http://schemas.microsoft.com/office/powerpoint/2010/main" val="3716597137"/>
       </p:ext>
     </p:extLst>
   </p:cSld>
@@ -714,7 +1942,7 @@
 </file>
 
 <file path=ppt/slideLayouts/slideLayout2.xml><?xml version="1.0" encoding="utf-8"?>
-<p:sldLayout xmlns:a="http://schemas.openxmlformats.org/drawingml/2006/main" xmlns:r="http://schemas.openxmlformats.org/officeDocument/2006/relationships" xmlns:p="http://schemas.openxmlformats.org/presentationml/2006/main" type="obj" preserve="1">
+<p:sldLayout xmlns:a="http://schemas.openxmlformats.org/drawingml/2006/main" xmlns:r="http://schemas.openxmlformats.org/officeDocument/2006/relationships" xmlns:p="http://schemas.openxmlformats.org/presentationml/2006/main" preserve="1" userDrawn="1">
   <p:cSld name="Title and Content">
     <p:spTree>
       <p:nvGrpSpPr>
@@ -730,37 +1958,101 @@
           <a:chExt cx="0" cy="0"/>
         </a:xfrm>
       </p:grpSpPr>
-      <p:sp>
-        <p:nvSpPr>
-          <p:cNvPr id="2" name="Title 1"/>
-          <p:cNvSpPr>
-            <a:spLocks noGrp="1"/>
-          </p:cNvSpPr>
-          <p:nvPr>
-            <p:ph type="title"/>
-          </p:nvPr>
-        </p:nvSpPr>
-        <p:spPr/>
+      <p:pic>
+        <p:nvPicPr>
+          <p:cNvPr id="15" name="Picture 14"/>
+          <p:cNvPicPr>
+            <a:picLocks noChangeAspect="1"/>
+          </p:cNvPicPr>
+          <p:nvPr userDrawn="1"/>
+        </p:nvPicPr>
+        <p:blipFill>
+          <a:blip r:embed="rId2">
+            <a:extLst>
+              <a:ext uri="{28A0092B-C50C-407E-A947-70E740481C1C}">
+                <a14:useLocalDpi xmlns:a14="http://schemas.microsoft.com/office/drawing/2010/main" val="0"/>
+              </a:ext>
+            </a:extLst>
+          </a:blip>
+          <a:stretch>
+            <a:fillRect/>
+          </a:stretch>
+        </p:blipFill>
+        <p:spPr>
+          <a:xfrm>
+            <a:off x="0" y="0"/>
+            <a:ext cx="9144000" cy="6858000"/>
+          </a:xfrm>
+          <a:prstGeom prst="rect">
+            <a:avLst/>
+          </a:prstGeom>
+        </p:spPr>
+      </p:pic>
+      <p:sp>
+        <p:nvSpPr>
+          <p:cNvPr id="3" name="Content Placeholder 2"/>
+          <p:cNvSpPr>
+            <a:spLocks noGrp="1"/>
+          </p:cNvSpPr>
+          <p:nvPr>
+            <p:ph idx="1"/>
+          </p:nvPr>
+        </p:nvSpPr>
+        <p:spPr>
+          <a:xfrm>
+            <a:off x="457200" y="1196752"/>
+            <a:ext cx="8229600" cy="4929411"/>
+          </a:xfrm>
+        </p:spPr>
         <p:txBody>
           <a:bodyPr/>
           <a:lstStyle/>
           <a:p>
-            <a:r>
-              <a:rPr lang="en-GB" smtClean="0"/>
-              <a:t>Click to edit Master title style</a:t>
-            </a:r>
-            <a:endParaRPr lang="en-US"/>
-          </a:p>
-        </p:txBody>
-      </p:sp>
-      <p:sp>
-        <p:nvSpPr>
-          <p:cNvPr id="3" name="Content Placeholder 2"/>
-          <p:cNvSpPr>
-            <a:spLocks noGrp="1"/>
-          </p:cNvSpPr>
-          <p:nvPr>
-            <p:ph idx="1"/>
+            <a:pPr lvl="0"/>
+            <a:r>
+              <a:rPr lang="en-US" dirty="0" smtClean="0"/>
+              <a:t>Click to edit Master text styles</a:t>
+            </a:r>
+          </a:p>
+          <a:p>
+            <a:pPr lvl="1"/>
+            <a:r>
+              <a:rPr lang="en-US" dirty="0" smtClean="0"/>
+              <a:t>Second level</a:t>
+            </a:r>
+          </a:p>
+          <a:p>
+            <a:pPr lvl="2"/>
+            <a:r>
+              <a:rPr lang="en-US" dirty="0" smtClean="0"/>
+              <a:t>Third level</a:t>
+            </a:r>
+          </a:p>
+          <a:p>
+            <a:pPr lvl="3"/>
+            <a:r>
+              <a:rPr lang="en-US" dirty="0" smtClean="0"/>
+              <a:t>Fourth level</a:t>
+            </a:r>
+          </a:p>
+          <a:p>
+            <a:pPr lvl="4"/>
+            <a:r>
+              <a:rPr lang="en-US" dirty="0" smtClean="0"/>
+              <a:t>Fifth level</a:t>
+            </a:r>
+            <a:endParaRPr lang="en-GB" dirty="0"/>
+          </a:p>
+        </p:txBody>
+      </p:sp>
+      <p:sp>
+        <p:nvSpPr>
+          <p:cNvPr id="11" name="Date Placeholder 10"/>
+          <p:cNvSpPr>
+            <a:spLocks noGrp="1"/>
+          </p:cNvSpPr>
+          <p:nvPr>
+            <p:ph type="dt" sz="half" idx="10"/>
           </p:nvPr>
         </p:nvSpPr>
         <p:spPr/>
@@ -768,51 +2060,22 @@
           <a:bodyPr/>
           <a:lstStyle/>
           <a:p>
-            <a:pPr lvl="0"/>
-            <a:r>
+            <a:fld id="{70186140-57E4-4B6F-BB49-D5C1E28E250A}" type="datetimeFigureOut">
               <a:rPr lang="en-GB" smtClean="0"/>
-              <a:t>Click to edit Master text styles</a:t>
-            </a:r>
-          </a:p>
-          <a:p>
-            <a:pPr lvl="1"/>
-            <a:r>
-              <a:rPr lang="en-GB" smtClean="0"/>
-              <a:t>Second level</a:t>
-            </a:r>
-          </a:p>
-          <a:p>
-            <a:pPr lvl="2"/>
-            <a:r>
-              <a:rPr lang="en-GB" smtClean="0"/>
-              <a:t>Third level</a:t>
-            </a:r>
-          </a:p>
-          <a:p>
-            <a:pPr lvl="3"/>
-            <a:r>
-              <a:rPr lang="en-GB" smtClean="0"/>
-              <a:t>Fourth level</a:t>
-            </a:r>
-          </a:p>
-          <a:p>
-            <a:pPr lvl="4"/>
-            <a:r>
-              <a:rPr lang="en-GB" smtClean="0"/>
-              <a:t>Fifth level</a:t>
-            </a:r>
-            <a:endParaRPr lang="en-US"/>
-          </a:p>
-        </p:txBody>
-      </p:sp>
-      <p:sp>
-        <p:nvSpPr>
-          <p:cNvPr id="4" name="Date Placeholder 3"/>
-          <p:cNvSpPr>
-            <a:spLocks noGrp="1"/>
-          </p:cNvSpPr>
-          <p:nvPr>
-            <p:ph type="dt" sz="half" idx="10"/>
+              <a:t>30/05/2012</a:t>
+            </a:fld>
+            <a:endParaRPr lang="en-GB"/>
+          </a:p>
+        </p:txBody>
+      </p:sp>
+      <p:sp>
+        <p:nvSpPr>
+          <p:cNvPr id="12" name="Footer Placeholder 11"/>
+          <p:cNvSpPr>
+            <a:spLocks noGrp="1"/>
+          </p:cNvSpPr>
+          <p:nvPr>
+            <p:ph type="ftr" sz="quarter" idx="11"/>
           </p:nvPr>
         </p:nvSpPr>
         <p:spPr/>
@@ -820,22 +2083,18 @@
           <a:bodyPr/>
           <a:lstStyle/>
           <a:p>
-            <a:fld id="{47C15FC7-0077-9045-B423-15FE9A927542}" type="datetimeFigureOut">
-              <a:rPr lang="en-US" smtClean="0"/>
-              <a:t>20/05/2012</a:t>
-            </a:fld>
-            <a:endParaRPr lang="en-US"/>
-          </a:p>
-        </p:txBody>
-      </p:sp>
-      <p:sp>
-        <p:nvSpPr>
-          <p:cNvPr id="5" name="Footer Placeholder 4"/>
-          <p:cNvSpPr>
-            <a:spLocks noGrp="1"/>
-          </p:cNvSpPr>
-          <p:nvPr>
-            <p:ph type="ftr" sz="quarter" idx="11"/>
+            <a:endParaRPr lang="en-GB"/>
+          </a:p>
+        </p:txBody>
+      </p:sp>
+      <p:sp>
+        <p:nvSpPr>
+          <p:cNvPr id="13" name="Slide Number Placeholder 12"/>
+          <p:cNvSpPr>
+            <a:spLocks noGrp="1"/>
+          </p:cNvSpPr>
+          <p:nvPr>
+            <p:ph type="sldNum" sz="quarter" idx="12"/>
           </p:nvPr>
         </p:nvSpPr>
         <p:spPr/>
@@ -843,43 +2102,77 @@
           <a:bodyPr/>
           <a:lstStyle/>
           <a:p>
-            <a:endParaRPr lang="en-US"/>
-          </a:p>
-        </p:txBody>
-      </p:sp>
-      <p:sp>
-        <p:nvSpPr>
-          <p:cNvPr id="6" name="Slide Number Placeholder 5"/>
-          <p:cNvSpPr>
-            <a:spLocks noGrp="1"/>
-          </p:cNvSpPr>
-          <p:nvPr>
-            <p:ph type="sldNum" sz="quarter" idx="12"/>
-          </p:nvPr>
-        </p:nvSpPr>
-        <p:spPr/>
-        <p:txBody>
-          <a:bodyPr/>
-          <a:lstStyle/>
-          <a:p>
-            <a:fld id="{2647D3E8-CB8F-A24E-B4C0-CD89BE99CF35}" type="slidenum">
-              <a:rPr lang="en-US" smtClean="0"/>
+            <a:fld id="{1AC77A6C-4FB5-42D8-8AB1-FA715EF84ECB}" type="slidenum">
+              <a:rPr lang="en-GB" smtClean="0"/>
               <a:t>‹#›</a:t>
             </a:fld>
-            <a:endParaRPr lang="en-US"/>
+            <a:endParaRPr lang="en-GB"/>
+          </a:p>
+        </p:txBody>
+      </p:sp>
+      <p:sp>
+        <p:nvSpPr>
+          <p:cNvPr id="14" name="Title 13"/>
+          <p:cNvSpPr>
+            <a:spLocks noGrp="1"/>
+          </p:cNvSpPr>
+          <p:nvPr>
+            <p:ph type="title"/>
+          </p:nvPr>
+        </p:nvSpPr>
+        <p:spPr>
+          <a:xfrm>
+            <a:off x="457200" y="274638"/>
+            <a:ext cx="8229600" cy="778098"/>
+          </a:xfrm>
+          <a:ln>
+            <a:noFill/>
+          </a:ln>
+        </p:spPr>
+        <p:txBody>
+          <a:bodyPr>
+            <a:noAutofit/>
+          </a:bodyPr>
+          <a:lstStyle>
+            <a:lvl1pPr algn="l">
+              <a:defRPr sz="4800" b="1">
+                <a:ln w="15875" cap="sq">
+                  <a:noFill/>
+                </a:ln>
+                <a:solidFill>
+                  <a:schemeClr val="accent5">
+                    <a:lumMod val="75000"/>
+                  </a:schemeClr>
+                </a:solidFill>
+              </a:defRPr>
+            </a:lvl1pPr>
+          </a:lstStyle>
+          <a:p>
+            <a:r>
+              <a:rPr lang="en-US" dirty="0" smtClean="0"/>
+              <a:t>Click to edit Master title style</a:t>
+            </a:r>
+            <a:endParaRPr lang="en-GB" dirty="0"/>
           </a:p>
         </p:txBody>
       </p:sp>
     </p:spTree>
     <p:extLst>
       <p:ext uri="{BB962C8B-B14F-4D97-AF65-F5344CB8AC3E}">
-        <p14:creationId xmlns:p14="http://schemas.microsoft.com/office/powerpoint/2010/main" val="2098729346"/>
+        <p14:creationId xmlns:p14="http://schemas.microsoft.com/office/powerpoint/2010/main" val="2795861321"/>
       </p:ext>
     </p:extLst>
   </p:cSld>
   <p:clrMapOvr>
     <a:masterClrMapping/>
   </p:clrMapOvr>
+  <p:timing>
+    <p:tnLst>
+      <p:par>
+        <p:cTn id="1" dur="indefinite" restart="never" nodeType="tmRoot"/>
+      </p:par>
+    </p:tnLst>
+  </p:timing>
 </p:sldLayout>
 </file>
 
@@ -925,10 +2218,10 @@
           </a:lstStyle>
           <a:p>
             <a:r>
-              <a:rPr lang="en-GB" smtClean="0"/>
+              <a:rPr lang="en-US" smtClean="0"/>
               <a:t>Click to edit Master title style</a:t>
             </a:r>
-            <a:endParaRPr lang="en-US"/>
+            <a:endParaRPr lang="en-GB"/>
           </a:p>
         </p:txBody>
       </p:sp>
@@ -1045,7 +2338,7 @@
           <a:p>
             <a:pPr lvl="0"/>
             <a:r>
-              <a:rPr lang="en-GB" smtClean="0"/>
+              <a:rPr lang="en-US" smtClean="0"/>
               <a:t>Click to edit Master text styles</a:t>
             </a:r>
           </a:p>
@@ -1066,11 +2359,11 @@
           <a:bodyPr/>
           <a:lstStyle/>
           <a:p>
-            <a:fld id="{47C15FC7-0077-9045-B423-15FE9A927542}" type="datetimeFigureOut">
-              <a:rPr lang="en-US" smtClean="0"/>
-              <a:t>20/05/2012</a:t>
+            <a:fld id="{70186140-57E4-4B6F-BB49-D5C1E28E250A}" type="datetimeFigureOut">
+              <a:rPr lang="en-GB" smtClean="0"/>
+              <a:t>30/05/2012</a:t>
             </a:fld>
-            <a:endParaRPr lang="en-US"/>
+            <a:endParaRPr lang="en-GB"/>
           </a:p>
         </p:txBody>
       </p:sp>
@@ -1089,7 +2382,7 @@
           <a:bodyPr/>
           <a:lstStyle/>
           <a:p>
-            <a:endParaRPr lang="en-US"/>
+            <a:endParaRPr lang="en-GB"/>
           </a:p>
         </p:txBody>
       </p:sp>
@@ -1108,18 +2401,18 @@
           <a:bodyPr/>
           <a:lstStyle/>
           <a:p>
-            <a:fld id="{2647D3E8-CB8F-A24E-B4C0-CD89BE99CF35}" type="slidenum">
-              <a:rPr lang="en-US" smtClean="0"/>
+            <a:fld id="{1AC77A6C-4FB5-42D8-8AB1-FA715EF84ECB}" type="slidenum">
+              <a:rPr lang="en-GB" smtClean="0"/>
               <a:t>‹#›</a:t>
             </a:fld>
-            <a:endParaRPr lang="en-US"/>
+            <a:endParaRPr lang="en-GB"/>
           </a:p>
         </p:txBody>
       </p:sp>
     </p:spTree>
     <p:extLst>
       <p:ext uri="{BB962C8B-B14F-4D97-AF65-F5344CB8AC3E}">
-        <p14:creationId xmlns:p14="http://schemas.microsoft.com/office/powerpoint/2010/main" val="1537298241"/>
+        <p14:creationId xmlns:p14="http://schemas.microsoft.com/office/powerpoint/2010/main" val="660953095"/>
       </p:ext>
     </p:extLst>
   </p:cSld>
@@ -1162,10 +2455,10 @@
           <a:lstStyle/>
           <a:p>
             <a:r>
-              <a:rPr lang="en-GB" smtClean="0"/>
+              <a:rPr lang="en-US" smtClean="0"/>
               <a:t>Click to edit Master title style</a:t>
             </a:r>
-            <a:endParaRPr lang="en-US"/>
+            <a:endParaRPr lang="en-GB"/>
           </a:p>
         </p:txBody>
       </p:sp>
@@ -1219,38 +2512,38 @@
           <a:p>
             <a:pPr lvl="0"/>
             <a:r>
-              <a:rPr lang="en-GB" smtClean="0"/>
+              <a:rPr lang="en-US" smtClean="0"/>
               <a:t>Click to edit Master text styles</a:t>
             </a:r>
           </a:p>
           <a:p>
             <a:pPr lvl="1"/>
             <a:r>
-              <a:rPr lang="en-GB" smtClean="0"/>
+              <a:rPr lang="en-US" smtClean="0"/>
               <a:t>Second level</a:t>
             </a:r>
           </a:p>
           <a:p>
             <a:pPr lvl="2"/>
             <a:r>
-              <a:rPr lang="en-GB" smtClean="0"/>
+              <a:rPr lang="en-US" smtClean="0"/>
               <a:t>Third level</a:t>
             </a:r>
           </a:p>
           <a:p>
             <a:pPr lvl="3"/>
             <a:r>
-              <a:rPr lang="en-GB" smtClean="0"/>
+              <a:rPr lang="en-US" smtClean="0"/>
               <a:t>Fourth level</a:t>
             </a:r>
           </a:p>
           <a:p>
             <a:pPr lvl="4"/>
             <a:r>
-              <a:rPr lang="en-GB" smtClean="0"/>
+              <a:rPr lang="en-US" smtClean="0"/>
               <a:t>Fifth level</a:t>
             </a:r>
-            <a:endParaRPr lang="en-US"/>
+            <a:endParaRPr lang="en-GB"/>
           </a:p>
         </p:txBody>
       </p:sp>
@@ -1304,38 +2597,38 @@
           <a:p>
             <a:pPr lvl="0"/>
             <a:r>
-              <a:rPr lang="en-GB" smtClean="0"/>
+              <a:rPr lang="en-US" smtClean="0"/>
               <a:t>Click to edit Master text styles</a:t>
             </a:r>
           </a:p>
           <a:p>
             <a:pPr lvl="1"/>
             <a:r>
-              <a:rPr lang="en-GB" smtClean="0"/>
+              <a:rPr lang="en-US" smtClean="0"/>
               <a:t>Second level</a:t>
             </a:r>
           </a:p>
           <a:p>
             <a:pPr lvl="2"/>
             <a:r>
-              <a:rPr lang="en-GB" smtClean="0"/>
+              <a:rPr lang="en-US" smtClean="0"/>
               <a:t>Third level</a:t>
             </a:r>
           </a:p>
           <a:p>
             <a:pPr lvl="3"/>
             <a:r>
-              <a:rPr lang="en-GB" smtClean="0"/>
+              <a:rPr lang="en-US" smtClean="0"/>
               <a:t>Fourth level</a:t>
             </a:r>
           </a:p>
           <a:p>
             <a:pPr lvl="4"/>
             <a:r>
-              <a:rPr lang="en-GB" smtClean="0"/>
+              <a:rPr lang="en-US" smtClean="0"/>
               <a:t>Fifth level</a:t>
             </a:r>
-            <a:endParaRPr lang="en-US"/>
+            <a:endParaRPr lang="en-GB"/>
           </a:p>
         </p:txBody>
       </p:sp>
@@ -1354,11 +2647,11 @@
           <a:bodyPr/>
           <a:lstStyle/>
           <a:p>
-            <a:fld id="{47C15FC7-0077-9045-B423-15FE9A927542}" type="datetimeFigureOut">
-              <a:rPr lang="en-US" smtClean="0"/>
-              <a:t>20/05/2012</a:t>
+            <a:fld id="{70186140-57E4-4B6F-BB49-D5C1E28E250A}" type="datetimeFigureOut">
+              <a:rPr lang="en-GB" smtClean="0"/>
+              <a:t>30/05/2012</a:t>
             </a:fld>
-            <a:endParaRPr lang="en-US"/>
+            <a:endParaRPr lang="en-GB"/>
           </a:p>
         </p:txBody>
       </p:sp>
@@ -1377,7 +2670,7 @@
           <a:bodyPr/>
           <a:lstStyle/>
           <a:p>
-            <a:endParaRPr lang="en-US"/>
+            <a:endParaRPr lang="en-GB"/>
           </a:p>
         </p:txBody>
       </p:sp>
@@ -1396,18 +2689,18 @@
           <a:bodyPr/>
           <a:lstStyle/>
           <a:p>
-            <a:fld id="{2647D3E8-CB8F-A24E-B4C0-CD89BE99CF35}" type="slidenum">
-              <a:rPr lang="en-US" smtClean="0"/>
+            <a:fld id="{1AC77A6C-4FB5-42D8-8AB1-FA715EF84ECB}" type="slidenum">
+              <a:rPr lang="en-GB" smtClean="0"/>
               <a:t>‹#›</a:t>
             </a:fld>
-            <a:endParaRPr lang="en-US"/>
+            <a:endParaRPr lang="en-GB"/>
           </a:p>
         </p:txBody>
       </p:sp>
     </p:spTree>
     <p:extLst>
       <p:ext uri="{BB962C8B-B14F-4D97-AF65-F5344CB8AC3E}">
-        <p14:creationId xmlns:p14="http://schemas.microsoft.com/office/powerpoint/2010/main" val="3760366092"/>
+        <p14:creationId xmlns:p14="http://schemas.microsoft.com/office/powerpoint/2010/main" val="3097155388"/>
       </p:ext>
     </p:extLst>
   </p:cSld>
@@ -1454,10 +2747,10 @@
           </a:lstStyle>
           <a:p>
             <a:r>
-              <a:rPr lang="en-GB" smtClean="0"/>
+              <a:rPr lang="en-US" smtClean="0"/>
               <a:t>Click to edit Master title style</a:t>
             </a:r>
-            <a:endParaRPr lang="en-US"/>
+            <a:endParaRPr lang="en-GB"/>
           </a:p>
         </p:txBody>
       </p:sp>
@@ -1520,7 +2813,7 @@
           <a:p>
             <a:pPr lvl="0"/>
             <a:r>
-              <a:rPr lang="en-GB" smtClean="0"/>
+              <a:rPr lang="en-US" smtClean="0"/>
               <a:t>Click to edit Master text styles</a:t>
             </a:r>
           </a:p>
@@ -1576,38 +2869,38 @@
           <a:p>
             <a:pPr lvl="0"/>
             <a:r>
-              <a:rPr lang="en-GB" smtClean="0"/>
+              <a:rPr lang="en-US" smtClean="0"/>
               <a:t>Click to edit Master text styles</a:t>
             </a:r>
           </a:p>
           <a:p>
             <a:pPr lvl="1"/>
             <a:r>
-              <a:rPr lang="en-GB" smtClean="0"/>
+              <a:rPr lang="en-US" smtClean="0"/>
               <a:t>Second level</a:t>
             </a:r>
           </a:p>
           <a:p>
             <a:pPr lvl="2"/>
             <a:r>
-              <a:rPr lang="en-GB" smtClean="0"/>
+              <a:rPr lang="en-US" smtClean="0"/>
               <a:t>Third level</a:t>
             </a:r>
           </a:p>
           <a:p>
             <a:pPr lvl="3"/>
             <a:r>
-              <a:rPr lang="en-GB" smtClean="0"/>
+              <a:rPr lang="en-US" smtClean="0"/>
               <a:t>Fourth level</a:t>
             </a:r>
           </a:p>
           <a:p>
             <a:pPr lvl="4"/>
             <a:r>
-              <a:rPr lang="en-GB" smtClean="0"/>
+              <a:rPr lang="en-US" smtClean="0"/>
               <a:t>Fifth level</a:t>
             </a:r>
-            <a:endParaRPr lang="en-US"/>
+            <a:endParaRPr lang="en-GB"/>
           </a:p>
         </p:txBody>
       </p:sp>
@@ -1670,7 +2963,7 @@
           <a:p>
             <a:pPr lvl="0"/>
             <a:r>
-              <a:rPr lang="en-GB" smtClean="0"/>
+              <a:rPr lang="en-US" smtClean="0"/>
               <a:t>Click to edit Master text styles</a:t>
             </a:r>
           </a:p>
@@ -1726,38 +3019,38 @@
           <a:p>
             <a:pPr lvl="0"/>
             <a:r>
-              <a:rPr lang="en-GB" smtClean="0"/>
+              <a:rPr lang="en-US" smtClean="0"/>
               <a:t>Click to edit Master text styles</a:t>
             </a:r>
           </a:p>
           <a:p>
             <a:pPr lvl="1"/>
             <a:r>
-              <a:rPr lang="en-GB" smtClean="0"/>
+              <a:rPr lang="en-US" smtClean="0"/>
               <a:t>Second level</a:t>
             </a:r>
           </a:p>
           <a:p>
             <a:pPr lvl="2"/>
             <a:r>
-              <a:rPr lang="en-GB" smtClean="0"/>
+              <a:rPr lang="en-US" smtClean="0"/>
               <a:t>Third level</a:t>
             </a:r>
           </a:p>
           <a:p>
             <a:pPr lvl="3"/>
             <a:r>
-              <a:rPr lang="en-GB" smtClean="0"/>
+              <a:rPr lang="en-US" smtClean="0"/>
               <a:t>Fourth level</a:t>
             </a:r>
           </a:p>
           <a:p>
             <a:pPr lvl="4"/>
             <a:r>
-              <a:rPr lang="en-GB" smtClean="0"/>
+              <a:rPr lang="en-US" smtClean="0"/>
               <a:t>Fifth level</a:t>
             </a:r>
-            <a:endParaRPr lang="en-US"/>
+            <a:endParaRPr lang="en-GB"/>
           </a:p>
         </p:txBody>
       </p:sp>
@@ -1776,11 +3069,11 @@
           <a:bodyPr/>
           <a:lstStyle/>
           <a:p>
-            <a:fld id="{47C15FC7-0077-9045-B423-15FE9A927542}" type="datetimeFigureOut">
-              <a:rPr lang="en-US" smtClean="0"/>
-              <a:t>20/05/2012</a:t>
+            <a:fld id="{70186140-57E4-4B6F-BB49-D5C1E28E250A}" type="datetimeFigureOut">
+              <a:rPr lang="en-GB" smtClean="0"/>
+              <a:t>30/05/2012</a:t>
             </a:fld>
-            <a:endParaRPr lang="en-US"/>
+            <a:endParaRPr lang="en-GB"/>
           </a:p>
         </p:txBody>
       </p:sp>
@@ -1799,7 +3092,7 @@
           <a:bodyPr/>
           <a:lstStyle/>
           <a:p>
-            <a:endParaRPr lang="en-US"/>
+            <a:endParaRPr lang="en-GB"/>
           </a:p>
         </p:txBody>
       </p:sp>
@@ -1818,18 +3111,18 @@
           <a:bodyPr/>
           <a:lstStyle/>
           <a:p>
-            <a:fld id="{2647D3E8-CB8F-A24E-B4C0-CD89BE99CF35}" type="slidenum">
-              <a:rPr lang="en-US" smtClean="0"/>
+            <a:fld id="{1AC77A6C-4FB5-42D8-8AB1-FA715EF84ECB}" type="slidenum">
+              <a:rPr lang="en-GB" smtClean="0"/>
               <a:t>‹#›</a:t>
             </a:fld>
-            <a:endParaRPr lang="en-US"/>
+            <a:endParaRPr lang="en-GB"/>
           </a:p>
         </p:txBody>
       </p:sp>
     </p:spTree>
     <p:extLst>
       <p:ext uri="{BB962C8B-B14F-4D97-AF65-F5344CB8AC3E}">
-        <p14:creationId xmlns:p14="http://schemas.microsoft.com/office/powerpoint/2010/main" val="2679148844"/>
+        <p14:creationId xmlns:p14="http://schemas.microsoft.com/office/powerpoint/2010/main" val="3077773318"/>
       </p:ext>
     </p:extLst>
   </p:cSld>
@@ -1872,10 +3165,10 @@
           <a:lstStyle/>
           <a:p>
             <a:r>
-              <a:rPr lang="en-GB" smtClean="0"/>
+              <a:rPr lang="en-US" smtClean="0"/>
               <a:t>Click to edit Master title style</a:t>
             </a:r>
-            <a:endParaRPr lang="en-US"/>
+            <a:endParaRPr lang="en-GB"/>
           </a:p>
         </p:txBody>
       </p:sp>
@@ -1894,11 +3187,11 @@
           <a:bodyPr/>
           <a:lstStyle/>
           <a:p>
-            <a:fld id="{47C15FC7-0077-9045-B423-15FE9A927542}" type="datetimeFigureOut">
-              <a:rPr lang="en-US" smtClean="0"/>
-              <a:t>20/05/2012</a:t>
+            <a:fld id="{70186140-57E4-4B6F-BB49-D5C1E28E250A}" type="datetimeFigureOut">
+              <a:rPr lang="en-GB" smtClean="0"/>
+              <a:t>30/05/2012</a:t>
             </a:fld>
-            <a:endParaRPr lang="en-US"/>
+            <a:endParaRPr lang="en-GB"/>
           </a:p>
         </p:txBody>
       </p:sp>
@@ -1917,7 +3210,7 @@
           <a:bodyPr/>
           <a:lstStyle/>
           <a:p>
-            <a:endParaRPr lang="en-US"/>
+            <a:endParaRPr lang="en-GB"/>
           </a:p>
         </p:txBody>
       </p:sp>
@@ -1936,18 +3229,18 @@
           <a:bodyPr/>
           <a:lstStyle/>
           <a:p>
-            <a:fld id="{2647D3E8-CB8F-A24E-B4C0-CD89BE99CF35}" type="slidenum">
-              <a:rPr lang="en-US" smtClean="0"/>
+            <a:fld id="{1AC77A6C-4FB5-42D8-8AB1-FA715EF84ECB}" type="slidenum">
+              <a:rPr lang="en-GB" smtClean="0"/>
               <a:t>‹#›</a:t>
             </a:fld>
-            <a:endParaRPr lang="en-US"/>
+            <a:endParaRPr lang="en-GB"/>
           </a:p>
         </p:txBody>
       </p:sp>
     </p:spTree>
     <p:extLst>
       <p:ext uri="{BB962C8B-B14F-4D97-AF65-F5344CB8AC3E}">
-        <p14:creationId xmlns:p14="http://schemas.microsoft.com/office/powerpoint/2010/main" val="2757649922"/>
+        <p14:creationId xmlns:p14="http://schemas.microsoft.com/office/powerpoint/2010/main" val="1802482325"/>
       </p:ext>
     </p:extLst>
   </p:cSld>
@@ -1989,11 +3282,11 @@
           <a:bodyPr/>
           <a:lstStyle/>
           <a:p>
-            <a:fld id="{47C15FC7-0077-9045-B423-15FE9A927542}" type="datetimeFigureOut">
-              <a:rPr lang="en-US" smtClean="0"/>
-              <a:t>20/05/2012</a:t>
+            <a:fld id="{70186140-57E4-4B6F-BB49-D5C1E28E250A}" type="datetimeFigureOut">
+              <a:rPr lang="en-GB" smtClean="0"/>
+              <a:t>30/05/2012</a:t>
             </a:fld>
-            <a:endParaRPr lang="en-US"/>
+            <a:endParaRPr lang="en-GB"/>
           </a:p>
         </p:txBody>
       </p:sp>
@@ -2012,7 +3305,7 @@
           <a:bodyPr/>
           <a:lstStyle/>
           <a:p>
-            <a:endParaRPr lang="en-US"/>
+            <a:endParaRPr lang="en-GB"/>
           </a:p>
         </p:txBody>
       </p:sp>
@@ -2031,18 +3324,18 @@
           <a:bodyPr/>
           <a:lstStyle/>
           <a:p>
-            <a:fld id="{2647D3E8-CB8F-A24E-B4C0-CD89BE99CF35}" type="slidenum">
-              <a:rPr lang="en-US" smtClean="0"/>
+            <a:fld id="{1AC77A6C-4FB5-42D8-8AB1-FA715EF84ECB}" type="slidenum">
+              <a:rPr lang="en-GB" smtClean="0"/>
               <a:t>‹#›</a:t>
             </a:fld>
-            <a:endParaRPr lang="en-US"/>
+            <a:endParaRPr lang="en-GB"/>
           </a:p>
         </p:txBody>
       </p:sp>
     </p:spTree>
     <p:extLst>
       <p:ext uri="{BB962C8B-B14F-4D97-AF65-F5344CB8AC3E}">
-        <p14:creationId xmlns:p14="http://schemas.microsoft.com/office/powerpoint/2010/main" val="1303669889"/>
+        <p14:creationId xmlns:p14="http://schemas.microsoft.com/office/powerpoint/2010/main" val="3189586936"/>
       </p:ext>
     </p:extLst>
   </p:cSld>
@@ -2094,10 +3387,10 @@
           </a:lstStyle>
           <a:p>
             <a:r>
-              <a:rPr lang="en-GB" smtClean="0"/>
+              <a:rPr lang="en-US" smtClean="0"/>
               <a:t>Click to edit Master title style</a:t>
             </a:r>
-            <a:endParaRPr lang="en-US"/>
+            <a:endParaRPr lang="en-GB"/>
           </a:p>
         </p:txBody>
       </p:sp>
@@ -2151,38 +3444,38 @@
           <a:p>
             <a:pPr lvl="0"/>
             <a:r>
-              <a:rPr lang="en-GB" smtClean="0"/>
+              <a:rPr lang="en-US" smtClean="0"/>
               <a:t>Click to edit Master text styles</a:t>
             </a:r>
           </a:p>
           <a:p>
             <a:pPr lvl="1"/>
             <a:r>
-              <a:rPr lang="en-GB" smtClean="0"/>
+              <a:rPr lang="en-US" smtClean="0"/>
               <a:t>Second level</a:t>
             </a:r>
           </a:p>
           <a:p>
             <a:pPr lvl="2"/>
             <a:r>
-              <a:rPr lang="en-GB" smtClean="0"/>
+              <a:rPr lang="en-US" smtClean="0"/>
               <a:t>Third level</a:t>
             </a:r>
           </a:p>
           <a:p>
             <a:pPr lvl="3"/>
             <a:r>
-              <a:rPr lang="en-GB" smtClean="0"/>
+              <a:rPr lang="en-US" smtClean="0"/>
               <a:t>Fourth level</a:t>
             </a:r>
           </a:p>
           <a:p>
             <a:pPr lvl="4"/>
             <a:r>
-              <a:rPr lang="en-GB" smtClean="0"/>
+              <a:rPr lang="en-US" smtClean="0"/>
               <a:t>Fifth level</a:t>
             </a:r>
-            <a:endParaRPr lang="en-US"/>
+            <a:endParaRPr lang="en-GB"/>
           </a:p>
         </p:txBody>
       </p:sp>
@@ -2245,7 +3538,7 @@
           <a:p>
             <a:pPr lvl="0"/>
             <a:r>
-              <a:rPr lang="en-GB" smtClean="0"/>
+              <a:rPr lang="en-US" smtClean="0"/>
               <a:t>Click to edit Master text styles</a:t>
             </a:r>
           </a:p>
@@ -2266,11 +3559,11 @@
           <a:bodyPr/>
           <a:lstStyle/>
           <a:p>
-            <a:fld id="{47C15FC7-0077-9045-B423-15FE9A927542}" type="datetimeFigureOut">
-              <a:rPr lang="en-US" smtClean="0"/>
-              <a:t>20/05/2012</a:t>
+            <a:fld id="{70186140-57E4-4B6F-BB49-D5C1E28E250A}" type="datetimeFigureOut">
+              <a:rPr lang="en-GB" smtClean="0"/>
+              <a:t>30/05/2012</a:t>
             </a:fld>
-            <a:endParaRPr lang="en-US"/>
+            <a:endParaRPr lang="en-GB"/>
           </a:p>
         </p:txBody>
       </p:sp>
@@ -2289,7 +3582,7 @@
           <a:bodyPr/>
           <a:lstStyle/>
           <a:p>
-            <a:endParaRPr lang="en-US"/>
+            <a:endParaRPr lang="en-GB"/>
           </a:p>
         </p:txBody>
       </p:sp>
@@ -2308,19 +3601,18 @@
           <a:bodyPr/>
           <a:lstStyle/>
           <a:p>
-            <a:fld id="{FA84A37A-AFC2-4A01-80A1-FC20F2C0D5BB}" type="slidenum">
-              <a:rPr lang="en-US" smtClean="0"/>
-              <a:pPr/>
+            <a:fld id="{1AC77A6C-4FB5-42D8-8AB1-FA715EF84ECB}" type="slidenum">
+              <a:rPr lang="en-GB" smtClean="0"/>
               <a:t>‹#›</a:t>
             </a:fld>
-            <a:endParaRPr lang="en-US"/>
+            <a:endParaRPr lang="en-GB"/>
           </a:p>
         </p:txBody>
       </p:sp>
     </p:spTree>
     <p:extLst>
       <p:ext uri="{BB962C8B-B14F-4D97-AF65-F5344CB8AC3E}">
-        <p14:creationId xmlns:p14="http://schemas.microsoft.com/office/powerpoint/2010/main" val="4136367904"/>
+        <p14:creationId xmlns:p14="http://schemas.microsoft.com/office/powerpoint/2010/main" val="1118468901"/>
       </p:ext>
     </p:extLst>
   </p:cSld>
@@ -2372,10 +3664,10 @@
           </a:lstStyle>
           <a:p>
             <a:r>
-              <a:rPr lang="en-GB" smtClean="0"/>
+              <a:rPr lang="en-US" smtClean="0"/>
               <a:t>Click to edit Master title style</a:t>
             </a:r>
-            <a:endParaRPr lang="en-US"/>
+            <a:endParaRPr lang="en-GB"/>
           </a:p>
         </p:txBody>
       </p:sp>
@@ -2436,7 +3728,7 @@
             </a:lvl9pPr>
           </a:lstStyle>
           <a:p>
-            <a:endParaRPr lang="en-US"/>
+            <a:endParaRPr lang="en-GB"/>
           </a:p>
         </p:txBody>
       </p:sp>
@@ -2499,7 +3791,7 @@
           <a:p>
             <a:pPr lvl="0"/>
             <a:r>
-              <a:rPr lang="en-GB" smtClean="0"/>
+              <a:rPr lang="en-US" smtClean="0"/>
               <a:t>Click to edit Master text styles</a:t>
             </a:r>
           </a:p>
@@ -2520,11 +3812,11 @@
           <a:bodyPr/>
           <a:lstStyle/>
           <a:p>
-            <a:fld id="{47C15FC7-0077-9045-B423-15FE9A927542}" type="datetimeFigureOut">
-              <a:rPr lang="en-US" smtClean="0"/>
-              <a:t>20/05/2012</a:t>
+            <a:fld id="{70186140-57E4-4B6F-BB49-D5C1E28E250A}" type="datetimeFigureOut">
+              <a:rPr lang="en-GB" smtClean="0"/>
+              <a:t>30/05/2012</a:t>
             </a:fld>
-            <a:endParaRPr lang="en-US"/>
+            <a:endParaRPr lang="en-GB"/>
           </a:p>
         </p:txBody>
       </p:sp>
@@ -2543,7 +3835,7 @@
           <a:bodyPr/>
           <a:lstStyle/>
           <a:p>
-            <a:endParaRPr lang="en-US"/>
+            <a:endParaRPr lang="en-GB"/>
           </a:p>
         </p:txBody>
       </p:sp>
@@ -2562,18 +3854,18 @@
           <a:bodyPr/>
           <a:lstStyle/>
           <a:p>
-            <a:fld id="{2647D3E8-CB8F-A24E-B4C0-CD89BE99CF35}" type="slidenum">
-              <a:rPr lang="en-US" smtClean="0"/>
+            <a:fld id="{1AC77A6C-4FB5-42D8-8AB1-FA715EF84ECB}" type="slidenum">
+              <a:rPr lang="en-GB" smtClean="0"/>
               <a:t>‹#›</a:t>
             </a:fld>
-            <a:endParaRPr lang="en-US"/>
+            <a:endParaRPr lang="en-GB"/>
           </a:p>
         </p:txBody>
       </p:sp>
     </p:spTree>
     <p:extLst>
       <p:ext uri="{BB962C8B-B14F-4D97-AF65-F5344CB8AC3E}">
-        <p14:creationId xmlns:p14="http://schemas.microsoft.com/office/powerpoint/2010/main" val="3930592625"/>
+        <p14:creationId xmlns:p14="http://schemas.microsoft.com/office/powerpoint/2010/main" val="1876316685"/>
       </p:ext>
     </p:extLst>
   </p:cSld>
@@ -2631,10 +3923,10 @@
           <a:lstStyle/>
           <a:p>
             <a:r>
-              <a:rPr lang="en-GB" smtClean="0"/>
+              <a:rPr lang="en-US" smtClean="0"/>
               <a:t>Click to edit Master title style</a:t>
             </a:r>
-            <a:endParaRPr lang="en-US"/>
+            <a:endParaRPr lang="en-GB"/>
           </a:p>
         </p:txBody>
       </p:sp>
@@ -2665,38 +3957,38 @@
           <a:p>
             <a:pPr lvl="0"/>
             <a:r>
-              <a:rPr lang="en-GB" smtClean="0"/>
+              <a:rPr lang="en-US" smtClean="0"/>
               <a:t>Click to edit Master text styles</a:t>
             </a:r>
           </a:p>
           <a:p>
             <a:pPr lvl="1"/>
             <a:r>
-              <a:rPr lang="en-GB" smtClean="0"/>
+              <a:rPr lang="en-US" smtClean="0"/>
               <a:t>Second level</a:t>
             </a:r>
           </a:p>
           <a:p>
             <a:pPr lvl="2"/>
             <a:r>
-              <a:rPr lang="en-GB" smtClean="0"/>
+              <a:rPr lang="en-US" smtClean="0"/>
               <a:t>Third level</a:t>
             </a:r>
           </a:p>
           <a:p>
             <a:pPr lvl="3"/>
             <a:r>
-              <a:rPr lang="en-GB" smtClean="0"/>
+              <a:rPr lang="en-US" smtClean="0"/>
               <a:t>Fourth level</a:t>
             </a:r>
           </a:p>
           <a:p>
             <a:pPr lvl="4"/>
             <a:r>
-              <a:rPr lang="en-GB" smtClean="0"/>
+              <a:rPr lang="en-US" smtClean="0"/>
               <a:t>Fifth level</a:t>
             </a:r>
-            <a:endParaRPr lang="en-US"/>
+            <a:endParaRPr lang="en-GB"/>
           </a:p>
         </p:txBody>
       </p:sp>
@@ -2733,11 +4025,11 @@
             </a:lvl1pPr>
           </a:lstStyle>
           <a:p>
-            <a:fld id="{47C15FC7-0077-9045-B423-15FE9A927542}" type="datetimeFigureOut">
-              <a:rPr lang="en-US" smtClean="0"/>
-              <a:t>20/05/2012</a:t>
+            <a:fld id="{70186140-57E4-4B6F-BB49-D5C1E28E250A}" type="datetimeFigureOut">
+              <a:rPr lang="en-GB" smtClean="0"/>
+              <a:t>30/05/2012</a:t>
             </a:fld>
-            <a:endParaRPr lang="en-US"/>
+            <a:endParaRPr lang="en-GB"/>
           </a:p>
         </p:txBody>
       </p:sp>
@@ -2774,7 +4066,7 @@
             </a:lvl1pPr>
           </a:lstStyle>
           <a:p>
-            <a:endParaRPr lang="en-US"/>
+            <a:endParaRPr lang="en-GB"/>
           </a:p>
         </p:txBody>
       </p:sp>
@@ -2811,38 +4103,45 @@
             </a:lvl1pPr>
           </a:lstStyle>
           <a:p>
-            <a:fld id="{2647D3E8-CB8F-A24E-B4C0-CD89BE99CF35}" type="slidenum">
-              <a:rPr lang="en-US" smtClean="0"/>
+            <a:fld id="{1AC77A6C-4FB5-42D8-8AB1-FA715EF84ECB}" type="slidenum">
+              <a:rPr lang="en-GB" smtClean="0"/>
               <a:t>‹#›</a:t>
             </a:fld>
-            <a:endParaRPr lang="en-US"/>
+            <a:endParaRPr lang="en-GB"/>
           </a:p>
         </p:txBody>
       </p:sp>
     </p:spTree>
     <p:extLst>
       <p:ext uri="{BB962C8B-B14F-4D97-AF65-F5344CB8AC3E}">
-        <p14:creationId xmlns:p14="http://schemas.microsoft.com/office/powerpoint/2010/main" val="2139212437"/>
+        <p14:creationId xmlns:p14="http://schemas.microsoft.com/office/powerpoint/2010/main" val="2776418727"/>
       </p:ext>
     </p:extLst>
   </p:cSld>
   <p:clrMap bg1="lt1" tx1="dk1" bg2="lt2" tx2="dk2" accent1="accent1" accent2="accent2" accent3="accent3" accent4="accent4" accent5="accent5" accent6="accent6" hlink="hlink" folHlink="folHlink"/>
   <p:sldLayoutIdLst>
-    <p:sldLayoutId id="2147483932" r:id="rId1"/>
-    <p:sldLayoutId id="2147483933" r:id="rId2"/>
-    <p:sldLayoutId id="2147483934" r:id="rId3"/>
-    <p:sldLayoutId id="2147483935" r:id="rId4"/>
-    <p:sldLayoutId id="2147483936" r:id="rId5"/>
-    <p:sldLayoutId id="2147483937" r:id="rId6"/>
-    <p:sldLayoutId id="2147483938" r:id="rId7"/>
-    <p:sldLayoutId id="2147483939" r:id="rId8"/>
-    <p:sldLayoutId id="2147483940" r:id="rId9"/>
-    <p:sldLayoutId id="2147483941" r:id="rId10"/>
-    <p:sldLayoutId id="2147483942" r:id="rId11"/>
+    <p:sldLayoutId id="2147483649" r:id="rId1"/>
+    <p:sldLayoutId id="2147483650" r:id="rId2"/>
+    <p:sldLayoutId id="2147483651" r:id="rId3"/>
+    <p:sldLayoutId id="2147483652" r:id="rId4"/>
+    <p:sldLayoutId id="2147483653" r:id="rId5"/>
+    <p:sldLayoutId id="2147483654" r:id="rId6"/>
+    <p:sldLayoutId id="2147483655" r:id="rId7"/>
+    <p:sldLayoutId id="2147483656" r:id="rId8"/>
+    <p:sldLayoutId id="2147483657" r:id="rId9"/>
+    <p:sldLayoutId id="2147483658" r:id="rId10"/>
+    <p:sldLayoutId id="2147483659" r:id="rId11"/>
   </p:sldLayoutIdLst>
+  <p:timing>
+    <p:tnLst>
+      <p:par>
+        <p:cTn id="1" dur="indefinite" restart="never" nodeType="tmRoot"/>
+      </p:par>
+    </p:tnLst>
+  </p:timing>
   <p:txStyles>
     <p:titleStyle>
-      <a:lvl1pPr algn="ctr" defTabSz="457200" rtl="0" eaLnBrk="1" latinLnBrk="0" hangingPunct="1">
+      <a:lvl1pPr algn="ctr" defTabSz="914400" rtl="0" eaLnBrk="1" latinLnBrk="0" hangingPunct="1">
         <a:spcBef>
           <a:spcPct val="0"/>
         </a:spcBef>
@@ -2858,11 +4157,11 @@
       </a:lvl1pPr>
     </p:titleStyle>
     <p:bodyStyle>
-      <a:lvl1pPr marL="342900" indent="-342900" algn="l" defTabSz="457200" rtl="0" eaLnBrk="1" latinLnBrk="0" hangingPunct="1">
+      <a:lvl1pPr marL="342900" indent="-342900" algn="l" defTabSz="914400" rtl="0" eaLnBrk="1" latinLnBrk="0" hangingPunct="1">
         <a:spcBef>
           <a:spcPct val="20000"/>
         </a:spcBef>
-        <a:buFont typeface="Arial"/>
+        <a:buFont typeface="Arial" pitchFamily="34" charset="0"/>
         <a:buChar char="•"/>
         <a:defRPr sz="3200" kern="1200">
           <a:solidFill>
@@ -2873,11 +4172,11 @@
           <a:cs typeface="+mn-cs"/>
         </a:defRPr>
       </a:lvl1pPr>
-      <a:lvl2pPr marL="742950" indent="-285750" algn="l" defTabSz="457200" rtl="0" eaLnBrk="1" latinLnBrk="0" hangingPunct="1">
+      <a:lvl2pPr marL="742950" indent="-285750" algn="l" defTabSz="914400" rtl="0" eaLnBrk="1" latinLnBrk="0" hangingPunct="1">
         <a:spcBef>
           <a:spcPct val="20000"/>
         </a:spcBef>
-        <a:buFont typeface="Arial"/>
+        <a:buFont typeface="Arial" pitchFamily="34" charset="0"/>
         <a:buChar char="–"/>
         <a:defRPr sz="2800" kern="1200">
           <a:solidFill>
@@ -2888,11 +4187,11 @@
           <a:cs typeface="+mn-cs"/>
         </a:defRPr>
       </a:lvl2pPr>
-      <a:lvl3pPr marL="1143000" indent="-228600" algn="l" defTabSz="457200" rtl="0" eaLnBrk="1" latinLnBrk="0" hangingPunct="1">
+      <a:lvl3pPr marL="1143000" indent="-228600" algn="l" defTabSz="914400" rtl="0" eaLnBrk="1" latinLnBrk="0" hangingPunct="1">
         <a:spcBef>
           <a:spcPct val="20000"/>
         </a:spcBef>
-        <a:buFont typeface="Arial"/>
+        <a:buFont typeface="Arial" pitchFamily="34" charset="0"/>
         <a:buChar char="•"/>
         <a:defRPr sz="2400" kern="1200">
           <a:solidFill>
@@ -2903,11 +4202,11 @@
           <a:cs typeface="+mn-cs"/>
         </a:defRPr>
       </a:lvl3pPr>
-      <a:lvl4pPr marL="1600200" indent="-228600" algn="l" defTabSz="457200" rtl="0" eaLnBrk="1" latinLnBrk="0" hangingPunct="1">
+      <a:lvl4pPr marL="1600200" indent="-228600" algn="l" defTabSz="914400" rtl="0" eaLnBrk="1" latinLnBrk="0" hangingPunct="1">
         <a:spcBef>
           <a:spcPct val="20000"/>
         </a:spcBef>
-        <a:buFont typeface="Arial"/>
+        <a:buFont typeface="Arial" pitchFamily="34" charset="0"/>
         <a:buChar char="–"/>
         <a:defRPr sz="2000" kern="1200">
           <a:solidFill>
@@ -2918,11 +4217,11 @@
           <a:cs typeface="+mn-cs"/>
         </a:defRPr>
       </a:lvl4pPr>
-      <a:lvl5pPr marL="2057400" indent="-228600" algn="l" defTabSz="457200" rtl="0" eaLnBrk="1" latinLnBrk="0" hangingPunct="1">
+      <a:lvl5pPr marL="2057400" indent="-228600" algn="l" defTabSz="914400" rtl="0" eaLnBrk="1" latinLnBrk="0" hangingPunct="1">
         <a:spcBef>
           <a:spcPct val="20000"/>
         </a:spcBef>
-        <a:buFont typeface="Arial"/>
+        <a:buFont typeface="Arial" pitchFamily="34" charset="0"/>
         <a:buChar char="»"/>
         <a:defRPr sz="2000" kern="1200">
           <a:solidFill>
@@ -2933,11 +4232,11 @@
           <a:cs typeface="+mn-cs"/>
         </a:defRPr>
       </a:lvl5pPr>
-      <a:lvl6pPr marL="2514600" indent="-228600" algn="l" defTabSz="457200" rtl="0" eaLnBrk="1" latinLnBrk="0" hangingPunct="1">
+      <a:lvl6pPr marL="2514600" indent="-228600" algn="l" defTabSz="914400" rtl="0" eaLnBrk="1" latinLnBrk="0" hangingPunct="1">
         <a:spcBef>
           <a:spcPct val="20000"/>
         </a:spcBef>
-        <a:buFont typeface="Arial"/>
+        <a:buFont typeface="Arial" pitchFamily="34" charset="0"/>
         <a:buChar char="•"/>
         <a:defRPr sz="2000" kern="1200">
           <a:solidFill>
@@ -2948,11 +4247,11 @@
           <a:cs typeface="+mn-cs"/>
         </a:defRPr>
       </a:lvl6pPr>
-      <a:lvl7pPr marL="2971800" indent="-228600" algn="l" defTabSz="457200" rtl="0" eaLnBrk="1" latinLnBrk="0" hangingPunct="1">
+      <a:lvl7pPr marL="2971800" indent="-228600" algn="l" defTabSz="914400" rtl="0" eaLnBrk="1" latinLnBrk="0" hangingPunct="1">
         <a:spcBef>
           <a:spcPct val="20000"/>
         </a:spcBef>
-        <a:buFont typeface="Arial"/>
+        <a:buFont typeface="Arial" pitchFamily="34" charset="0"/>
         <a:buChar char="•"/>
         <a:defRPr sz="2000" kern="1200">
           <a:solidFill>
@@ -2963,11 +4262,11 @@
           <a:cs typeface="+mn-cs"/>
         </a:defRPr>
       </a:lvl7pPr>
-      <a:lvl8pPr marL="3429000" indent="-228600" algn="l" defTabSz="457200" rtl="0" eaLnBrk="1" latinLnBrk="0" hangingPunct="1">
+      <a:lvl8pPr marL="3429000" indent="-228600" algn="l" defTabSz="914400" rtl="0" eaLnBrk="1" latinLnBrk="0" hangingPunct="1">
         <a:spcBef>
           <a:spcPct val="20000"/>
         </a:spcBef>
-        <a:buFont typeface="Arial"/>
+        <a:buFont typeface="Arial" pitchFamily="34" charset="0"/>
         <a:buChar char="•"/>
         <a:defRPr sz="2000" kern="1200">
           <a:solidFill>
@@ -2978,11 +4277,11 @@
           <a:cs typeface="+mn-cs"/>
         </a:defRPr>
       </a:lvl8pPr>
-      <a:lvl9pPr marL="3886200" indent="-228600" algn="l" defTabSz="457200" rtl="0" eaLnBrk="1" latinLnBrk="0" hangingPunct="1">
+      <a:lvl9pPr marL="3886200" indent="-228600" algn="l" defTabSz="914400" rtl="0" eaLnBrk="1" latinLnBrk="0" hangingPunct="1">
         <a:spcBef>
           <a:spcPct val="20000"/>
         </a:spcBef>
-        <a:buFont typeface="Arial"/>
+        <a:buFont typeface="Arial" pitchFamily="34" charset="0"/>
         <a:buChar char="•"/>
         <a:defRPr sz="2000" kern="1200">
           <a:solidFill>
@@ -2998,7 +4297,7 @@
       <a:defPPr>
         <a:defRPr lang="en-US"/>
       </a:defPPr>
-      <a:lvl1pPr marL="0" algn="l" defTabSz="457200" rtl="0" eaLnBrk="1" latinLnBrk="0" hangingPunct="1">
+      <a:lvl1pPr marL="0" algn="l" defTabSz="914400" rtl="0" eaLnBrk="1" latinLnBrk="0" hangingPunct="1">
         <a:defRPr sz="1800" kern="1200">
           <a:solidFill>
             <a:schemeClr val="tx1"/>
@@ -3008,7 +4307,7 @@
           <a:cs typeface="+mn-cs"/>
         </a:defRPr>
       </a:lvl1pPr>
-      <a:lvl2pPr marL="457200" algn="l" defTabSz="457200" rtl="0" eaLnBrk="1" latinLnBrk="0" hangingPunct="1">
+      <a:lvl2pPr marL="457200" algn="l" defTabSz="914400" rtl="0" eaLnBrk="1" latinLnBrk="0" hangingPunct="1">
         <a:defRPr sz="1800" kern="1200">
           <a:solidFill>
             <a:schemeClr val="tx1"/>
@@ -3018,7 +4317,7 @@
           <a:cs typeface="+mn-cs"/>
         </a:defRPr>
       </a:lvl2pPr>
-      <a:lvl3pPr marL="914400" algn="l" defTabSz="457200" rtl="0" eaLnBrk="1" latinLnBrk="0" hangingPunct="1">
+      <a:lvl3pPr marL="914400" algn="l" defTabSz="914400" rtl="0" eaLnBrk="1" latinLnBrk="0" hangingPunct="1">
         <a:defRPr sz="1800" kern="1200">
           <a:solidFill>
             <a:schemeClr val="tx1"/>
@@ -3028,7 +4327,7 @@
           <a:cs typeface="+mn-cs"/>
         </a:defRPr>
       </a:lvl3pPr>
-      <a:lvl4pPr marL="1371600" algn="l" defTabSz="457200" rtl="0" eaLnBrk="1" latinLnBrk="0" hangingPunct="1">
+      <a:lvl4pPr marL="1371600" algn="l" defTabSz="914400" rtl="0" eaLnBrk="1" latinLnBrk="0" hangingPunct="1">
         <a:defRPr sz="1800" kern="1200">
           <a:solidFill>
             <a:schemeClr val="tx1"/>
@@ -3038,7 +4337,7 @@
           <a:cs typeface="+mn-cs"/>
         </a:defRPr>
       </a:lvl4pPr>
-      <a:lvl5pPr marL="1828800" algn="l" defTabSz="457200" rtl="0" eaLnBrk="1" latinLnBrk="0" hangingPunct="1">
+      <a:lvl5pPr marL="1828800" algn="l" defTabSz="914400" rtl="0" eaLnBrk="1" latinLnBrk="0" hangingPunct="1">
         <a:defRPr sz="1800" kern="1200">
           <a:solidFill>
             <a:schemeClr val="tx1"/>
@@ -3048,7 +4347,7 @@
           <a:cs typeface="+mn-cs"/>
         </a:defRPr>
       </a:lvl5pPr>
-      <a:lvl6pPr marL="2286000" algn="l" defTabSz="457200" rtl="0" eaLnBrk="1" latinLnBrk="0" hangingPunct="1">
+      <a:lvl6pPr marL="2286000" algn="l" defTabSz="914400" rtl="0" eaLnBrk="1" latinLnBrk="0" hangingPunct="1">
         <a:defRPr sz="1800" kern="1200">
           <a:solidFill>
             <a:schemeClr val="tx1"/>
@@ -3058,7 +4357,7 @@
           <a:cs typeface="+mn-cs"/>
         </a:defRPr>
       </a:lvl6pPr>
-      <a:lvl7pPr marL="2743200" algn="l" defTabSz="457200" rtl="0" eaLnBrk="1" latinLnBrk="0" hangingPunct="1">
+      <a:lvl7pPr marL="2743200" algn="l" defTabSz="914400" rtl="0" eaLnBrk="1" latinLnBrk="0" hangingPunct="1">
         <a:defRPr sz="1800" kern="1200">
           <a:solidFill>
             <a:schemeClr val="tx1"/>
@@ -3068,7 +4367,7 @@
           <a:cs typeface="+mn-cs"/>
         </a:defRPr>
       </a:lvl7pPr>
-      <a:lvl8pPr marL="3200400" algn="l" defTabSz="457200" rtl="0" eaLnBrk="1" latinLnBrk="0" hangingPunct="1">
+      <a:lvl8pPr marL="3200400" algn="l" defTabSz="914400" rtl="0" eaLnBrk="1" latinLnBrk="0" hangingPunct="1">
         <a:defRPr sz="1800" kern="1200">
           <a:solidFill>
             <a:schemeClr val="tx1"/>
@@ -3078,7 +4377,7 @@
           <a:cs typeface="+mn-cs"/>
         </a:defRPr>
       </a:lvl8pPr>
-      <a:lvl9pPr marL="3657600" algn="l" defTabSz="457200" rtl="0" eaLnBrk="1" latinLnBrk="0" hangingPunct="1">
+      <a:lvl9pPr marL="3657600" algn="l" defTabSz="914400" rtl="0" eaLnBrk="1" latinLnBrk="0" hangingPunct="1">
         <a:defRPr sz="1800" kern="1200">
           <a:solidFill>
             <a:schemeClr val="tx1"/>
@@ -3112,6 +4411,83 @@
       </p:grpSpPr>
       <p:sp>
         <p:nvSpPr>
+          <p:cNvPr id="5" name="Rounded Rectangle 4"/>
+          <p:cNvSpPr/>
+          <p:nvPr/>
+        </p:nvSpPr>
+        <p:spPr>
+          <a:xfrm>
+            <a:off x="6084168" y="5733256"/>
+            <a:ext cx="2664296" cy="720080"/>
+          </a:xfrm>
+          <a:prstGeom prst="roundRect">
+            <a:avLst>
+              <a:gd name="adj" fmla="val 7173"/>
+            </a:avLst>
+          </a:prstGeom>
+          <a:solidFill>
+            <a:srgbClr val="31859C">
+              <a:alpha val="18824"/>
+            </a:srgbClr>
+          </a:solidFill>
+          <a:ln>
+            <a:noFill/>
+          </a:ln>
+        </p:spPr>
+        <p:style>
+          <a:lnRef idx="2">
+            <a:schemeClr val="accent1">
+              <a:shade val="50000"/>
+            </a:schemeClr>
+          </a:lnRef>
+          <a:fillRef idx="1">
+            <a:schemeClr val="accent1"/>
+          </a:fillRef>
+          <a:effectRef idx="0">
+            <a:schemeClr val="accent1"/>
+          </a:effectRef>
+          <a:fontRef idx="minor">
+            <a:schemeClr val="lt1"/>
+          </a:fontRef>
+        </p:style>
+        <p:txBody>
+          <a:bodyPr rtlCol="0" anchor="ctr"/>
+          <a:lstStyle/>
+          <a:p>
+            <a:r>
+              <a:rPr lang="en-GB" sz="1600" b="1" dirty="0" smtClean="0">
+                <a:solidFill>
+                  <a:schemeClr val="accent5">
+                    <a:lumMod val="75000"/>
+                  </a:schemeClr>
+                </a:solidFill>
+              </a:rPr>
+              <a:t>Luiz Filipe P. Abrahao</a:t>
+            </a:r>
+          </a:p>
+          <a:p>
+            <a:r>
+              <a:rPr lang="en-GB" sz="1600" dirty="0" smtClean="0">
+                <a:solidFill>
+                  <a:schemeClr val="accent5">
+                    <a:lumMod val="75000"/>
+                  </a:schemeClr>
+                </a:solidFill>
+              </a:rPr>
+              <a:t>luiz_filipe.abrahao@kcl.ac.uk</a:t>
+            </a:r>
+            <a:endParaRPr lang="en-GB" sz="1600" dirty="0">
+              <a:solidFill>
+                <a:schemeClr val="accent5">
+                  <a:lumMod val="75000"/>
+                </a:schemeClr>
+              </a:solidFill>
+            </a:endParaRPr>
+          </a:p>
+        </p:txBody>
+      </p:sp>
+      <p:sp>
+        <p:nvSpPr>
           <p:cNvPr id="2" name="Title 1"/>
           <p:cNvSpPr>
             <a:spLocks noGrp="1"/>
@@ -3120,60 +4496,104 @@
             <p:ph type="ctrTitle"/>
           </p:nvPr>
         </p:nvSpPr>
-        <p:spPr/>
-        <p:txBody>
-          <a:bodyPr/>
+        <p:spPr>
+          <a:xfrm>
+            <a:off x="685800" y="2679055"/>
+            <a:ext cx="7772400" cy="1470025"/>
+          </a:xfrm>
+        </p:spPr>
+        <p:txBody>
+          <a:bodyPr>
+            <a:normAutofit fontScale="90000"/>
+          </a:bodyPr>
           <a:lstStyle/>
           <a:p>
             <a:r>
-              <a:rPr lang="en-US" dirty="0" smtClean="0"/>
-              <a:t>MSc Project</a:t>
-            </a:r>
-            <a:endParaRPr lang="en-US" dirty="0"/>
-          </a:p>
-        </p:txBody>
-      </p:sp>
-      <p:sp>
-        <p:nvSpPr>
-          <p:cNvPr id="3" name="Subtitle 2"/>
-          <p:cNvSpPr>
-            <a:spLocks noGrp="1"/>
-          </p:cNvSpPr>
-          <p:nvPr>
-            <p:ph type="subTitle" idx="1"/>
-          </p:nvPr>
-        </p:nvSpPr>
-        <p:spPr/>
-        <p:txBody>
-          <a:bodyPr/>
-          <a:lstStyle/>
-          <a:p>
-            <a:endParaRPr lang="en-US" dirty="0"/>
-          </a:p>
-        </p:txBody>
-      </p:sp>
+              <a:rPr lang="en-GB" dirty="0" smtClean="0"/>
+              <a:t>Investigating Agent Perception</a:t>
+            </a:r>
+            <a:endParaRPr lang="en-GB" dirty="0"/>
+          </a:p>
+        </p:txBody>
+      </p:sp>
+      <p:pic>
+        <p:nvPicPr>
+          <p:cNvPr id="2050" name="Picture 2"/>
+          <p:cNvPicPr>
+            <a:picLocks noChangeAspect="1" noChangeArrowheads="1"/>
+          </p:cNvPicPr>
+          <p:nvPr/>
+        </p:nvPicPr>
+        <p:blipFill>
+          <a:blip r:embed="rId2" cstate="print">
+            <a:extLst>
+              <a:ext uri="{28A0092B-C50C-407E-A947-70E740481C1C}">
+                <a14:useLocalDpi xmlns:a14="http://schemas.microsoft.com/office/drawing/2010/main" val="0"/>
+              </a:ext>
+            </a:extLst>
+          </a:blip>
+          <a:srcRect/>
+          <a:stretch>
+            <a:fillRect/>
+          </a:stretch>
+        </p:blipFill>
+        <p:spPr bwMode="auto">
+          <a:xfrm>
+            <a:off x="634151" y="549610"/>
+            <a:ext cx="2590429" cy="1295214"/>
+          </a:xfrm>
+          <a:prstGeom prst="rect">
+            <a:avLst/>
+          </a:prstGeom>
+          <a:noFill/>
+          <a:ln>
+            <a:noFill/>
+          </a:ln>
+          <a:effectLst/>
+          <a:extLst>
+            <a:ext uri="{909E8E84-426E-40DD-AFC4-6F175D3DCCD1}">
+              <a14:hiddenFill xmlns:a14="http://schemas.microsoft.com/office/drawing/2010/main">
+                <a:solidFill>
+                  <a:schemeClr val="accent1"/>
+                </a:solidFill>
+              </a14:hiddenFill>
+            </a:ext>
+            <a:ext uri="{91240B29-F687-4F45-9708-019B960494DF}">
+              <a14:hiddenLine xmlns:a14="http://schemas.microsoft.com/office/drawing/2010/main" w="9525">
+                <a:solidFill>
+                  <a:schemeClr val="tx1"/>
+                </a:solidFill>
+                <a:miter lim="800000"/>
+                <a:headEnd/>
+                <a:tailEnd/>
+              </a14:hiddenLine>
+            </a:ext>
+            <a:ext uri="{AF507438-7753-43E0-B8FC-AC1667EBCBE1}">
+              <a14:hiddenEffects xmlns:a14="http://schemas.microsoft.com/office/drawing/2010/main">
+                <a:effectLst>
+                  <a:outerShdw dist="35921" dir="2700000" algn="ctr" rotWithShape="0">
+                    <a:schemeClr val="bg2"/>
+                  </a:outerShdw>
+                </a:effectLst>
+              </a14:hiddenEffects>
+            </a:ext>
+          </a:extLst>
+        </p:spPr>
+      </p:pic>
     </p:spTree>
     <p:extLst>
       <p:ext uri="{BB962C8B-B14F-4D97-AF65-F5344CB8AC3E}">
-        <p14:creationId xmlns:p14="http://schemas.microsoft.com/office/powerpoint/2010/main" val="3434121809"/>
+        <p14:creationId xmlns:p14="http://schemas.microsoft.com/office/powerpoint/2010/main" val="713007392"/>
       </p:ext>
     </p:extLst>
   </p:cSld>
   <p:clrMapOvr>
     <a:masterClrMapping/>
   </p:clrMapOvr>
-  <mc:AlternateContent xmlns:mc="http://schemas.openxmlformats.org/markup-compatibility/2006">
-    <mc:Choice xmlns:p14="http://schemas.microsoft.com/office/powerpoint/2010/main" Requires="p14">
-      <p:transition spd="slow" p14:dur="2000"/>
-    </mc:Choice>
-    <mc:Fallback>
-      <p:transition xmlns:p14="http://schemas.microsoft.com/office/powerpoint/2010/main" spd="slow"/>
-    </mc:Fallback>
-  </mc:AlternateContent>
   <p:timing>
     <p:tnLst>
       <p:par>
-        <p:cTn xmlns:p14="http://schemas.microsoft.com/office/powerpoint/2010/main" id="1" dur="indefinite" restart="never" nodeType="tmRoot"/>
+        <p:cTn id="1" dur="indefinite" restart="never" nodeType="tmRoot"/>
       </p:par>
     </p:tnLst>
   </p:timing>
@@ -3199,7 +4619,7 @@
       </p:grpSpPr>
       <p:sp>
         <p:nvSpPr>
-          <p:cNvPr id="2" name="Title 1"/>
+          <p:cNvPr id="3" name="Title 2"/>
           <p:cNvSpPr>
             <a:spLocks noGrp="1"/>
           </p:cNvSpPr>
@@ -3213,16 +4633,16 @@
           <a:lstStyle/>
           <a:p>
             <a:r>
-              <a:rPr lang="en-US" dirty="0" smtClean="0"/>
-              <a:t>Experiment Proposed</a:t>
-            </a:r>
-            <a:endParaRPr lang="en-US" dirty="0"/>
-          </a:p>
-        </p:txBody>
-      </p:sp>
-      <p:sp>
-        <p:nvSpPr>
-          <p:cNvPr id="3" name="Content Placeholder 2"/>
+              <a:rPr lang="en-GB" dirty="0" smtClean="0"/>
+              <a:t>Current Work</a:t>
+            </a:r>
+            <a:endParaRPr lang="en-GB" dirty="0"/>
+          </a:p>
+        </p:txBody>
+      </p:sp>
+      <p:sp>
+        <p:nvSpPr>
+          <p:cNvPr id="5" name="Content Placeholder 4"/>
           <p:cNvSpPr>
             <a:spLocks noGrp="1"/>
           </p:cNvSpPr>
@@ -3235,18 +4655,59 @@
           <a:bodyPr/>
           <a:lstStyle/>
           <a:p>
+            <a:pPr>
+              <a:spcBef>
+                <a:spcPts val="3000"/>
+              </a:spcBef>
+            </a:pPr>
+            <a:r>
+              <a:rPr lang="en-GB" dirty="0"/>
+              <a:t>A first draft of the computational model has been implemented;</a:t>
+            </a:r>
+          </a:p>
+          <a:p>
+            <a:pPr>
+              <a:spcBef>
+                <a:spcPts val="3000"/>
+              </a:spcBef>
+            </a:pPr>
+            <a:r>
+              <a:rPr lang="en-GB" dirty="0"/>
+              <a:t>100% implemented in Java;</a:t>
+            </a:r>
+          </a:p>
+          <a:p>
+            <a:pPr>
+              <a:spcBef>
+                <a:spcPts val="3000"/>
+              </a:spcBef>
+            </a:pPr>
+            <a:r>
+              <a:rPr lang="en-GB" dirty="0"/>
+              <a:t>Tested with 30 000 nodes and </a:t>
+            </a:r>
             <a:r>
               <a:rPr lang="en-GB" dirty="0" smtClean="0"/>
-              <a:t>Investigate how information is propagated throughout the colony.</a:t>
-            </a:r>
-          </a:p>
-          <a:p>
-            <a:endParaRPr lang="en-GB" dirty="0" smtClean="0"/>
-          </a:p>
-          <a:p>
+              <a:t>50 </a:t>
+            </a:r>
+            <a:r>
+              <a:rPr lang="en-GB" dirty="0"/>
+              <a:t>agents;</a:t>
+            </a:r>
+          </a:p>
+          <a:p>
+            <a:pPr>
+              <a:spcBef>
+                <a:spcPts val="3000"/>
+              </a:spcBef>
+            </a:pPr>
+            <a:r>
+              <a:rPr lang="en-GB" dirty="0"/>
+              <a:t>Currently studying what are the best ways to “produce the colony</a:t>
+            </a:r>
             <a:r>
               <a:rPr lang="en-GB" dirty="0" smtClean="0"/>
-              <a:t>Study case: addition of a predator near the colony nest after sometime of simulation.</a:t>
+              <a:t>” and which tasks to implement.</a:t>
             </a:r>
             <a:endParaRPr lang="en-GB" dirty="0"/>
           </a:p>
@@ -3255,7 +4716,7 @@
     </p:spTree>
     <p:extLst>
       <p:ext uri="{BB962C8B-B14F-4D97-AF65-F5344CB8AC3E}">
-        <p14:creationId xmlns:p14="http://schemas.microsoft.com/office/powerpoint/2010/main" val="3336252539"/>
+        <p14:creationId xmlns:p14="http://schemas.microsoft.com/office/powerpoint/2010/main" val="4269536500"/>
       </p:ext>
     </p:extLst>
   </p:cSld>
@@ -3265,9 +4726,282 @@
   <p:timing>
     <p:tnLst>
       <p:par>
-        <p:cTn xmlns:p14="http://schemas.microsoft.com/office/powerpoint/2010/main" id="1" dur="indefinite" restart="never" nodeType="tmRoot"/>
+        <p:cTn id="1" dur="indefinite" restart="never" nodeType="tmRoot">
+          <p:childTnLst>
+            <p:seq concurrent="1" nextAc="seek">
+              <p:cTn id="2" dur="indefinite" nodeType="mainSeq">
+                <p:childTnLst>
+                  <p:par>
+                    <p:cTn id="3" fill="hold">
+                      <p:stCondLst>
+                        <p:cond delay="indefinite"/>
+                        <p:cond evt="onBegin" delay="0">
+                          <p:tn val="2"/>
+                        </p:cond>
+                      </p:stCondLst>
+                      <p:childTnLst>
+                        <p:par>
+                          <p:cTn id="4" fill="hold">
+                            <p:stCondLst>
+                              <p:cond delay="0"/>
+                            </p:stCondLst>
+                            <p:childTnLst>
+                              <p:par>
+                                <p:cTn id="5" presetID="10" presetClass="entr" presetSubtype="0" fill="hold" grpId="0" nodeType="afterEffect">
+                                  <p:stCondLst>
+                                    <p:cond delay="0"/>
+                                  </p:stCondLst>
+                                  <p:childTnLst>
+                                    <p:set>
+                                      <p:cBhvr>
+                                        <p:cTn id="6" dur="1" fill="hold">
+                                          <p:stCondLst>
+                                            <p:cond delay="0"/>
+                                          </p:stCondLst>
+                                        </p:cTn>
+                                        <p:tgtEl>
+                                          <p:spTgt spid="5">
+                                            <p:txEl>
+                                              <p:pRg st="0" end="0"/>
+                                            </p:txEl>
+                                          </p:spTgt>
+                                        </p:tgtEl>
+                                        <p:attrNameLst>
+                                          <p:attrName>style.visibility</p:attrName>
+                                        </p:attrNameLst>
+                                      </p:cBhvr>
+                                      <p:to>
+                                        <p:strVal val="visible"/>
+                                      </p:to>
+                                    </p:set>
+                                    <p:animEffect transition="in" filter="fade">
+                                      <p:cBhvr>
+                                        <p:cTn id="7" dur="500"/>
+                                        <p:tgtEl>
+                                          <p:spTgt spid="5">
+                                            <p:txEl>
+                                              <p:pRg st="0" end="0"/>
+                                            </p:txEl>
+                                          </p:spTgt>
+                                        </p:tgtEl>
+                                      </p:cBhvr>
+                                    </p:animEffect>
+                                  </p:childTnLst>
+                                </p:cTn>
+                              </p:par>
+                            </p:childTnLst>
+                          </p:cTn>
+                        </p:par>
+                      </p:childTnLst>
+                    </p:cTn>
+                  </p:par>
+                  <p:par>
+                    <p:cTn id="8" fill="hold">
+                      <p:stCondLst>
+                        <p:cond delay="indefinite"/>
+                      </p:stCondLst>
+                      <p:childTnLst>
+                        <p:par>
+                          <p:cTn id="9" fill="hold">
+                            <p:stCondLst>
+                              <p:cond delay="0"/>
+                            </p:stCondLst>
+                            <p:childTnLst>
+                              <p:par>
+                                <p:cTn id="10" presetID="10" presetClass="entr" presetSubtype="0" fill="hold" grpId="0" nodeType="clickEffect">
+                                  <p:stCondLst>
+                                    <p:cond delay="0"/>
+                                  </p:stCondLst>
+                                  <p:childTnLst>
+                                    <p:set>
+                                      <p:cBhvr>
+                                        <p:cTn id="11" dur="1" fill="hold">
+                                          <p:stCondLst>
+                                            <p:cond delay="0"/>
+                                          </p:stCondLst>
+                                        </p:cTn>
+                                        <p:tgtEl>
+                                          <p:spTgt spid="5">
+                                            <p:txEl>
+                                              <p:pRg st="1" end="1"/>
+                                            </p:txEl>
+                                          </p:spTgt>
+                                        </p:tgtEl>
+                                        <p:attrNameLst>
+                                          <p:attrName>style.visibility</p:attrName>
+                                        </p:attrNameLst>
+                                      </p:cBhvr>
+                                      <p:to>
+                                        <p:strVal val="visible"/>
+                                      </p:to>
+                                    </p:set>
+                                    <p:animEffect transition="in" filter="fade">
+                                      <p:cBhvr>
+                                        <p:cTn id="12" dur="500"/>
+                                        <p:tgtEl>
+                                          <p:spTgt spid="5">
+                                            <p:txEl>
+                                              <p:pRg st="1" end="1"/>
+                                            </p:txEl>
+                                          </p:spTgt>
+                                        </p:tgtEl>
+                                      </p:cBhvr>
+                                    </p:animEffect>
+                                  </p:childTnLst>
+                                </p:cTn>
+                              </p:par>
+                            </p:childTnLst>
+                          </p:cTn>
+                        </p:par>
+                      </p:childTnLst>
+                    </p:cTn>
+                  </p:par>
+                  <p:par>
+                    <p:cTn id="13" fill="hold">
+                      <p:stCondLst>
+                        <p:cond delay="indefinite"/>
+                      </p:stCondLst>
+                      <p:childTnLst>
+                        <p:par>
+                          <p:cTn id="14" fill="hold">
+                            <p:stCondLst>
+                              <p:cond delay="0"/>
+                            </p:stCondLst>
+                            <p:childTnLst>
+                              <p:par>
+                                <p:cTn id="15" presetID="10" presetClass="entr" presetSubtype="0" fill="hold" grpId="0" nodeType="clickEffect">
+                                  <p:stCondLst>
+                                    <p:cond delay="0"/>
+                                  </p:stCondLst>
+                                  <p:childTnLst>
+                                    <p:set>
+                                      <p:cBhvr>
+                                        <p:cTn id="16" dur="1" fill="hold">
+                                          <p:stCondLst>
+                                            <p:cond delay="0"/>
+                                          </p:stCondLst>
+                                        </p:cTn>
+                                        <p:tgtEl>
+                                          <p:spTgt spid="5">
+                                            <p:txEl>
+                                              <p:pRg st="2" end="2"/>
+                                            </p:txEl>
+                                          </p:spTgt>
+                                        </p:tgtEl>
+                                        <p:attrNameLst>
+                                          <p:attrName>style.visibility</p:attrName>
+                                        </p:attrNameLst>
+                                      </p:cBhvr>
+                                      <p:to>
+                                        <p:strVal val="visible"/>
+                                      </p:to>
+                                    </p:set>
+                                    <p:animEffect transition="in" filter="fade">
+                                      <p:cBhvr>
+                                        <p:cTn id="17" dur="500"/>
+                                        <p:tgtEl>
+                                          <p:spTgt spid="5">
+                                            <p:txEl>
+                                              <p:pRg st="2" end="2"/>
+                                            </p:txEl>
+                                          </p:spTgt>
+                                        </p:tgtEl>
+                                      </p:cBhvr>
+                                    </p:animEffect>
+                                  </p:childTnLst>
+                                </p:cTn>
+                              </p:par>
+                            </p:childTnLst>
+                          </p:cTn>
+                        </p:par>
+                      </p:childTnLst>
+                    </p:cTn>
+                  </p:par>
+                  <p:par>
+                    <p:cTn id="18" fill="hold">
+                      <p:stCondLst>
+                        <p:cond delay="indefinite"/>
+                      </p:stCondLst>
+                      <p:childTnLst>
+                        <p:par>
+                          <p:cTn id="19" fill="hold">
+                            <p:stCondLst>
+                              <p:cond delay="0"/>
+                            </p:stCondLst>
+                            <p:childTnLst>
+                              <p:par>
+                                <p:cTn id="20" presetID="10" presetClass="entr" presetSubtype="0" fill="hold" grpId="0" nodeType="clickEffect">
+                                  <p:stCondLst>
+                                    <p:cond delay="0"/>
+                                  </p:stCondLst>
+                                  <p:childTnLst>
+                                    <p:set>
+                                      <p:cBhvr>
+                                        <p:cTn id="21" dur="1" fill="hold">
+                                          <p:stCondLst>
+                                            <p:cond delay="0"/>
+                                          </p:stCondLst>
+                                        </p:cTn>
+                                        <p:tgtEl>
+                                          <p:spTgt spid="5">
+                                            <p:txEl>
+                                              <p:pRg st="3" end="3"/>
+                                            </p:txEl>
+                                          </p:spTgt>
+                                        </p:tgtEl>
+                                        <p:attrNameLst>
+                                          <p:attrName>style.visibility</p:attrName>
+                                        </p:attrNameLst>
+                                      </p:cBhvr>
+                                      <p:to>
+                                        <p:strVal val="visible"/>
+                                      </p:to>
+                                    </p:set>
+                                    <p:animEffect transition="in" filter="fade">
+                                      <p:cBhvr>
+                                        <p:cTn id="22" dur="500"/>
+                                        <p:tgtEl>
+                                          <p:spTgt spid="5">
+                                            <p:txEl>
+                                              <p:pRg st="3" end="3"/>
+                                            </p:txEl>
+                                          </p:spTgt>
+                                        </p:tgtEl>
+                                      </p:cBhvr>
+                                    </p:animEffect>
+                                  </p:childTnLst>
+                                </p:cTn>
+                              </p:par>
+                            </p:childTnLst>
+                          </p:cTn>
+                        </p:par>
+                      </p:childTnLst>
+                    </p:cTn>
+                  </p:par>
+                </p:childTnLst>
+              </p:cTn>
+              <p:prevCondLst>
+                <p:cond evt="onPrev" delay="0">
+                  <p:tgtEl>
+                    <p:sldTgt/>
+                  </p:tgtEl>
+                </p:cond>
+              </p:prevCondLst>
+              <p:nextCondLst>
+                <p:cond evt="onNext" delay="0">
+                  <p:tgtEl>
+                    <p:sldTgt/>
+                  </p:tgtEl>
+                </p:cond>
+              </p:nextCondLst>
+            </p:seq>
+          </p:childTnLst>
+        </p:cTn>
       </p:par>
     </p:tnLst>
+    <p:bldLst>
+      <p:bldP spid="5" grpId="0" uiExpand="1" build="p"/>
+    </p:bldLst>
   </p:timing>
 </p:sld>
 </file>
@@ -3291,7 +5025,7 @@
       </p:grpSpPr>
       <p:sp>
         <p:nvSpPr>
-          <p:cNvPr id="2" name="Title 1"/>
+          <p:cNvPr id="3" name="Title 2"/>
           <p:cNvSpPr>
             <a:spLocks noGrp="1"/>
           </p:cNvSpPr>
@@ -3305,16 +5039,16 @@
           <a:lstStyle/>
           <a:p>
             <a:r>
-              <a:rPr lang="en-US" dirty="0" smtClean="0"/>
-              <a:t>Experiment Proposed</a:t>
-            </a:r>
-            <a:endParaRPr lang="en-US" dirty="0"/>
-          </a:p>
-        </p:txBody>
-      </p:sp>
-      <p:sp>
-        <p:nvSpPr>
-          <p:cNvPr id="3" name="Content Placeholder 2"/>
+              <a:rPr lang="en-GB" dirty="0" smtClean="0"/>
+              <a:t>Challenges</a:t>
+            </a:r>
+            <a:endParaRPr lang="en-GB" dirty="0"/>
+          </a:p>
+        </p:txBody>
+      </p:sp>
+      <p:sp>
+        <p:nvSpPr>
+          <p:cNvPr id="5" name="Content Placeholder 4"/>
           <p:cNvSpPr>
             <a:spLocks noGrp="1"/>
           </p:cNvSpPr>
@@ -3328,26 +5062,32 @@
           <a:lstStyle/>
           <a:p>
             <a:r>
+              <a:rPr lang="en-GB" dirty="0"/>
+              <a:t>Biology, Biology and Biology!</a:t>
+            </a:r>
+          </a:p>
+          <a:p>
+            <a:pPr>
+              <a:spcBef>
+                <a:spcPts val="3000"/>
+              </a:spcBef>
+            </a:pPr>
+            <a:r>
+              <a:rPr lang="en-GB" dirty="0"/>
+              <a:t>It is very hard to encode the ants behaviours into well defined </a:t>
+            </a:r>
+            <a:r>
               <a:rPr lang="en-GB" dirty="0" smtClean="0"/>
-              <a:t>How does this information about the predator travel through the colony?</a:t>
-            </a:r>
-          </a:p>
-          <a:p>
-            <a:endParaRPr lang="en-GB" dirty="0" smtClean="0"/>
-          </a:p>
-          <a:p>
-            <a:r>
-              <a:rPr lang="en-GB" dirty="0" smtClean="0"/>
-              <a:t>Is the speed </a:t>
-            </a:r>
-            <a:r>
-              <a:rPr lang="en-GB" smtClean="0"/>
-              <a:t>of the communication </a:t>
-            </a:r>
-            <a:r>
-              <a:rPr lang="en-GB" dirty="0" smtClean="0"/>
-              <a:t>affected by the pheromone trail left by the colony when foraging?</a:t>
-            </a:r>
+              <a:t>tasks;</a:t>
+            </a:r>
+            <a:endParaRPr lang="en-GB" dirty="0"/>
+          </a:p>
+          <a:p>
+            <a:pPr>
+              <a:spcBef>
+                <a:spcPts val="3000"/>
+              </a:spcBef>
+            </a:pPr>
             <a:endParaRPr lang="en-GB" dirty="0"/>
           </a:p>
         </p:txBody>
@@ -3355,7 +5095,7 @@
     </p:spTree>
     <p:extLst>
       <p:ext uri="{BB962C8B-B14F-4D97-AF65-F5344CB8AC3E}">
-        <p14:creationId xmlns:p14="http://schemas.microsoft.com/office/powerpoint/2010/main" val="3462967226"/>
+        <p14:creationId xmlns:p14="http://schemas.microsoft.com/office/powerpoint/2010/main" val="895726484"/>
       </p:ext>
     </p:extLst>
   </p:cSld>
@@ -3365,9 +5105,160 @@
   <p:timing>
     <p:tnLst>
       <p:par>
-        <p:cTn xmlns:p14="http://schemas.microsoft.com/office/powerpoint/2010/main" id="1" dur="indefinite" restart="never" nodeType="tmRoot"/>
+        <p:cTn id="1" dur="indefinite" restart="never" nodeType="tmRoot">
+          <p:childTnLst>
+            <p:seq concurrent="1" nextAc="seek">
+              <p:cTn id="2" dur="indefinite" nodeType="mainSeq">
+                <p:childTnLst>
+                  <p:par>
+                    <p:cTn id="3" fill="hold">
+                      <p:stCondLst>
+                        <p:cond delay="indefinite"/>
+                        <p:cond evt="onBegin" delay="0">
+                          <p:tn val="2"/>
+                        </p:cond>
+                      </p:stCondLst>
+                      <p:childTnLst>
+                        <p:par>
+                          <p:cTn id="4" fill="hold">
+                            <p:stCondLst>
+                              <p:cond delay="0"/>
+                            </p:stCondLst>
+                            <p:childTnLst>
+                              <p:par>
+                                <p:cTn id="5" presetID="10" presetClass="entr" presetSubtype="0" fill="hold" grpId="0" nodeType="afterEffect">
+                                  <p:stCondLst>
+                                    <p:cond delay="0"/>
+                                  </p:stCondLst>
+                                  <p:childTnLst>
+                                    <p:set>
+                                      <p:cBhvr>
+                                        <p:cTn id="6" dur="1" fill="hold">
+                                          <p:stCondLst>
+                                            <p:cond delay="0"/>
+                                          </p:stCondLst>
+                                        </p:cTn>
+                                        <p:tgtEl>
+                                          <p:spTgt spid="5">
+                                            <p:txEl>
+                                              <p:pRg st="0" end="0"/>
+                                            </p:txEl>
+                                          </p:spTgt>
+                                        </p:tgtEl>
+                                        <p:attrNameLst>
+                                          <p:attrName>style.visibility</p:attrName>
+                                        </p:attrNameLst>
+                                      </p:cBhvr>
+                                      <p:to>
+                                        <p:strVal val="visible"/>
+                                      </p:to>
+                                    </p:set>
+                                    <p:animEffect transition="in" filter="fade">
+                                      <p:cBhvr>
+                                        <p:cTn id="7" dur="500"/>
+                                        <p:tgtEl>
+                                          <p:spTgt spid="5">
+                                            <p:txEl>
+                                              <p:pRg st="0" end="0"/>
+                                            </p:txEl>
+                                          </p:spTgt>
+                                        </p:tgtEl>
+                                      </p:cBhvr>
+                                    </p:animEffect>
+                                  </p:childTnLst>
+                                </p:cTn>
+                              </p:par>
+                            </p:childTnLst>
+                          </p:cTn>
+                        </p:par>
+                      </p:childTnLst>
+                    </p:cTn>
+                  </p:par>
+                  <p:par>
+                    <p:cTn id="8" fill="hold">
+                      <p:stCondLst>
+                        <p:cond delay="indefinite"/>
+                      </p:stCondLst>
+                      <p:childTnLst>
+                        <p:par>
+                          <p:cTn id="9" fill="hold">
+                            <p:stCondLst>
+                              <p:cond delay="0"/>
+                            </p:stCondLst>
+                            <p:childTnLst>
+                              <p:par>
+                                <p:cTn id="10" presetID="10" presetClass="entr" presetSubtype="0" fill="hold" grpId="0" nodeType="clickEffect">
+                                  <p:stCondLst>
+                                    <p:cond delay="0"/>
+                                  </p:stCondLst>
+                                  <p:childTnLst>
+                                    <p:set>
+                                      <p:cBhvr>
+                                        <p:cTn id="11" dur="1" fill="hold">
+                                          <p:stCondLst>
+                                            <p:cond delay="0"/>
+                                          </p:stCondLst>
+                                        </p:cTn>
+                                        <p:tgtEl>
+                                          <p:spTgt spid="5">
+                                            <p:txEl>
+                                              <p:pRg st="1" end="1"/>
+                                            </p:txEl>
+                                          </p:spTgt>
+                                        </p:tgtEl>
+                                        <p:attrNameLst>
+                                          <p:attrName>style.visibility</p:attrName>
+                                        </p:attrNameLst>
+                                      </p:cBhvr>
+                                      <p:to>
+                                        <p:strVal val="visible"/>
+                                      </p:to>
+                                    </p:set>
+                                    <p:animEffect transition="in" filter="fade">
+                                      <p:cBhvr>
+                                        <p:cTn id="12" dur="500"/>
+                                        <p:tgtEl>
+                                          <p:spTgt spid="5">
+                                            <p:txEl>
+                                              <p:pRg st="1" end="1"/>
+                                            </p:txEl>
+                                          </p:spTgt>
+                                        </p:tgtEl>
+                                      </p:cBhvr>
+                                    </p:animEffect>
+                                  </p:childTnLst>
+                                </p:cTn>
+                              </p:par>
+                            </p:childTnLst>
+                          </p:cTn>
+                        </p:par>
+                      </p:childTnLst>
+                    </p:cTn>
+                  </p:par>
+                </p:childTnLst>
+              </p:cTn>
+              <p:prevCondLst>
+                <p:cond evt="onPrev" delay="0">
+                  <p:tgtEl>
+                    <p:sldTgt/>
+                  </p:tgtEl>
+                </p:cond>
+              </p:prevCondLst>
+              <p:nextCondLst>
+                <p:cond evt="onNext" delay="0">
+                  <p:tgtEl>
+                    <p:sldTgt/>
+                  </p:tgtEl>
+                </p:cond>
+              </p:nextCondLst>
+            </p:seq>
+          </p:childTnLst>
+        </p:cTn>
       </p:par>
     </p:tnLst>
+    <p:bldLst>
+      <p:bldP spid="5" grpId="0" uiExpand="1" build="p"/>
+    </p:bldLst>
   </p:timing>
 </p:sld>
 </file>
@@ -3391,7 +5282,7 @@
       </p:grpSpPr>
       <p:sp>
         <p:nvSpPr>
-          <p:cNvPr id="2" name="Title 1"/>
+          <p:cNvPr id="3" name="Title 2"/>
           <p:cNvSpPr>
             <a:spLocks noGrp="1"/>
           </p:cNvSpPr>
@@ -3405,16 +5296,16 @@
           <a:lstStyle/>
           <a:p>
             <a:r>
-              <a:rPr lang="en-US" dirty="0" smtClean="0"/>
-              <a:t>How much has been done</a:t>
-            </a:r>
-            <a:endParaRPr lang="en-US" dirty="0"/>
-          </a:p>
-        </p:txBody>
-      </p:sp>
-      <p:sp>
-        <p:nvSpPr>
-          <p:cNvPr id="3" name="Content Placeholder 2"/>
+              <a:rPr lang="en-GB" dirty="0" smtClean="0"/>
+              <a:t>Planning</a:t>
+            </a:r>
+            <a:endParaRPr lang="en-GB" dirty="0"/>
+          </a:p>
+        </p:txBody>
+      </p:sp>
+      <p:sp>
+        <p:nvSpPr>
+          <p:cNvPr id="5" name="Content Placeholder 4"/>
           <p:cNvSpPr>
             <a:spLocks noGrp="1"/>
           </p:cNvSpPr>
@@ -3427,35 +5318,19 @@
           <a:bodyPr/>
           <a:lstStyle/>
           <a:p>
-            <a:r>
-              <a:rPr lang="en-GB" dirty="0" smtClean="0"/>
-              <a:t>A first draft of the computational model has been implemented;</a:t>
-            </a:r>
-          </a:p>
-          <a:p>
-            <a:r>
-              <a:rPr lang="en-GB" dirty="0" smtClean="0"/>
-              <a:t>100% implemented in Java;</a:t>
-            </a:r>
-          </a:p>
-          <a:p>
-            <a:r>
-              <a:rPr lang="en-GB" dirty="0" smtClean="0"/>
-              <a:t>Tested with 30 000 nodes and 100 agents;</a:t>
-            </a:r>
-          </a:p>
-          <a:p>
-            <a:r>
-              <a:rPr lang="en-GB" dirty="0" smtClean="0"/>
-              <a:t>Currently studying what are the best ways to “produce the colony”.</a:t>
-            </a:r>
+            <a:pPr>
+              <a:spcBef>
+                <a:spcPts val="3000"/>
+              </a:spcBef>
+            </a:pPr>
+            <a:endParaRPr lang="en-GB" dirty="0"/>
           </a:p>
         </p:txBody>
       </p:sp>
     </p:spTree>
     <p:extLst>
       <p:ext uri="{BB962C8B-B14F-4D97-AF65-F5344CB8AC3E}">
-        <p14:creationId xmlns:p14="http://schemas.microsoft.com/office/powerpoint/2010/main" val="1198084832"/>
+        <p14:creationId xmlns:p14="http://schemas.microsoft.com/office/powerpoint/2010/main" val="2501142546"/>
       </p:ext>
     </p:extLst>
   </p:cSld>
@@ -3465,7 +5340,7 @@
   <p:timing>
     <p:tnLst>
       <p:par>
-        <p:cTn xmlns:p14="http://schemas.microsoft.com/office/powerpoint/2010/main" id="1" dur="indefinite" restart="never" nodeType="tmRoot"/>
+        <p:cTn id="1" dur="indefinite" restart="never" nodeType="tmRoot"/>
       </p:par>
     </p:tnLst>
   </p:timing>
@@ -3489,67 +5364,138 @@
           <a:chExt cx="0" cy="0"/>
         </a:xfrm>
       </p:grpSpPr>
-      <p:sp>
-        <p:nvSpPr>
-          <p:cNvPr id="2" name="Title 1"/>
-          <p:cNvSpPr>
-            <a:spLocks noGrp="1"/>
-          </p:cNvSpPr>
-          <p:nvPr>
-            <p:ph type="title"/>
-          </p:nvPr>
-        </p:nvSpPr>
-        <p:spPr/>
-        <p:txBody>
-          <a:bodyPr/>
-          <a:lstStyle/>
-          <a:p>
-            <a:r>
-              <a:rPr lang="en-US" dirty="0" smtClean="0"/>
-              <a:t>Challenges</a:t>
-            </a:r>
-            <a:endParaRPr lang="en-US" dirty="0"/>
-          </a:p>
-        </p:txBody>
-      </p:sp>
-      <p:sp>
-        <p:nvSpPr>
-          <p:cNvPr id="3" name="Content Placeholder 2"/>
-          <p:cNvSpPr>
-            <a:spLocks noGrp="1"/>
-          </p:cNvSpPr>
-          <p:nvPr>
-            <p:ph idx="1"/>
-          </p:nvPr>
-        </p:nvSpPr>
-        <p:spPr/>
-        <p:txBody>
-          <a:bodyPr/>
-          <a:lstStyle/>
-          <a:p>
-            <a:r>
-              <a:rPr lang="en-GB" dirty="0" smtClean="0"/>
-              <a:t>Biology, Biology and Biology!</a:t>
-            </a:r>
-          </a:p>
-          <a:p>
-            <a:r>
-              <a:rPr lang="en-GB" dirty="0" smtClean="0"/>
-              <a:t>It is very hard to encode the ants behaviours into well defined tasks.</a:t>
-            </a:r>
-          </a:p>
-          <a:p>
-            <a:r>
-              <a:rPr lang="en-GB" dirty="0" smtClean="0"/>
-              <a:t>Lack of a animal-behaviour specialist at King’s.</a:t>
-            </a:r>
-          </a:p>
-        </p:txBody>
-      </p:sp>
+      <p:grpSp>
+        <p:nvGrpSpPr>
+          <p:cNvPr id="7" name="Group 6"/>
+          <p:cNvGrpSpPr/>
+          <p:nvPr/>
+        </p:nvGrpSpPr>
+        <p:grpSpPr>
+          <a:xfrm>
+            <a:off x="3059832" y="1988840"/>
+            <a:ext cx="2493996" cy="2448587"/>
+            <a:chOff x="3540125" y="2055721"/>
+            <a:chExt cx="2493996" cy="2448587"/>
+          </a:xfrm>
+        </p:grpSpPr>
+        <p:pic>
+          <p:nvPicPr>
+            <p:cNvPr id="1027" name="Picture 3" descr="C:\Users\luiza\Desktop\presentation\stock\australis2.jpg"/>
+            <p:cNvPicPr>
+              <a:picLocks noChangeAspect="1" noChangeArrowheads="1"/>
+            </p:cNvPicPr>
+            <p:nvPr/>
+          </p:nvPicPr>
+          <p:blipFill>
+            <a:blip r:embed="rId2">
+              <a:extLst>
+                <a:ext uri="{BEBA8EAE-BF5A-486C-A8C5-ECC9F3942E4B}">
+                  <a14:imgProps xmlns:a14="http://schemas.microsoft.com/office/drawing/2010/main">
+                    <a14:imgLayer r:embed="rId3">
+                      <a14:imgEffect>
+                        <a14:backgroundRemoval t="16413" b="89970" l="15000" r="95000"/>
+                      </a14:imgEffect>
+                    </a14:imgLayer>
+                  </a14:imgProps>
+                </a:ext>
+                <a:ext uri="{28A0092B-C50C-407E-A947-70E740481C1C}">
+                  <a14:useLocalDpi xmlns:a14="http://schemas.microsoft.com/office/drawing/2010/main" val="0"/>
+                </a:ext>
+              </a:extLst>
+            </a:blip>
+            <a:srcRect/>
+            <a:stretch>
+              <a:fillRect/>
+            </a:stretch>
+          </p:blipFill>
+          <p:spPr bwMode="auto">
+            <a:xfrm rot="21369794">
+              <a:off x="3540125" y="2924944"/>
+              <a:ext cx="2493996" cy="1579364"/>
+            </a:xfrm>
+            <a:prstGeom prst="rect">
+              <a:avLst/>
+            </a:prstGeom>
+            <a:noFill/>
+            <a:ln>
+              <a:noFill/>
+            </a:ln>
+            <a:extLst>
+              <a:ext uri="{909E8E84-426E-40DD-AFC4-6F175D3DCCD1}">
+                <a14:hiddenFill xmlns:a14="http://schemas.microsoft.com/office/drawing/2010/main">
+                  <a:solidFill>
+                    <a:srgbClr val="FFFFFF"/>
+                  </a:solidFill>
+                </a14:hiddenFill>
+              </a:ext>
+            </a:extLst>
+          </p:spPr>
+        </p:pic>
+        <p:sp>
+          <p:nvSpPr>
+            <p:cNvPr id="6" name="TextBox 5"/>
+            <p:cNvSpPr txBox="1"/>
+            <p:nvPr/>
+          </p:nvSpPr>
+          <p:spPr>
+            <a:xfrm rot="900000">
+              <a:off x="4504119" y="2055721"/>
+              <a:ext cx="707245" cy="1446550"/>
+            </a:xfrm>
+            <a:prstGeom prst="rect">
+              <a:avLst/>
+            </a:prstGeom>
+            <a:noFill/>
+          </p:spPr>
+          <p:txBody>
+            <a:bodyPr wrap="none" rtlCol="0">
+              <a:spAutoFit/>
+            </a:bodyPr>
+            <a:lstStyle/>
+            <a:p>
+              <a:r>
+                <a:rPr lang="en-GB" sz="8800" dirty="0" smtClean="0"/>
+                <a:t>?</a:t>
+              </a:r>
+              <a:endParaRPr lang="en-GB" sz="8800" dirty="0"/>
+            </a:p>
+          </p:txBody>
+        </p:sp>
+        <p:sp>
+          <p:nvSpPr>
+            <p:cNvPr id="9" name="TextBox 8"/>
+            <p:cNvSpPr txBox="1"/>
+            <p:nvPr/>
+          </p:nvSpPr>
+          <p:spPr>
+            <a:xfrm rot="19800000">
+              <a:off x="3900111" y="2068751"/>
+              <a:ext cx="707245" cy="1446550"/>
+            </a:xfrm>
+            <a:prstGeom prst="rect">
+              <a:avLst/>
+            </a:prstGeom>
+            <a:noFill/>
+          </p:spPr>
+          <p:txBody>
+            <a:bodyPr wrap="none" rtlCol="0">
+              <a:spAutoFit/>
+            </a:bodyPr>
+            <a:lstStyle/>
+            <a:p>
+              <a:r>
+                <a:rPr lang="en-GB" sz="8800" dirty="0" smtClean="0"/>
+                <a:t>?</a:t>
+              </a:r>
+              <a:endParaRPr lang="en-GB" sz="8800" dirty="0"/>
+            </a:p>
+          </p:txBody>
+        </p:sp>
+      </p:grpSp>
     </p:spTree>
     <p:extLst>
       <p:ext uri="{BB962C8B-B14F-4D97-AF65-F5344CB8AC3E}">
-        <p14:creationId xmlns:p14="http://schemas.microsoft.com/office/powerpoint/2010/main" val="3493406894"/>
+        <p14:creationId xmlns:p14="http://schemas.microsoft.com/office/powerpoint/2010/main" val="880166617"/>
       </p:ext>
     </p:extLst>
   </p:cSld>
@@ -3559,95 +5505,7 @@
   <p:timing>
     <p:tnLst>
       <p:par>
-        <p:cTn xmlns:p14="http://schemas.microsoft.com/office/powerpoint/2010/main" id="1" dur="indefinite" restart="never" nodeType="tmRoot"/>
-      </p:par>
-    </p:tnLst>
-  </p:timing>
-</p:sld>
-</file>
-
-<file path=ppt/slides/slide14.xml><?xml version="1.0" encoding="utf-8"?>
-<p:sld xmlns:a="http://schemas.openxmlformats.org/drawingml/2006/main" xmlns:r="http://schemas.openxmlformats.org/officeDocument/2006/relationships" xmlns:p="http://schemas.openxmlformats.org/presentationml/2006/main">
-  <p:cSld>
-    <p:spTree>
-      <p:nvGrpSpPr>
-        <p:cNvPr id="1" name=""/>
-        <p:cNvGrpSpPr/>
-        <p:nvPr/>
-      </p:nvGrpSpPr>
-      <p:grpSpPr>
-        <a:xfrm>
-          <a:off x="0" y="0"/>
-          <a:ext cx="0" cy="0"/>
-          <a:chOff x="0" y="0"/>
-          <a:chExt cx="0" cy="0"/>
-        </a:xfrm>
-      </p:grpSpPr>
-      <p:sp>
-        <p:nvSpPr>
-          <p:cNvPr id="2" name="Title 1"/>
-          <p:cNvSpPr>
-            <a:spLocks noGrp="1"/>
-          </p:cNvSpPr>
-          <p:nvPr>
-            <p:ph type="title"/>
-          </p:nvPr>
-        </p:nvSpPr>
-        <p:spPr/>
-        <p:txBody>
-          <a:bodyPr/>
-          <a:lstStyle/>
-          <a:p>
-            <a:endParaRPr lang="en-US" dirty="0"/>
-          </a:p>
-        </p:txBody>
-      </p:sp>
-      <p:sp>
-        <p:nvSpPr>
-          <p:cNvPr id="3" name="Content Placeholder 2"/>
-          <p:cNvSpPr>
-            <a:spLocks noGrp="1"/>
-          </p:cNvSpPr>
-          <p:nvPr>
-            <p:ph idx="1"/>
-          </p:nvPr>
-        </p:nvSpPr>
-        <p:spPr>
-          <a:xfrm>
-            <a:off x="457200" y="2678314"/>
-            <a:ext cx="8229600" cy="3447850"/>
-          </a:xfrm>
-        </p:spPr>
-        <p:txBody>
-          <a:bodyPr>
-            <a:normAutofit/>
-          </a:bodyPr>
-          <a:lstStyle/>
-          <a:p>
-            <a:pPr marL="0" indent="0" algn="ctr">
-              <a:buNone/>
-            </a:pPr>
-            <a:r>
-              <a:rPr lang="en-GB" sz="6600" dirty="0" smtClean="0"/>
-              <a:t>Thank you</a:t>
-            </a:r>
-          </a:p>
-        </p:txBody>
-      </p:sp>
-    </p:spTree>
-    <p:extLst>
-      <p:ext uri="{BB962C8B-B14F-4D97-AF65-F5344CB8AC3E}">
-        <p14:creationId xmlns:p14="http://schemas.microsoft.com/office/powerpoint/2010/main" val="1356664528"/>
-      </p:ext>
-    </p:extLst>
-  </p:cSld>
-  <p:clrMapOvr>
-    <a:masterClrMapping/>
-  </p:clrMapOvr>
-  <p:timing>
-    <p:tnLst>
-      <p:par>
-        <p:cTn xmlns:p14="http://schemas.microsoft.com/office/powerpoint/2010/main" id="1" dur="indefinite" restart="never" nodeType="tmRoot"/>
+        <p:cTn id="1" dur="indefinite" restart="never" nodeType="tmRoot"/>
       </p:par>
     </p:tnLst>
   </p:timing>
@@ -3673,12 +5531,12 @@
       </p:grpSpPr>
       <p:sp>
         <p:nvSpPr>
-          <p:cNvPr id="2" name="Title 1"/>
-          <p:cNvSpPr>
-            <a:spLocks noGrp="1"/>
-          </p:cNvSpPr>
-          <p:nvPr>
-            <p:ph type="title"/>
+          <p:cNvPr id="2" name="Content Placeholder 1"/>
+          <p:cNvSpPr>
+            <a:spLocks noGrp="1"/>
+          </p:cNvSpPr>
+          <p:nvPr>
+            <p:ph idx="1"/>
           </p:nvPr>
         </p:nvSpPr>
         <p:spPr/>
@@ -3687,21 +5545,51 @@
           <a:lstStyle/>
           <a:p>
             <a:r>
-              <a:rPr lang="en-US" dirty="0" smtClean="0"/>
-              <a:t>Agenda</a:t>
-            </a:r>
-            <a:endParaRPr lang="en-US" dirty="0"/>
-          </a:p>
-        </p:txBody>
-      </p:sp>
-      <p:sp>
-        <p:nvSpPr>
-          <p:cNvPr id="3" name="Content Placeholder 2"/>
-          <p:cNvSpPr>
-            <a:spLocks noGrp="1"/>
-          </p:cNvSpPr>
-          <p:nvPr>
-            <p:ph idx="1"/>
+              <a:rPr lang="en-GB" dirty="0" smtClean="0"/>
+              <a:t>Motivation;</a:t>
+            </a:r>
+          </a:p>
+          <a:p>
+            <a:r>
+              <a:rPr lang="en-GB" dirty="0" smtClean="0"/>
+              <a:t>Objectives;</a:t>
+            </a:r>
+          </a:p>
+          <a:p>
+            <a:r>
+              <a:rPr lang="en-GB" dirty="0" smtClean="0"/>
+              <a:t>The Computational Model;</a:t>
+            </a:r>
+          </a:p>
+          <a:p>
+            <a:r>
+              <a:rPr lang="en-GB" dirty="0" smtClean="0"/>
+              <a:t>Proposed Experiment;</a:t>
+            </a:r>
+          </a:p>
+          <a:p>
+            <a:r>
+              <a:rPr lang="en-GB" dirty="0" smtClean="0"/>
+              <a:t>Challenges;</a:t>
+            </a:r>
+          </a:p>
+          <a:p>
+            <a:r>
+              <a:rPr lang="en-GB" dirty="0" smtClean="0"/>
+              <a:t>Planning.</a:t>
+            </a:r>
+            <a:endParaRPr lang="en-GB" dirty="0"/>
+          </a:p>
+        </p:txBody>
+      </p:sp>
+      <p:sp>
+        <p:nvSpPr>
+          <p:cNvPr id="3" name="Title 2"/>
+          <p:cNvSpPr>
+            <a:spLocks noGrp="1"/>
+          </p:cNvSpPr>
+          <p:nvPr>
+            <p:ph type="title"/>
           </p:nvPr>
         </p:nvSpPr>
         <p:spPr/>
@@ -3710,50 +5598,17 @@
           <a:lstStyle/>
           <a:p>
             <a:r>
-              <a:rPr lang="en-US" dirty="0" smtClean="0"/>
-              <a:t>Motivation;</a:t>
-            </a:r>
-          </a:p>
-          <a:p>
-            <a:r>
-              <a:rPr lang="en-US" dirty="0" smtClean="0"/>
-              <a:t>Objective;</a:t>
-            </a:r>
-            <a:endParaRPr lang="en-US" dirty="0" smtClean="0"/>
-          </a:p>
-          <a:p>
-            <a:r>
-              <a:rPr lang="en-US" dirty="0" smtClean="0"/>
-              <a:t>Computational model;</a:t>
-            </a:r>
-          </a:p>
-          <a:p>
-            <a:r>
-              <a:rPr lang="en-US" dirty="0" smtClean="0"/>
-              <a:t>Proposed experiment;</a:t>
-            </a:r>
-          </a:p>
-          <a:p>
-            <a:r>
-              <a:rPr lang="en-US" dirty="0" smtClean="0"/>
-              <a:t>How much has been done;</a:t>
-            </a:r>
-          </a:p>
-          <a:p>
-            <a:r>
-              <a:rPr lang="en-US" dirty="0" smtClean="0"/>
-              <a:t>Challenges.</a:t>
-            </a:r>
-          </a:p>
-          <a:p>
-            <a:endParaRPr lang="en-US" dirty="0"/>
+              <a:rPr lang="en-GB" dirty="0" smtClean="0"/>
+              <a:t>Agenda</a:t>
+            </a:r>
+            <a:endParaRPr lang="en-GB" dirty="0"/>
           </a:p>
         </p:txBody>
       </p:sp>
     </p:spTree>
     <p:extLst>
       <p:ext uri="{BB962C8B-B14F-4D97-AF65-F5344CB8AC3E}">
-        <p14:creationId xmlns:p14="http://schemas.microsoft.com/office/powerpoint/2010/main" val="1962746104"/>
+        <p14:creationId xmlns:p14="http://schemas.microsoft.com/office/powerpoint/2010/main" val="710695217"/>
       </p:ext>
     </p:extLst>
   </p:cSld>
@@ -3763,7 +5618,7 @@
   <p:timing>
     <p:tnLst>
       <p:par>
-        <p:cTn xmlns:p14="http://schemas.microsoft.com/office/powerpoint/2010/main" id="1" dur="indefinite" restart="never" nodeType="tmRoot"/>
+        <p:cTn id="1" dur="indefinite" restart="never" nodeType="tmRoot"/>
       </p:par>
     </p:tnLst>
   </p:timing>
@@ -3789,112 +5644,128 @@
       </p:grpSpPr>
       <p:sp>
         <p:nvSpPr>
-          <p:cNvPr id="2" name="Title 1"/>
-          <p:cNvSpPr>
-            <a:spLocks noGrp="1"/>
-          </p:cNvSpPr>
-          <p:nvPr>
-            <p:ph type="title"/>
-          </p:nvPr>
-        </p:nvSpPr>
-        <p:spPr>
-          <a:xfrm>
-            <a:off x="457200" y="274638"/>
-            <a:ext cx="8229600" cy="1143000"/>
-          </a:xfrm>
-        </p:spPr>
+          <p:cNvPr id="2" name="Content Placeholder 1"/>
+          <p:cNvSpPr>
+            <a:spLocks noGrp="1"/>
+          </p:cNvSpPr>
+          <p:nvPr>
+            <p:ph idx="1"/>
+          </p:nvPr>
+        </p:nvSpPr>
+        <p:spPr/>
         <p:txBody>
           <a:bodyPr/>
           <a:lstStyle/>
           <a:p>
-            <a:r>
-              <a:rPr lang="en-US" dirty="0" smtClean="0"/>
-              <a:t>Motivation</a:t>
-            </a:r>
-            <a:endParaRPr lang="en-US" dirty="0"/>
-          </a:p>
-        </p:txBody>
-      </p:sp>
-      <p:sp>
-        <p:nvSpPr>
-          <p:cNvPr id="3" name="Content Placeholder 2"/>
-          <p:cNvSpPr>
-            <a:spLocks noGrp="1"/>
-          </p:cNvSpPr>
-          <p:nvPr>
-            <p:ph idx="1"/>
-          </p:nvPr>
-        </p:nvSpPr>
-        <p:spPr/>
-        <p:txBody>
-          <a:bodyPr>
-            <a:normAutofit lnSpcReduction="10000"/>
-          </a:bodyPr>
-          <a:lstStyle/>
-          <a:p>
             <a:pPr marL="0" indent="0">
+              <a:spcBef>
+                <a:spcPts val="3000"/>
+              </a:spcBef>
               <a:buNone/>
             </a:pPr>
             <a:r>
+              <a:rPr lang="en-GB" dirty="0"/>
+              <a:t>We are surrounded by cases in which very limited agents put together can give rise to very sophisticated overall behaviour</a:t>
+            </a:r>
+            <a:r>
               <a:rPr lang="en-GB" dirty="0" smtClean="0"/>
-              <a:t>We are surrounded by cases in which very limited agents put together can give rise to very sophisticated overall behaviour.</a:t>
+              <a:t>.</a:t>
             </a:r>
           </a:p>
           <a:p>
             <a:pPr marL="0" indent="0">
+              <a:spcBef>
+                <a:spcPts val="3000"/>
+              </a:spcBef>
+              <a:buNone/>
+            </a:pPr>
+            <a:r>
+              <a:rPr lang="en-GB" b="1" dirty="0"/>
+              <a:t>Can we look at these </a:t>
+            </a:r>
+            <a:r>
+              <a:rPr lang="en-GB" b="1" dirty="0" smtClean="0"/>
+              <a:t>groups </a:t>
+            </a:r>
+            <a:r>
+              <a:rPr lang="en-GB" b="1" dirty="0"/>
+              <a:t>of individuals as one super-organism</a:t>
+            </a:r>
+            <a:r>
+              <a:rPr lang="en-GB" b="1" dirty="0" smtClean="0"/>
+              <a:t>?</a:t>
+            </a:r>
+          </a:p>
+          <a:p>
+            <a:pPr marL="0" indent="0">
+              <a:spcBef>
+                <a:spcPts val="3000"/>
+              </a:spcBef>
+              <a:buNone/>
+            </a:pPr>
+            <a:r>
+              <a:rPr lang="en-GB" dirty="0"/>
+              <a:t>Could an ant-colony be seen as a single organism? Yes.</a:t>
+            </a:r>
+            <a:r>
+              <a:rPr lang="en-GB" baseline="30000" dirty="0"/>
+              <a:t>[1]</a:t>
+            </a:r>
+            <a:endParaRPr lang="en-GB" dirty="0"/>
+          </a:p>
+          <a:p>
+            <a:pPr marL="0" indent="0">
+              <a:spcBef>
+                <a:spcPts val="3000"/>
+              </a:spcBef>
+              <a:buNone/>
+            </a:pPr>
+            <a:endParaRPr lang="en-GB" b="1" dirty="0"/>
+          </a:p>
+          <a:p>
+            <a:pPr marL="0" indent="0">
+              <a:spcBef>
+                <a:spcPts val="3000"/>
+              </a:spcBef>
               <a:buNone/>
             </a:pPr>
             <a:endParaRPr lang="en-GB" dirty="0"/>
           </a:p>
-          <a:p>
-            <a:pPr marL="0" indent="0">
-              <a:buNone/>
-            </a:pPr>
-            <a:r>
-              <a:rPr lang="en-GB" b="1" dirty="0" smtClean="0"/>
-              <a:t>Should we look at these group of individuals as one </a:t>
-            </a:r>
-            <a:r>
-              <a:rPr lang="en-GB" b="1" dirty="0" err="1" smtClean="0"/>
-              <a:t>superorganism</a:t>
-            </a:r>
-            <a:r>
-              <a:rPr lang="en-GB" b="1" dirty="0" smtClean="0"/>
-              <a:t>?</a:t>
-            </a:r>
-          </a:p>
-          <a:p>
-            <a:pPr marL="0" indent="0">
-              <a:buNone/>
-            </a:pPr>
-            <a:endParaRPr lang="en-GB" sz="1800" b="1" dirty="0"/>
-          </a:p>
-          <a:p>
-            <a:pPr marL="0" indent="0">
-              <a:buNone/>
-            </a:pPr>
+        </p:txBody>
+      </p:sp>
+      <p:sp>
+        <p:nvSpPr>
+          <p:cNvPr id="3" name="Title 2"/>
+          <p:cNvSpPr>
+            <a:spLocks noGrp="1"/>
+          </p:cNvSpPr>
+          <p:nvPr>
+            <p:ph type="title"/>
+          </p:nvPr>
+        </p:nvSpPr>
+        <p:spPr/>
+        <p:txBody>
+          <a:bodyPr/>
+          <a:lstStyle/>
+          <a:p>
             <a:r>
               <a:rPr lang="en-GB" dirty="0" smtClean="0"/>
-              <a:t>Could an ant-colony be seen as a single organism? Yes.</a:t>
-            </a:r>
-            <a:r>
-              <a:rPr lang="en-GB" baseline="30000" dirty="0" smtClean="0"/>
-              <a:t>[1]</a:t>
-            </a:r>
-            <a:endParaRPr lang="en-GB" dirty="0" smtClean="0"/>
-          </a:p>
-        </p:txBody>
-      </p:sp>
-      <p:sp>
-        <p:nvSpPr>
-          <p:cNvPr id="5" name="TextBox 4"/>
+              <a:t>Motivation</a:t>
+            </a:r>
+            <a:endParaRPr lang="en-GB" dirty="0"/>
+          </a:p>
+        </p:txBody>
+      </p:sp>
+      <p:sp>
+        <p:nvSpPr>
+          <p:cNvPr id="4" name="TextBox 3"/>
           <p:cNvSpPr txBox="1"/>
           <p:nvPr/>
         </p:nvSpPr>
         <p:spPr>
           <a:xfrm>
-            <a:off x="457200" y="6126163"/>
-            <a:ext cx="8229599" cy="307777"/>
+            <a:off x="251521" y="5661248"/>
+            <a:ext cx="8640959" cy="307777"/>
           </a:xfrm>
           <a:prstGeom prst="rect">
             <a:avLst/>
@@ -3919,7 +5790,7 @@
     </p:spTree>
     <p:extLst>
       <p:ext uri="{BB962C8B-B14F-4D97-AF65-F5344CB8AC3E}">
-        <p14:creationId xmlns:p14="http://schemas.microsoft.com/office/powerpoint/2010/main" val="1188794525"/>
+        <p14:creationId xmlns:p14="http://schemas.microsoft.com/office/powerpoint/2010/main" val="1874829762"/>
       </p:ext>
     </p:extLst>
   </p:cSld>
@@ -3929,9 +5800,257 @@
   <p:timing>
     <p:tnLst>
       <p:par>
-        <p:cTn xmlns:p14="http://schemas.microsoft.com/office/powerpoint/2010/main" id="1" dur="indefinite" restart="never" nodeType="tmRoot"/>
+        <p:cTn id="1" dur="indefinite" restart="never" nodeType="tmRoot">
+          <p:childTnLst>
+            <p:seq concurrent="1" nextAc="seek">
+              <p:cTn id="2" dur="indefinite" nodeType="mainSeq">
+                <p:childTnLst>
+                  <p:par>
+                    <p:cTn id="3" fill="hold">
+                      <p:stCondLst>
+                        <p:cond delay="indefinite"/>
+                        <p:cond evt="onBegin" delay="0">
+                          <p:tn val="2"/>
+                        </p:cond>
+                      </p:stCondLst>
+                      <p:childTnLst>
+                        <p:par>
+                          <p:cTn id="4" fill="hold">
+                            <p:stCondLst>
+                              <p:cond delay="0"/>
+                            </p:stCondLst>
+                            <p:childTnLst>
+                              <p:par>
+                                <p:cTn id="5" presetID="10" presetClass="entr" presetSubtype="0" fill="hold" grpId="0" nodeType="afterEffect">
+                                  <p:stCondLst>
+                                    <p:cond delay="0"/>
+                                  </p:stCondLst>
+                                  <p:childTnLst>
+                                    <p:set>
+                                      <p:cBhvr>
+                                        <p:cTn id="6" dur="1" fill="hold">
+                                          <p:stCondLst>
+                                            <p:cond delay="0"/>
+                                          </p:stCondLst>
+                                        </p:cTn>
+                                        <p:tgtEl>
+                                          <p:spTgt spid="2">
+                                            <p:txEl>
+                                              <p:pRg st="0" end="0"/>
+                                            </p:txEl>
+                                          </p:spTgt>
+                                        </p:tgtEl>
+                                        <p:attrNameLst>
+                                          <p:attrName>style.visibility</p:attrName>
+                                        </p:attrNameLst>
+                                      </p:cBhvr>
+                                      <p:to>
+                                        <p:strVal val="visible"/>
+                                      </p:to>
+                                    </p:set>
+                                    <p:animEffect transition="in" filter="fade">
+                                      <p:cBhvr>
+                                        <p:cTn id="7" dur="500"/>
+                                        <p:tgtEl>
+                                          <p:spTgt spid="2">
+                                            <p:txEl>
+                                              <p:pRg st="0" end="0"/>
+                                            </p:txEl>
+                                          </p:spTgt>
+                                        </p:tgtEl>
+                                      </p:cBhvr>
+                                    </p:animEffect>
+                                  </p:childTnLst>
+                                </p:cTn>
+                              </p:par>
+                            </p:childTnLst>
+                          </p:cTn>
+                        </p:par>
+                      </p:childTnLst>
+                    </p:cTn>
+                  </p:par>
+                  <p:par>
+                    <p:cTn id="8" fill="hold">
+                      <p:stCondLst>
+                        <p:cond delay="indefinite"/>
+                      </p:stCondLst>
+                      <p:childTnLst>
+                        <p:par>
+                          <p:cTn id="9" fill="hold">
+                            <p:stCondLst>
+                              <p:cond delay="0"/>
+                            </p:stCondLst>
+                            <p:childTnLst>
+                              <p:par>
+                                <p:cTn id="10" presetID="10" presetClass="entr" presetSubtype="0" fill="hold" grpId="0" nodeType="clickEffect">
+                                  <p:stCondLst>
+                                    <p:cond delay="0"/>
+                                  </p:stCondLst>
+                                  <p:childTnLst>
+                                    <p:set>
+                                      <p:cBhvr>
+                                        <p:cTn id="11" dur="1" fill="hold">
+                                          <p:stCondLst>
+                                            <p:cond delay="0"/>
+                                          </p:stCondLst>
+                                        </p:cTn>
+                                        <p:tgtEl>
+                                          <p:spTgt spid="2">
+                                            <p:txEl>
+                                              <p:pRg st="1" end="1"/>
+                                            </p:txEl>
+                                          </p:spTgt>
+                                        </p:tgtEl>
+                                        <p:attrNameLst>
+                                          <p:attrName>style.visibility</p:attrName>
+                                        </p:attrNameLst>
+                                      </p:cBhvr>
+                                      <p:to>
+                                        <p:strVal val="visible"/>
+                                      </p:to>
+                                    </p:set>
+                                    <p:animEffect transition="in" filter="fade">
+                                      <p:cBhvr>
+                                        <p:cTn id="12" dur="500"/>
+                                        <p:tgtEl>
+                                          <p:spTgt spid="2">
+                                            <p:txEl>
+                                              <p:pRg st="1" end="1"/>
+                                            </p:txEl>
+                                          </p:spTgt>
+                                        </p:tgtEl>
+                                      </p:cBhvr>
+                                    </p:animEffect>
+                                  </p:childTnLst>
+                                </p:cTn>
+                              </p:par>
+                            </p:childTnLst>
+                          </p:cTn>
+                        </p:par>
+                      </p:childTnLst>
+                    </p:cTn>
+                  </p:par>
+                  <p:par>
+                    <p:cTn id="13" fill="hold">
+                      <p:stCondLst>
+                        <p:cond delay="indefinite"/>
+                      </p:stCondLst>
+                      <p:childTnLst>
+                        <p:par>
+                          <p:cTn id="14" fill="hold">
+                            <p:stCondLst>
+                              <p:cond delay="0"/>
+                            </p:stCondLst>
+                            <p:childTnLst>
+                              <p:par>
+                                <p:cTn id="15" presetID="10" presetClass="entr" presetSubtype="0" fill="hold" grpId="0" nodeType="clickEffect">
+                                  <p:stCondLst>
+                                    <p:cond delay="0"/>
+                                  </p:stCondLst>
+                                  <p:childTnLst>
+                                    <p:set>
+                                      <p:cBhvr>
+                                        <p:cTn id="16" dur="1" fill="hold">
+                                          <p:stCondLst>
+                                            <p:cond delay="0"/>
+                                          </p:stCondLst>
+                                        </p:cTn>
+                                        <p:tgtEl>
+                                          <p:spTgt spid="2">
+                                            <p:txEl>
+                                              <p:pRg st="2" end="2"/>
+                                            </p:txEl>
+                                          </p:spTgt>
+                                        </p:tgtEl>
+                                        <p:attrNameLst>
+                                          <p:attrName>style.visibility</p:attrName>
+                                        </p:attrNameLst>
+                                      </p:cBhvr>
+                                      <p:to>
+                                        <p:strVal val="visible"/>
+                                      </p:to>
+                                    </p:set>
+                                    <p:animEffect transition="in" filter="fade">
+                                      <p:cBhvr>
+                                        <p:cTn id="17" dur="500"/>
+                                        <p:tgtEl>
+                                          <p:spTgt spid="2">
+                                            <p:txEl>
+                                              <p:pRg st="2" end="2"/>
+                                            </p:txEl>
+                                          </p:spTgt>
+                                        </p:tgtEl>
+                                      </p:cBhvr>
+                                    </p:animEffect>
+                                  </p:childTnLst>
+                                </p:cTn>
+                              </p:par>
+                              <p:par>
+                                <p:cTn id="18" presetID="10" presetClass="entr" presetSubtype="0" fill="hold" grpId="0" nodeType="withEffect">
+                                  <p:stCondLst>
+                                    <p:cond delay="0"/>
+                                  </p:stCondLst>
+                                  <p:childTnLst>
+                                    <p:set>
+                                      <p:cBhvr>
+                                        <p:cTn id="19" dur="1" fill="hold">
+                                          <p:stCondLst>
+                                            <p:cond delay="0"/>
+                                          </p:stCondLst>
+                                        </p:cTn>
+                                        <p:tgtEl>
+                                          <p:spTgt spid="4"/>
+                                        </p:tgtEl>
+                                        <p:attrNameLst>
+                                          <p:attrName>style.visibility</p:attrName>
+                                        </p:attrNameLst>
+                                      </p:cBhvr>
+                                      <p:to>
+                                        <p:strVal val="visible"/>
+                                      </p:to>
+                                    </p:set>
+                                    <p:animEffect transition="in" filter="fade">
+                                      <p:cBhvr>
+                                        <p:cTn id="20" dur="500"/>
+                                        <p:tgtEl>
+                                          <p:spTgt spid="4"/>
+                                        </p:tgtEl>
+                                      </p:cBhvr>
+                                    </p:animEffect>
+                                  </p:childTnLst>
+                                </p:cTn>
+                              </p:par>
+                            </p:childTnLst>
+                          </p:cTn>
+                        </p:par>
+                      </p:childTnLst>
+                    </p:cTn>
+                  </p:par>
+                </p:childTnLst>
+              </p:cTn>
+              <p:prevCondLst>
+                <p:cond evt="onPrev" delay="0">
+                  <p:tgtEl>
+                    <p:sldTgt/>
+                  </p:tgtEl>
+                </p:cond>
+              </p:prevCondLst>
+              <p:nextCondLst>
+                <p:cond evt="onNext" delay="0">
+                  <p:tgtEl>
+                    <p:sldTgt/>
+                  </p:tgtEl>
+                </p:cond>
+              </p:nextCondLst>
+            </p:seq>
+          </p:childTnLst>
+        </p:cTn>
       </p:par>
     </p:tnLst>
+    <p:bldLst>
+      <p:bldP spid="2" grpId="0" uiExpand="1" build="p"/>
+      <p:bldP spid="4" grpId="0"/>
+    </p:bldLst>
   </p:timing>
 </p:sld>
 </file>
@@ -3955,71 +6074,293 @@
       </p:grpSpPr>
       <p:sp>
         <p:nvSpPr>
-          <p:cNvPr id="2" name="Title 1"/>
-          <p:cNvSpPr>
-            <a:spLocks noGrp="1"/>
-          </p:cNvSpPr>
-          <p:nvPr>
-            <p:ph type="title"/>
-          </p:nvPr>
-        </p:nvSpPr>
-        <p:spPr/>
-        <p:txBody>
-          <a:bodyPr/>
-          <a:lstStyle/>
-          <a:p>
-            <a:r>
-              <a:rPr lang="en-US" dirty="0" smtClean="0"/>
-              <a:t>Motivation</a:t>
-            </a:r>
-            <a:endParaRPr lang="en-US" dirty="0"/>
-          </a:p>
-        </p:txBody>
-      </p:sp>
-      <p:sp>
-        <p:nvSpPr>
-          <p:cNvPr id="3" name="Content Placeholder 2"/>
-          <p:cNvSpPr>
-            <a:spLocks noGrp="1"/>
-          </p:cNvSpPr>
-          <p:nvPr>
-            <p:ph idx="1"/>
-          </p:nvPr>
-        </p:nvSpPr>
-        <p:spPr/>
-        <p:txBody>
-          <a:bodyPr/>
-          <a:lstStyle/>
+          <p:cNvPr id="6" name="Content Placeholder 1"/>
+          <p:cNvSpPr txBox="1">
+            <a:spLocks/>
+          </p:cNvSpPr>
+          <p:nvPr/>
+        </p:nvSpPr>
+        <p:spPr>
+          <a:xfrm>
+            <a:off x="471661" y="1196752"/>
+            <a:ext cx="8229600" cy="4762400"/>
+          </a:xfrm>
+          <a:prstGeom prst="rect">
+            <a:avLst/>
+          </a:prstGeom>
+        </p:spPr>
+        <p:txBody>
+          <a:bodyPr vert="horz" lIns="91440" tIns="45720" rIns="91440" bIns="45720" rtlCol="0">
+            <a:normAutofit/>
+          </a:bodyPr>
+          <a:lstStyle>
+            <a:lvl1pPr marL="342900" indent="-342900" algn="l" defTabSz="914400" rtl="0" eaLnBrk="1" latinLnBrk="0" hangingPunct="1">
+              <a:spcBef>
+                <a:spcPct val="20000"/>
+              </a:spcBef>
+              <a:buFont typeface="Arial" pitchFamily="34" charset="0"/>
+              <a:buChar char="•"/>
+              <a:defRPr sz="3200" kern="1200">
+                <a:solidFill>
+                  <a:schemeClr val="tx1"/>
+                </a:solidFill>
+                <a:latin typeface="+mn-lt"/>
+                <a:ea typeface="+mn-ea"/>
+                <a:cs typeface="+mn-cs"/>
+              </a:defRPr>
+            </a:lvl1pPr>
+            <a:lvl2pPr marL="742950" indent="-285750" algn="l" defTabSz="914400" rtl="0" eaLnBrk="1" latinLnBrk="0" hangingPunct="1">
+              <a:spcBef>
+                <a:spcPct val="20000"/>
+              </a:spcBef>
+              <a:buFont typeface="Arial" pitchFamily="34" charset="0"/>
+              <a:buChar char="–"/>
+              <a:defRPr sz="2800" kern="1200">
+                <a:solidFill>
+                  <a:schemeClr val="tx1"/>
+                </a:solidFill>
+                <a:latin typeface="+mn-lt"/>
+                <a:ea typeface="+mn-ea"/>
+                <a:cs typeface="+mn-cs"/>
+              </a:defRPr>
+            </a:lvl2pPr>
+            <a:lvl3pPr marL="1143000" indent="-228600" algn="l" defTabSz="914400" rtl="0" eaLnBrk="1" latinLnBrk="0" hangingPunct="1">
+              <a:spcBef>
+                <a:spcPct val="20000"/>
+              </a:spcBef>
+              <a:buFont typeface="Arial" pitchFamily="34" charset="0"/>
+              <a:buChar char="•"/>
+              <a:defRPr sz="2400" kern="1200">
+                <a:solidFill>
+                  <a:schemeClr val="tx1"/>
+                </a:solidFill>
+                <a:latin typeface="+mn-lt"/>
+                <a:ea typeface="+mn-ea"/>
+                <a:cs typeface="+mn-cs"/>
+              </a:defRPr>
+            </a:lvl3pPr>
+            <a:lvl4pPr marL="1600200" indent="-228600" algn="l" defTabSz="914400" rtl="0" eaLnBrk="1" latinLnBrk="0" hangingPunct="1">
+              <a:spcBef>
+                <a:spcPct val="20000"/>
+              </a:spcBef>
+              <a:buFont typeface="Arial" pitchFamily="34" charset="0"/>
+              <a:buChar char="–"/>
+              <a:defRPr sz="2000" kern="1200">
+                <a:solidFill>
+                  <a:schemeClr val="tx1"/>
+                </a:solidFill>
+                <a:latin typeface="+mn-lt"/>
+                <a:ea typeface="+mn-ea"/>
+                <a:cs typeface="+mn-cs"/>
+              </a:defRPr>
+            </a:lvl4pPr>
+            <a:lvl5pPr marL="2057400" indent="-228600" algn="l" defTabSz="914400" rtl="0" eaLnBrk="1" latinLnBrk="0" hangingPunct="1">
+              <a:spcBef>
+                <a:spcPct val="20000"/>
+              </a:spcBef>
+              <a:buFont typeface="Arial" pitchFamily="34" charset="0"/>
+              <a:buChar char="»"/>
+              <a:defRPr sz="2000" kern="1200">
+                <a:solidFill>
+                  <a:schemeClr val="tx1"/>
+                </a:solidFill>
+                <a:latin typeface="+mn-lt"/>
+                <a:ea typeface="+mn-ea"/>
+                <a:cs typeface="+mn-cs"/>
+              </a:defRPr>
+            </a:lvl5pPr>
+            <a:lvl6pPr marL="2514600" indent="-228600" algn="l" defTabSz="914400" rtl="0" eaLnBrk="1" latinLnBrk="0" hangingPunct="1">
+              <a:spcBef>
+                <a:spcPct val="20000"/>
+              </a:spcBef>
+              <a:buFont typeface="Arial" pitchFamily="34" charset="0"/>
+              <a:buChar char="•"/>
+              <a:defRPr sz="2000" kern="1200">
+                <a:solidFill>
+                  <a:schemeClr val="tx1"/>
+                </a:solidFill>
+                <a:latin typeface="+mn-lt"/>
+                <a:ea typeface="+mn-ea"/>
+                <a:cs typeface="+mn-cs"/>
+              </a:defRPr>
+            </a:lvl6pPr>
+            <a:lvl7pPr marL="2971800" indent="-228600" algn="l" defTabSz="914400" rtl="0" eaLnBrk="1" latinLnBrk="0" hangingPunct="1">
+              <a:spcBef>
+                <a:spcPct val="20000"/>
+              </a:spcBef>
+              <a:buFont typeface="Arial" pitchFamily="34" charset="0"/>
+              <a:buChar char="•"/>
+              <a:defRPr sz="2000" kern="1200">
+                <a:solidFill>
+                  <a:schemeClr val="tx1"/>
+                </a:solidFill>
+                <a:latin typeface="+mn-lt"/>
+                <a:ea typeface="+mn-ea"/>
+                <a:cs typeface="+mn-cs"/>
+              </a:defRPr>
+            </a:lvl7pPr>
+            <a:lvl8pPr marL="3429000" indent="-228600" algn="l" defTabSz="914400" rtl="0" eaLnBrk="1" latinLnBrk="0" hangingPunct="1">
+              <a:spcBef>
+                <a:spcPct val="20000"/>
+              </a:spcBef>
+              <a:buFont typeface="Arial" pitchFamily="34" charset="0"/>
+              <a:buChar char="•"/>
+              <a:defRPr sz="2000" kern="1200">
+                <a:solidFill>
+                  <a:schemeClr val="tx1"/>
+                </a:solidFill>
+                <a:latin typeface="+mn-lt"/>
+                <a:ea typeface="+mn-ea"/>
+                <a:cs typeface="+mn-cs"/>
+              </a:defRPr>
+            </a:lvl8pPr>
+            <a:lvl9pPr marL="3886200" indent="-228600" algn="l" defTabSz="914400" rtl="0" eaLnBrk="1" latinLnBrk="0" hangingPunct="1">
+              <a:spcBef>
+                <a:spcPct val="20000"/>
+              </a:spcBef>
+              <a:buFont typeface="Arial" pitchFamily="34" charset="0"/>
+              <a:buChar char="•"/>
+              <a:defRPr sz="2000" kern="1200">
+                <a:solidFill>
+                  <a:schemeClr val="tx1"/>
+                </a:solidFill>
+                <a:latin typeface="+mn-lt"/>
+                <a:ea typeface="+mn-ea"/>
+                <a:cs typeface="+mn-cs"/>
+              </a:defRPr>
+            </a:lvl9pPr>
+          </a:lstStyle>
           <a:p>
             <a:pPr marL="0" indent="0">
               <a:buNone/>
             </a:pPr>
             <a:r>
-              <a:rPr lang="en-US" dirty="0" smtClean="0"/>
-              <a:t>Reflection on social life allow us to address a classic question in biology</a:t>
-            </a:r>
-            <a:r>
-              <a:rPr lang="en-US" baseline="30000" dirty="0" smtClean="0"/>
+              <a:rPr lang="en-GB" b="1" dirty="0"/>
+              <a:t>Why to study social insects</a:t>
+            </a:r>
+            <a:r>
+              <a:rPr lang="en-GB" b="1" dirty="0" smtClean="0"/>
+              <a:t>?</a:t>
+            </a:r>
+          </a:p>
+          <a:p>
+            <a:pPr marL="0" indent="0">
+              <a:spcBef>
+                <a:spcPts val="18600"/>
+              </a:spcBef>
+              <a:buNone/>
+            </a:pPr>
+            <a:r>
+              <a:rPr lang="en-GB" sz="2800" dirty="0"/>
+              <a:t>Although they represent only 2 </a:t>
+            </a:r>
+            <a:r>
+              <a:rPr lang="en-GB" sz="2800" dirty="0" err="1"/>
+              <a:t>percent</a:t>
+            </a:r>
+            <a:r>
+              <a:rPr lang="en-GB" sz="2800" dirty="0"/>
+              <a:t> of the approximately 900,000 known insect species in the world, they likely compose more than half o the biomass</a:t>
+            </a:r>
+            <a:r>
+              <a:rPr lang="en-GB" sz="2800" baseline="30000" dirty="0"/>
               <a:t>[2]</a:t>
             </a:r>
             <a:r>
-              <a:rPr lang="en-US" dirty="0" smtClean="0"/>
-              <a:t>:</a:t>
-            </a:r>
-            <a:endParaRPr lang="en-US" dirty="0"/>
-          </a:p>
-        </p:txBody>
-      </p:sp>
-      <p:sp>
-        <p:nvSpPr>
-          <p:cNvPr id="4" name="TextBox 3"/>
+              <a:rPr lang="en-GB" sz="2800" dirty="0"/>
+              <a:t>.</a:t>
+            </a:r>
+          </a:p>
+          <a:p>
+            <a:pPr marL="0" indent="0">
+              <a:buNone/>
+            </a:pPr>
+            <a:endParaRPr lang="en-GB" b="1" dirty="0"/>
+          </a:p>
+        </p:txBody>
+      </p:sp>
+      <p:graphicFrame>
+        <p:nvGraphicFramePr>
+          <p:cNvPr id="4" name="Content Placeholder 3" title="chart-species"/>
+          <p:cNvGraphicFramePr>
+            <a:graphicFrameLocks noGrp="1"/>
+          </p:cNvGraphicFramePr>
+          <p:nvPr>
+            <p:ph idx="1"/>
+            <p:extLst>
+              <p:ext uri="{D42A27DB-BD31-4B8C-83A1-F6EECF244321}">
+                <p14:modId xmlns:p14="http://schemas.microsoft.com/office/powerpoint/2010/main" val="3242455313"/>
+              </p:ext>
+            </p:extLst>
+          </p:nvPr>
+        </p:nvGraphicFramePr>
+        <p:xfrm>
+          <a:off x="1475656" y="1844824"/>
+          <a:ext cx="2904114" cy="2263197"/>
+        </p:xfrm>
+        <a:graphic>
+          <a:graphicData uri="http://schemas.openxmlformats.org/drawingml/2006/chart">
+            <c:chart xmlns:c="http://schemas.openxmlformats.org/drawingml/2006/chart" xmlns:r="http://schemas.openxmlformats.org/officeDocument/2006/relationships" r:id="rId3"/>
+          </a:graphicData>
+        </a:graphic>
+      </p:graphicFrame>
+      <p:sp>
+        <p:nvSpPr>
+          <p:cNvPr id="3" name="Title 2"/>
+          <p:cNvSpPr>
+            <a:spLocks noGrp="1"/>
+          </p:cNvSpPr>
+          <p:nvPr>
+            <p:ph type="title"/>
+          </p:nvPr>
+        </p:nvSpPr>
+        <p:spPr/>
+        <p:txBody>
+          <a:bodyPr/>
+          <a:lstStyle/>
+          <a:p>
+            <a:r>
+              <a:rPr lang="en-GB" dirty="0" smtClean="0"/>
+              <a:t>Motivation</a:t>
+            </a:r>
+            <a:endParaRPr lang="en-GB" dirty="0"/>
+          </a:p>
+        </p:txBody>
+      </p:sp>
+      <p:graphicFrame>
+        <p:nvGraphicFramePr>
+          <p:cNvPr id="5" name="Content Placeholder 3" title="chart-biomass"/>
+          <p:cNvGraphicFramePr>
+            <a:graphicFrameLocks/>
+          </p:cNvGraphicFramePr>
+          <p:nvPr>
+            <p:extLst>
+              <p:ext uri="{D42A27DB-BD31-4B8C-83A1-F6EECF244321}">
+                <p14:modId xmlns:p14="http://schemas.microsoft.com/office/powerpoint/2010/main" val="550460086"/>
+              </p:ext>
+            </p:extLst>
+          </p:nvPr>
+        </p:nvGraphicFramePr>
+        <p:xfrm>
+          <a:off x="4860032" y="1844824"/>
+          <a:ext cx="2904114" cy="2263197"/>
+        </p:xfrm>
+        <a:graphic>
+          <a:graphicData uri="http://schemas.openxmlformats.org/drawingml/2006/chart">
+            <c:chart xmlns:c="http://schemas.openxmlformats.org/drawingml/2006/chart" xmlns:r="http://schemas.openxmlformats.org/officeDocument/2006/relationships" r:id="rId4"/>
+          </a:graphicData>
+        </a:graphic>
+      </p:graphicFrame>
+      <p:sp>
+        <p:nvSpPr>
+          <p:cNvPr id="8" name="TextBox 7"/>
           <p:cNvSpPr txBox="1"/>
           <p:nvPr/>
         </p:nvSpPr>
         <p:spPr>
           <a:xfrm>
-            <a:off x="457200" y="3161514"/>
-            <a:ext cx="8229599" cy="954107"/>
+            <a:off x="251520" y="5805264"/>
+            <a:ext cx="8661647" cy="307777"/>
           </a:xfrm>
           <a:prstGeom prst="rect">
             <a:avLst/>
@@ -4032,63 +6373,34 @@
           </a:bodyPr>
           <a:lstStyle/>
           <a:p>
-            <a:r>
-              <a:rPr lang="en-US" sz="2800" b="1" dirty="0" smtClean="0"/>
-              <a:t>How does a </a:t>
-            </a:r>
-            <a:r>
-              <a:rPr lang="en-US" sz="2800" b="1" dirty="0" err="1" smtClean="0"/>
-              <a:t>superorganism</a:t>
-            </a:r>
-            <a:r>
-              <a:rPr lang="en-US" sz="2800" b="1" dirty="0" smtClean="0"/>
-              <a:t> arise from the combine operation of tiny and short-lived minds?</a:t>
-            </a:r>
-            <a:endParaRPr lang="en-US" sz="2800" b="1" dirty="0"/>
-          </a:p>
-        </p:txBody>
-      </p:sp>
-      <p:sp>
-        <p:nvSpPr>
-          <p:cNvPr id="5" name="TextBox 4"/>
-          <p:cNvSpPr txBox="1"/>
-          <p:nvPr/>
-        </p:nvSpPr>
-        <p:spPr>
-          <a:xfrm>
-            <a:off x="3988916" y="6126163"/>
-            <a:ext cx="4788879" cy="307777"/>
-          </a:xfrm>
-          <a:prstGeom prst="rect">
-            <a:avLst/>
-          </a:prstGeom>
-          <a:noFill/>
-        </p:spPr>
-        <p:txBody>
-          <a:bodyPr wrap="none" rtlCol="0">
-            <a:spAutoFit/>
-          </a:bodyPr>
-          <a:lstStyle/>
-          <a:p>
+            <a:pPr algn="r"/>
             <a:r>
               <a:rPr lang="en-US" sz="1400" dirty="0" smtClean="0"/>
-              <a:t>[2] The </a:t>
+              <a:t>[2] E. J. </a:t>
             </a:r>
             <a:r>
               <a:rPr lang="en-US" sz="1400" dirty="0" err="1" smtClean="0"/>
-              <a:t>Superorganism</a:t>
+              <a:t>Fittkau</a:t>
             </a:r>
             <a:r>
               <a:rPr lang="en-US" sz="1400" dirty="0" smtClean="0"/>
-              <a:t>, </a:t>
+              <a:t> and H. </a:t>
             </a:r>
             <a:r>
               <a:rPr lang="en-US" sz="1400" dirty="0" err="1" smtClean="0"/>
-              <a:t>Holldobler</a:t>
+              <a:t>Klinge</a:t>
             </a:r>
             <a:r>
               <a:rPr lang="en-US" sz="1400" dirty="0" smtClean="0"/>
-              <a:t> Bert, E. O. Wilson,  Norton.</a:t>
+              <a:t>, “On biomass and trophic structure of the central Amazonian rain forest”, </a:t>
+            </a:r>
+            <a:r>
+              <a:rPr lang="en-US" sz="1400" dirty="0" err="1" smtClean="0"/>
+              <a:t>Biotropica</a:t>
+            </a:r>
+            <a:r>
+              <a:rPr lang="en-US" sz="1400" dirty="0" smtClean="0"/>
+              <a:t> 5(1)</a:t>
             </a:r>
             <a:endParaRPr lang="en-US" sz="1400" dirty="0"/>
           </a:p>
@@ -4097,7 +6409,7 @@
     </p:spTree>
     <p:extLst>
       <p:ext uri="{BB962C8B-B14F-4D97-AF65-F5344CB8AC3E}">
-        <p14:creationId xmlns:p14="http://schemas.microsoft.com/office/powerpoint/2010/main" val="2595190448"/>
+        <p14:creationId xmlns:p14="http://schemas.microsoft.com/office/powerpoint/2010/main" val="3266085267"/>
       </p:ext>
     </p:extLst>
   </p:cSld>
@@ -4107,9 +6419,272 @@
   <p:timing>
     <p:tnLst>
       <p:par>
-        <p:cTn xmlns:p14="http://schemas.microsoft.com/office/powerpoint/2010/main" id="1" dur="indefinite" restart="never" nodeType="tmRoot"/>
+        <p:cTn id="1" dur="indefinite" restart="never" nodeType="tmRoot">
+          <p:childTnLst>
+            <p:seq concurrent="1" nextAc="seek">
+              <p:cTn id="2" dur="indefinite" nodeType="mainSeq">
+                <p:childTnLst>
+                  <p:par>
+                    <p:cTn id="3" fill="hold">
+                      <p:stCondLst>
+                        <p:cond delay="indefinite"/>
+                        <p:cond evt="onBegin" delay="0">
+                          <p:tn val="2"/>
+                        </p:cond>
+                      </p:stCondLst>
+                      <p:childTnLst>
+                        <p:par>
+                          <p:cTn id="4" fill="hold">
+                            <p:stCondLst>
+                              <p:cond delay="0"/>
+                            </p:stCondLst>
+                            <p:childTnLst>
+                              <p:par>
+                                <p:cTn id="5" presetID="10" presetClass="entr" presetSubtype="0" fill="hold" grpId="0" nodeType="afterEffect">
+                                  <p:stCondLst>
+                                    <p:cond delay="0"/>
+                                  </p:stCondLst>
+                                  <p:childTnLst>
+                                    <p:set>
+                                      <p:cBhvr>
+                                        <p:cTn id="6" dur="1" fill="hold">
+                                          <p:stCondLst>
+                                            <p:cond delay="0"/>
+                                          </p:stCondLst>
+                                        </p:cTn>
+                                        <p:tgtEl>
+                                          <p:spTgt spid="6">
+                                            <p:txEl>
+                                              <p:pRg st="0" end="0"/>
+                                            </p:txEl>
+                                          </p:spTgt>
+                                        </p:tgtEl>
+                                        <p:attrNameLst>
+                                          <p:attrName>style.visibility</p:attrName>
+                                        </p:attrNameLst>
+                                      </p:cBhvr>
+                                      <p:to>
+                                        <p:strVal val="visible"/>
+                                      </p:to>
+                                    </p:set>
+                                    <p:animEffect transition="in" filter="fade">
+                                      <p:cBhvr>
+                                        <p:cTn id="7" dur="500"/>
+                                        <p:tgtEl>
+                                          <p:spTgt spid="6">
+                                            <p:txEl>
+                                              <p:pRg st="0" end="0"/>
+                                            </p:txEl>
+                                          </p:spTgt>
+                                        </p:tgtEl>
+                                      </p:cBhvr>
+                                    </p:animEffect>
+                                  </p:childTnLst>
+                                </p:cTn>
+                              </p:par>
+                            </p:childTnLst>
+                          </p:cTn>
+                        </p:par>
+                      </p:childTnLst>
+                    </p:cTn>
+                  </p:par>
+                  <p:par>
+                    <p:cTn id="8" fill="hold">
+                      <p:stCondLst>
+                        <p:cond delay="indefinite"/>
+                      </p:stCondLst>
+                      <p:childTnLst>
+                        <p:par>
+                          <p:cTn id="9" fill="hold">
+                            <p:stCondLst>
+                              <p:cond delay="0"/>
+                            </p:stCondLst>
+                            <p:childTnLst>
+                              <p:par>
+                                <p:cTn id="10" presetID="10" presetClass="entr" presetSubtype="0" fill="hold" grpId="0" nodeType="clickEffect">
+                                  <p:stCondLst>
+                                    <p:cond delay="0"/>
+                                  </p:stCondLst>
+                                  <p:childTnLst>
+                                    <p:set>
+                                      <p:cBhvr>
+                                        <p:cTn id="11" dur="1" fill="hold">
+                                          <p:stCondLst>
+                                            <p:cond delay="0"/>
+                                          </p:stCondLst>
+                                        </p:cTn>
+                                        <p:tgtEl>
+                                          <p:spTgt spid="6">
+                                            <p:txEl>
+                                              <p:pRg st="1" end="1"/>
+                                            </p:txEl>
+                                          </p:spTgt>
+                                        </p:tgtEl>
+                                        <p:attrNameLst>
+                                          <p:attrName>style.visibility</p:attrName>
+                                        </p:attrNameLst>
+                                      </p:cBhvr>
+                                      <p:to>
+                                        <p:strVal val="visible"/>
+                                      </p:to>
+                                    </p:set>
+                                    <p:animEffect transition="in" filter="fade">
+                                      <p:cBhvr>
+                                        <p:cTn id="12" dur="500"/>
+                                        <p:tgtEl>
+                                          <p:spTgt spid="6">
+                                            <p:txEl>
+                                              <p:pRg st="1" end="1"/>
+                                            </p:txEl>
+                                          </p:spTgt>
+                                        </p:tgtEl>
+                                      </p:cBhvr>
+                                    </p:animEffect>
+                                  </p:childTnLst>
+                                </p:cTn>
+                              </p:par>
+                              <p:par>
+                                <p:cTn id="13" presetID="10" presetClass="entr" presetSubtype="0" fill="hold" grpId="0" nodeType="withEffect">
+                                  <p:stCondLst>
+                                    <p:cond delay="0"/>
+                                  </p:stCondLst>
+                                  <p:childTnLst>
+                                    <p:set>
+                                      <p:cBhvr>
+                                        <p:cTn id="14" dur="1" fill="hold">
+                                          <p:stCondLst>
+                                            <p:cond delay="0"/>
+                                          </p:stCondLst>
+                                        </p:cTn>
+                                        <p:tgtEl>
+                                          <p:spTgt spid="4"/>
+                                        </p:tgtEl>
+                                        <p:attrNameLst>
+                                          <p:attrName>style.visibility</p:attrName>
+                                        </p:attrNameLst>
+                                      </p:cBhvr>
+                                      <p:to>
+                                        <p:strVal val="visible"/>
+                                      </p:to>
+                                    </p:set>
+                                    <p:animEffect transition="in" filter="fade">
+                                      <p:cBhvr>
+                                        <p:cTn id="15" dur="500"/>
+                                        <p:tgtEl>
+                                          <p:spTgt spid="4"/>
+                                        </p:tgtEl>
+                                      </p:cBhvr>
+                                    </p:animEffect>
+                                  </p:childTnLst>
+                                </p:cTn>
+                              </p:par>
+                              <p:par>
+                                <p:cTn id="16" presetID="10" presetClass="entr" presetSubtype="0" fill="hold" grpId="0" nodeType="withEffect">
+                                  <p:stCondLst>
+                                    <p:cond delay="0"/>
+                                  </p:stCondLst>
+                                  <p:childTnLst>
+                                    <p:set>
+                                      <p:cBhvr>
+                                        <p:cTn id="17" dur="1" fill="hold">
+                                          <p:stCondLst>
+                                            <p:cond delay="0"/>
+                                          </p:stCondLst>
+                                        </p:cTn>
+                                        <p:tgtEl>
+                                          <p:spTgt spid="5"/>
+                                        </p:tgtEl>
+                                        <p:attrNameLst>
+                                          <p:attrName>style.visibility</p:attrName>
+                                        </p:attrNameLst>
+                                      </p:cBhvr>
+                                      <p:to>
+                                        <p:strVal val="visible"/>
+                                      </p:to>
+                                    </p:set>
+                                    <p:animEffect transition="in" filter="fade">
+                                      <p:cBhvr>
+                                        <p:cTn id="18" dur="500"/>
+                                        <p:tgtEl>
+                                          <p:spTgt spid="5"/>
+                                        </p:tgtEl>
+                                      </p:cBhvr>
+                                    </p:animEffect>
+                                  </p:childTnLst>
+                                </p:cTn>
+                              </p:par>
+                              <p:par>
+                                <p:cTn id="19" presetID="10" presetClass="entr" presetSubtype="0" fill="hold" grpId="0" nodeType="withEffect">
+                                  <p:stCondLst>
+                                    <p:cond delay="0"/>
+                                  </p:stCondLst>
+                                  <p:childTnLst>
+                                    <p:set>
+                                      <p:cBhvr>
+                                        <p:cTn id="20" dur="1" fill="hold">
+                                          <p:stCondLst>
+                                            <p:cond delay="0"/>
+                                          </p:stCondLst>
+                                        </p:cTn>
+                                        <p:tgtEl>
+                                          <p:spTgt spid="8"/>
+                                        </p:tgtEl>
+                                        <p:attrNameLst>
+                                          <p:attrName>style.visibility</p:attrName>
+                                        </p:attrNameLst>
+                                      </p:cBhvr>
+                                      <p:to>
+                                        <p:strVal val="visible"/>
+                                      </p:to>
+                                    </p:set>
+                                    <p:animEffect transition="in" filter="fade">
+                                      <p:cBhvr>
+                                        <p:cTn id="21" dur="500"/>
+                                        <p:tgtEl>
+                                          <p:spTgt spid="8"/>
+                                        </p:tgtEl>
+                                      </p:cBhvr>
+                                    </p:animEffect>
+                                  </p:childTnLst>
+                                </p:cTn>
+                              </p:par>
+                            </p:childTnLst>
+                          </p:cTn>
+                        </p:par>
+                      </p:childTnLst>
+                    </p:cTn>
+                  </p:par>
+                </p:childTnLst>
+              </p:cTn>
+              <p:prevCondLst>
+                <p:cond evt="onPrev" delay="0">
+                  <p:tgtEl>
+                    <p:sldTgt/>
+                  </p:tgtEl>
+                </p:cond>
+              </p:prevCondLst>
+              <p:nextCondLst>
+                <p:cond evt="onNext" delay="0">
+                  <p:tgtEl>
+                    <p:sldTgt/>
+                  </p:tgtEl>
+                </p:cond>
+              </p:nextCondLst>
+            </p:seq>
+          </p:childTnLst>
+        </p:cTn>
       </p:par>
     </p:tnLst>
+    <p:bldLst>
+      <p:bldP spid="6" grpId="0" uiExpand="1" build="p"/>
+      <p:bldGraphic spid="4" grpId="0">
+        <p:bldAsOne/>
+      </p:bldGraphic>
+      <p:bldGraphic spid="5" grpId="0">
+        <p:bldAsOne/>
+      </p:bldGraphic>
+      <p:bldP spid="8" grpId="0"/>
+    </p:bldLst>
   </p:timing>
 </p:sld>
 </file>
@@ -4133,158 +6708,76 @@
       </p:grpSpPr>
       <p:sp>
         <p:nvSpPr>
-          <p:cNvPr id="2" name="Title 1"/>
-          <p:cNvSpPr>
-            <a:spLocks noGrp="1"/>
-          </p:cNvSpPr>
-          <p:nvPr>
-            <p:ph type="title"/>
+          <p:cNvPr id="2" name="Content Placeholder 1"/>
+          <p:cNvSpPr>
+            <a:spLocks noGrp="1"/>
+          </p:cNvSpPr>
+          <p:nvPr>
+            <p:ph idx="1"/>
           </p:nvPr>
         </p:nvSpPr>
         <p:spPr>
           <a:xfrm>
-            <a:off x="457200" y="274638"/>
-            <a:ext cx="8229600" cy="1143000"/>
+            <a:off x="467544" y="2380248"/>
+            <a:ext cx="8229600" cy="2088232"/>
           </a:xfrm>
         </p:spPr>
-        <p:txBody>
-          <a:bodyPr/>
-          <a:lstStyle/>
-          <a:p>
-            <a:r>
-              <a:rPr lang="en-US" dirty="0" smtClean="0"/>
-              <a:t>Motivation</a:t>
-            </a:r>
-            <a:endParaRPr lang="en-US" dirty="0"/>
-          </a:p>
-        </p:txBody>
-      </p:sp>
-      <p:sp>
-        <p:nvSpPr>
-          <p:cNvPr id="3" name="Content Placeholder 2"/>
-          <p:cNvSpPr>
-            <a:spLocks noGrp="1"/>
-          </p:cNvSpPr>
-          <p:nvPr>
-            <p:ph idx="1"/>
-          </p:nvPr>
-        </p:nvSpPr>
-        <p:spPr/>
         <p:txBody>
           <a:bodyPr>
             <a:normAutofit/>
           </a:bodyPr>
           <a:lstStyle/>
           <a:p>
-            <a:pPr marL="0" indent="0">
+            <a:pPr marL="0" indent="0" algn="ctr">
               <a:buNone/>
             </a:pPr>
             <a:r>
+              <a:rPr lang="en-GB" dirty="0"/>
+              <a:t>Use agent oriented techniques to </a:t>
+            </a:r>
+            <a:r>
               <a:rPr lang="en-GB" dirty="0" smtClean="0"/>
-              <a:t>Why to study social insects?</a:t>
+              <a:t>design and implement a computational model to simulate </a:t>
+            </a:r>
+            <a:r>
+              <a:rPr lang="en-GB" dirty="0"/>
+              <a:t>and investigate aspects of the behaviour of ant-colonies as a </a:t>
+            </a:r>
+            <a:r>
+              <a:rPr lang="en-GB" dirty="0" smtClean="0"/>
+              <a:t>super-organism</a:t>
             </a:r>
             <a:endParaRPr lang="en-GB" dirty="0"/>
           </a:p>
-          <a:p>
-            <a:pPr marL="0" indent="0">
-              <a:buNone/>
-            </a:pPr>
-            <a:endParaRPr lang="en-GB" dirty="0" smtClean="0"/>
-          </a:p>
-          <a:p>
-            <a:pPr marL="0" indent="0">
-              <a:buNone/>
-            </a:pPr>
-            <a:r>
-              <a:rPr lang="en-GB" b="1" dirty="0" smtClean="0"/>
-              <a:t>Successful case in nature:</a:t>
-            </a:r>
+        </p:txBody>
+      </p:sp>
+      <p:sp>
+        <p:nvSpPr>
+          <p:cNvPr id="3" name="Title 2"/>
+          <p:cNvSpPr>
+            <a:spLocks noGrp="1"/>
+          </p:cNvSpPr>
+          <p:nvPr>
+            <p:ph type="title"/>
+          </p:nvPr>
+        </p:nvSpPr>
+        <p:spPr/>
+        <p:txBody>
+          <a:bodyPr/>
+          <a:lstStyle/>
+          <a:p>
             <a:r>
               <a:rPr lang="en-GB" dirty="0" smtClean="0"/>
-              <a:t> </a:t>
-            </a:r>
-            <a:r>
-              <a:rPr lang="en-GB" sz="2800" dirty="0" smtClean="0"/>
-              <a:t>Although they represent only 2 </a:t>
-            </a:r>
-            <a:r>
-              <a:rPr lang="en-GB" sz="2800" dirty="0" err="1" smtClean="0"/>
-              <a:t>percent</a:t>
-            </a:r>
-            <a:r>
-              <a:rPr lang="en-GB" sz="2800" dirty="0" smtClean="0"/>
-              <a:t> of the approximately 900,000 known insect species in the world, they likely compose more than half o the biomass</a:t>
-            </a:r>
-            <a:r>
-              <a:rPr lang="en-GB" sz="2800" baseline="30000" dirty="0" smtClean="0"/>
-              <a:t>[3]</a:t>
-            </a:r>
-            <a:r>
-              <a:rPr lang="en-GB" sz="2800" dirty="0" smtClean="0"/>
-              <a:t>.</a:t>
-            </a:r>
-          </a:p>
-        </p:txBody>
-      </p:sp>
-      <p:sp>
-        <p:nvSpPr>
-          <p:cNvPr id="5" name="TextBox 4"/>
-          <p:cNvSpPr txBox="1"/>
-          <p:nvPr/>
-        </p:nvSpPr>
-        <p:spPr>
-          <a:xfrm>
-            <a:off x="457200" y="6126163"/>
-            <a:ext cx="8229599" cy="523220"/>
-          </a:xfrm>
-          <a:prstGeom prst="rect">
-            <a:avLst/>
-          </a:prstGeom>
-          <a:noFill/>
-        </p:spPr>
-        <p:txBody>
-          <a:bodyPr wrap="square" rtlCol="0">
-            <a:spAutoFit/>
-          </a:bodyPr>
-          <a:lstStyle/>
-          <a:p>
-            <a:pPr algn="r"/>
-            <a:r>
-              <a:rPr lang="en-US" sz="1400" dirty="0" smtClean="0"/>
-              <a:t>[3] E. J. </a:t>
-            </a:r>
-            <a:r>
-              <a:rPr lang="en-US" sz="1400" dirty="0" err="1" smtClean="0"/>
-              <a:t>Fittkau</a:t>
-            </a:r>
-            <a:r>
-              <a:rPr lang="en-US" sz="1400" dirty="0" smtClean="0"/>
-              <a:t> and H. </a:t>
-            </a:r>
-            <a:r>
-              <a:rPr lang="en-US" sz="1400" dirty="0" err="1" smtClean="0"/>
-              <a:t>Klinge</a:t>
-            </a:r>
-            <a:r>
-              <a:rPr lang="en-US" sz="1400" dirty="0" smtClean="0"/>
-              <a:t>, “On biomass and trophic structure of the central Amazonian rain forest ecosystem”, </a:t>
-            </a:r>
-            <a:r>
-              <a:rPr lang="en-US" sz="1400" dirty="0" err="1" smtClean="0"/>
-              <a:t>Biotropica</a:t>
-            </a:r>
-            <a:r>
-              <a:rPr lang="en-US" sz="1400" dirty="0" smtClean="0"/>
-              <a:t> 5(1)</a:t>
-            </a:r>
-            <a:endParaRPr lang="en-US" sz="1400" dirty="0"/>
+              <a:t>Objective</a:t>
+            </a:r>
+            <a:endParaRPr lang="en-GB" dirty="0"/>
           </a:p>
         </p:txBody>
       </p:sp>
     </p:spTree>
     <p:extLst>
       <p:ext uri="{BB962C8B-B14F-4D97-AF65-F5344CB8AC3E}">
-        <p14:creationId xmlns:p14="http://schemas.microsoft.com/office/powerpoint/2010/main" val="4184064412"/>
+        <p14:creationId xmlns:p14="http://schemas.microsoft.com/office/powerpoint/2010/main" val="1327889634"/>
       </p:ext>
     </p:extLst>
   </p:cSld>
@@ -4294,9 +6787,99 @@
   <p:timing>
     <p:tnLst>
       <p:par>
-        <p:cTn xmlns:p14="http://schemas.microsoft.com/office/powerpoint/2010/main" id="1" dur="indefinite" restart="never" nodeType="tmRoot"/>
+        <p:cTn id="1" dur="indefinite" restart="never" nodeType="tmRoot">
+          <p:childTnLst>
+            <p:seq concurrent="1" nextAc="seek">
+              <p:cTn id="2" dur="indefinite" nodeType="mainSeq">
+                <p:childTnLst>
+                  <p:par>
+                    <p:cTn id="3" fill="hold">
+                      <p:stCondLst>
+                        <p:cond delay="indefinite"/>
+                        <p:cond evt="onBegin" delay="0">
+                          <p:tn val="2"/>
+                        </p:cond>
+                      </p:stCondLst>
+                      <p:childTnLst>
+                        <p:par>
+                          <p:cTn id="4" fill="hold">
+                            <p:stCondLst>
+                              <p:cond delay="0"/>
+                            </p:stCondLst>
+                            <p:childTnLst>
+                              <p:par>
+                                <p:cTn id="5" presetID="10" presetClass="entr" presetSubtype="0" fill="hold" grpId="0" nodeType="withEffect">
+                                  <p:stCondLst>
+                                    <p:cond delay="0"/>
+                                  </p:stCondLst>
+                                  <p:childTnLst>
+                                    <p:set>
+                                      <p:cBhvr>
+                                        <p:cTn id="6" dur="1" fill="hold">
+                                          <p:stCondLst>
+                                            <p:cond delay="0"/>
+                                          </p:stCondLst>
+                                        </p:cTn>
+                                        <p:tgtEl>
+                                          <p:spTgt spid="2">
+                                            <p:txEl>
+                                              <p:pRg st="0" end="0"/>
+                                            </p:txEl>
+                                          </p:spTgt>
+                                        </p:tgtEl>
+                                        <p:attrNameLst>
+                                          <p:attrName>style.visibility</p:attrName>
+                                        </p:attrNameLst>
+                                      </p:cBhvr>
+                                      <p:to>
+                                        <p:strVal val="visible"/>
+                                      </p:to>
+                                    </p:set>
+                                    <p:animEffect transition="in" filter="fade">
+                                      <p:cBhvr>
+                                        <p:cTn id="7" dur="500"/>
+                                        <p:tgtEl>
+                                          <p:spTgt spid="2">
+                                            <p:txEl>
+                                              <p:pRg st="0" end="0"/>
+                                            </p:txEl>
+                                          </p:spTgt>
+                                        </p:tgtEl>
+                                      </p:cBhvr>
+                                    </p:animEffect>
+                                  </p:childTnLst>
+                                </p:cTn>
+                              </p:par>
+                            </p:childTnLst>
+                          </p:cTn>
+                        </p:par>
+                      </p:childTnLst>
+                    </p:cTn>
+                  </p:par>
+                </p:childTnLst>
+              </p:cTn>
+              <p:prevCondLst>
+                <p:cond evt="onPrev" delay="0">
+                  <p:tgtEl>
+                    <p:sldTgt/>
+                  </p:tgtEl>
+                </p:cond>
+              </p:prevCondLst>
+              <p:nextCondLst>
+                <p:cond evt="onNext" delay="0">
+                  <p:tgtEl>
+                    <p:sldTgt/>
+                  </p:tgtEl>
+                </p:cond>
+              </p:nextCondLst>
+            </p:seq>
+          </p:childTnLst>
+        </p:cTn>
       </p:par>
     </p:tnLst>
+    <p:bldLst>
+      <p:bldP spid="2" grpId="0" build="p"/>
+    </p:bldLst>
   </p:timing>
 </p:sld>
 </file>
@@ -4320,12 +6903,12 @@
       </p:grpSpPr>
       <p:sp>
         <p:nvSpPr>
-          <p:cNvPr id="2" name="Title 1"/>
-          <p:cNvSpPr>
-            <a:spLocks noGrp="1"/>
-          </p:cNvSpPr>
-          <p:nvPr>
-            <p:ph type="title"/>
+          <p:cNvPr id="2" name="Content Placeholder 1"/>
+          <p:cNvSpPr>
+            <a:spLocks noGrp="1"/>
+          </p:cNvSpPr>
+          <p:nvPr>
+            <p:ph idx="1"/>
           </p:nvPr>
         </p:nvSpPr>
         <p:spPr/>
@@ -4333,63 +6916,148 @@
           <a:bodyPr/>
           <a:lstStyle/>
           <a:p>
-            <a:r>
-              <a:rPr lang="en-US" dirty="0" smtClean="0"/>
-              <a:t>Objective</a:t>
-            </a:r>
-            <a:endParaRPr lang="en-US" dirty="0"/>
-          </a:p>
-        </p:txBody>
-      </p:sp>
-      <p:sp>
-        <p:nvSpPr>
-          <p:cNvPr id="3" name="Content Placeholder 2"/>
-          <p:cNvSpPr>
-            <a:spLocks noGrp="1"/>
-          </p:cNvSpPr>
-          <p:nvPr>
-            <p:ph idx="1"/>
-          </p:nvPr>
-        </p:nvSpPr>
+            <a:pPr>
+              <a:spcBef>
+                <a:spcPts val="3000"/>
+              </a:spcBef>
+            </a:pPr>
+            <a:r>
+              <a:rPr lang="en-GB" dirty="0"/>
+              <a:t>The environment is defined using a graph of nodes, that represent an infinitesimal part of the space</a:t>
+            </a:r>
+            <a:r>
+              <a:rPr lang="en-GB" dirty="0" smtClean="0"/>
+              <a:t>;</a:t>
+            </a:r>
+          </a:p>
+          <a:p>
+            <a:pPr>
+              <a:spcBef>
+                <a:spcPts val="3000"/>
+              </a:spcBef>
+            </a:pPr>
+            <a:r>
+              <a:rPr lang="en-GB" dirty="0" smtClean="0"/>
+              <a:t>Each node is </a:t>
+            </a:r>
+            <a:r>
+              <a:rPr lang="en-GB" dirty="0"/>
+              <a:t>linked to their </a:t>
+            </a:r>
+            <a:r>
+              <a:rPr lang="en-GB" dirty="0" smtClean="0"/>
+              <a:t/>
+            </a:r>
+            <a:br>
+              <a:rPr lang="en-GB" dirty="0" smtClean="0"/>
+            </a:br>
+            <a:r>
+              <a:rPr lang="en-GB" dirty="0" smtClean="0"/>
+              <a:t>neighbours </a:t>
+            </a:r>
+            <a:r>
+              <a:rPr lang="en-GB" dirty="0"/>
+              <a:t>and has a list of </a:t>
+            </a:r>
+            <a:r>
+              <a:rPr lang="en-GB" dirty="0" smtClean="0"/>
+              <a:t/>
+            </a:r>
+            <a:br>
+              <a:rPr lang="en-GB" dirty="0" smtClean="0"/>
+            </a:br>
+            <a:r>
+              <a:rPr lang="en-GB" dirty="0" smtClean="0"/>
+              <a:t>agents </a:t>
+            </a:r>
+            <a:r>
+              <a:rPr lang="en-GB" dirty="0"/>
+              <a:t>located in that node;</a:t>
+            </a:r>
+          </a:p>
+          <a:p>
+            <a:pPr>
+              <a:spcBef>
+                <a:spcPts val="3000"/>
+              </a:spcBef>
+            </a:pPr>
+            <a:r>
+              <a:rPr lang="en-GB" dirty="0"/>
+              <a:t>Different types of </a:t>
+            </a:r>
+            <a:r>
+              <a:rPr lang="en-GB" dirty="0" smtClean="0"/>
+              <a:t>nodes and agents </a:t>
+            </a:r>
+            <a:r>
+              <a:rPr lang="en-GB" dirty="0"/>
+              <a:t>can be easily described</a:t>
+            </a:r>
+            <a:r>
+              <a:rPr lang="en-GB" dirty="0" smtClean="0"/>
+              <a:t>;</a:t>
+            </a:r>
+            <a:endParaRPr lang="en-GB" dirty="0"/>
+          </a:p>
+        </p:txBody>
+      </p:sp>
+      <p:sp>
+        <p:nvSpPr>
+          <p:cNvPr id="3" name="Title 2"/>
+          <p:cNvSpPr>
+            <a:spLocks noGrp="1"/>
+          </p:cNvSpPr>
+          <p:nvPr>
+            <p:ph type="title"/>
+          </p:nvPr>
+        </p:nvSpPr>
+        <p:spPr/>
+        <p:txBody>
+          <a:bodyPr/>
+          <a:lstStyle/>
+          <a:p>
+            <a:r>
+              <a:rPr lang="en-GB" dirty="0" smtClean="0"/>
+              <a:t>Computational Model</a:t>
+            </a:r>
+            <a:endParaRPr lang="en-GB" dirty="0"/>
+          </a:p>
+        </p:txBody>
+      </p:sp>
+      <p:pic>
+        <p:nvPicPr>
+          <p:cNvPr id="4" name="Picture 3"/>
+          <p:cNvPicPr>
+            <a:picLocks noChangeAspect="1"/>
+          </p:cNvPicPr>
+          <p:nvPr/>
+        </p:nvPicPr>
+        <p:blipFill>
+          <a:blip r:embed="rId3">
+            <a:extLst>
+              <a:ext uri="{28A0092B-C50C-407E-A947-70E740481C1C}">
+                <a14:useLocalDpi xmlns:a14="http://schemas.microsoft.com/office/drawing/2010/main" val="0"/>
+              </a:ext>
+            </a:extLst>
+          </a:blip>
+          <a:stretch>
+            <a:fillRect/>
+          </a:stretch>
+        </p:blipFill>
         <p:spPr>
           <a:xfrm>
-            <a:off x="457200" y="2485033"/>
-            <a:ext cx="8229600" cy="3641130"/>
+            <a:off x="6300192" y="2564904"/>
+            <a:ext cx="1800200" cy="1880347"/>
           </a:xfrm>
+          <a:prstGeom prst="rect">
+            <a:avLst/>
+          </a:prstGeom>
         </p:spPr>
-        <p:txBody>
-          <a:bodyPr/>
-          <a:lstStyle/>
-          <a:p>
-            <a:pPr marL="0" indent="0" algn="ctr">
-              <a:buNone/>
-            </a:pPr>
-            <a:r>
-              <a:rPr lang="en-GB" dirty="0" smtClean="0"/>
-              <a:t>Use agent oriented techniques to simulate and investigate aspects of the behaviour of ant-colonies as a </a:t>
-            </a:r>
-            <a:r>
-              <a:rPr lang="en-GB" dirty="0" err="1" smtClean="0"/>
-              <a:t>superorganis</a:t>
-            </a:r>
-            <a:r>
-              <a:rPr lang="en-GB" dirty="0" err="1"/>
-              <a:t>m</a:t>
-            </a:r>
-            <a:r>
-              <a:rPr lang="en-GB" dirty="0" smtClean="0"/>
-              <a:t>.</a:t>
-            </a:r>
-          </a:p>
-          <a:p>
-            <a:endParaRPr lang="en-US" dirty="0"/>
-          </a:p>
-        </p:txBody>
-      </p:sp>
+      </p:pic>
     </p:spTree>
     <p:extLst>
       <p:ext uri="{BB962C8B-B14F-4D97-AF65-F5344CB8AC3E}">
-        <p14:creationId xmlns:p14="http://schemas.microsoft.com/office/powerpoint/2010/main" val="2529341505"/>
+        <p14:creationId xmlns:p14="http://schemas.microsoft.com/office/powerpoint/2010/main" val="1195644462"/>
       </p:ext>
     </p:extLst>
   </p:cSld>
@@ -4399,9 +7067,256 @@
   <p:timing>
     <p:tnLst>
       <p:par>
-        <p:cTn xmlns:p14="http://schemas.microsoft.com/office/powerpoint/2010/main" id="1" dur="indefinite" restart="never" nodeType="tmRoot"/>
+        <p:cTn id="1" dur="indefinite" restart="never" nodeType="tmRoot">
+          <p:childTnLst>
+            <p:seq concurrent="1" nextAc="seek">
+              <p:cTn id="2" dur="indefinite" nodeType="mainSeq">
+                <p:childTnLst>
+                  <p:par>
+                    <p:cTn id="3" fill="hold">
+                      <p:stCondLst>
+                        <p:cond delay="indefinite"/>
+                        <p:cond evt="onBegin" delay="0">
+                          <p:tn val="2"/>
+                        </p:cond>
+                      </p:stCondLst>
+                      <p:childTnLst>
+                        <p:par>
+                          <p:cTn id="4" fill="hold">
+                            <p:stCondLst>
+                              <p:cond delay="0"/>
+                            </p:stCondLst>
+                            <p:childTnLst>
+                              <p:par>
+                                <p:cTn id="5" presetID="10" presetClass="entr" presetSubtype="0" fill="hold" grpId="0" nodeType="withEffect">
+                                  <p:stCondLst>
+                                    <p:cond delay="0"/>
+                                  </p:stCondLst>
+                                  <p:childTnLst>
+                                    <p:set>
+                                      <p:cBhvr>
+                                        <p:cTn id="6" dur="1" fill="hold">
+                                          <p:stCondLst>
+                                            <p:cond delay="0"/>
+                                          </p:stCondLst>
+                                        </p:cTn>
+                                        <p:tgtEl>
+                                          <p:spTgt spid="2">
+                                            <p:txEl>
+                                              <p:pRg st="0" end="0"/>
+                                            </p:txEl>
+                                          </p:spTgt>
+                                        </p:tgtEl>
+                                        <p:attrNameLst>
+                                          <p:attrName>style.visibility</p:attrName>
+                                        </p:attrNameLst>
+                                      </p:cBhvr>
+                                      <p:to>
+                                        <p:strVal val="visible"/>
+                                      </p:to>
+                                    </p:set>
+                                    <p:animEffect transition="in" filter="fade">
+                                      <p:cBhvr>
+                                        <p:cTn id="7" dur="500"/>
+                                        <p:tgtEl>
+                                          <p:spTgt spid="2">
+                                            <p:txEl>
+                                              <p:pRg st="0" end="0"/>
+                                            </p:txEl>
+                                          </p:spTgt>
+                                        </p:tgtEl>
+                                      </p:cBhvr>
+                                    </p:animEffect>
+                                  </p:childTnLst>
+                                </p:cTn>
+                              </p:par>
+                            </p:childTnLst>
+                          </p:cTn>
+                        </p:par>
+                      </p:childTnLst>
+                    </p:cTn>
+                  </p:par>
+                  <p:par>
+                    <p:cTn id="8" fill="hold">
+                      <p:stCondLst>
+                        <p:cond delay="indefinite"/>
+                      </p:stCondLst>
+                      <p:childTnLst>
+                        <p:par>
+                          <p:cTn id="9" fill="hold">
+                            <p:stCondLst>
+                              <p:cond delay="0"/>
+                            </p:stCondLst>
+                            <p:childTnLst>
+                              <p:par>
+                                <p:cTn id="10" presetID="10" presetClass="entr" presetSubtype="0" fill="hold" grpId="0" nodeType="clickEffect">
+                                  <p:stCondLst>
+                                    <p:cond delay="0"/>
+                                  </p:stCondLst>
+                                  <p:childTnLst>
+                                    <p:set>
+                                      <p:cBhvr>
+                                        <p:cTn id="11" dur="1" fill="hold">
+                                          <p:stCondLst>
+                                            <p:cond delay="0"/>
+                                          </p:stCondLst>
+                                        </p:cTn>
+                                        <p:tgtEl>
+                                          <p:spTgt spid="2">
+                                            <p:txEl>
+                                              <p:pRg st="1" end="1"/>
+                                            </p:txEl>
+                                          </p:spTgt>
+                                        </p:tgtEl>
+                                        <p:attrNameLst>
+                                          <p:attrName>style.visibility</p:attrName>
+                                        </p:attrNameLst>
+                                      </p:cBhvr>
+                                      <p:to>
+                                        <p:strVal val="visible"/>
+                                      </p:to>
+                                    </p:set>
+                                    <p:animEffect transition="in" filter="fade">
+                                      <p:cBhvr>
+                                        <p:cTn id="12" dur="500"/>
+                                        <p:tgtEl>
+                                          <p:spTgt spid="2">
+                                            <p:txEl>
+                                              <p:pRg st="1" end="1"/>
+                                            </p:txEl>
+                                          </p:spTgt>
+                                        </p:tgtEl>
+                                      </p:cBhvr>
+                                    </p:animEffect>
+                                  </p:childTnLst>
+                                </p:cTn>
+                              </p:par>
+                              <p:par>
+                                <p:cTn id="13" presetID="10" presetClass="entr" presetSubtype="0" fill="hold" nodeType="withEffect">
+                                  <p:stCondLst>
+                                    <p:cond delay="0"/>
+                                  </p:stCondLst>
+                                  <p:childTnLst>
+                                    <p:set>
+                                      <p:cBhvr>
+                                        <p:cTn id="14" dur="1" fill="hold">
+                                          <p:stCondLst>
+                                            <p:cond delay="0"/>
+                                          </p:stCondLst>
+                                        </p:cTn>
+                                        <p:tgtEl>
+                                          <p:spTgt spid="4"/>
+                                        </p:tgtEl>
+                                        <p:attrNameLst>
+                                          <p:attrName>style.visibility</p:attrName>
+                                        </p:attrNameLst>
+                                      </p:cBhvr>
+                                      <p:to>
+                                        <p:strVal val="visible"/>
+                                      </p:to>
+                                    </p:set>
+                                    <p:animEffect transition="in" filter="fade">
+                                      <p:cBhvr>
+                                        <p:cTn id="15" dur="500"/>
+                                        <p:tgtEl>
+                                          <p:spTgt spid="4"/>
+                                        </p:tgtEl>
+                                      </p:cBhvr>
+                                    </p:animEffect>
+                                  </p:childTnLst>
+                                </p:cTn>
+                              </p:par>
+                            </p:childTnLst>
+                          </p:cTn>
+                        </p:par>
+                      </p:childTnLst>
+                    </p:cTn>
+                  </p:par>
+                  <p:par>
+                    <p:cTn id="16" fill="hold">
+                      <p:stCondLst>
+                        <p:cond delay="indefinite"/>
+                      </p:stCondLst>
+                      <p:childTnLst>
+                        <p:par>
+                          <p:cTn id="17" fill="hold">
+                            <p:stCondLst>
+                              <p:cond delay="0"/>
+                            </p:stCondLst>
+                            <p:childTnLst>
+                              <p:par>
+                                <p:cTn id="18" presetID="10" presetClass="entr" presetSubtype="0" fill="hold" grpId="0" nodeType="clickEffect">
+                                  <p:stCondLst>
+                                    <p:cond delay="0"/>
+                                  </p:stCondLst>
+                                  <p:childTnLst>
+                                    <p:set>
+                                      <p:cBhvr>
+                                        <p:cTn id="19" dur="1" fill="hold">
+                                          <p:stCondLst>
+                                            <p:cond delay="0"/>
+                                          </p:stCondLst>
+                                        </p:cTn>
+                                        <p:tgtEl>
+                                          <p:spTgt spid="2">
+                                            <p:txEl>
+                                              <p:pRg st="2" end="2"/>
+                                            </p:txEl>
+                                          </p:spTgt>
+                                        </p:tgtEl>
+                                        <p:attrNameLst>
+                                          <p:attrName>style.visibility</p:attrName>
+                                        </p:attrNameLst>
+                                      </p:cBhvr>
+                                      <p:to>
+                                        <p:strVal val="visible"/>
+                                      </p:to>
+                                    </p:set>
+                                    <p:animEffect transition="in" filter="fade">
+                                      <p:cBhvr>
+                                        <p:cTn id="20" dur="500"/>
+                                        <p:tgtEl>
+                                          <p:spTgt spid="2">
+                                            <p:txEl>
+                                              <p:pRg st="2" end="2"/>
+                                            </p:txEl>
+                                          </p:spTgt>
+                                        </p:tgtEl>
+                                      </p:cBhvr>
+                                    </p:animEffect>
+                                  </p:childTnLst>
+                                </p:cTn>
+                              </p:par>
+                            </p:childTnLst>
+                          </p:cTn>
+                        </p:par>
+                      </p:childTnLst>
+                    </p:cTn>
+                  </p:par>
+                </p:childTnLst>
+              </p:cTn>
+              <p:prevCondLst>
+                <p:cond evt="onPrev" delay="0">
+                  <p:tgtEl>
+                    <p:sldTgt/>
+                  </p:tgtEl>
+                </p:cond>
+              </p:prevCondLst>
+              <p:nextCondLst>
+                <p:cond evt="onNext" delay="0">
+                  <p:tgtEl>
+                    <p:sldTgt/>
+                  </p:tgtEl>
+                </p:cond>
+              </p:nextCondLst>
+            </p:seq>
+          </p:childTnLst>
+        </p:cTn>
       </p:par>
     </p:tnLst>
+    <p:bldLst>
+      <p:bldP spid="2" grpId="0" uiExpand="1" build="p"/>
+    </p:bldLst>
   </p:timing>
 </p:sld>
 </file>
@@ -4425,7 +7340,87 @@
       </p:grpSpPr>
       <p:sp>
         <p:nvSpPr>
-          <p:cNvPr id="2" name="Title 1"/>
+          <p:cNvPr id="2" name="Content Placeholder 1"/>
+          <p:cNvSpPr>
+            <a:spLocks noGrp="1"/>
+          </p:cNvSpPr>
+          <p:nvPr>
+            <p:ph idx="1"/>
+          </p:nvPr>
+        </p:nvSpPr>
+        <p:spPr>
+          <a:xfrm>
+            <a:off x="457200" y="1196753"/>
+            <a:ext cx="8229600" cy="4621634"/>
+          </a:xfrm>
+        </p:spPr>
+        <p:txBody>
+          <a:bodyPr>
+            <a:normAutofit lnSpcReduction="10000"/>
+          </a:bodyPr>
+          <a:lstStyle/>
+          <a:p>
+            <a:pPr>
+              <a:spcBef>
+                <a:spcPts val="2400"/>
+              </a:spcBef>
+            </a:pPr>
+            <a:r>
+              <a:rPr lang="en-US" dirty="0"/>
+              <a:t>First implementation uses task-oriented agents;</a:t>
+            </a:r>
+            <a:endParaRPr lang="en-GB" dirty="0"/>
+          </a:p>
+          <a:p>
+            <a:pPr>
+              <a:spcBef>
+                <a:spcPts val="2400"/>
+              </a:spcBef>
+            </a:pPr>
+            <a:r>
+              <a:rPr lang="en-GB" dirty="0"/>
+              <a:t>Each agent is assigned a set of possible tasks</a:t>
+            </a:r>
+            <a:r>
+              <a:rPr lang="en-US" dirty="0"/>
+              <a:t>;</a:t>
+            </a:r>
+          </a:p>
+          <a:p>
+            <a:pPr>
+              <a:spcBef>
+                <a:spcPts val="2400"/>
+              </a:spcBef>
+            </a:pPr>
+            <a:r>
+              <a:rPr lang="en-US" dirty="0"/>
+              <a:t>The agent is able to choose which task to perform depending on the context, like real ants do</a:t>
+            </a:r>
+            <a:r>
+              <a:rPr lang="en-US" baseline="30000" dirty="0"/>
+              <a:t>[2]</a:t>
+            </a:r>
+            <a:r>
+              <a:rPr lang="en-US" dirty="0"/>
+              <a:t>;</a:t>
+            </a:r>
+          </a:p>
+          <a:p>
+            <a:pPr>
+              <a:spcBef>
+                <a:spcPts val="2400"/>
+              </a:spcBef>
+            </a:pPr>
+            <a:r>
+              <a:rPr lang="en-US" dirty="0"/>
+              <a:t>Each agent is ran as an independent thread in the available CPUs.</a:t>
+            </a:r>
+          </a:p>
+        </p:txBody>
+      </p:sp>
+      <p:sp>
+        <p:nvSpPr>
+          <p:cNvPr id="3" name="Title 2"/>
           <p:cNvSpPr>
             <a:spLocks noGrp="1"/>
           </p:cNvSpPr>
@@ -4439,62 +7434,63 @@
           <a:lstStyle/>
           <a:p>
             <a:r>
-              <a:rPr lang="en-US" dirty="0" smtClean="0"/>
+              <a:rPr lang="en-GB" dirty="0"/>
               <a:t>Computational Model</a:t>
             </a:r>
-            <a:endParaRPr lang="en-US" dirty="0"/>
-          </a:p>
-        </p:txBody>
-      </p:sp>
-      <p:sp>
-        <p:nvSpPr>
-          <p:cNvPr id="3" name="Content Placeholder 2"/>
-          <p:cNvSpPr>
-            <a:spLocks noGrp="1"/>
-          </p:cNvSpPr>
-          <p:nvPr>
-            <p:ph idx="1"/>
-          </p:nvPr>
-        </p:nvSpPr>
-        <p:spPr/>
-        <p:txBody>
-          <a:bodyPr>
-            <a:normAutofit/>
+          </a:p>
+        </p:txBody>
+      </p:sp>
+      <p:sp>
+        <p:nvSpPr>
+          <p:cNvPr id="4" name="TextBox 3"/>
+          <p:cNvSpPr txBox="1"/>
+          <p:nvPr/>
+        </p:nvSpPr>
+        <p:spPr>
+          <a:xfrm>
+            <a:off x="251520" y="5818386"/>
+            <a:ext cx="8677311" cy="307777"/>
+          </a:xfrm>
+          <a:prstGeom prst="rect">
+            <a:avLst/>
+          </a:prstGeom>
+          <a:noFill/>
+        </p:spPr>
+        <p:txBody>
+          <a:bodyPr wrap="square" rtlCol="0">
+            <a:spAutoFit/>
           </a:bodyPr>
           <a:lstStyle/>
           <a:p>
-            <a:pPr marL="0" indent="0" algn="ctr">
-              <a:buNone/>
-            </a:pPr>
-            <a:endParaRPr lang="en-GB" dirty="0" smtClean="0"/>
-          </a:p>
-          <a:p>
-            <a:pPr marL="0" indent="0" algn="ctr">
-              <a:buNone/>
-            </a:pPr>
-            <a:r>
-              <a:rPr lang="en-GB" dirty="0" smtClean="0"/>
-              <a:t>Inspired in the </a:t>
-            </a:r>
-            <a:r>
-              <a:rPr lang="en-GB" dirty="0" err="1" smtClean="0"/>
-              <a:t>subsumption</a:t>
-            </a:r>
-            <a:r>
-              <a:rPr lang="en-GB" dirty="0" smtClean="0"/>
-              <a:t> architecture proposed by Brooks in this famous paper </a:t>
-            </a:r>
-            <a:r>
-              <a:rPr lang="en-GB" b="1" dirty="0" smtClean="0"/>
-              <a:t>“Intelligence Without Representation”</a:t>
-            </a:r>
+            <a:pPr algn="r"/>
+            <a:r>
+              <a:rPr lang="en-US" sz="1400" dirty="0" smtClean="0"/>
+              <a:t>[2] The </a:t>
+            </a:r>
+            <a:r>
+              <a:rPr lang="en-US" sz="1400" dirty="0" err="1" smtClean="0"/>
+              <a:t>Superorganism</a:t>
+            </a:r>
+            <a:r>
+              <a:rPr lang="en-US" sz="1400" dirty="0" smtClean="0"/>
+              <a:t>, </a:t>
+            </a:r>
+            <a:r>
+              <a:rPr lang="en-US" sz="1400" dirty="0" err="1" smtClean="0"/>
+              <a:t>Holldobler</a:t>
+            </a:r>
+            <a:r>
+              <a:rPr lang="en-US" sz="1400" dirty="0" smtClean="0"/>
+              <a:t> Bert, E. O. Wilson,  Norton.</a:t>
+            </a:r>
+            <a:endParaRPr lang="en-US" sz="1400" dirty="0"/>
           </a:p>
         </p:txBody>
       </p:sp>
     </p:spTree>
     <p:extLst>
       <p:ext uri="{BB962C8B-B14F-4D97-AF65-F5344CB8AC3E}">
-        <p14:creationId xmlns:p14="http://schemas.microsoft.com/office/powerpoint/2010/main" val="2726920521"/>
+        <p14:creationId xmlns:p14="http://schemas.microsoft.com/office/powerpoint/2010/main" val="1433263524"/>
       </p:ext>
     </p:extLst>
   </p:cSld>
@@ -4504,9 +7500,282 @@
   <p:timing>
     <p:tnLst>
       <p:par>
-        <p:cTn xmlns:p14="http://schemas.microsoft.com/office/powerpoint/2010/main" id="1" dur="indefinite" restart="never" nodeType="tmRoot"/>
+        <p:cTn id="1" dur="indefinite" restart="never" nodeType="tmRoot">
+          <p:childTnLst>
+            <p:seq concurrent="1" nextAc="seek">
+              <p:cTn id="2" dur="indefinite" nodeType="mainSeq">
+                <p:childTnLst>
+                  <p:par>
+                    <p:cTn id="3" fill="hold">
+                      <p:stCondLst>
+                        <p:cond delay="indefinite"/>
+                        <p:cond evt="onBegin" delay="0">
+                          <p:tn val="2"/>
+                        </p:cond>
+                      </p:stCondLst>
+                      <p:childTnLst>
+                        <p:par>
+                          <p:cTn id="4" fill="hold">
+                            <p:stCondLst>
+                              <p:cond delay="0"/>
+                            </p:stCondLst>
+                            <p:childTnLst>
+                              <p:par>
+                                <p:cTn id="5" presetID="10" presetClass="entr" presetSubtype="0" fill="hold" grpId="0" nodeType="afterEffect">
+                                  <p:stCondLst>
+                                    <p:cond delay="0"/>
+                                  </p:stCondLst>
+                                  <p:childTnLst>
+                                    <p:set>
+                                      <p:cBhvr>
+                                        <p:cTn id="6" dur="1" fill="hold">
+                                          <p:stCondLst>
+                                            <p:cond delay="0"/>
+                                          </p:stCondLst>
+                                        </p:cTn>
+                                        <p:tgtEl>
+                                          <p:spTgt spid="2">
+                                            <p:txEl>
+                                              <p:pRg st="0" end="0"/>
+                                            </p:txEl>
+                                          </p:spTgt>
+                                        </p:tgtEl>
+                                        <p:attrNameLst>
+                                          <p:attrName>style.visibility</p:attrName>
+                                        </p:attrNameLst>
+                                      </p:cBhvr>
+                                      <p:to>
+                                        <p:strVal val="visible"/>
+                                      </p:to>
+                                    </p:set>
+                                    <p:animEffect transition="in" filter="fade">
+                                      <p:cBhvr>
+                                        <p:cTn id="7" dur="500"/>
+                                        <p:tgtEl>
+                                          <p:spTgt spid="2">
+                                            <p:txEl>
+                                              <p:pRg st="0" end="0"/>
+                                            </p:txEl>
+                                          </p:spTgt>
+                                        </p:tgtEl>
+                                      </p:cBhvr>
+                                    </p:animEffect>
+                                  </p:childTnLst>
+                                </p:cTn>
+                              </p:par>
+                            </p:childTnLst>
+                          </p:cTn>
+                        </p:par>
+                      </p:childTnLst>
+                    </p:cTn>
+                  </p:par>
+                  <p:par>
+                    <p:cTn id="8" fill="hold">
+                      <p:stCondLst>
+                        <p:cond delay="indefinite"/>
+                      </p:stCondLst>
+                      <p:childTnLst>
+                        <p:par>
+                          <p:cTn id="9" fill="hold">
+                            <p:stCondLst>
+                              <p:cond delay="0"/>
+                            </p:stCondLst>
+                            <p:childTnLst>
+                              <p:par>
+                                <p:cTn id="10" presetID="10" presetClass="entr" presetSubtype="0" fill="hold" grpId="0" nodeType="clickEffect">
+                                  <p:stCondLst>
+                                    <p:cond delay="0"/>
+                                  </p:stCondLst>
+                                  <p:childTnLst>
+                                    <p:set>
+                                      <p:cBhvr>
+                                        <p:cTn id="11" dur="1" fill="hold">
+                                          <p:stCondLst>
+                                            <p:cond delay="0"/>
+                                          </p:stCondLst>
+                                        </p:cTn>
+                                        <p:tgtEl>
+                                          <p:spTgt spid="2">
+                                            <p:txEl>
+                                              <p:pRg st="1" end="1"/>
+                                            </p:txEl>
+                                          </p:spTgt>
+                                        </p:tgtEl>
+                                        <p:attrNameLst>
+                                          <p:attrName>style.visibility</p:attrName>
+                                        </p:attrNameLst>
+                                      </p:cBhvr>
+                                      <p:to>
+                                        <p:strVal val="visible"/>
+                                      </p:to>
+                                    </p:set>
+                                    <p:animEffect transition="in" filter="fade">
+                                      <p:cBhvr>
+                                        <p:cTn id="12" dur="500"/>
+                                        <p:tgtEl>
+                                          <p:spTgt spid="2">
+                                            <p:txEl>
+                                              <p:pRg st="1" end="1"/>
+                                            </p:txEl>
+                                          </p:spTgt>
+                                        </p:tgtEl>
+                                      </p:cBhvr>
+                                    </p:animEffect>
+                                  </p:childTnLst>
+                                </p:cTn>
+                              </p:par>
+                            </p:childTnLst>
+                          </p:cTn>
+                        </p:par>
+                      </p:childTnLst>
+                    </p:cTn>
+                  </p:par>
+                  <p:par>
+                    <p:cTn id="13" fill="hold">
+                      <p:stCondLst>
+                        <p:cond delay="indefinite"/>
+                      </p:stCondLst>
+                      <p:childTnLst>
+                        <p:par>
+                          <p:cTn id="14" fill="hold">
+                            <p:stCondLst>
+                              <p:cond delay="0"/>
+                            </p:stCondLst>
+                            <p:childTnLst>
+                              <p:par>
+                                <p:cTn id="15" presetID="10" presetClass="entr" presetSubtype="0" fill="hold" grpId="0" nodeType="clickEffect">
+                                  <p:stCondLst>
+                                    <p:cond delay="0"/>
+                                  </p:stCondLst>
+                                  <p:childTnLst>
+                                    <p:set>
+                                      <p:cBhvr>
+                                        <p:cTn id="16" dur="1" fill="hold">
+                                          <p:stCondLst>
+                                            <p:cond delay="0"/>
+                                          </p:stCondLst>
+                                        </p:cTn>
+                                        <p:tgtEl>
+                                          <p:spTgt spid="2">
+                                            <p:txEl>
+                                              <p:pRg st="2" end="2"/>
+                                            </p:txEl>
+                                          </p:spTgt>
+                                        </p:tgtEl>
+                                        <p:attrNameLst>
+                                          <p:attrName>style.visibility</p:attrName>
+                                        </p:attrNameLst>
+                                      </p:cBhvr>
+                                      <p:to>
+                                        <p:strVal val="visible"/>
+                                      </p:to>
+                                    </p:set>
+                                    <p:animEffect transition="in" filter="fade">
+                                      <p:cBhvr>
+                                        <p:cTn id="17" dur="500"/>
+                                        <p:tgtEl>
+                                          <p:spTgt spid="2">
+                                            <p:txEl>
+                                              <p:pRg st="2" end="2"/>
+                                            </p:txEl>
+                                          </p:spTgt>
+                                        </p:tgtEl>
+                                      </p:cBhvr>
+                                    </p:animEffect>
+                                  </p:childTnLst>
+                                </p:cTn>
+                              </p:par>
+                            </p:childTnLst>
+                          </p:cTn>
+                        </p:par>
+                      </p:childTnLst>
+                    </p:cTn>
+                  </p:par>
+                  <p:par>
+                    <p:cTn id="18" fill="hold">
+                      <p:stCondLst>
+                        <p:cond delay="indefinite"/>
+                      </p:stCondLst>
+                      <p:childTnLst>
+                        <p:par>
+                          <p:cTn id="19" fill="hold">
+                            <p:stCondLst>
+                              <p:cond delay="0"/>
+                            </p:stCondLst>
+                            <p:childTnLst>
+                              <p:par>
+                                <p:cTn id="20" presetID="10" presetClass="entr" presetSubtype="0" fill="hold" grpId="0" nodeType="clickEffect">
+                                  <p:stCondLst>
+                                    <p:cond delay="0"/>
+                                  </p:stCondLst>
+                                  <p:childTnLst>
+                                    <p:set>
+                                      <p:cBhvr>
+                                        <p:cTn id="21" dur="1" fill="hold">
+                                          <p:stCondLst>
+                                            <p:cond delay="0"/>
+                                          </p:stCondLst>
+                                        </p:cTn>
+                                        <p:tgtEl>
+                                          <p:spTgt spid="2">
+                                            <p:txEl>
+                                              <p:pRg st="3" end="3"/>
+                                            </p:txEl>
+                                          </p:spTgt>
+                                        </p:tgtEl>
+                                        <p:attrNameLst>
+                                          <p:attrName>style.visibility</p:attrName>
+                                        </p:attrNameLst>
+                                      </p:cBhvr>
+                                      <p:to>
+                                        <p:strVal val="visible"/>
+                                      </p:to>
+                                    </p:set>
+                                    <p:animEffect transition="in" filter="fade">
+                                      <p:cBhvr>
+                                        <p:cTn id="22" dur="500"/>
+                                        <p:tgtEl>
+                                          <p:spTgt spid="2">
+                                            <p:txEl>
+                                              <p:pRg st="3" end="3"/>
+                                            </p:txEl>
+                                          </p:spTgt>
+                                        </p:tgtEl>
+                                      </p:cBhvr>
+                                    </p:animEffect>
+                                  </p:childTnLst>
+                                </p:cTn>
+                              </p:par>
+                            </p:childTnLst>
+                          </p:cTn>
+                        </p:par>
+                      </p:childTnLst>
+                    </p:cTn>
+                  </p:par>
+                </p:childTnLst>
+              </p:cTn>
+              <p:prevCondLst>
+                <p:cond evt="onPrev" delay="0">
+                  <p:tgtEl>
+                    <p:sldTgt/>
+                  </p:tgtEl>
+                </p:cond>
+              </p:prevCondLst>
+              <p:nextCondLst>
+                <p:cond evt="onNext" delay="0">
+                  <p:tgtEl>
+                    <p:sldTgt/>
+                  </p:tgtEl>
+                </p:cond>
+              </p:nextCondLst>
+            </p:seq>
+          </p:childTnLst>
+        </p:cTn>
       </p:par>
     </p:tnLst>
+    <p:bldLst>
+      <p:bldP spid="2" grpId="0" uiExpand="1" build="p"/>
+    </p:bldLst>
   </p:timing>
 </p:sld>
 </file>
@@ -4530,7 +7799,7 @@
       </p:grpSpPr>
       <p:sp>
         <p:nvSpPr>
-          <p:cNvPr id="2" name="Title 1"/>
+          <p:cNvPr id="3" name="Title 2"/>
           <p:cNvSpPr>
             <a:spLocks noGrp="1"/>
           </p:cNvSpPr>
@@ -4544,53 +7813,46 @@
           <a:lstStyle/>
           <a:p>
             <a:r>
-              <a:rPr lang="en-US" dirty="0" smtClean="0"/>
+              <a:rPr lang="en-GB" dirty="0"/>
               <a:t>Computational Model</a:t>
             </a:r>
-            <a:endParaRPr lang="en-US" dirty="0"/>
-          </a:p>
-        </p:txBody>
-      </p:sp>
-      <p:sp>
-        <p:nvSpPr>
-          <p:cNvPr id="3" name="Content Placeholder 2"/>
-          <p:cNvSpPr>
-            <a:spLocks noGrp="1"/>
-          </p:cNvSpPr>
-          <p:nvPr>
-            <p:ph idx="1"/>
-          </p:nvPr>
-        </p:nvSpPr>
-        <p:spPr/>
-        <p:txBody>
-          <a:bodyPr>
-            <a:normAutofit/>
-          </a:bodyPr>
-          <a:lstStyle/>
-          <a:p>
-            <a:r>
-              <a:rPr lang="en-GB" dirty="0" smtClean="0"/>
-              <a:t>The environment is defined using a graph of nodes, that represent an infinitesimal part of the space;</a:t>
-            </a:r>
-          </a:p>
-          <a:p>
-            <a:r>
-              <a:rPr lang="en-GB" dirty="0" smtClean="0"/>
-              <a:t>Each is linked to their neighbours and has a list of agents located in that node;</a:t>
-            </a:r>
-          </a:p>
-          <a:p>
-            <a:r>
-              <a:rPr lang="en-GB" dirty="0" smtClean="0"/>
-              <a:t>Different types of agents can be easily described;</a:t>
-            </a:r>
-          </a:p>
-        </p:txBody>
-      </p:sp>
+          </a:p>
+        </p:txBody>
+      </p:sp>
+      <p:pic>
+        <p:nvPicPr>
+          <p:cNvPr id="6" name="Picture 5"/>
+          <p:cNvPicPr>
+            <a:picLocks noChangeAspect="1"/>
+          </p:cNvPicPr>
+          <p:nvPr/>
+        </p:nvPicPr>
+        <p:blipFill>
+          <a:blip r:embed="rId2">
+            <a:extLst>
+              <a:ext uri="{28A0092B-C50C-407E-A947-70E740481C1C}">
+                <a14:useLocalDpi xmlns:a14="http://schemas.microsoft.com/office/drawing/2010/main" val="0"/>
+              </a:ext>
+            </a:extLst>
+          </a:blip>
+          <a:stretch>
+            <a:fillRect/>
+          </a:stretch>
+        </p:blipFill>
+        <p:spPr>
+          <a:xfrm>
+            <a:off x="658319" y="1412776"/>
+            <a:ext cx="7827362" cy="4320480"/>
+          </a:xfrm>
+          <a:prstGeom prst="rect">
+            <a:avLst/>
+          </a:prstGeom>
+        </p:spPr>
+      </p:pic>
     </p:spTree>
     <p:extLst>
       <p:ext uri="{BB962C8B-B14F-4D97-AF65-F5344CB8AC3E}">
-        <p14:creationId xmlns:p14="http://schemas.microsoft.com/office/powerpoint/2010/main" val="2526276675"/>
+        <p14:creationId xmlns:p14="http://schemas.microsoft.com/office/powerpoint/2010/main" val="2142469751"/>
       </p:ext>
     </p:extLst>
   </p:cSld>
@@ -4600,7 +7862,7 @@
   <p:timing>
     <p:tnLst>
       <p:par>
-        <p:cTn xmlns:p14="http://schemas.microsoft.com/office/powerpoint/2010/main" id="1" dur="indefinite" restart="never" nodeType="tmRoot"/>
+        <p:cTn id="1" dur="indefinite" restart="never" nodeType="tmRoot"/>
       </p:par>
     </p:tnLst>
   </p:timing>
@@ -4626,7 +7888,7 @@
       </p:grpSpPr>
       <p:sp>
         <p:nvSpPr>
-          <p:cNvPr id="2" name="Title 1"/>
+          <p:cNvPr id="3" name="Title 2"/>
           <p:cNvSpPr>
             <a:spLocks noGrp="1"/>
           </p:cNvSpPr>
@@ -4640,16 +7902,16 @@
           <a:lstStyle/>
           <a:p>
             <a:r>
-              <a:rPr lang="en-US" dirty="0" smtClean="0"/>
-              <a:t>Computational Model</a:t>
-            </a:r>
-            <a:endParaRPr lang="en-US" dirty="0"/>
-          </a:p>
-        </p:txBody>
-      </p:sp>
-      <p:sp>
-        <p:nvSpPr>
-          <p:cNvPr id="3" name="Content Placeholder 2"/>
+              <a:rPr lang="en-GB" dirty="0" smtClean="0"/>
+              <a:t>Proposed Experiment</a:t>
+            </a:r>
+            <a:endParaRPr lang="en-GB" dirty="0"/>
+          </a:p>
+        </p:txBody>
+      </p:sp>
+      <p:sp>
+        <p:nvSpPr>
+          <p:cNvPr id="5" name="Content Placeholder 4"/>
           <p:cNvSpPr>
             <a:spLocks noGrp="1"/>
           </p:cNvSpPr>
@@ -4659,102 +7921,53 @@
         </p:nvSpPr>
         <p:spPr/>
         <p:txBody>
-          <a:bodyPr>
-            <a:normAutofit/>
-          </a:bodyPr>
+          <a:bodyPr/>
           <a:lstStyle/>
           <a:p>
-            <a:r>
-              <a:rPr lang="en-US" dirty="0" smtClean="0"/>
-              <a:t>First implementation uses task-oriented agents;</a:t>
-            </a:r>
-            <a:endParaRPr lang="en-GB" dirty="0" smtClean="0"/>
-          </a:p>
-          <a:p>
+            <a:pPr>
+              <a:spcBef>
+                <a:spcPts val="3000"/>
+              </a:spcBef>
+            </a:pPr>
+            <a:r>
+              <a:rPr lang="en-GB" b="1" dirty="0" smtClean="0"/>
+              <a:t>Objective: </a:t>
+            </a:r>
+            <a:r>
+              <a:rPr lang="en-GB" dirty="0"/>
+              <a:t>Investigate how information is propagated throughout the </a:t>
+            </a:r>
             <a:r>
               <a:rPr lang="en-GB" dirty="0" smtClean="0"/>
-              <a:t>Each agent is assigned a set of possible tasks</a:t>
-            </a:r>
-            <a:r>
-              <a:rPr lang="en-US" dirty="0"/>
-              <a:t>;</a:t>
-            </a:r>
-            <a:endParaRPr lang="en-US" dirty="0" smtClean="0"/>
-          </a:p>
-          <a:p>
-            <a:r>
-              <a:rPr lang="en-US" dirty="0" smtClean="0"/>
-              <a:t>The agent is able to choose which task to perform depending on the context, like real ants do</a:t>
-            </a:r>
-            <a:r>
-              <a:rPr lang="en-US" baseline="30000" dirty="0" smtClean="0"/>
-              <a:t>[2]</a:t>
-            </a:r>
-            <a:r>
-              <a:rPr lang="en-US" dirty="0"/>
-              <a:t>;</a:t>
-            </a:r>
-            <a:endParaRPr lang="en-US" dirty="0" smtClean="0"/>
-          </a:p>
-          <a:p>
-            <a:r>
-              <a:rPr lang="en-US" dirty="0" smtClean="0"/>
-              <a:t>Each agent is ran as an independent thread in the available CPUs.</a:t>
-            </a:r>
-            <a:endParaRPr lang="en-US" dirty="0"/>
-          </a:p>
-        </p:txBody>
-      </p:sp>
-      <p:sp>
-        <p:nvSpPr>
-          <p:cNvPr id="4" name="TextBox 3"/>
-          <p:cNvSpPr txBox="1"/>
-          <p:nvPr/>
-        </p:nvSpPr>
-        <p:spPr>
-          <a:xfrm>
-            <a:off x="3988916" y="6126163"/>
-            <a:ext cx="4788879" cy="307777"/>
-          </a:xfrm>
-          <a:prstGeom prst="rect">
-            <a:avLst/>
-          </a:prstGeom>
-          <a:noFill/>
-        </p:spPr>
-        <p:txBody>
-          <a:bodyPr wrap="none" rtlCol="0">
-            <a:spAutoFit/>
-          </a:bodyPr>
-          <a:lstStyle/>
-          <a:p>
-            <a:r>
-              <a:rPr lang="en-US" sz="1400" dirty="0" smtClean="0"/>
-              <a:t>[2] The </a:t>
-            </a:r>
-            <a:r>
-              <a:rPr lang="en-US" sz="1400" dirty="0" err="1" smtClean="0"/>
-              <a:t>Superorganism</a:t>
-            </a:r>
-            <a:r>
-              <a:rPr lang="en-US" sz="1400" dirty="0" smtClean="0"/>
-              <a:t>, </a:t>
-            </a:r>
-            <a:r>
-              <a:rPr lang="en-US" sz="1400" dirty="0" err="1" smtClean="0"/>
-              <a:t>Holldobler</a:t>
-            </a:r>
-            <a:r>
-              <a:rPr lang="en-US" sz="1400" dirty="0" smtClean="0"/>
-              <a:t> Bert, E. O. Wilson,  Norton.</a:t>
-            </a:r>
-            <a:endParaRPr lang="en-US" sz="1400" dirty="0"/>
+              <a:t>colony.</a:t>
+            </a:r>
+          </a:p>
+          <a:p>
+            <a:pPr>
+              <a:spcBef>
+                <a:spcPts val="3000"/>
+              </a:spcBef>
+            </a:pPr>
+            <a:r>
+              <a:rPr lang="en-GB" b="1" dirty="0"/>
+              <a:t>Study case: </a:t>
+            </a:r>
+            <a:r>
+              <a:rPr lang="en-GB" dirty="0"/>
+              <a:t>addition of a predator near the colony nest after sometime of simulation</a:t>
+            </a:r>
+            <a:r>
+              <a:rPr lang="en-GB" dirty="0" smtClean="0"/>
+              <a:t>.</a:t>
+            </a:r>
+            <a:endParaRPr lang="en-GB" dirty="0"/>
           </a:p>
         </p:txBody>
       </p:sp>
     </p:spTree>
     <p:extLst>
       <p:ext uri="{BB962C8B-B14F-4D97-AF65-F5344CB8AC3E}">
-        <p14:creationId xmlns:p14="http://schemas.microsoft.com/office/powerpoint/2010/main" val="888952879"/>
+        <p14:creationId xmlns:p14="http://schemas.microsoft.com/office/powerpoint/2010/main" val="138210221"/>
       </p:ext>
     </p:extLst>
   </p:cSld>
@@ -4764,9 +7977,160 @@
   <p:timing>
     <p:tnLst>
       <p:par>
-        <p:cTn xmlns:p14="http://schemas.microsoft.com/office/powerpoint/2010/main" id="1" dur="indefinite" restart="never" nodeType="tmRoot"/>
+        <p:cTn id="1" dur="indefinite" restart="never" nodeType="tmRoot">
+          <p:childTnLst>
+            <p:seq concurrent="1" nextAc="seek">
+              <p:cTn id="2" dur="indefinite" nodeType="mainSeq">
+                <p:childTnLst>
+                  <p:par>
+                    <p:cTn id="3" fill="hold">
+                      <p:stCondLst>
+                        <p:cond delay="indefinite"/>
+                        <p:cond evt="onBegin" delay="0">
+                          <p:tn val="2"/>
+                        </p:cond>
+                      </p:stCondLst>
+                      <p:childTnLst>
+                        <p:par>
+                          <p:cTn id="4" fill="hold">
+                            <p:stCondLst>
+                              <p:cond delay="0"/>
+                            </p:stCondLst>
+                            <p:childTnLst>
+                              <p:par>
+                                <p:cTn id="5" presetID="10" presetClass="entr" presetSubtype="0" fill="hold" grpId="0" nodeType="afterEffect">
+                                  <p:stCondLst>
+                                    <p:cond delay="0"/>
+                                  </p:stCondLst>
+                                  <p:childTnLst>
+                                    <p:set>
+                                      <p:cBhvr>
+                                        <p:cTn id="6" dur="1" fill="hold">
+                                          <p:stCondLst>
+                                            <p:cond delay="0"/>
+                                          </p:stCondLst>
+                                        </p:cTn>
+                                        <p:tgtEl>
+                                          <p:spTgt spid="5">
+                                            <p:txEl>
+                                              <p:pRg st="0" end="0"/>
+                                            </p:txEl>
+                                          </p:spTgt>
+                                        </p:tgtEl>
+                                        <p:attrNameLst>
+                                          <p:attrName>style.visibility</p:attrName>
+                                        </p:attrNameLst>
+                                      </p:cBhvr>
+                                      <p:to>
+                                        <p:strVal val="visible"/>
+                                      </p:to>
+                                    </p:set>
+                                    <p:animEffect transition="in" filter="fade">
+                                      <p:cBhvr>
+                                        <p:cTn id="7" dur="500"/>
+                                        <p:tgtEl>
+                                          <p:spTgt spid="5">
+                                            <p:txEl>
+                                              <p:pRg st="0" end="0"/>
+                                            </p:txEl>
+                                          </p:spTgt>
+                                        </p:tgtEl>
+                                      </p:cBhvr>
+                                    </p:animEffect>
+                                  </p:childTnLst>
+                                </p:cTn>
+                              </p:par>
+                            </p:childTnLst>
+                          </p:cTn>
+                        </p:par>
+                      </p:childTnLst>
+                    </p:cTn>
+                  </p:par>
+                  <p:par>
+                    <p:cTn id="8" fill="hold">
+                      <p:stCondLst>
+                        <p:cond delay="indefinite"/>
+                      </p:stCondLst>
+                      <p:childTnLst>
+                        <p:par>
+                          <p:cTn id="9" fill="hold">
+                            <p:stCondLst>
+                              <p:cond delay="0"/>
+                            </p:stCondLst>
+                            <p:childTnLst>
+                              <p:par>
+                                <p:cTn id="10" presetID="10" presetClass="entr" presetSubtype="0" fill="hold" grpId="0" nodeType="clickEffect">
+                                  <p:stCondLst>
+                                    <p:cond delay="0"/>
+                                  </p:stCondLst>
+                                  <p:childTnLst>
+                                    <p:set>
+                                      <p:cBhvr>
+                                        <p:cTn id="11" dur="1" fill="hold">
+                                          <p:stCondLst>
+                                            <p:cond delay="0"/>
+                                          </p:stCondLst>
+                                        </p:cTn>
+                                        <p:tgtEl>
+                                          <p:spTgt spid="5">
+                                            <p:txEl>
+                                              <p:pRg st="1" end="1"/>
+                                            </p:txEl>
+                                          </p:spTgt>
+                                        </p:tgtEl>
+                                        <p:attrNameLst>
+                                          <p:attrName>style.visibility</p:attrName>
+                                        </p:attrNameLst>
+                                      </p:cBhvr>
+                                      <p:to>
+                                        <p:strVal val="visible"/>
+                                      </p:to>
+                                    </p:set>
+                                    <p:animEffect transition="in" filter="fade">
+                                      <p:cBhvr>
+                                        <p:cTn id="12" dur="500"/>
+                                        <p:tgtEl>
+                                          <p:spTgt spid="5">
+                                            <p:txEl>
+                                              <p:pRg st="1" end="1"/>
+                                            </p:txEl>
+                                          </p:spTgt>
+                                        </p:tgtEl>
+                                      </p:cBhvr>
+                                    </p:animEffect>
+                                  </p:childTnLst>
+                                </p:cTn>
+                              </p:par>
+                            </p:childTnLst>
+                          </p:cTn>
+                        </p:par>
+                      </p:childTnLst>
+                    </p:cTn>
+                  </p:par>
+                </p:childTnLst>
+              </p:cTn>
+              <p:prevCondLst>
+                <p:cond evt="onPrev" delay="0">
+                  <p:tgtEl>
+                    <p:sldTgt/>
+                  </p:tgtEl>
+                </p:cond>
+              </p:prevCondLst>
+              <p:nextCondLst>
+                <p:cond evt="onNext" delay="0">
+                  <p:tgtEl>
+                    <p:sldTgt/>
+                  </p:tgtEl>
+                </p:cond>
+              </p:nextCondLst>
+            </p:seq>
+          </p:childTnLst>
+        </p:cTn>
       </p:par>
     </p:tnLst>
+    <p:bldLst>
+      <p:bldP spid="5" grpId="0" uiExpand="1" build="p"/>
+    </p:bldLst>
   </p:timing>
 </p:sld>
 </file>
@@ -4916,16 +8280,20 @@
           <a:gsLst>
             <a:gs pos="0">
               <a:schemeClr val="phClr">
-                <a:tint val="100000"/>
-                <a:shade val="100000"/>
+                <a:shade val="51000"/>
+                <a:satMod val="130000"/>
+              </a:schemeClr>
+            </a:gs>
+            <a:gs pos="80000">
+              <a:schemeClr val="phClr">
+                <a:shade val="93000"/>
                 <a:satMod val="130000"/>
               </a:schemeClr>
             </a:gs>
             <a:gs pos="100000">
               <a:schemeClr val="phClr">
-                <a:tint val="50000"/>
-                <a:shade val="100000"/>
-                <a:satMod val="350000"/>
+                <a:shade val="94000"/>
+                <a:satMod val="135000"/>
               </a:schemeClr>
             </a:gs>
           </a:gsLst>
@@ -5047,46 +8415,292 @@
       </a:bgFillStyleLst>
     </a:fmtScheme>
   </a:themeElements>
-  <a:objectDefaults>
-    <a:spDef>
-      <a:spPr/>
-      <a:bodyPr/>
-      <a:lstStyle/>
-      <a:style>
-        <a:lnRef idx="1">
-          <a:schemeClr val="accent1"/>
-        </a:lnRef>
-        <a:fillRef idx="3">
-          <a:schemeClr val="accent1"/>
-        </a:fillRef>
-        <a:effectRef idx="2">
-          <a:schemeClr val="accent1"/>
-        </a:effectRef>
-        <a:fontRef idx="minor">
-          <a:schemeClr val="lt1"/>
-        </a:fontRef>
-      </a:style>
-    </a:spDef>
-    <a:lnDef>
-      <a:spPr/>
-      <a:bodyPr/>
-      <a:lstStyle/>
-      <a:style>
-        <a:lnRef idx="2">
-          <a:schemeClr val="accent1"/>
-        </a:lnRef>
-        <a:fillRef idx="0">
-          <a:schemeClr val="accent1"/>
-        </a:fillRef>
-        <a:effectRef idx="1">
-          <a:schemeClr val="accent1"/>
-        </a:effectRef>
-        <a:fontRef idx="minor">
-          <a:schemeClr val="tx1"/>
-        </a:fontRef>
-      </a:style>
-    </a:lnDef>
-  </a:objectDefaults>
+  <a:objectDefaults/>
+  <a:extraClrSchemeLst/>
+</a:theme>
+</file>
+
+<file path=ppt/theme/theme2.xml><?xml version="1.0" encoding="utf-8"?>
+<a:theme xmlns:a="http://schemas.openxmlformats.org/drawingml/2006/main" name="Office Theme">
+  <a:themeElements>
+    <a:clrScheme name="Office">
+      <a:dk1>
+        <a:sysClr val="windowText" lastClr="000000"/>
+      </a:dk1>
+      <a:lt1>
+        <a:sysClr val="window" lastClr="FFFFFF"/>
+      </a:lt1>
+      <a:dk2>
+        <a:srgbClr val="1F497D"/>
+      </a:dk2>
+      <a:lt2>
+        <a:srgbClr val="EEECE1"/>
+      </a:lt2>
+      <a:accent1>
+        <a:srgbClr val="4F81BD"/>
+      </a:accent1>
+      <a:accent2>
+        <a:srgbClr val="C0504D"/>
+      </a:accent2>
+      <a:accent3>
+        <a:srgbClr val="9BBB59"/>
+      </a:accent3>
+      <a:accent4>
+        <a:srgbClr val="8064A2"/>
+      </a:accent4>
+      <a:accent5>
+        <a:srgbClr val="4BACC6"/>
+      </a:accent5>
+      <a:accent6>
+        <a:srgbClr val="F79646"/>
+      </a:accent6>
+      <a:hlink>
+        <a:srgbClr val="0000FF"/>
+      </a:hlink>
+      <a:folHlink>
+        <a:srgbClr val="800080"/>
+      </a:folHlink>
+    </a:clrScheme>
+    <a:fontScheme name="Office">
+      <a:majorFont>
+        <a:latin typeface="Calibri"/>
+        <a:ea typeface=""/>
+        <a:cs typeface=""/>
+        <a:font script="Jpan" typeface="ＭＳ Ｐゴシック"/>
+        <a:font script="Hang" typeface="맑은 고딕"/>
+        <a:font script="Hans" typeface="宋体"/>
+        <a:font script="Hant" typeface="新細明體"/>
+        <a:font script="Arab" typeface="Times New Roman"/>
+        <a:font script="Hebr" typeface="Times New Roman"/>
+        <a:font script="Thai" typeface="Angsana New"/>
+        <a:font script="Ethi" typeface="Nyala"/>
+        <a:font script="Beng" typeface="Vrinda"/>
+        <a:font script="Gujr" typeface="Shruti"/>
+        <a:font script="Khmr" typeface="MoolBoran"/>
+        <a:font script="Knda" typeface="Tunga"/>
+        <a:font script="Guru" typeface="Raavi"/>
+        <a:font script="Cans" typeface="Euphemia"/>
+        <a:font script="Cher" typeface="Plantagenet Cherokee"/>
+        <a:font script="Yiii" typeface="Microsoft Yi Baiti"/>
+        <a:font script="Tibt" typeface="Microsoft Himalaya"/>
+        <a:font script="Thaa" typeface="MV Boli"/>
+        <a:font script="Deva" typeface="Mangal"/>
+        <a:font script="Telu" typeface="Gautami"/>
+        <a:font script="Taml" typeface="Latha"/>
+        <a:font script="Syrc" typeface="Estrangelo Edessa"/>
+        <a:font script="Orya" typeface="Kalinga"/>
+        <a:font script="Mlym" typeface="Kartika"/>
+        <a:font script="Laoo" typeface="DokChampa"/>
+        <a:font script="Sinh" typeface="Iskoola Pota"/>
+        <a:font script="Mong" typeface="Mongolian Baiti"/>
+        <a:font script="Viet" typeface="Times New Roman"/>
+        <a:font script="Uigh" typeface="Microsoft Uighur"/>
+        <a:font script="Geor" typeface="Sylfaen"/>
+      </a:majorFont>
+      <a:minorFont>
+        <a:latin typeface="Calibri"/>
+        <a:ea typeface=""/>
+        <a:cs typeface=""/>
+        <a:font script="Jpan" typeface="ＭＳ Ｐゴシック"/>
+        <a:font script="Hang" typeface="맑은 고딕"/>
+        <a:font script="Hans" typeface="宋体"/>
+        <a:font script="Hant" typeface="新細明體"/>
+        <a:font script="Arab" typeface="Arial"/>
+        <a:font script="Hebr" typeface="Arial"/>
+        <a:font script="Thai" typeface="Cordia New"/>
+        <a:font script="Ethi" typeface="Nyala"/>
+        <a:font script="Beng" typeface="Vrinda"/>
+        <a:font script="Gujr" typeface="Shruti"/>
+        <a:font script="Khmr" typeface="DaunPenh"/>
+        <a:font script="Knda" typeface="Tunga"/>
+        <a:font script="Guru" typeface="Raavi"/>
+        <a:font script="Cans" typeface="Euphemia"/>
+        <a:font script="Cher" typeface="Plantagenet Cherokee"/>
+        <a:font script="Yiii" typeface="Microsoft Yi Baiti"/>
+        <a:font script="Tibt" typeface="Microsoft Himalaya"/>
+        <a:font script="Thaa" typeface="MV Boli"/>
+        <a:font script="Deva" typeface="Mangal"/>
+        <a:font script="Telu" typeface="Gautami"/>
+        <a:font script="Taml" typeface="Latha"/>
+        <a:font script="Syrc" typeface="Estrangelo Edessa"/>
+        <a:font script="Orya" typeface="Kalinga"/>
+        <a:font script="Mlym" typeface="Kartika"/>
+        <a:font script="Laoo" typeface="DokChampa"/>
+        <a:font script="Sinh" typeface="Iskoola Pota"/>
+        <a:font script="Mong" typeface="Mongolian Baiti"/>
+        <a:font script="Viet" typeface="Arial"/>
+        <a:font script="Uigh" typeface="Microsoft Uighur"/>
+        <a:font script="Geor" typeface="Sylfaen"/>
+      </a:minorFont>
+    </a:fontScheme>
+    <a:fmtScheme name="Office">
+      <a:fillStyleLst>
+        <a:solidFill>
+          <a:schemeClr val="phClr"/>
+        </a:solidFill>
+        <a:gradFill rotWithShape="1">
+          <a:gsLst>
+            <a:gs pos="0">
+              <a:schemeClr val="phClr">
+                <a:tint val="50000"/>
+                <a:satMod val="300000"/>
+              </a:schemeClr>
+            </a:gs>
+            <a:gs pos="35000">
+              <a:schemeClr val="phClr">
+                <a:tint val="37000"/>
+                <a:satMod val="300000"/>
+              </a:schemeClr>
+            </a:gs>
+            <a:gs pos="100000">
+              <a:schemeClr val="phClr">
+                <a:tint val="15000"/>
+                <a:satMod val="350000"/>
+              </a:schemeClr>
+            </a:gs>
+          </a:gsLst>
+          <a:lin ang="16200000" scaled="1"/>
+        </a:gradFill>
+        <a:gradFill rotWithShape="1">
+          <a:gsLst>
+            <a:gs pos="0">
+              <a:schemeClr val="phClr">
+                <a:shade val="51000"/>
+                <a:satMod val="130000"/>
+              </a:schemeClr>
+            </a:gs>
+            <a:gs pos="80000">
+              <a:schemeClr val="phClr">
+                <a:shade val="93000"/>
+                <a:satMod val="130000"/>
+              </a:schemeClr>
+            </a:gs>
+            <a:gs pos="100000">
+              <a:schemeClr val="phClr">
+                <a:shade val="94000"/>
+                <a:satMod val="135000"/>
+              </a:schemeClr>
+            </a:gs>
+          </a:gsLst>
+          <a:lin ang="16200000" scaled="0"/>
+        </a:gradFill>
+      </a:fillStyleLst>
+      <a:lnStyleLst>
+        <a:ln w="9525" cap="flat" cmpd="sng" algn="ctr">
+          <a:solidFill>
+            <a:schemeClr val="phClr">
+              <a:shade val="95000"/>
+              <a:satMod val="105000"/>
+            </a:schemeClr>
+          </a:solidFill>
+          <a:prstDash val="solid"/>
+        </a:ln>
+        <a:ln w="25400" cap="flat" cmpd="sng" algn="ctr">
+          <a:solidFill>
+            <a:schemeClr val="phClr"/>
+          </a:solidFill>
+          <a:prstDash val="solid"/>
+        </a:ln>
+        <a:ln w="38100" cap="flat" cmpd="sng" algn="ctr">
+          <a:solidFill>
+            <a:schemeClr val="phClr"/>
+          </a:solidFill>
+          <a:prstDash val="solid"/>
+        </a:ln>
+      </a:lnStyleLst>
+      <a:effectStyleLst>
+        <a:effectStyle>
+          <a:effectLst>
+            <a:outerShdw blurRad="40000" dist="20000" dir="5400000" rotWithShape="0">
+              <a:srgbClr val="000000">
+                <a:alpha val="38000"/>
+              </a:srgbClr>
+            </a:outerShdw>
+          </a:effectLst>
+        </a:effectStyle>
+        <a:effectStyle>
+          <a:effectLst>
+            <a:outerShdw blurRad="40000" dist="23000" dir="5400000" rotWithShape="0">
+              <a:srgbClr val="000000">
+                <a:alpha val="35000"/>
+              </a:srgbClr>
+            </a:outerShdw>
+          </a:effectLst>
+        </a:effectStyle>
+        <a:effectStyle>
+          <a:effectLst>
+            <a:outerShdw blurRad="40000" dist="23000" dir="5400000" rotWithShape="0">
+              <a:srgbClr val="000000">
+                <a:alpha val="35000"/>
+              </a:srgbClr>
+            </a:outerShdw>
+          </a:effectLst>
+          <a:scene3d>
+            <a:camera prst="orthographicFront">
+              <a:rot lat="0" lon="0" rev="0"/>
+            </a:camera>
+            <a:lightRig rig="threePt" dir="t">
+              <a:rot lat="0" lon="0" rev="1200000"/>
+            </a:lightRig>
+          </a:scene3d>
+          <a:sp3d>
+            <a:bevelT w="63500" h="25400"/>
+          </a:sp3d>
+        </a:effectStyle>
+      </a:effectStyleLst>
+      <a:bgFillStyleLst>
+        <a:solidFill>
+          <a:schemeClr val="phClr"/>
+        </a:solidFill>
+        <a:gradFill rotWithShape="1">
+          <a:gsLst>
+            <a:gs pos="0">
+              <a:schemeClr val="phClr">
+                <a:tint val="40000"/>
+                <a:satMod val="350000"/>
+              </a:schemeClr>
+            </a:gs>
+            <a:gs pos="40000">
+              <a:schemeClr val="phClr">
+                <a:tint val="45000"/>
+                <a:shade val="99000"/>
+                <a:satMod val="350000"/>
+              </a:schemeClr>
+            </a:gs>
+            <a:gs pos="100000">
+              <a:schemeClr val="phClr">
+                <a:shade val="20000"/>
+                <a:satMod val="255000"/>
+              </a:schemeClr>
+            </a:gs>
+          </a:gsLst>
+          <a:path path="circle">
+            <a:fillToRect l="50000" t="-80000" r="50000" b="180000"/>
+          </a:path>
+        </a:gradFill>
+        <a:gradFill rotWithShape="1">
+          <a:gsLst>
+            <a:gs pos="0">
+              <a:schemeClr val="phClr">
+                <a:tint val="80000"/>
+                <a:satMod val="300000"/>
+              </a:schemeClr>
+            </a:gs>
+            <a:gs pos="100000">
+              <a:schemeClr val="phClr">
+                <a:shade val="30000"/>
+                <a:satMod val="200000"/>
+              </a:schemeClr>
+            </a:gs>
+          </a:gsLst>
+          <a:path path="circle">
+            <a:fillToRect l="50000" t="50000" r="50000" b="50000"/>
+          </a:path>
+        </a:gradFill>
+      </a:bgFillStyleLst>
+    </a:fmtScheme>
+  </a:themeElements>
+  <a:objectDefaults/>
   <a:extraClrSchemeLst/>
 </a:theme>
 </file>
--- a/presentation-june/Presentation.pptx
+++ b/presentation-june/Presentation.pptx
@@ -5,7 +5,7 @@
     <p:sldMasterId id="2147483648" r:id="rId1"/>
   </p:sldMasterIdLst>
   <p:notesMasterIdLst>
-    <p:notesMasterId r:id="rId15"/>
+    <p:notesMasterId r:id="rId16"/>
   </p:notesMasterIdLst>
   <p:sldIdLst>
     <p:sldId id="256" r:id="rId2"/>
@@ -16,11 +16,12 @@
     <p:sldId id="261" r:id="rId7"/>
     <p:sldId id="262" r:id="rId8"/>
     <p:sldId id="263" r:id="rId9"/>
-    <p:sldId id="264" r:id="rId10"/>
-    <p:sldId id="265" r:id="rId11"/>
-    <p:sldId id="266" r:id="rId12"/>
-    <p:sldId id="267" r:id="rId13"/>
-    <p:sldId id="268" r:id="rId14"/>
+    <p:sldId id="270" r:id="rId10"/>
+    <p:sldId id="264" r:id="rId11"/>
+    <p:sldId id="265" r:id="rId12"/>
+    <p:sldId id="266" r:id="rId13"/>
+    <p:sldId id="267" r:id="rId14"/>
+    <p:sldId id="268" r:id="rId15"/>
   </p:sldIdLst>
   <p:sldSz cx="9144000" cy="6858000" type="screen4x3"/>
   <p:notesSz cx="6858000" cy="9144000"/>
@@ -632,7 +633,7 @@
           <a:p>
             <a:fld id="{D2D90C8E-9ABA-428A-AE3B-7180319A3F53}" type="datetimeFigureOut">
               <a:rPr lang="en-GB" smtClean="0"/>
-              <a:t>30/05/2012</a:t>
+              <a:t>01/06/2012</a:t>
             </a:fld>
             <a:endParaRPr lang="en-GB"/>
           </a:p>
@@ -1281,7 +1282,7 @@
           <a:p>
             <a:fld id="{359ABEBD-ED10-45EA-AD6C-D56FB4AE805F}" type="slidenum">
               <a:rPr lang="en-GB" smtClean="0"/>
-              <a:t>9</a:t>
+              <a:t>10</a:t>
             </a:fld>
             <a:endParaRPr lang="en-GB"/>
           </a:p>
@@ -1523,7 +1524,7 @@
           <a:p>
             <a:fld id="{70186140-57E4-4B6F-BB49-D5C1E28E250A}" type="datetimeFigureOut">
               <a:rPr lang="en-GB" smtClean="0"/>
-              <a:t>30/05/2012</a:t>
+              <a:t>01/06/2012</a:t>
             </a:fld>
             <a:endParaRPr lang="en-GB"/>
           </a:p>
@@ -1700,7 +1701,7 @@
           <a:p>
             <a:fld id="{70186140-57E4-4B6F-BB49-D5C1E28E250A}" type="datetimeFigureOut">
               <a:rPr lang="en-GB" smtClean="0"/>
-              <a:t>30/05/2012</a:t>
+              <a:t>01/06/2012</a:t>
             </a:fld>
             <a:endParaRPr lang="en-GB"/>
           </a:p>
@@ -1880,7 +1881,7 @@
           <a:p>
             <a:fld id="{70186140-57E4-4B6F-BB49-D5C1E28E250A}" type="datetimeFigureOut">
               <a:rPr lang="en-GB" smtClean="0"/>
-              <a:t>30/05/2012</a:t>
+              <a:t>01/06/2012</a:t>
             </a:fld>
             <a:endParaRPr lang="en-GB"/>
           </a:p>
@@ -2062,7 +2063,7 @@
           <a:p>
             <a:fld id="{70186140-57E4-4B6F-BB49-D5C1E28E250A}" type="datetimeFigureOut">
               <a:rPr lang="en-GB" smtClean="0"/>
-              <a:t>30/05/2012</a:t>
+              <a:t>01/06/2012</a:t>
             </a:fld>
             <a:endParaRPr lang="en-GB"/>
           </a:p>
@@ -2361,7 +2362,7 @@
           <a:p>
             <a:fld id="{70186140-57E4-4B6F-BB49-D5C1E28E250A}" type="datetimeFigureOut">
               <a:rPr lang="en-GB" smtClean="0"/>
-              <a:t>30/05/2012</a:t>
+              <a:t>01/06/2012</a:t>
             </a:fld>
             <a:endParaRPr lang="en-GB"/>
           </a:p>
@@ -2649,7 +2650,7 @@
           <a:p>
             <a:fld id="{70186140-57E4-4B6F-BB49-D5C1E28E250A}" type="datetimeFigureOut">
               <a:rPr lang="en-GB" smtClean="0"/>
-              <a:t>30/05/2012</a:t>
+              <a:t>01/06/2012</a:t>
             </a:fld>
             <a:endParaRPr lang="en-GB"/>
           </a:p>
@@ -3071,7 +3072,7 @@
           <a:p>
             <a:fld id="{70186140-57E4-4B6F-BB49-D5C1E28E250A}" type="datetimeFigureOut">
               <a:rPr lang="en-GB" smtClean="0"/>
-              <a:t>30/05/2012</a:t>
+              <a:t>01/06/2012</a:t>
             </a:fld>
             <a:endParaRPr lang="en-GB"/>
           </a:p>
@@ -3189,7 +3190,7 @@
           <a:p>
             <a:fld id="{70186140-57E4-4B6F-BB49-D5C1E28E250A}" type="datetimeFigureOut">
               <a:rPr lang="en-GB" smtClean="0"/>
-              <a:t>30/05/2012</a:t>
+              <a:t>01/06/2012</a:t>
             </a:fld>
             <a:endParaRPr lang="en-GB"/>
           </a:p>
@@ -3284,7 +3285,7 @@
           <a:p>
             <a:fld id="{70186140-57E4-4B6F-BB49-D5C1E28E250A}" type="datetimeFigureOut">
               <a:rPr lang="en-GB" smtClean="0"/>
-              <a:t>30/05/2012</a:t>
+              <a:t>01/06/2012</a:t>
             </a:fld>
             <a:endParaRPr lang="en-GB"/>
           </a:p>
@@ -3561,7 +3562,7 @@
           <a:p>
             <a:fld id="{70186140-57E4-4B6F-BB49-D5C1E28E250A}" type="datetimeFigureOut">
               <a:rPr lang="en-GB" smtClean="0"/>
-              <a:t>30/05/2012</a:t>
+              <a:t>01/06/2012</a:t>
             </a:fld>
             <a:endParaRPr lang="en-GB"/>
           </a:p>
@@ -3814,7 +3815,7 @@
           <a:p>
             <a:fld id="{70186140-57E4-4B6F-BB49-D5C1E28E250A}" type="datetimeFigureOut">
               <a:rPr lang="en-GB" smtClean="0"/>
-              <a:t>30/05/2012</a:t>
+              <a:t>01/06/2012</a:t>
             </a:fld>
             <a:endParaRPr lang="en-GB"/>
           </a:p>
@@ -4027,7 +4028,7 @@
           <a:p>
             <a:fld id="{70186140-57E4-4B6F-BB49-D5C1E28E250A}" type="datetimeFigureOut">
               <a:rPr lang="en-GB" smtClean="0"/>
-              <a:t>30/05/2012</a:t>
+              <a:t>01/06/2012</a:t>
             </a:fld>
             <a:endParaRPr lang="en-GB"/>
           </a:p>
@@ -4634,6 +4635,272 @@
           <a:p>
             <a:r>
               <a:rPr lang="en-GB" dirty="0" smtClean="0"/>
+              <a:t>Proposed Experiment</a:t>
+            </a:r>
+            <a:endParaRPr lang="en-GB" dirty="0"/>
+          </a:p>
+        </p:txBody>
+      </p:sp>
+      <p:sp>
+        <p:nvSpPr>
+          <p:cNvPr id="5" name="Content Placeholder 4"/>
+          <p:cNvSpPr>
+            <a:spLocks noGrp="1"/>
+          </p:cNvSpPr>
+          <p:nvPr>
+            <p:ph idx="1"/>
+          </p:nvPr>
+        </p:nvSpPr>
+        <p:spPr/>
+        <p:txBody>
+          <a:bodyPr/>
+          <a:lstStyle/>
+          <a:p>
+            <a:pPr>
+              <a:spcBef>
+                <a:spcPts val="3000"/>
+              </a:spcBef>
+            </a:pPr>
+            <a:r>
+              <a:rPr lang="en-GB" b="1" dirty="0" smtClean="0"/>
+              <a:t>Objective: </a:t>
+            </a:r>
+            <a:r>
+              <a:rPr lang="en-GB" dirty="0"/>
+              <a:t>Investigate how information is propagated throughout the </a:t>
+            </a:r>
+            <a:r>
+              <a:rPr lang="en-GB" dirty="0" smtClean="0"/>
+              <a:t>colony.</a:t>
+            </a:r>
+          </a:p>
+          <a:p>
+            <a:pPr>
+              <a:spcBef>
+                <a:spcPts val="3000"/>
+              </a:spcBef>
+            </a:pPr>
+            <a:r>
+              <a:rPr lang="en-GB" b="1" dirty="0"/>
+              <a:t>Study case: </a:t>
+            </a:r>
+            <a:r>
+              <a:rPr lang="en-GB" dirty="0"/>
+              <a:t>addition of a predator near the colony nest after sometime of simulation</a:t>
+            </a:r>
+            <a:r>
+              <a:rPr lang="en-GB" dirty="0" smtClean="0"/>
+              <a:t>.</a:t>
+            </a:r>
+            <a:endParaRPr lang="en-GB" dirty="0"/>
+          </a:p>
+        </p:txBody>
+      </p:sp>
+    </p:spTree>
+    <p:extLst>
+      <p:ext uri="{BB962C8B-B14F-4D97-AF65-F5344CB8AC3E}">
+        <p14:creationId xmlns:p14="http://schemas.microsoft.com/office/powerpoint/2010/main" val="138210221"/>
+      </p:ext>
+    </p:extLst>
+  </p:cSld>
+  <p:clrMapOvr>
+    <a:masterClrMapping/>
+  </p:clrMapOvr>
+  <p:timing>
+    <p:tnLst>
+      <p:par>
+        <p:cTn id="1" dur="indefinite" restart="never" nodeType="tmRoot">
+          <p:childTnLst>
+            <p:seq concurrent="1" nextAc="seek">
+              <p:cTn id="2" dur="indefinite" nodeType="mainSeq">
+                <p:childTnLst>
+                  <p:par>
+                    <p:cTn id="3" fill="hold">
+                      <p:stCondLst>
+                        <p:cond delay="indefinite"/>
+                        <p:cond evt="onBegin" delay="0">
+                          <p:tn val="2"/>
+                        </p:cond>
+                      </p:stCondLst>
+                      <p:childTnLst>
+                        <p:par>
+                          <p:cTn id="4" fill="hold">
+                            <p:stCondLst>
+                              <p:cond delay="0"/>
+                            </p:stCondLst>
+                            <p:childTnLst>
+                              <p:par>
+                                <p:cTn id="5" presetID="10" presetClass="entr" presetSubtype="0" fill="hold" grpId="0" nodeType="afterEffect">
+                                  <p:stCondLst>
+                                    <p:cond delay="0"/>
+                                  </p:stCondLst>
+                                  <p:childTnLst>
+                                    <p:set>
+                                      <p:cBhvr>
+                                        <p:cTn id="6" dur="1" fill="hold">
+                                          <p:stCondLst>
+                                            <p:cond delay="0"/>
+                                          </p:stCondLst>
+                                        </p:cTn>
+                                        <p:tgtEl>
+                                          <p:spTgt spid="5">
+                                            <p:txEl>
+                                              <p:pRg st="0" end="0"/>
+                                            </p:txEl>
+                                          </p:spTgt>
+                                        </p:tgtEl>
+                                        <p:attrNameLst>
+                                          <p:attrName>style.visibility</p:attrName>
+                                        </p:attrNameLst>
+                                      </p:cBhvr>
+                                      <p:to>
+                                        <p:strVal val="visible"/>
+                                      </p:to>
+                                    </p:set>
+                                    <p:animEffect transition="in" filter="fade">
+                                      <p:cBhvr>
+                                        <p:cTn id="7" dur="500"/>
+                                        <p:tgtEl>
+                                          <p:spTgt spid="5">
+                                            <p:txEl>
+                                              <p:pRg st="0" end="0"/>
+                                            </p:txEl>
+                                          </p:spTgt>
+                                        </p:tgtEl>
+                                      </p:cBhvr>
+                                    </p:animEffect>
+                                  </p:childTnLst>
+                                </p:cTn>
+                              </p:par>
+                            </p:childTnLst>
+                          </p:cTn>
+                        </p:par>
+                      </p:childTnLst>
+                    </p:cTn>
+                  </p:par>
+                  <p:par>
+                    <p:cTn id="8" fill="hold">
+                      <p:stCondLst>
+                        <p:cond delay="indefinite"/>
+                      </p:stCondLst>
+                      <p:childTnLst>
+                        <p:par>
+                          <p:cTn id="9" fill="hold">
+                            <p:stCondLst>
+                              <p:cond delay="0"/>
+                            </p:stCondLst>
+                            <p:childTnLst>
+                              <p:par>
+                                <p:cTn id="10" presetID="10" presetClass="entr" presetSubtype="0" fill="hold" grpId="0" nodeType="clickEffect">
+                                  <p:stCondLst>
+                                    <p:cond delay="0"/>
+                                  </p:stCondLst>
+                                  <p:childTnLst>
+                                    <p:set>
+                                      <p:cBhvr>
+                                        <p:cTn id="11" dur="1" fill="hold">
+                                          <p:stCondLst>
+                                            <p:cond delay="0"/>
+                                          </p:stCondLst>
+                                        </p:cTn>
+                                        <p:tgtEl>
+                                          <p:spTgt spid="5">
+                                            <p:txEl>
+                                              <p:pRg st="1" end="1"/>
+                                            </p:txEl>
+                                          </p:spTgt>
+                                        </p:tgtEl>
+                                        <p:attrNameLst>
+                                          <p:attrName>style.visibility</p:attrName>
+                                        </p:attrNameLst>
+                                      </p:cBhvr>
+                                      <p:to>
+                                        <p:strVal val="visible"/>
+                                      </p:to>
+                                    </p:set>
+                                    <p:animEffect transition="in" filter="fade">
+                                      <p:cBhvr>
+                                        <p:cTn id="12" dur="500"/>
+                                        <p:tgtEl>
+                                          <p:spTgt spid="5">
+                                            <p:txEl>
+                                              <p:pRg st="1" end="1"/>
+                                            </p:txEl>
+                                          </p:spTgt>
+                                        </p:tgtEl>
+                                      </p:cBhvr>
+                                    </p:animEffect>
+                                  </p:childTnLst>
+                                </p:cTn>
+                              </p:par>
+                            </p:childTnLst>
+                          </p:cTn>
+                        </p:par>
+                      </p:childTnLst>
+                    </p:cTn>
+                  </p:par>
+                </p:childTnLst>
+              </p:cTn>
+              <p:prevCondLst>
+                <p:cond evt="onPrev" delay="0">
+                  <p:tgtEl>
+                    <p:sldTgt/>
+                  </p:tgtEl>
+                </p:cond>
+              </p:prevCondLst>
+              <p:nextCondLst>
+                <p:cond evt="onNext" delay="0">
+                  <p:tgtEl>
+                    <p:sldTgt/>
+                  </p:tgtEl>
+                </p:cond>
+              </p:nextCondLst>
+            </p:seq>
+          </p:childTnLst>
+        </p:cTn>
+      </p:par>
+    </p:tnLst>
+    <p:bldLst>
+      <p:bldP spid="5" grpId="0" uiExpand="1" build="p"/>
+    </p:bldLst>
+  </p:timing>
+</p:sld>
+</file>
+
+<file path=ppt/slides/slide11.xml><?xml version="1.0" encoding="utf-8"?>
+<p:sld xmlns:a="http://schemas.openxmlformats.org/drawingml/2006/main" xmlns:r="http://schemas.openxmlformats.org/officeDocument/2006/relationships" xmlns:p="http://schemas.openxmlformats.org/presentationml/2006/main">
+  <p:cSld>
+    <p:spTree>
+      <p:nvGrpSpPr>
+        <p:cNvPr id="1" name=""/>
+        <p:cNvGrpSpPr/>
+        <p:nvPr/>
+      </p:nvGrpSpPr>
+      <p:grpSpPr>
+        <a:xfrm>
+          <a:off x="0" y="0"/>
+          <a:ext cx="0" cy="0"/>
+          <a:chOff x="0" y="0"/>
+          <a:chExt cx="0" cy="0"/>
+        </a:xfrm>
+      </p:grpSpPr>
+      <p:sp>
+        <p:nvSpPr>
+          <p:cNvPr id="3" name="Title 2"/>
+          <p:cNvSpPr>
+            <a:spLocks noGrp="1"/>
+          </p:cNvSpPr>
+          <p:nvPr>
+            <p:ph type="title"/>
+          </p:nvPr>
+        </p:nvSpPr>
+        <p:spPr/>
+        <p:txBody>
+          <a:bodyPr/>
+          <a:lstStyle/>
+          <a:p>
+            <a:r>
+              <a:rPr lang="en-GB" dirty="0" smtClean="0"/>
               <a:t>Current Work</a:t>
             </a:r>
             <a:endParaRPr lang="en-GB" dirty="0"/>
@@ -5006,7 +5273,7 @@
 </p:sld>
 </file>
 
-<file path=ppt/slides/slide11.xml><?xml version="1.0" encoding="utf-8"?>
+<file path=ppt/slides/slide12.xml><?xml version="1.0" encoding="utf-8"?>
 <p:sld xmlns:a="http://schemas.openxmlformats.org/drawingml/2006/main" xmlns:r="http://schemas.openxmlformats.org/officeDocument/2006/relationships" xmlns:p="http://schemas.openxmlformats.org/presentationml/2006/main">
   <p:cSld>
     <p:spTree>
@@ -5263,7 +5530,7 @@
 </p:sld>
 </file>
 
-<file path=ppt/slides/slide12.xml><?xml version="1.0" encoding="utf-8"?>
+<file path=ppt/slides/slide13.xml><?xml version="1.0" encoding="utf-8"?>
 <p:sld xmlns:a="http://schemas.openxmlformats.org/drawingml/2006/main" xmlns:r="http://schemas.openxmlformats.org/officeDocument/2006/relationships" xmlns:p="http://schemas.openxmlformats.org/presentationml/2006/main">
   <p:cSld>
     <p:spTree>
@@ -5347,7 +5614,7 @@
 </p:sld>
 </file>
 
-<file path=ppt/slides/slide13.xml><?xml version="1.0" encoding="utf-8"?>
+<file path=ppt/slides/slide14.xml><?xml version="1.0" encoding="utf-8"?>
 <p:sld xmlns:a="http://schemas.openxmlformats.org/drawingml/2006/main" xmlns:r="http://schemas.openxmlformats.org/officeDocument/2006/relationships" xmlns:p="http://schemas.openxmlformats.org/presentationml/2006/main">
   <p:cSld>
     <p:spTree>
@@ -5558,8 +5825,19 @@
           <a:p>
             <a:r>
               <a:rPr lang="en-GB" dirty="0" smtClean="0"/>
-              <a:t>The Computational Model;</a:t>
-            </a:r>
+              <a:t>The Computational Model</a:t>
+            </a:r>
+            <a:r>
+              <a:rPr lang="en-GB" dirty="0" smtClean="0"/>
+              <a:t>;</a:t>
+            </a:r>
+          </a:p>
+          <a:p>
+            <a:r>
+              <a:rPr lang="en-GB" dirty="0" smtClean="0"/>
+              <a:t>Task Allocation Model;</a:t>
+            </a:r>
+            <a:endParaRPr lang="en-GB" dirty="0" smtClean="0"/>
           </a:p>
           <a:p>
             <a:r>
@@ -7888,6 +8166,37 @@
       </p:grpSpPr>
       <p:sp>
         <p:nvSpPr>
+          <p:cNvPr id="2" name="Content Placeholder 1"/>
+          <p:cNvSpPr>
+            <a:spLocks noGrp="1"/>
+          </p:cNvSpPr>
+          <p:nvPr>
+            <p:ph idx="1"/>
+          </p:nvPr>
+        </p:nvSpPr>
+        <p:spPr>
+          <a:xfrm>
+            <a:off x="457200" y="1196753"/>
+            <a:ext cx="8229600" cy="4621634"/>
+          </a:xfrm>
+        </p:spPr>
+        <p:txBody>
+          <a:bodyPr>
+            <a:normAutofit/>
+          </a:bodyPr>
+          <a:lstStyle/>
+          <a:p>
+            <a:pPr>
+              <a:spcBef>
+                <a:spcPts val="2400"/>
+              </a:spcBef>
+            </a:pPr>
+            <a:endParaRPr lang="en-US" dirty="0"/>
+          </a:p>
+        </p:txBody>
+      </p:sp>
+      <p:sp>
+        <p:nvSpPr>
           <p:cNvPr id="3" name="Title 2"/>
           <p:cNvSpPr>
             <a:spLocks noGrp="1"/>
@@ -7903,62 +8212,7 @@
           <a:p>
             <a:r>
               <a:rPr lang="en-GB" dirty="0" smtClean="0"/>
-              <a:t>Proposed Experiment</a:t>
-            </a:r>
-            <a:endParaRPr lang="en-GB" dirty="0"/>
-          </a:p>
-        </p:txBody>
-      </p:sp>
-      <p:sp>
-        <p:nvSpPr>
-          <p:cNvPr id="5" name="Content Placeholder 4"/>
-          <p:cNvSpPr>
-            <a:spLocks noGrp="1"/>
-          </p:cNvSpPr>
-          <p:nvPr>
-            <p:ph idx="1"/>
-          </p:nvPr>
-        </p:nvSpPr>
-        <p:spPr/>
-        <p:txBody>
-          <a:bodyPr/>
-          <a:lstStyle/>
-          <a:p>
-            <a:pPr>
-              <a:spcBef>
-                <a:spcPts val="3000"/>
-              </a:spcBef>
-            </a:pPr>
-            <a:r>
-              <a:rPr lang="en-GB" b="1" dirty="0" smtClean="0"/>
-              <a:t>Objective: </a:t>
-            </a:r>
-            <a:r>
-              <a:rPr lang="en-GB" dirty="0"/>
-              <a:t>Investigate how information is propagated throughout the </a:t>
-            </a:r>
-            <a:r>
-              <a:rPr lang="en-GB" dirty="0" smtClean="0"/>
-              <a:t>colony.</a:t>
-            </a:r>
-          </a:p>
-          <a:p>
-            <a:pPr>
-              <a:spcBef>
-                <a:spcPts val="3000"/>
-              </a:spcBef>
-            </a:pPr>
-            <a:r>
-              <a:rPr lang="en-GB" b="1" dirty="0"/>
-              <a:t>Study case: </a:t>
-            </a:r>
-            <a:r>
-              <a:rPr lang="en-GB" dirty="0"/>
-              <a:t>addition of a predator near the colony nest after sometime of simulation</a:t>
-            </a:r>
-            <a:r>
-              <a:rPr lang="en-GB" dirty="0" smtClean="0"/>
-              <a:t>.</a:t>
+              <a:t>Task Allocation Model</a:t>
             </a:r>
             <a:endParaRPr lang="en-GB" dirty="0"/>
           </a:p>
@@ -7967,7 +8221,7 @@
     </p:spTree>
     <p:extLst>
       <p:ext uri="{BB962C8B-B14F-4D97-AF65-F5344CB8AC3E}">
-        <p14:creationId xmlns:p14="http://schemas.microsoft.com/office/powerpoint/2010/main" val="138210221"/>
+        <p14:creationId xmlns:p14="http://schemas.microsoft.com/office/powerpoint/2010/main" val="2688995473"/>
       </p:ext>
     </p:extLst>
   </p:cSld>
@@ -7998,10 +8252,15 @@
                             </p:stCondLst>
                             <p:childTnLst>
                               <p:par>
-                                <p:cTn id="5" presetID="10" presetClass="entr" presetSubtype="0" fill="hold" grpId="0" nodeType="afterEffect">
+                                <p:cTn id="5" presetID="10" presetClass="entr" presetSubtype="0" fill="hold" grpId="0" nodeType="afterEffect" nodePh="1">
                                   <p:stCondLst>
                                     <p:cond delay="0"/>
                                   </p:stCondLst>
+                                  <p:endCondLst>
+                                    <p:cond evt="begin" delay="0">
+                                      <p:tn val="5"/>
+                                    </p:cond>
+                                  </p:endCondLst>
                                   <p:childTnLst>
                                     <p:set>
                                       <p:cBhvr>
@@ -8011,7 +8270,7 @@
                                           </p:stCondLst>
                                         </p:cTn>
                                         <p:tgtEl>
-                                          <p:spTgt spid="5">
+                                          <p:spTgt spid="2">
                                             <p:txEl>
                                               <p:pRg st="0" end="0"/>
                                             </p:txEl>
@@ -8029,70 +8288,9 @@
                                       <p:cBhvr>
                                         <p:cTn id="7" dur="500"/>
                                         <p:tgtEl>
-                                          <p:spTgt spid="5">
+                                          <p:spTgt spid="2">
                                             <p:txEl>
                                               <p:pRg st="0" end="0"/>
-                                            </p:txEl>
-                                          </p:spTgt>
-                                        </p:tgtEl>
-                                      </p:cBhvr>
-                                    </p:animEffect>
-                                  </p:childTnLst>
-                                </p:cTn>
-                              </p:par>
-                            </p:childTnLst>
-                          </p:cTn>
-                        </p:par>
-                      </p:childTnLst>
-                    </p:cTn>
-                  </p:par>
-                  <p:par>
-                    <p:cTn id="8" fill="hold">
-                      <p:stCondLst>
-                        <p:cond delay="indefinite"/>
-                      </p:stCondLst>
-                      <p:childTnLst>
-                        <p:par>
-                          <p:cTn id="9" fill="hold">
-                            <p:stCondLst>
-                              <p:cond delay="0"/>
-                            </p:stCondLst>
-                            <p:childTnLst>
-                              <p:par>
-                                <p:cTn id="10" presetID="10" presetClass="entr" presetSubtype="0" fill="hold" grpId="0" nodeType="clickEffect">
-                                  <p:stCondLst>
-                                    <p:cond delay="0"/>
-                                  </p:stCondLst>
-                                  <p:childTnLst>
-                                    <p:set>
-                                      <p:cBhvr>
-                                        <p:cTn id="11" dur="1" fill="hold">
-                                          <p:stCondLst>
-                                            <p:cond delay="0"/>
-                                          </p:stCondLst>
-                                        </p:cTn>
-                                        <p:tgtEl>
-                                          <p:spTgt spid="5">
-                                            <p:txEl>
-                                              <p:pRg st="1" end="1"/>
-                                            </p:txEl>
-                                          </p:spTgt>
-                                        </p:tgtEl>
-                                        <p:attrNameLst>
-                                          <p:attrName>style.visibility</p:attrName>
-                                        </p:attrNameLst>
-                                      </p:cBhvr>
-                                      <p:to>
-                                        <p:strVal val="visible"/>
-                                      </p:to>
-                                    </p:set>
-                                    <p:animEffect transition="in" filter="fade">
-                                      <p:cBhvr>
-                                        <p:cTn id="12" dur="500"/>
-                                        <p:tgtEl>
-                                          <p:spTgt spid="5">
-                                            <p:txEl>
-                                              <p:pRg st="1" end="1"/>
                                             </p:txEl>
                                           </p:spTgt>
                                         </p:tgtEl>
@@ -8129,7 +8327,7 @@
       </p:par>
     </p:tnLst>
     <p:bldLst>
-      <p:bldP spid="5" grpId="0" uiExpand="1" build="p"/>
+      <p:bldP spid="2" grpId="0" build="p"/>
     </p:bldLst>
   </p:timing>
 </p:sld>

--- a/presentation-june/Presentation.pptx
+++ b/presentation-june/Presentation.pptx
@@ -9,14 +9,14 @@
   </p:notesMasterIdLst>
   <p:sldIdLst>
     <p:sldId id="256" r:id="rId2"/>
-    <p:sldId id="257" r:id="rId3"/>
-    <p:sldId id="269" r:id="rId4"/>
-    <p:sldId id="259" r:id="rId5"/>
-    <p:sldId id="260" r:id="rId6"/>
-    <p:sldId id="261" r:id="rId7"/>
-    <p:sldId id="262" r:id="rId8"/>
-    <p:sldId id="263" r:id="rId9"/>
-    <p:sldId id="270" r:id="rId10"/>
+    <p:sldId id="269" r:id="rId3"/>
+    <p:sldId id="259" r:id="rId4"/>
+    <p:sldId id="260" r:id="rId5"/>
+    <p:sldId id="261" r:id="rId6"/>
+    <p:sldId id="262" r:id="rId7"/>
+    <p:sldId id="263" r:id="rId8"/>
+    <p:sldId id="270" r:id="rId9"/>
+    <p:sldId id="271" r:id="rId10"/>
     <p:sldId id="264" r:id="rId11"/>
     <p:sldId id="265" r:id="rId12"/>
     <p:sldId id="266" r:id="rId13"/>
@@ -126,7 +126,7 @@
 <file path=ppt/charts/chart1.xml><?xml version="1.0" encoding="utf-8"?>
 <c:chartSpace xmlns:c="http://schemas.openxmlformats.org/drawingml/2006/chart" xmlns:a="http://schemas.openxmlformats.org/drawingml/2006/main" xmlns:r="http://schemas.openxmlformats.org/officeDocument/2006/relationships">
   <c:date1904 val="0"/>
-  <c:lang val="en-GB"/>
+  <c:lang val="en-US"/>
   <c:roundedCorners val="0"/>
   <mc:AlternateContent xmlns:mc="http://schemas.openxmlformats.org/markup-compatibility/2006">
     <mc:Choice xmlns:c14="http://schemas.microsoft.com/office/drawing/2007/8/2/chart" Requires="c14">
@@ -292,10 +292,10 @@
                 <c:formatCode>General</c:formatCode>
                 <c:ptCount val="2"/>
                 <c:pt idx="0">
-                  <c:v>2</c:v>
+                  <c:v>2.0</c:v>
                 </c:pt>
                 <c:pt idx="1">
-                  <c:v>98</c:v>
+                  <c:v>98.0</c:v>
                 </c:pt>
               </c:numCache>
             </c:numRef>
@@ -335,7 +335,7 @@
 <file path=ppt/charts/chart2.xml><?xml version="1.0" encoding="utf-8"?>
 <c:chartSpace xmlns:c="http://schemas.openxmlformats.org/drawingml/2006/chart" xmlns:a="http://schemas.openxmlformats.org/drawingml/2006/main" xmlns:r="http://schemas.openxmlformats.org/officeDocument/2006/relationships">
   <c:date1904 val="0"/>
-  <c:lang val="en-GB"/>
+  <c:lang val="en-US"/>
   <c:roundedCorners val="0"/>
   <mc:AlternateContent xmlns:mc="http://schemas.openxmlformats.org/markup-compatibility/2006">
     <mc:Choice xmlns:c14="http://schemas.microsoft.com/office/drawing/2007/8/2/chart" Requires="c14">
@@ -501,10 +501,10 @@
                 <c:formatCode>General</c:formatCode>
                 <c:ptCount val="2"/>
                 <c:pt idx="0">
-                  <c:v>50</c:v>
+                  <c:v>50.0</c:v>
                 </c:pt>
                 <c:pt idx="1">
-                  <c:v>50</c:v>
+                  <c:v>50.0</c:v>
                 </c:pt>
               </c:numCache>
             </c:numRef>
@@ -633,7 +633,7 @@
           <a:p>
             <a:fld id="{D2D90C8E-9ABA-428A-AE3B-7180319A3F53}" type="datetimeFigureOut">
               <a:rPr lang="en-GB" smtClean="0"/>
-              <a:t>01/06/2012</a:t>
+              <a:t>05/06/2012</a:t>
             </a:fld>
             <a:endParaRPr lang="en-GB"/>
           </a:p>
@@ -966,7 +966,7 @@
           <a:p>
             <a:fld id="{359ABEBD-ED10-45EA-AD6C-D56FB4AE805F}" type="slidenum">
               <a:rPr lang="en-GB" smtClean="0"/>
-              <a:t>4</a:t>
+              <a:t>3</a:t>
             </a:fld>
             <a:endParaRPr lang="en-GB"/>
           </a:p>
@@ -1067,7 +1067,7 @@
           <a:p>
             <a:fld id="{359ABEBD-ED10-45EA-AD6C-D56FB4AE805F}" type="slidenum">
               <a:rPr lang="en-GB" smtClean="0"/>
-              <a:t>5</a:t>
+              <a:t>4</a:t>
             </a:fld>
             <a:endParaRPr lang="en-GB"/>
           </a:p>
@@ -1186,7 +1186,7 @@
           <a:p>
             <a:fld id="{359ABEBD-ED10-45EA-AD6C-D56FB4AE805F}" type="slidenum">
               <a:rPr lang="en-GB" smtClean="0"/>
-              <a:t>6</a:t>
+              <a:t>5</a:t>
             </a:fld>
             <a:endParaRPr lang="en-GB"/>
           </a:p>
@@ -1206,6 +1206,190 @@
 </file>
 
 <file path=ppt/notesSlides/notesSlide4.xml><?xml version="1.0" encoding="utf-8"?>
+<p:notes xmlns:a="http://schemas.openxmlformats.org/drawingml/2006/main" xmlns:r="http://schemas.openxmlformats.org/officeDocument/2006/relationships" xmlns:p="http://schemas.openxmlformats.org/presentationml/2006/main">
+  <p:cSld>
+    <p:spTree>
+      <p:nvGrpSpPr>
+        <p:cNvPr id="1" name=""/>
+        <p:cNvGrpSpPr/>
+        <p:nvPr/>
+      </p:nvGrpSpPr>
+      <p:grpSpPr>
+        <a:xfrm>
+          <a:off x="0" y="0"/>
+          <a:ext cx="0" cy="0"/>
+          <a:chOff x="0" y="0"/>
+          <a:chExt cx="0" cy="0"/>
+        </a:xfrm>
+      </p:grpSpPr>
+      <p:sp>
+        <p:nvSpPr>
+          <p:cNvPr id="2" name="Slide Image Placeholder 1"/>
+          <p:cNvSpPr>
+            <a:spLocks noGrp="1" noRot="1" noChangeAspect="1"/>
+          </p:cNvSpPr>
+          <p:nvPr>
+            <p:ph type="sldImg"/>
+          </p:nvPr>
+        </p:nvSpPr>
+        <p:spPr/>
+      </p:sp>
+      <p:sp>
+        <p:nvSpPr>
+          <p:cNvPr id="3" name="Notes Placeholder 2"/>
+          <p:cNvSpPr>
+            <a:spLocks noGrp="1"/>
+          </p:cNvSpPr>
+          <p:nvPr>
+            <p:ph type="body" idx="1"/>
+          </p:nvPr>
+        </p:nvSpPr>
+        <p:spPr/>
+        <p:txBody>
+          <a:bodyPr/>
+          <a:lstStyle/>
+          <a:p>
+            <a:r>
+              <a:rPr lang="en-GB" dirty="0" smtClean="0"/>
+              <a:t>Examples of stimulus: </a:t>
+            </a:r>
+            <a:r>
+              <a:rPr lang="en-GB" dirty="0" err="1" smtClean="0"/>
+              <a:t>antennation</a:t>
+            </a:r>
+            <a:endParaRPr lang="en-GB" dirty="0" smtClean="0"/>
+          </a:p>
+        </p:txBody>
+      </p:sp>
+      <p:sp>
+        <p:nvSpPr>
+          <p:cNvPr id="4" name="Slide Number Placeholder 3"/>
+          <p:cNvSpPr>
+            <a:spLocks noGrp="1"/>
+          </p:cNvSpPr>
+          <p:nvPr>
+            <p:ph type="sldNum" sz="quarter" idx="10"/>
+          </p:nvPr>
+        </p:nvSpPr>
+        <p:spPr/>
+        <p:txBody>
+          <a:bodyPr/>
+          <a:lstStyle/>
+          <a:p>
+            <a:fld id="{359ABEBD-ED10-45EA-AD6C-D56FB4AE805F}" type="slidenum">
+              <a:rPr lang="en-GB" smtClean="0"/>
+              <a:t>8</a:t>
+            </a:fld>
+            <a:endParaRPr lang="en-GB"/>
+          </a:p>
+        </p:txBody>
+      </p:sp>
+    </p:spTree>
+    <p:extLst>
+      <p:ext uri="{BB962C8B-B14F-4D97-AF65-F5344CB8AC3E}">
+        <p14:creationId xmlns:p14="http://schemas.microsoft.com/office/powerpoint/2010/main" val="3999587537"/>
+      </p:ext>
+    </p:extLst>
+  </p:cSld>
+  <p:clrMapOvr>
+    <a:masterClrMapping/>
+  </p:clrMapOvr>
+</p:notes>
+</file>
+
+<file path=ppt/notesSlides/notesSlide5.xml><?xml version="1.0" encoding="utf-8"?>
+<p:notes xmlns:a="http://schemas.openxmlformats.org/drawingml/2006/main" xmlns:r="http://schemas.openxmlformats.org/officeDocument/2006/relationships" xmlns:p="http://schemas.openxmlformats.org/presentationml/2006/main">
+  <p:cSld>
+    <p:spTree>
+      <p:nvGrpSpPr>
+        <p:cNvPr id="1" name=""/>
+        <p:cNvGrpSpPr/>
+        <p:nvPr/>
+      </p:nvGrpSpPr>
+      <p:grpSpPr>
+        <a:xfrm>
+          <a:off x="0" y="0"/>
+          <a:ext cx="0" cy="0"/>
+          <a:chOff x="0" y="0"/>
+          <a:chExt cx="0" cy="0"/>
+        </a:xfrm>
+      </p:grpSpPr>
+      <p:sp>
+        <p:nvSpPr>
+          <p:cNvPr id="2" name="Slide Image Placeholder 1"/>
+          <p:cNvSpPr>
+            <a:spLocks noGrp="1" noRot="1" noChangeAspect="1"/>
+          </p:cNvSpPr>
+          <p:nvPr>
+            <p:ph type="sldImg"/>
+          </p:nvPr>
+        </p:nvSpPr>
+        <p:spPr/>
+      </p:sp>
+      <p:sp>
+        <p:nvSpPr>
+          <p:cNvPr id="3" name="Notes Placeholder 2"/>
+          <p:cNvSpPr>
+            <a:spLocks noGrp="1"/>
+          </p:cNvSpPr>
+          <p:nvPr>
+            <p:ph type="body" idx="1"/>
+          </p:nvPr>
+        </p:nvSpPr>
+        <p:spPr/>
+        <p:txBody>
+          <a:bodyPr/>
+          <a:lstStyle/>
+          <a:p>
+            <a:r>
+              <a:rPr lang="en-GB" dirty="0" smtClean="0"/>
+              <a:t>Examples of stimulus: </a:t>
+            </a:r>
+            <a:r>
+              <a:rPr lang="en-GB" smtClean="0"/>
+              <a:t>antennation</a:t>
+            </a:r>
+            <a:endParaRPr lang="en-GB" dirty="0" smtClean="0"/>
+          </a:p>
+        </p:txBody>
+      </p:sp>
+      <p:sp>
+        <p:nvSpPr>
+          <p:cNvPr id="4" name="Slide Number Placeholder 3"/>
+          <p:cNvSpPr>
+            <a:spLocks noGrp="1"/>
+          </p:cNvSpPr>
+          <p:nvPr>
+            <p:ph type="sldNum" sz="quarter" idx="10"/>
+          </p:nvPr>
+        </p:nvSpPr>
+        <p:spPr/>
+        <p:txBody>
+          <a:bodyPr/>
+          <a:lstStyle/>
+          <a:p>
+            <a:fld id="{359ABEBD-ED10-45EA-AD6C-D56FB4AE805F}" type="slidenum">
+              <a:rPr lang="en-GB" smtClean="0"/>
+              <a:t>9</a:t>
+            </a:fld>
+            <a:endParaRPr lang="en-GB"/>
+          </a:p>
+        </p:txBody>
+      </p:sp>
+    </p:spTree>
+    <p:extLst>
+      <p:ext uri="{BB962C8B-B14F-4D97-AF65-F5344CB8AC3E}">
+        <p14:creationId xmlns:p14="http://schemas.microsoft.com/office/powerpoint/2010/main" val="3999587537"/>
+      </p:ext>
+    </p:extLst>
+  </p:cSld>
+  <p:clrMapOvr>
+    <a:masterClrMapping/>
+  </p:clrMapOvr>
+</p:notes>
+</file>
+
+<file path=ppt/notesSlides/notesSlide6.xml><?xml version="1.0" encoding="utf-8"?>
 <p:notes xmlns:a="http://schemas.openxmlformats.org/drawingml/2006/main" xmlns:r="http://schemas.openxmlformats.org/officeDocument/2006/relationships" xmlns:p="http://schemas.openxmlformats.org/presentationml/2006/main">
   <p:cSld>
     <p:spTree>
@@ -1524,7 +1708,7 @@
           <a:p>
             <a:fld id="{70186140-57E4-4B6F-BB49-D5C1E28E250A}" type="datetimeFigureOut">
               <a:rPr lang="en-GB" smtClean="0"/>
-              <a:t>01/06/2012</a:t>
+              <a:t>05/06/2012</a:t>
             </a:fld>
             <a:endParaRPr lang="en-GB"/>
           </a:p>
@@ -1585,7 +1769,7 @@
   <p:timing>
     <p:tnLst>
       <p:par>
-        <p:cTn id="1" dur="indefinite" restart="never" nodeType="tmRoot"/>
+        <p:cTn xmlns:p14="http://schemas.microsoft.com/office/powerpoint/2010/main" id="1" dur="indefinite" restart="never" nodeType="tmRoot"/>
       </p:par>
     </p:tnLst>
   </p:timing>
@@ -1701,7 +1885,7 @@
           <a:p>
             <a:fld id="{70186140-57E4-4B6F-BB49-D5C1E28E250A}" type="datetimeFigureOut">
               <a:rPr lang="en-GB" smtClean="0"/>
-              <a:t>01/06/2012</a:t>
+              <a:t>05/06/2012</a:t>
             </a:fld>
             <a:endParaRPr lang="en-GB"/>
           </a:p>
@@ -1881,7 +2065,7 @@
           <a:p>
             <a:fld id="{70186140-57E4-4B6F-BB49-D5C1E28E250A}" type="datetimeFigureOut">
               <a:rPr lang="en-GB" smtClean="0"/>
-              <a:t>01/06/2012</a:t>
+              <a:t>05/06/2012</a:t>
             </a:fld>
             <a:endParaRPr lang="en-GB"/>
           </a:p>
@@ -2063,7 +2247,7 @@
           <a:p>
             <a:fld id="{70186140-57E4-4B6F-BB49-D5C1E28E250A}" type="datetimeFigureOut">
               <a:rPr lang="en-GB" smtClean="0"/>
-              <a:t>01/06/2012</a:t>
+              <a:t>05/06/2012</a:t>
             </a:fld>
             <a:endParaRPr lang="en-GB"/>
           </a:p>
@@ -2170,7 +2354,7 @@
   <p:timing>
     <p:tnLst>
       <p:par>
-        <p:cTn id="1" dur="indefinite" restart="never" nodeType="tmRoot"/>
+        <p:cTn xmlns:p14="http://schemas.microsoft.com/office/powerpoint/2010/main" id="1" dur="indefinite" restart="never" nodeType="tmRoot"/>
       </p:par>
     </p:tnLst>
   </p:timing>
@@ -2362,7 +2546,7 @@
           <a:p>
             <a:fld id="{70186140-57E4-4B6F-BB49-D5C1E28E250A}" type="datetimeFigureOut">
               <a:rPr lang="en-GB" smtClean="0"/>
-              <a:t>01/06/2012</a:t>
+              <a:t>05/06/2012</a:t>
             </a:fld>
             <a:endParaRPr lang="en-GB"/>
           </a:p>
@@ -2650,7 +2834,7 @@
           <a:p>
             <a:fld id="{70186140-57E4-4B6F-BB49-D5C1E28E250A}" type="datetimeFigureOut">
               <a:rPr lang="en-GB" smtClean="0"/>
-              <a:t>01/06/2012</a:t>
+              <a:t>05/06/2012</a:t>
             </a:fld>
             <a:endParaRPr lang="en-GB"/>
           </a:p>
@@ -3072,7 +3256,7 @@
           <a:p>
             <a:fld id="{70186140-57E4-4B6F-BB49-D5C1E28E250A}" type="datetimeFigureOut">
               <a:rPr lang="en-GB" smtClean="0"/>
-              <a:t>01/06/2012</a:t>
+              <a:t>05/06/2012</a:t>
             </a:fld>
             <a:endParaRPr lang="en-GB"/>
           </a:p>
@@ -3190,7 +3374,7 @@
           <a:p>
             <a:fld id="{70186140-57E4-4B6F-BB49-D5C1E28E250A}" type="datetimeFigureOut">
               <a:rPr lang="en-GB" smtClean="0"/>
-              <a:t>01/06/2012</a:t>
+              <a:t>05/06/2012</a:t>
             </a:fld>
             <a:endParaRPr lang="en-GB"/>
           </a:p>
@@ -3285,7 +3469,7 @@
           <a:p>
             <a:fld id="{70186140-57E4-4B6F-BB49-D5C1E28E250A}" type="datetimeFigureOut">
               <a:rPr lang="en-GB" smtClean="0"/>
-              <a:t>01/06/2012</a:t>
+              <a:t>05/06/2012</a:t>
             </a:fld>
             <a:endParaRPr lang="en-GB"/>
           </a:p>
@@ -3562,7 +3746,7 @@
           <a:p>
             <a:fld id="{70186140-57E4-4B6F-BB49-D5C1E28E250A}" type="datetimeFigureOut">
               <a:rPr lang="en-GB" smtClean="0"/>
-              <a:t>01/06/2012</a:t>
+              <a:t>05/06/2012</a:t>
             </a:fld>
             <a:endParaRPr lang="en-GB"/>
           </a:p>
@@ -3815,7 +3999,7 @@
           <a:p>
             <a:fld id="{70186140-57E4-4B6F-BB49-D5C1E28E250A}" type="datetimeFigureOut">
               <a:rPr lang="en-GB" smtClean="0"/>
-              <a:t>01/06/2012</a:t>
+              <a:t>05/06/2012</a:t>
             </a:fld>
             <a:endParaRPr lang="en-GB"/>
           </a:p>
@@ -4028,7 +4212,7 @@
           <a:p>
             <a:fld id="{70186140-57E4-4B6F-BB49-D5C1E28E250A}" type="datetimeFigureOut">
               <a:rPr lang="en-GB" smtClean="0"/>
-              <a:t>01/06/2012</a:t>
+              <a:t>05/06/2012</a:t>
             </a:fld>
             <a:endParaRPr lang="en-GB"/>
           </a:p>
@@ -4136,7 +4320,7 @@
   <p:timing>
     <p:tnLst>
       <p:par>
-        <p:cTn id="1" dur="indefinite" restart="never" nodeType="tmRoot"/>
+        <p:cTn xmlns:p14="http://schemas.microsoft.com/office/powerpoint/2010/main" id="1" dur="indefinite" restart="never" nodeType="tmRoot"/>
       </p:par>
     </p:tnLst>
   </p:timing>
@@ -4418,8 +4602,8 @@
         </p:nvSpPr>
         <p:spPr>
           <a:xfrm>
-            <a:off x="6084168" y="5733256"/>
-            <a:ext cx="2664296" cy="720080"/>
+            <a:off x="1043608" y="5517232"/>
+            <a:ext cx="2736304" cy="792088"/>
           </a:xfrm>
           <a:prstGeom prst="roundRect">
             <a:avLst>
@@ -4468,16 +4652,26 @@
           </a:p>
           <a:p>
             <a:r>
-              <a:rPr lang="en-GB" sz="1600" dirty="0" smtClean="0">
+              <a:rPr lang="en-GB" sz="1600" dirty="0" err="1" smtClean="0">
                 <a:solidFill>
                   <a:schemeClr val="accent5">
                     <a:lumMod val="75000"/>
                   </a:schemeClr>
                 </a:solidFill>
               </a:rPr>
-              <a:t>luiz_filipe.abrahao@kcl.ac.uk</a:t>
-            </a:r>
-            <a:endParaRPr lang="en-GB" sz="1600" dirty="0">
+              <a:t>luiz_filipe.abrahao@</a:t>
+            </a:r>
+            <a:r>
+              <a:rPr lang="en-GB" sz="1600" dirty="0" err="1" smtClean="0">
+                <a:solidFill>
+                  <a:schemeClr val="accent5">
+                    <a:lumMod val="75000"/>
+                  </a:schemeClr>
+                </a:solidFill>
+              </a:rPr>
+              <a:t>kcl.ac.uk</a:t>
+            </a:r>
+            <a:endParaRPr lang="en-GB" sz="1600" dirty="0" smtClean="0">
               <a:solidFill>
                 <a:schemeClr val="accent5">
                   <a:lumMod val="75000"/>
@@ -4552,14 +4746,14 @@
           </a:ln>
           <a:effectLst/>
           <a:extLst>
-            <a:ext uri="{909E8E84-426E-40DD-AFC4-6F175D3DCCD1}">
+            <a:ext uri="{909E8E84-426E-40dd-AFC4-6F175D3DCCD1}">
               <a14:hiddenFill xmlns:a14="http://schemas.microsoft.com/office/drawing/2010/main">
                 <a:solidFill>
                   <a:schemeClr val="accent1"/>
                 </a:solidFill>
               </a14:hiddenFill>
             </a:ext>
-            <a:ext uri="{91240B29-F687-4F45-9708-019B960494DF}">
+            <a:ext uri="{91240B29-F687-4f45-9708-019B960494DF}">
               <a14:hiddenLine xmlns:a14="http://schemas.microsoft.com/office/drawing/2010/main" w="9525">
                 <a:solidFill>
                   <a:schemeClr val="tx1"/>
@@ -4569,7 +4763,7 @@
                 <a:tailEnd/>
               </a14:hiddenLine>
             </a:ext>
-            <a:ext uri="{AF507438-7753-43E0-B8FC-AC1667EBCBE1}">
+            <a:ext uri="{AF507438-7753-43e0-B8FC-AC1667EBCBE1}">
               <a14:hiddenEffects xmlns:a14="http://schemas.microsoft.com/office/drawing/2010/main">
                 <a:effectLst>
                   <a:outerShdw dist="35921" dir="2700000" algn="ctr" rotWithShape="0">
@@ -4581,6 +4775,170 @@
           </a:extLst>
         </p:spPr>
       </p:pic>
+      <p:sp>
+        <p:nvSpPr>
+          <p:cNvPr id="6" name="Rounded Rectangle 5"/>
+          <p:cNvSpPr/>
+          <p:nvPr/>
+        </p:nvSpPr>
+        <p:spPr>
+          <a:xfrm>
+            <a:off x="3923928" y="5517232"/>
+            <a:ext cx="4104456" cy="792088"/>
+          </a:xfrm>
+          <a:prstGeom prst="roundRect">
+            <a:avLst>
+              <a:gd name="adj" fmla="val 7173"/>
+            </a:avLst>
+          </a:prstGeom>
+          <a:solidFill>
+            <a:srgbClr val="31859C">
+              <a:alpha val="18824"/>
+            </a:srgbClr>
+          </a:solidFill>
+          <a:ln>
+            <a:noFill/>
+          </a:ln>
+        </p:spPr>
+        <p:style>
+          <a:lnRef idx="2">
+            <a:schemeClr val="accent1">
+              <a:shade val="50000"/>
+            </a:schemeClr>
+          </a:lnRef>
+          <a:fillRef idx="1">
+            <a:schemeClr val="accent1"/>
+          </a:fillRef>
+          <a:effectRef idx="0">
+            <a:schemeClr val="accent1"/>
+          </a:effectRef>
+          <a:fontRef idx="minor">
+            <a:schemeClr val="lt1"/>
+          </a:fontRef>
+        </p:style>
+        <p:txBody>
+          <a:bodyPr rtlCol="0" anchor="ctr"/>
+          <a:lstStyle/>
+          <a:p>
+            <a:r>
+              <a:rPr lang="en-GB" sz="1600" dirty="0" smtClean="0">
+                <a:solidFill>
+                  <a:schemeClr val="accent5">
+                    <a:lumMod val="75000"/>
+                  </a:schemeClr>
+                </a:solidFill>
+              </a:rPr>
+              <a:t>First Supervisor</a:t>
+            </a:r>
+            <a:r>
+              <a:rPr lang="en-GB" sz="1600" dirty="0">
+                <a:solidFill>
+                  <a:schemeClr val="accent5">
+                    <a:lumMod val="75000"/>
+                  </a:schemeClr>
+                </a:solidFill>
+              </a:rPr>
+              <a:t>: Dr </a:t>
+            </a:r>
+            <a:r>
+              <a:rPr lang="en-GB" sz="1600" dirty="0" err="1">
+                <a:solidFill>
+                  <a:schemeClr val="accent5">
+                    <a:lumMod val="75000"/>
+                  </a:schemeClr>
+                </a:solidFill>
+              </a:rPr>
+              <a:t>Thrishantha</a:t>
+            </a:r>
+            <a:r>
+              <a:rPr lang="en-GB" sz="1600" dirty="0">
+                <a:solidFill>
+                  <a:schemeClr val="accent5">
+                    <a:lumMod val="75000"/>
+                  </a:schemeClr>
+                </a:solidFill>
+              </a:rPr>
+              <a:t> </a:t>
+            </a:r>
+            <a:r>
+              <a:rPr lang="en-GB" sz="1600" dirty="0" err="1" smtClean="0">
+                <a:solidFill>
+                  <a:schemeClr val="accent5">
+                    <a:lumMod val="75000"/>
+                  </a:schemeClr>
+                </a:solidFill>
+              </a:rPr>
+              <a:t>Nanayakkara</a:t>
+            </a:r>
+            <a:endParaRPr lang="en-GB" sz="1600" dirty="0" smtClean="0">
+              <a:solidFill>
+                <a:schemeClr val="accent5">
+                  <a:lumMod val="75000"/>
+                </a:schemeClr>
+              </a:solidFill>
+            </a:endParaRPr>
+          </a:p>
+          <a:p>
+            <a:r>
+              <a:rPr lang="en-GB" sz="1600" dirty="0" smtClean="0">
+                <a:solidFill>
+                  <a:schemeClr val="accent5">
+                    <a:lumMod val="75000"/>
+                  </a:schemeClr>
+                </a:solidFill>
+              </a:rPr>
+              <a:t>Second supervisor</a:t>
+            </a:r>
+            <a:r>
+              <a:rPr lang="en-GB" sz="1600" dirty="0">
+                <a:solidFill>
+                  <a:schemeClr val="accent5">
+                    <a:lumMod val="75000"/>
+                  </a:schemeClr>
+                </a:solidFill>
+              </a:rPr>
+              <a:t>: Professor </a:t>
+            </a:r>
+            <a:r>
+              <a:rPr lang="en-GB" sz="1600" dirty="0" err="1">
+                <a:solidFill>
+                  <a:schemeClr val="accent5">
+                    <a:lumMod val="75000"/>
+                  </a:schemeClr>
+                </a:solidFill>
+              </a:rPr>
+              <a:t>Kaspar</a:t>
+            </a:r>
+            <a:r>
+              <a:rPr lang="en-GB" sz="1600" dirty="0">
+                <a:solidFill>
+                  <a:schemeClr val="accent5">
+                    <a:lumMod val="75000"/>
+                  </a:schemeClr>
+                </a:solidFill>
+              </a:rPr>
+              <a:t> </a:t>
+            </a:r>
+            <a:r>
+              <a:rPr lang="en-GB" sz="1600" dirty="0" err="1" smtClean="0">
+                <a:solidFill>
+                  <a:schemeClr val="accent5">
+                    <a:lumMod val="75000"/>
+                  </a:schemeClr>
+                </a:solidFill>
+              </a:rPr>
+              <a:t>Althoefer</a:t>
+            </a:r>
+            <a:endParaRPr lang="en-GB" sz="1600" dirty="0">
+              <a:solidFill>
+                <a:schemeClr val="accent5">
+                  <a:lumMod val="75000"/>
+                </a:schemeClr>
+              </a:solidFill>
+            </a:endParaRPr>
+          </a:p>
+        </p:txBody>
+      </p:sp>
     </p:spTree>
     <p:extLst>
       <p:ext uri="{BB962C8B-B14F-4D97-AF65-F5344CB8AC3E}">
@@ -4594,7 +4952,7 @@
   <p:timing>
     <p:tnLst>
       <p:par>
-        <p:cTn id="1" dur="indefinite" restart="never" nodeType="tmRoot"/>
+        <p:cTn xmlns:p14="http://schemas.microsoft.com/office/powerpoint/2010/main" id="1" dur="indefinite" restart="never" nodeType="tmRoot"/>
       </p:par>
     </p:tnLst>
   </p:timing>
@@ -4709,7 +5067,7 @@
   <p:timing>
     <p:tnLst>
       <p:par>
-        <p:cTn id="1" dur="indefinite" restart="never" nodeType="tmRoot">
+        <p:cTn xmlns:p14="http://schemas.microsoft.com/office/powerpoint/2010/main" id="1" dur="indefinite" restart="never" nodeType="tmRoot">
           <p:childTnLst>
             <p:seq concurrent="1" nextAc="seek">
               <p:cTn id="2" dur="indefinite" nodeType="mainSeq">
@@ -4993,7 +5351,7 @@
   <p:timing>
     <p:tnLst>
       <p:par>
-        <p:cTn id="1" dur="indefinite" restart="never" nodeType="tmRoot">
+        <p:cTn xmlns:p14="http://schemas.microsoft.com/office/powerpoint/2010/main" id="1" dur="indefinite" restart="never" nodeType="tmRoot">
           <p:childTnLst>
             <p:seq concurrent="1" nextAc="seek">
               <p:cTn id="2" dur="indefinite" nodeType="mainSeq">
@@ -5340,12 +5698,8 @@
               </a:spcBef>
             </a:pPr>
             <a:r>
-              <a:rPr lang="en-GB" dirty="0"/>
-              <a:t>It is very hard to encode the ants behaviours into well defined </a:t>
-            </a:r>
-            <a:r>
               <a:rPr lang="en-GB" dirty="0" smtClean="0"/>
-              <a:t>tasks;</a:t>
+              <a:t>Pheromone trail updates need to be local, how to implement?</a:t>
             </a:r>
             <a:endParaRPr lang="en-GB" dirty="0"/>
           </a:p>
@@ -5355,6 +5709,14 @@
                 <a:spcPts val="3000"/>
               </a:spcBef>
             </a:pPr>
+            <a:r>
+              <a:rPr lang="en-GB" dirty="0" smtClean="0"/>
+              <a:t>Data </a:t>
+            </a:r>
+            <a:r>
+              <a:rPr lang="en-GB" dirty="0" smtClean="0"/>
+              <a:t>output and processing.</a:t>
+            </a:r>
             <a:endParaRPr lang="en-GB" dirty="0"/>
           </a:p>
         </p:txBody>
@@ -5372,7 +5734,7 @@
   <p:timing>
     <p:tnLst>
       <p:par>
-        <p:cTn id="1" dur="indefinite" restart="never" nodeType="tmRoot">
+        <p:cTn xmlns:p14="http://schemas.microsoft.com/office/powerpoint/2010/main" id="1" dur="indefinite" restart="never" nodeType="tmRoot">
           <p:childTnLst>
             <p:seq concurrent="1" nextAc="seek">
               <p:cTn id="2" dur="indefinite" nodeType="mainSeq">
@@ -5502,6 +5864,67 @@
                       </p:childTnLst>
                     </p:cTn>
                   </p:par>
+                  <p:par>
+                    <p:cTn id="13" fill="hold">
+                      <p:stCondLst>
+                        <p:cond delay="indefinite"/>
+                      </p:stCondLst>
+                      <p:childTnLst>
+                        <p:par>
+                          <p:cTn id="14" fill="hold">
+                            <p:stCondLst>
+                              <p:cond delay="0"/>
+                            </p:stCondLst>
+                            <p:childTnLst>
+                              <p:par>
+                                <p:cTn id="15" presetID="10" presetClass="entr" presetSubtype="0" fill="hold" grpId="0" nodeType="clickEffect">
+                                  <p:stCondLst>
+                                    <p:cond delay="0"/>
+                                  </p:stCondLst>
+                                  <p:childTnLst>
+                                    <p:set>
+                                      <p:cBhvr>
+                                        <p:cTn id="16" dur="1" fill="hold">
+                                          <p:stCondLst>
+                                            <p:cond delay="0"/>
+                                          </p:stCondLst>
+                                        </p:cTn>
+                                        <p:tgtEl>
+                                          <p:spTgt spid="5">
+                                            <p:txEl>
+                                              <p:pRg st="2" end="2"/>
+                                            </p:txEl>
+                                          </p:spTgt>
+                                        </p:tgtEl>
+                                        <p:attrNameLst>
+                                          <p:attrName>style.visibility</p:attrName>
+                                        </p:attrNameLst>
+                                      </p:cBhvr>
+                                      <p:to>
+                                        <p:strVal val="visible"/>
+                                      </p:to>
+                                    </p:set>
+                                    <p:animEffect transition="in" filter="fade">
+                                      <p:cBhvr>
+                                        <p:cTn id="17" dur="500"/>
+                                        <p:tgtEl>
+                                          <p:spTgt spid="5">
+                                            <p:txEl>
+                                              <p:pRg st="2" end="2"/>
+                                            </p:txEl>
+                                          </p:spTgt>
+                                        </p:tgtEl>
+                                      </p:cBhvr>
+                                    </p:animEffect>
+                                  </p:childTnLst>
+                                </p:cTn>
+                              </p:par>
+                            </p:childTnLst>
+                          </p:cTn>
+                        </p:par>
+                      </p:childTnLst>
+                    </p:cTn>
+                  </p:par>
                 </p:childTnLst>
               </p:cTn>
               <p:prevCondLst>
@@ -5557,7 +5980,12 @@
             <p:ph type="title"/>
           </p:nvPr>
         </p:nvSpPr>
-        <p:spPr/>
+        <p:spPr>
+          <a:xfrm>
+            <a:off x="323528" y="188640"/>
+            <a:ext cx="8229600" cy="778098"/>
+          </a:xfrm>
+        </p:spPr>
         <p:txBody>
           <a:bodyPr/>
           <a:lstStyle/>
@@ -5570,30 +5998,49 @@
           </a:p>
         </p:txBody>
       </p:sp>
-      <p:sp>
-        <p:nvSpPr>
-          <p:cNvPr id="5" name="Content Placeholder 4"/>
-          <p:cNvSpPr>
-            <a:spLocks noGrp="1"/>
-          </p:cNvSpPr>
-          <p:nvPr>
-            <p:ph idx="1"/>
-          </p:nvPr>
-        </p:nvSpPr>
-        <p:spPr/>
-        <p:txBody>
-          <a:bodyPr/>
-          <a:lstStyle/>
-          <a:p>
-            <a:pPr>
-              <a:spcBef>
-                <a:spcPts val="3000"/>
-              </a:spcBef>
-            </a:pPr>
-            <a:endParaRPr lang="en-GB" dirty="0"/>
-          </a:p>
-        </p:txBody>
-      </p:sp>
+      <p:pic>
+        <p:nvPicPr>
+          <p:cNvPr id="8" name="Picture 7" descr="MSc Project.png"/>
+          <p:cNvPicPr>
+            <a:picLocks noChangeAspect="1"/>
+          </p:cNvPicPr>
+          <p:nvPr/>
+        </p:nvPicPr>
+        <p:blipFill>
+          <a:blip r:embed="rId2">
+            <a:extLst>
+              <a:ext uri="{28A0092B-C50C-407E-A947-70E740481C1C}">
+                <a14:useLocalDpi xmlns:a14="http://schemas.microsoft.com/office/drawing/2010/main" val="0"/>
+              </a:ext>
+            </a:extLst>
+          </a:blip>
+          <a:stretch>
+            <a:fillRect/>
+          </a:stretch>
+        </p:blipFill>
+        <p:spPr>
+          <a:xfrm>
+            <a:off x="107504" y="1340768"/>
+            <a:ext cx="8892480" cy="3479666"/>
+          </a:xfrm>
+          <a:prstGeom prst="roundRect">
+            <a:avLst>
+              <a:gd name="adj" fmla="val 4636"/>
+            </a:avLst>
+          </a:prstGeom>
+          <a:solidFill>
+            <a:srgbClr val="FFFFFF">
+              <a:shade val="85000"/>
+            </a:srgbClr>
+          </a:solidFill>
+          <a:ln>
+            <a:noFill/>
+          </a:ln>
+          <a:effectLst>
+            <a:reflection blurRad="12700" stA="38000" endPos="28000" dist="5000" dir="5400000" sy="-100000" algn="bl" rotWithShape="0"/>
+          </a:effectLst>
+        </p:spPr>
+      </p:pic>
     </p:spTree>
     <p:extLst>
       <p:ext uri="{BB962C8B-B14F-4D97-AF65-F5344CB8AC3E}">
@@ -5607,7 +6054,7 @@
   <p:timing>
     <p:tnLst>
       <p:par>
-        <p:cTn id="1" dur="indefinite" restart="never" nodeType="tmRoot"/>
+        <p:cTn xmlns:p14="http://schemas.microsoft.com/office/powerpoint/2010/main" id="1" dur="indefinite" restart="never" nodeType="tmRoot"/>
       </p:par>
     </p:tnLst>
   </p:timing>
@@ -5639,10 +6086,10 @@
         </p:nvGrpSpPr>
         <p:grpSpPr>
           <a:xfrm>
-            <a:off x="3059832" y="1988840"/>
-            <a:ext cx="2493996" cy="2448587"/>
-            <a:chOff x="3540125" y="2055721"/>
-            <a:chExt cx="2493996" cy="2448587"/>
+            <a:off x="3059832" y="1289018"/>
+            <a:ext cx="2493996" cy="3148409"/>
+            <a:chOff x="3540125" y="1355899"/>
+            <a:chExt cx="2493996" cy="3148409"/>
           </a:xfrm>
         </p:grpSpPr>
         <p:pic>
@@ -5688,7 +6135,7 @@
               <a:noFill/>
             </a:ln>
             <a:extLst>
-              <a:ext uri="{909E8E84-426E-40DD-AFC4-6F175D3DCCD1}">
+              <a:ext uri="{909E8E84-426E-40dd-AFC4-6F175D3DCCD1}">
                 <a14:hiddenFill xmlns:a14="http://schemas.microsoft.com/office/drawing/2010/main">
                   <a:solidFill>
                     <a:srgbClr val="FFFFFF"/>
@@ -5706,8 +6153,8 @@
           </p:nvSpPr>
           <p:spPr>
             <a:xfrm rot="900000">
-              <a:off x="4504119" y="2055721"/>
-              <a:ext cx="707245" cy="1446550"/>
+              <a:off x="4529858" y="1355899"/>
+              <a:ext cx="1004715" cy="2215991"/>
             </a:xfrm>
             <a:prstGeom prst="rect">
               <a:avLst/>
@@ -5721,10 +6168,18 @@
             <a:lstStyle/>
             <a:p>
               <a:r>
-                <a:rPr lang="en-GB" sz="8800" dirty="0" smtClean="0"/>
+                <a:rPr lang="en-GB" sz="13800" dirty="0" smtClean="0">
+                  <a:solidFill>
+                    <a:srgbClr val="77933C"/>
+                  </a:solidFill>
+                </a:rPr>
                 <a:t>?</a:t>
               </a:r>
-              <a:endParaRPr lang="en-GB" sz="8800" dirty="0"/>
+              <a:endParaRPr lang="en-GB" sz="13800" dirty="0">
+                <a:solidFill>
+                  <a:srgbClr val="77933C"/>
+                </a:solidFill>
+              </a:endParaRPr>
             </a:p>
           </p:txBody>
         </p:sp>
@@ -5751,10 +6206,22 @@
             <a:lstStyle/>
             <a:p>
               <a:r>
-                <a:rPr lang="en-GB" sz="8800" dirty="0" smtClean="0"/>
+                <a:rPr lang="en-GB" sz="8800" dirty="0" smtClean="0">
+                  <a:solidFill>
+                    <a:schemeClr val="accent3">
+                      <a:lumMod val="75000"/>
+                    </a:schemeClr>
+                  </a:solidFill>
+                </a:rPr>
                 <a:t>?</a:t>
               </a:r>
-              <a:endParaRPr lang="en-GB" sz="8800" dirty="0"/>
+              <a:endParaRPr lang="en-GB" sz="8800" dirty="0">
+                <a:solidFill>
+                  <a:schemeClr val="accent3">
+                    <a:lumMod val="75000"/>
+                  </a:schemeClr>
+                </a:solidFill>
+              </a:endParaRPr>
             </a:p>
           </p:txBody>
         </p:sp>
@@ -5772,7 +6239,7 @@
   <p:timing>
     <p:tnLst>
       <p:par>
-        <p:cTn id="1" dur="indefinite" restart="never" nodeType="tmRoot"/>
+        <p:cTn xmlns:p14="http://schemas.microsoft.com/office/powerpoint/2010/main" id="1" dur="indefinite" restart="never" nodeType="tmRoot"/>
       </p:par>
     </p:tnLst>
   </p:timing>
@@ -5811,130 +6278,6 @@
           <a:bodyPr/>
           <a:lstStyle/>
           <a:p>
-            <a:r>
-              <a:rPr lang="en-GB" dirty="0" smtClean="0"/>
-              <a:t>Motivation;</a:t>
-            </a:r>
-          </a:p>
-          <a:p>
-            <a:r>
-              <a:rPr lang="en-GB" dirty="0" smtClean="0"/>
-              <a:t>Objectives;</a:t>
-            </a:r>
-          </a:p>
-          <a:p>
-            <a:r>
-              <a:rPr lang="en-GB" dirty="0" smtClean="0"/>
-              <a:t>The Computational Model</a:t>
-            </a:r>
-            <a:r>
-              <a:rPr lang="en-GB" dirty="0" smtClean="0"/>
-              <a:t>;</a:t>
-            </a:r>
-          </a:p>
-          <a:p>
-            <a:r>
-              <a:rPr lang="en-GB" dirty="0" smtClean="0"/>
-              <a:t>Task Allocation Model;</a:t>
-            </a:r>
-            <a:endParaRPr lang="en-GB" dirty="0" smtClean="0"/>
-          </a:p>
-          <a:p>
-            <a:r>
-              <a:rPr lang="en-GB" dirty="0" smtClean="0"/>
-              <a:t>Proposed Experiment;</a:t>
-            </a:r>
-          </a:p>
-          <a:p>
-            <a:r>
-              <a:rPr lang="en-GB" dirty="0" smtClean="0"/>
-              <a:t>Challenges;</a:t>
-            </a:r>
-          </a:p>
-          <a:p>
-            <a:r>
-              <a:rPr lang="en-GB" dirty="0" smtClean="0"/>
-              <a:t>Planning.</a:t>
-            </a:r>
-            <a:endParaRPr lang="en-GB" dirty="0"/>
-          </a:p>
-        </p:txBody>
-      </p:sp>
-      <p:sp>
-        <p:nvSpPr>
-          <p:cNvPr id="3" name="Title 2"/>
-          <p:cNvSpPr>
-            <a:spLocks noGrp="1"/>
-          </p:cNvSpPr>
-          <p:nvPr>
-            <p:ph type="title"/>
-          </p:nvPr>
-        </p:nvSpPr>
-        <p:spPr/>
-        <p:txBody>
-          <a:bodyPr/>
-          <a:lstStyle/>
-          <a:p>
-            <a:r>
-              <a:rPr lang="en-GB" dirty="0" smtClean="0"/>
-              <a:t>Agenda</a:t>
-            </a:r>
-            <a:endParaRPr lang="en-GB" dirty="0"/>
-          </a:p>
-        </p:txBody>
-      </p:sp>
-    </p:spTree>
-    <p:extLst>
-      <p:ext uri="{BB962C8B-B14F-4D97-AF65-F5344CB8AC3E}">
-        <p14:creationId xmlns:p14="http://schemas.microsoft.com/office/powerpoint/2010/main" val="710695217"/>
-      </p:ext>
-    </p:extLst>
-  </p:cSld>
-  <p:clrMapOvr>
-    <a:masterClrMapping/>
-  </p:clrMapOvr>
-  <p:timing>
-    <p:tnLst>
-      <p:par>
-        <p:cTn id="1" dur="indefinite" restart="never" nodeType="tmRoot"/>
-      </p:par>
-    </p:tnLst>
-  </p:timing>
-</p:sld>
-</file>
-
-<file path=ppt/slides/slide3.xml><?xml version="1.0" encoding="utf-8"?>
-<p:sld xmlns:a="http://schemas.openxmlformats.org/drawingml/2006/main" xmlns:r="http://schemas.openxmlformats.org/officeDocument/2006/relationships" xmlns:p="http://schemas.openxmlformats.org/presentationml/2006/main">
-  <p:cSld>
-    <p:spTree>
-      <p:nvGrpSpPr>
-        <p:cNvPr id="1" name=""/>
-        <p:cNvGrpSpPr/>
-        <p:nvPr/>
-      </p:nvGrpSpPr>
-      <p:grpSpPr>
-        <a:xfrm>
-          <a:off x="0" y="0"/>
-          <a:ext cx="0" cy="0"/>
-          <a:chOff x="0" y="0"/>
-          <a:chExt cx="0" cy="0"/>
-        </a:xfrm>
-      </p:grpSpPr>
-      <p:sp>
-        <p:nvSpPr>
-          <p:cNvPr id="2" name="Content Placeholder 1"/>
-          <p:cNvSpPr>
-            <a:spLocks noGrp="1"/>
-          </p:cNvSpPr>
-          <p:nvPr>
-            <p:ph idx="1"/>
-          </p:nvPr>
-        </p:nvSpPr>
-        <p:spPr/>
-        <p:txBody>
-          <a:bodyPr/>
-          <a:lstStyle/>
-          <a:p>
             <a:pPr marL="0" indent="0">
               <a:spcBef>
                 <a:spcPts val="3000"/>
@@ -6078,7 +6421,7 @@
   <p:timing>
     <p:tnLst>
       <p:par>
-        <p:cTn id="1" dur="indefinite" restart="never" nodeType="tmRoot">
+        <p:cTn xmlns:p14="http://schemas.microsoft.com/office/powerpoint/2010/main" id="1" dur="indefinite" restart="never" nodeType="tmRoot">
           <p:childTnLst>
             <p:seq concurrent="1" nextAc="seek">
               <p:cTn id="2" dur="indefinite" nodeType="mainSeq">
@@ -6333,7 +6676,7 @@
 </p:sld>
 </file>
 
-<file path=ppt/slides/slide4.xml><?xml version="1.0" encoding="utf-8"?>
+<file path=ppt/slides/slide3.xml><?xml version="1.0" encoding="utf-8"?>
 <p:sld xmlns:a="http://schemas.openxmlformats.org/drawingml/2006/main" xmlns:r="http://schemas.openxmlformats.org/officeDocument/2006/relationships" xmlns:p="http://schemas.openxmlformats.org/presentationml/2006/main">
   <p:cSld>
     <p:spTree>
@@ -6522,7 +6865,7 @@
             </a:r>
           </a:p>
           <a:p>
-            <a:pPr marL="0" indent="0">
+            <a:pPr marL="0" indent="0" algn="ctr">
               <a:spcBef>
                 <a:spcPts val="18600"/>
               </a:spcBef>
@@ -6697,7 +7040,7 @@
   <p:timing>
     <p:tnLst>
       <p:par>
-        <p:cTn id="1" dur="indefinite" restart="never" nodeType="tmRoot">
+        <p:cTn xmlns:p14="http://schemas.microsoft.com/office/powerpoint/2010/main" id="1" dur="indefinite" restart="never" nodeType="tmRoot">
           <p:childTnLst>
             <p:seq concurrent="1" nextAc="seek">
               <p:cTn id="2" dur="indefinite" nodeType="mainSeq">
@@ -6967,7 +7310,7 @@
 </p:sld>
 </file>
 
-<file path=ppt/slides/slide5.xml><?xml version="1.0" encoding="utf-8"?>
+<file path=ppt/slides/slide4.xml><?xml version="1.0" encoding="utf-8"?>
 <p:sld xmlns:a="http://schemas.openxmlformats.org/drawingml/2006/main" xmlns:r="http://schemas.openxmlformats.org/officeDocument/2006/relationships" xmlns:p="http://schemas.openxmlformats.org/presentationml/2006/main">
   <p:cSld>
     <p:spTree>
@@ -7065,7 +7408,7 @@
   <p:timing>
     <p:tnLst>
       <p:par>
-        <p:cTn id="1" dur="indefinite" restart="never" nodeType="tmRoot">
+        <p:cTn xmlns:p14="http://schemas.microsoft.com/office/powerpoint/2010/main" id="1" dur="indefinite" restart="never" nodeType="tmRoot">
           <p:childTnLst>
             <p:seq concurrent="1" nextAc="seek">
               <p:cTn id="2" dur="indefinite" nodeType="mainSeq">
@@ -7162,7 +7505,7 @@
 </p:sld>
 </file>
 
-<file path=ppt/slides/slide6.xml><?xml version="1.0" encoding="utf-8"?>
+<file path=ppt/slides/slide5.xml><?xml version="1.0" encoding="utf-8"?>
 <p:sld xmlns:a="http://schemas.openxmlformats.org/drawingml/2006/main" xmlns:r="http://schemas.openxmlformats.org/officeDocument/2006/relationships" xmlns:p="http://schemas.openxmlformats.org/presentationml/2006/main">
   <p:cSld>
     <p:spTree>
@@ -7345,7 +7688,7 @@
   <p:timing>
     <p:tnLst>
       <p:par>
-        <p:cTn id="1" dur="indefinite" restart="never" nodeType="tmRoot">
+        <p:cTn xmlns:p14="http://schemas.microsoft.com/office/powerpoint/2010/main" id="1" dur="indefinite" restart="never" nodeType="tmRoot">
           <p:childTnLst>
             <p:seq concurrent="1" nextAc="seek">
               <p:cTn id="2" dur="indefinite" nodeType="mainSeq">
@@ -7599,7 +7942,7 @@
 </p:sld>
 </file>
 
-<file path=ppt/slides/slide7.xml><?xml version="1.0" encoding="utf-8"?>
+<file path=ppt/slides/slide6.xml><?xml version="1.0" encoding="utf-8"?>
 <p:sld xmlns:a="http://schemas.openxmlformats.org/drawingml/2006/main" xmlns:r="http://schemas.openxmlformats.org/officeDocument/2006/relationships" xmlns:p="http://schemas.openxmlformats.org/presentationml/2006/main">
   <p:cSld>
     <p:spTree>
@@ -7743,7 +8086,11 @@
             <a:pPr algn="r"/>
             <a:r>
               <a:rPr lang="en-US" sz="1400" dirty="0" smtClean="0"/>
-              <a:t>[2] The </a:t>
+              <a:t>[3] </a:t>
+            </a:r>
+            <a:r>
+              <a:rPr lang="en-US" sz="1400" dirty="0" smtClean="0"/>
+              <a:t>The </a:t>
             </a:r>
             <a:r>
               <a:rPr lang="en-US" sz="1400" dirty="0" err="1" smtClean="0"/>
@@ -7778,7 +8125,7 @@
   <p:timing>
     <p:tnLst>
       <p:par>
-        <p:cTn id="1" dur="indefinite" restart="never" nodeType="tmRoot">
+        <p:cTn xmlns:p14="http://schemas.microsoft.com/office/powerpoint/2010/main" id="1" dur="indefinite" restart="never" nodeType="tmRoot">
           <p:childTnLst>
             <p:seq concurrent="1" nextAc="seek">
               <p:cTn id="2" dur="indefinite" nodeType="mainSeq">
@@ -8058,7 +8405,7 @@
 </p:sld>
 </file>
 
-<file path=ppt/slides/slide8.xml><?xml version="1.0" encoding="utf-8"?>
+<file path=ppt/slides/slide7.xml><?xml version="1.0" encoding="utf-8"?>
 <p:sld xmlns:a="http://schemas.openxmlformats.org/drawingml/2006/main" xmlns:r="http://schemas.openxmlformats.org/officeDocument/2006/relationships" xmlns:p="http://schemas.openxmlformats.org/presentationml/2006/main">
   <p:cSld>
     <p:spTree>
@@ -8140,14 +8487,14 @@
   <p:timing>
     <p:tnLst>
       <p:par>
-        <p:cTn id="1" dur="indefinite" restart="never" nodeType="tmRoot"/>
+        <p:cTn xmlns:p14="http://schemas.microsoft.com/office/powerpoint/2010/main" id="1" dur="indefinite" restart="never" nodeType="tmRoot"/>
       </p:par>
     </p:tnLst>
   </p:timing>
 </p:sld>
 </file>
 
-<file path=ppt/slides/slide9.xml><?xml version="1.0" encoding="utf-8"?>
+<file path=ppt/slides/slide8.xml><?xml version="1.0" encoding="utf-8"?>
 <p:sld xmlns:a="http://schemas.openxmlformats.org/drawingml/2006/main" xmlns:r="http://schemas.openxmlformats.org/officeDocument/2006/relationships" xmlns:p="http://schemas.openxmlformats.org/presentationml/2006/main">
   <p:cSld>
     <p:spTree>
@@ -8191,7 +8538,56 @@
                 <a:spcPts val="2400"/>
               </a:spcBef>
             </a:pPr>
-            <a:endParaRPr lang="en-US" dirty="0"/>
+            <a:r>
+              <a:rPr lang="en-US" dirty="0" smtClean="0"/>
+              <a:t>Model that relies on response thresholds;</a:t>
+            </a:r>
+          </a:p>
+          <a:p>
+            <a:pPr>
+              <a:spcBef>
+                <a:spcPts val="2400"/>
+              </a:spcBef>
+            </a:pPr>
+            <a:r>
+              <a:rPr lang="en-US" dirty="0" smtClean="0"/>
+              <a:t>Every individual has a response threshold for every task;</a:t>
+            </a:r>
+          </a:p>
+          <a:p>
+            <a:pPr>
+              <a:spcBef>
+                <a:spcPts val="2400"/>
+              </a:spcBef>
+            </a:pPr>
+            <a:r>
+              <a:rPr lang="en-US" dirty="0" smtClean="0"/>
+              <a:t>Individuals engage in task performance when the level of the task-associated stimuli exceeds their thresholds.</a:t>
+            </a:r>
+          </a:p>
+          <a:p>
+            <a:pPr>
+              <a:spcBef>
+                <a:spcPts val="2400"/>
+              </a:spcBef>
+            </a:pPr>
+            <a:r>
+              <a:rPr lang="en-US" dirty="0" smtClean="0"/>
+              <a:t>Model proposed by </a:t>
+            </a:r>
+            <a:r>
+              <a:rPr lang="en-US" dirty="0" err="1" smtClean="0"/>
+              <a:t>Bonabeau</a:t>
+            </a:r>
+            <a:r>
+              <a:rPr lang="en-US" dirty="0" smtClean="0"/>
+              <a:t> at al. </a:t>
+            </a:r>
+            <a:r>
+              <a:rPr lang="en-US" baseline="30000" dirty="0" smtClean="0"/>
+              <a:t>[3]</a:t>
+            </a:r>
+            <a:endParaRPr lang="en-US" baseline="30000" dirty="0"/>
           </a:p>
         </p:txBody>
       </p:sp>
@@ -8215,6 +8611,57 @@
               <a:t>Task Allocation Model</a:t>
             </a:r>
             <a:endParaRPr lang="en-GB" dirty="0"/>
+          </a:p>
+        </p:txBody>
+      </p:sp>
+      <p:sp>
+        <p:nvSpPr>
+          <p:cNvPr id="4" name="TextBox 3"/>
+          <p:cNvSpPr txBox="1"/>
+          <p:nvPr/>
+        </p:nvSpPr>
+        <p:spPr>
+          <a:xfrm>
+            <a:off x="251520" y="5661248"/>
+            <a:ext cx="8677311" cy="523220"/>
+          </a:xfrm>
+          <a:prstGeom prst="rect">
+            <a:avLst/>
+          </a:prstGeom>
+          <a:noFill/>
+        </p:spPr>
+        <p:txBody>
+          <a:bodyPr wrap="square" rtlCol="0">
+            <a:spAutoFit/>
+          </a:bodyPr>
+          <a:lstStyle/>
+          <a:p>
+            <a:pPr algn="r"/>
+            <a:r>
+              <a:rPr lang="en-US" sz="1400" dirty="0" smtClean="0"/>
+              <a:t>[4] Quantitative study of the Fixed Threshold Model of the Regulation of Division of </a:t>
+            </a:r>
+            <a:r>
+              <a:rPr lang="en-US" sz="1400" dirty="0" err="1" smtClean="0"/>
+              <a:t>Labour</a:t>
+            </a:r>
+            <a:r>
+              <a:rPr lang="en-US" sz="1400" dirty="0" smtClean="0"/>
+              <a:t> in Insect Societies</a:t>
+            </a:r>
+            <a:r>
+              <a:rPr lang="en-US" sz="1400" dirty="0" smtClean="0"/>
+              <a:t>, </a:t>
+            </a:r>
+            <a:r>
+              <a:rPr lang="en-US" sz="1400" dirty="0" err="1" smtClean="0"/>
+              <a:t>Bernabeau</a:t>
+            </a:r>
+            <a:r>
+              <a:rPr lang="en-US" sz="1400" dirty="0" smtClean="0"/>
+              <a:t>, E. Proceedings Roy. Soc. London B 365 (1996): 1565-1569</a:t>
+            </a:r>
+            <a:endParaRPr lang="en-US" sz="1400" dirty="0"/>
           </a:p>
         </p:txBody>
       </p:sp>
@@ -8231,7 +8678,7 @@
   <p:timing>
     <p:tnLst>
       <p:par>
-        <p:cTn id="1" dur="indefinite" restart="never" nodeType="tmRoot">
+        <p:cTn xmlns:p14="http://schemas.microsoft.com/office/powerpoint/2010/main" id="1" dur="indefinite" restart="never" nodeType="tmRoot">
           <p:childTnLst>
             <p:seq concurrent="1" nextAc="seek">
               <p:cTn id="2" dur="indefinite" nodeType="mainSeq">
@@ -8252,15 +8699,10 @@
                             </p:stCondLst>
                             <p:childTnLst>
                               <p:par>
-                                <p:cTn id="5" presetID="10" presetClass="entr" presetSubtype="0" fill="hold" grpId="0" nodeType="afterEffect" nodePh="1">
+                                <p:cTn id="5" presetID="10" presetClass="entr" presetSubtype="0" fill="hold" grpId="0" nodeType="afterEffect">
                                   <p:stCondLst>
                                     <p:cond delay="0"/>
                                   </p:stCondLst>
-                                  <p:endCondLst>
-                                    <p:cond evt="begin" delay="0">
-                                      <p:tn val="5"/>
-                                    </p:cond>
-                                  </p:endCondLst>
                                   <p:childTnLst>
                                     <p:set>
                                       <p:cBhvr>
@@ -8305,6 +8747,189 @@
                       </p:childTnLst>
                     </p:cTn>
                   </p:par>
+                  <p:par>
+                    <p:cTn id="8" fill="hold">
+                      <p:stCondLst>
+                        <p:cond delay="indefinite"/>
+                      </p:stCondLst>
+                      <p:childTnLst>
+                        <p:par>
+                          <p:cTn id="9" fill="hold">
+                            <p:stCondLst>
+                              <p:cond delay="0"/>
+                            </p:stCondLst>
+                            <p:childTnLst>
+                              <p:par>
+                                <p:cTn id="10" presetID="10" presetClass="entr" presetSubtype="0" fill="hold" grpId="0" nodeType="clickEffect">
+                                  <p:stCondLst>
+                                    <p:cond delay="0"/>
+                                  </p:stCondLst>
+                                  <p:childTnLst>
+                                    <p:set>
+                                      <p:cBhvr>
+                                        <p:cTn id="11" dur="1" fill="hold">
+                                          <p:stCondLst>
+                                            <p:cond delay="0"/>
+                                          </p:stCondLst>
+                                        </p:cTn>
+                                        <p:tgtEl>
+                                          <p:spTgt spid="2">
+                                            <p:txEl>
+                                              <p:pRg st="1" end="1"/>
+                                            </p:txEl>
+                                          </p:spTgt>
+                                        </p:tgtEl>
+                                        <p:attrNameLst>
+                                          <p:attrName>style.visibility</p:attrName>
+                                        </p:attrNameLst>
+                                      </p:cBhvr>
+                                      <p:to>
+                                        <p:strVal val="visible"/>
+                                      </p:to>
+                                    </p:set>
+                                    <p:animEffect transition="in" filter="fade">
+                                      <p:cBhvr>
+                                        <p:cTn id="12" dur="500"/>
+                                        <p:tgtEl>
+                                          <p:spTgt spid="2">
+                                            <p:txEl>
+                                              <p:pRg st="1" end="1"/>
+                                            </p:txEl>
+                                          </p:spTgt>
+                                        </p:tgtEl>
+                                      </p:cBhvr>
+                                    </p:animEffect>
+                                  </p:childTnLst>
+                                </p:cTn>
+                              </p:par>
+                            </p:childTnLst>
+                          </p:cTn>
+                        </p:par>
+                      </p:childTnLst>
+                    </p:cTn>
+                  </p:par>
+                  <p:par>
+                    <p:cTn id="13" fill="hold">
+                      <p:stCondLst>
+                        <p:cond delay="indefinite"/>
+                      </p:stCondLst>
+                      <p:childTnLst>
+                        <p:par>
+                          <p:cTn id="14" fill="hold">
+                            <p:stCondLst>
+                              <p:cond delay="0"/>
+                            </p:stCondLst>
+                            <p:childTnLst>
+                              <p:par>
+                                <p:cTn id="15" presetID="10" presetClass="entr" presetSubtype="0" fill="hold" grpId="0" nodeType="clickEffect">
+                                  <p:stCondLst>
+                                    <p:cond delay="0"/>
+                                  </p:stCondLst>
+                                  <p:childTnLst>
+                                    <p:set>
+                                      <p:cBhvr>
+                                        <p:cTn id="16" dur="1" fill="hold">
+                                          <p:stCondLst>
+                                            <p:cond delay="0"/>
+                                          </p:stCondLst>
+                                        </p:cTn>
+                                        <p:tgtEl>
+                                          <p:spTgt spid="2">
+                                            <p:txEl>
+                                              <p:pRg st="2" end="2"/>
+                                            </p:txEl>
+                                          </p:spTgt>
+                                        </p:tgtEl>
+                                        <p:attrNameLst>
+                                          <p:attrName>style.visibility</p:attrName>
+                                        </p:attrNameLst>
+                                      </p:cBhvr>
+                                      <p:to>
+                                        <p:strVal val="visible"/>
+                                      </p:to>
+                                    </p:set>
+                                    <p:animEffect transition="in" filter="fade">
+                                      <p:cBhvr>
+                                        <p:cTn id="17" dur="500"/>
+                                        <p:tgtEl>
+                                          <p:spTgt spid="2">
+                                            <p:txEl>
+                                              <p:pRg st="2" end="2"/>
+                                            </p:txEl>
+                                          </p:spTgt>
+                                        </p:tgtEl>
+                                      </p:cBhvr>
+                                    </p:animEffect>
+                                  </p:childTnLst>
+                                </p:cTn>
+                              </p:par>
+                            </p:childTnLst>
+                          </p:cTn>
+                        </p:par>
+                      </p:childTnLst>
+                    </p:cTn>
+                  </p:par>
+                  <p:par>
+                    <p:cTn id="18" fill="hold">
+                      <p:stCondLst>
+                        <p:cond delay="indefinite"/>
+                      </p:stCondLst>
+                      <p:childTnLst>
+                        <p:par>
+                          <p:cTn id="19" fill="hold">
+                            <p:stCondLst>
+                              <p:cond delay="0"/>
+                            </p:stCondLst>
+                            <p:childTnLst>
+                              <p:par>
+                                <p:cTn id="20" presetID="10" presetClass="entr" presetSubtype="0" fill="hold" grpId="0" nodeType="clickEffect">
+                                  <p:stCondLst>
+                                    <p:cond delay="0"/>
+                                  </p:stCondLst>
+                                  <p:childTnLst>
+                                    <p:set>
+                                      <p:cBhvr>
+                                        <p:cTn id="21" dur="1" fill="hold">
+                                          <p:stCondLst>
+                                            <p:cond delay="0"/>
+                                          </p:stCondLst>
+                                        </p:cTn>
+                                        <p:tgtEl>
+                                          <p:spTgt spid="2">
+                                            <p:txEl>
+                                              <p:pRg st="3" end="3"/>
+                                            </p:txEl>
+                                          </p:spTgt>
+                                        </p:tgtEl>
+                                        <p:attrNameLst>
+                                          <p:attrName>style.visibility</p:attrName>
+                                        </p:attrNameLst>
+                                      </p:cBhvr>
+                                      <p:to>
+                                        <p:strVal val="visible"/>
+                                      </p:to>
+                                    </p:set>
+                                    <p:animEffect transition="in" filter="fade">
+                                      <p:cBhvr>
+                                        <p:cTn id="22" dur="500"/>
+                                        <p:tgtEl>
+                                          <p:spTgt spid="2">
+                                            <p:txEl>
+                                              <p:pRg st="3" end="3"/>
+                                            </p:txEl>
+                                          </p:spTgt>
+                                        </p:tgtEl>
+                                      </p:cBhvr>
+                                    </p:animEffect>
+                                  </p:childTnLst>
+                                </p:cTn>
+                              </p:par>
+                            </p:childTnLst>
+                          </p:cTn>
+                        </p:par>
+                      </p:childTnLst>
+                    </p:cTn>
+                  </p:par>
                 </p:childTnLst>
               </p:cTn>
               <p:prevCondLst>
@@ -8329,6 +8954,188 @@
     <p:bldLst>
       <p:bldP spid="2" grpId="0" build="p"/>
     </p:bldLst>
+  </p:timing>
+</p:sld>
+</file>
+
+<file path=ppt/slides/slide9.xml><?xml version="1.0" encoding="utf-8"?>
+<p:sld xmlns:a="http://schemas.openxmlformats.org/drawingml/2006/main" xmlns:r="http://schemas.openxmlformats.org/officeDocument/2006/relationships" xmlns:p="http://schemas.openxmlformats.org/presentationml/2006/main">
+  <p:cSld>
+    <p:spTree>
+      <p:nvGrpSpPr>
+        <p:cNvPr id="1" name=""/>
+        <p:cNvGrpSpPr/>
+        <p:nvPr/>
+      </p:nvGrpSpPr>
+      <p:grpSpPr>
+        <a:xfrm>
+          <a:off x="0" y="0"/>
+          <a:ext cx="0" cy="0"/>
+          <a:chOff x="0" y="0"/>
+          <a:chExt cx="0" cy="0"/>
+        </a:xfrm>
+      </p:grpSpPr>
+      <p:sp>
+        <p:nvSpPr>
+          <p:cNvPr id="3" name="Title 2"/>
+          <p:cNvSpPr>
+            <a:spLocks noGrp="1"/>
+          </p:cNvSpPr>
+          <p:nvPr>
+            <p:ph type="title"/>
+          </p:nvPr>
+        </p:nvSpPr>
+        <p:spPr/>
+        <p:txBody>
+          <a:bodyPr/>
+          <a:lstStyle/>
+          <a:p>
+            <a:r>
+              <a:rPr lang="en-GB" dirty="0" smtClean="0"/>
+              <a:t>Task Allocation Model</a:t>
+            </a:r>
+            <a:endParaRPr lang="en-GB" dirty="0"/>
+          </a:p>
+        </p:txBody>
+      </p:sp>
+      <p:graphicFrame>
+        <p:nvGraphicFramePr>
+          <p:cNvPr id="5" name="Content Placeholder 4"/>
+          <p:cNvGraphicFramePr>
+            <a:graphicFrameLocks noGrp="1" noChangeAspect="1"/>
+          </p:cNvGraphicFramePr>
+          <p:nvPr>
+            <p:ph idx="1"/>
+            <p:extLst>
+              <p:ext uri="{D42A27DB-BD31-4B8C-83A1-F6EECF244321}">
+                <p14:modId xmlns:p14="http://schemas.microsoft.com/office/powerpoint/2010/main" val="2832184963"/>
+              </p:ext>
+            </p:extLst>
+          </p:nvPr>
+        </p:nvGraphicFramePr>
+        <p:xfrm>
+          <a:off x="2843808" y="1214512"/>
+          <a:ext cx="3198813" cy="1422400"/>
+        </p:xfrm>
+        <a:graphic>
+          <a:graphicData uri="http://schemas.openxmlformats.org/presentationml/2006/ole">
+            <mc:AlternateContent xmlns:mc="http://schemas.openxmlformats.org/markup-compatibility/2006">
+              <mc:Choice xmlns:v="urn:schemas-microsoft-com:vml" Requires="v">
+                <p:oleObj spid="_x0000_s1034" name="Equation" r:id="rId4" imgW="914400" imgH="406400" progId="Equation.3">
+                  <p:embed/>
+                </p:oleObj>
+              </mc:Choice>
+              <mc:Fallback>
+                <p:oleObj name="Equation" r:id="rId4" imgW="914400" imgH="406400" progId="Equation.3">
+                  <p:embed/>
+                  <p:pic>
+                    <p:nvPicPr>
+                      <p:cNvPr id="0" name=""/>
+                      <p:cNvPicPr/>
+                      <p:nvPr/>
+                    </p:nvPicPr>
+                    <p:blipFill>
+                      <a:blip r:embed="rId5"/>
+                      <a:stretch>
+                        <a:fillRect/>
+                      </a:stretch>
+                    </p:blipFill>
+                    <p:spPr>
+                      <a:xfrm>
+                        <a:off x="2843808" y="1214512"/>
+                        <a:ext cx="3198813" cy="1422400"/>
+                      </a:xfrm>
+                      <a:prstGeom prst="rect">
+                        <a:avLst/>
+                      </a:prstGeom>
+                    </p:spPr>
+                  </p:pic>
+                </p:oleObj>
+              </mc:Fallback>
+            </mc:AlternateContent>
+          </a:graphicData>
+        </a:graphic>
+      </p:graphicFrame>
+      <p:pic>
+        <p:nvPicPr>
+          <p:cNvPr id="6" name="Picture 5" descr="Screen Shot 2012-06-06 at 00.48.03.png"/>
+          <p:cNvPicPr>
+            <a:picLocks noChangeAspect="1"/>
+          </p:cNvPicPr>
+          <p:nvPr/>
+        </p:nvPicPr>
+        <p:blipFill>
+          <a:blip r:embed="rId6">
+            <a:extLst>
+              <a:ext uri="{28A0092B-C50C-407E-A947-70E740481C1C}">
+                <a14:useLocalDpi xmlns:a14="http://schemas.microsoft.com/office/drawing/2010/main" val="0"/>
+              </a:ext>
+            </a:extLst>
+          </a:blip>
+          <a:stretch>
+            <a:fillRect/>
+          </a:stretch>
+        </p:blipFill>
+        <p:spPr>
+          <a:xfrm>
+            <a:off x="467544" y="2930376"/>
+            <a:ext cx="3901882" cy="2802880"/>
+          </a:xfrm>
+          <a:prstGeom prst="roundRect">
+            <a:avLst>
+              <a:gd name="adj" fmla="val 13938"/>
+            </a:avLst>
+          </a:prstGeom>
+        </p:spPr>
+      </p:pic>
+      <p:pic>
+        <p:nvPicPr>
+          <p:cNvPr id="7" name="Picture 6" descr="Screen Shot 2012-06-06 at 00.48.14.png"/>
+          <p:cNvPicPr>
+            <a:picLocks noChangeAspect="1"/>
+          </p:cNvPicPr>
+          <p:nvPr/>
+        </p:nvPicPr>
+        <p:blipFill>
+          <a:blip r:embed="rId7">
+            <a:extLst>
+              <a:ext uri="{28A0092B-C50C-407E-A947-70E740481C1C}">
+                <a14:useLocalDpi xmlns:a14="http://schemas.microsoft.com/office/drawing/2010/main" val="0"/>
+              </a:ext>
+            </a:extLst>
+          </a:blip>
+          <a:stretch>
+            <a:fillRect/>
+          </a:stretch>
+        </p:blipFill>
+        <p:spPr>
+          <a:xfrm>
+            <a:off x="4788024" y="2996952"/>
+            <a:ext cx="3822529" cy="2726680"/>
+          </a:xfrm>
+          <a:prstGeom prst="roundRect">
+            <a:avLst>
+              <a:gd name="adj" fmla="val 10495"/>
+            </a:avLst>
+          </a:prstGeom>
+        </p:spPr>
+      </p:pic>
+    </p:spTree>
+    <p:extLst>
+      <p:ext uri="{BB962C8B-B14F-4D97-AF65-F5344CB8AC3E}">
+        <p14:creationId xmlns:p14="http://schemas.microsoft.com/office/powerpoint/2010/main" val="2710394958"/>
+      </p:ext>
+    </p:extLst>
+  </p:cSld>
+  <p:clrMapOvr>
+    <a:masterClrMapping/>
+  </p:clrMapOvr>
+  <p:timing>
+    <p:tnLst>
+      <p:par>
+        <p:cTn xmlns:p14="http://schemas.microsoft.com/office/powerpoint/2010/main" id="1" dur="indefinite" restart="never" nodeType="tmRoot"/>
+      </p:par>
+    </p:tnLst>
   </p:timing>
 </p:sld>
 </file>

--- a/presentation-june/Presentation.pptx
+++ b/presentation-june/Presentation.pptx
@@ -20,7 +20,7 @@
     <p:sldId id="264" r:id="rId11"/>
     <p:sldId id="265" r:id="rId12"/>
     <p:sldId id="266" r:id="rId13"/>
-    <p:sldId id="267" r:id="rId14"/>
+    <p:sldId id="272" r:id="rId14"/>
     <p:sldId id="268" r:id="rId15"/>
   </p:sldIdLst>
   <p:sldSz cx="9144000" cy="6858000" type="screen4x3"/>
@@ -633,7 +633,7 @@
           <a:p>
             <a:fld id="{D2D90C8E-9ABA-428A-AE3B-7180319A3F53}" type="datetimeFigureOut">
               <a:rPr lang="en-GB" smtClean="0"/>
-              <a:t>05/06/2012</a:t>
+              <a:t>06/06/2012</a:t>
             </a:fld>
             <a:endParaRPr lang="en-GB"/>
           </a:p>
@@ -1708,7 +1708,7 @@
           <a:p>
             <a:fld id="{70186140-57E4-4B6F-BB49-D5C1E28E250A}" type="datetimeFigureOut">
               <a:rPr lang="en-GB" smtClean="0"/>
-              <a:t>05/06/2012</a:t>
+              <a:t>06/06/2012</a:t>
             </a:fld>
             <a:endParaRPr lang="en-GB"/>
           </a:p>
@@ -1885,7 +1885,7 @@
           <a:p>
             <a:fld id="{70186140-57E4-4B6F-BB49-D5C1E28E250A}" type="datetimeFigureOut">
               <a:rPr lang="en-GB" smtClean="0"/>
-              <a:t>05/06/2012</a:t>
+              <a:t>06/06/2012</a:t>
             </a:fld>
             <a:endParaRPr lang="en-GB"/>
           </a:p>
@@ -2065,7 +2065,7 @@
           <a:p>
             <a:fld id="{70186140-57E4-4B6F-BB49-D5C1E28E250A}" type="datetimeFigureOut">
               <a:rPr lang="en-GB" smtClean="0"/>
-              <a:t>05/06/2012</a:t>
+              <a:t>06/06/2012</a:t>
             </a:fld>
             <a:endParaRPr lang="en-GB"/>
           </a:p>
@@ -2247,7 +2247,7 @@
           <a:p>
             <a:fld id="{70186140-57E4-4B6F-BB49-D5C1E28E250A}" type="datetimeFigureOut">
               <a:rPr lang="en-GB" smtClean="0"/>
-              <a:t>05/06/2012</a:t>
+              <a:t>06/06/2012</a:t>
             </a:fld>
             <a:endParaRPr lang="en-GB"/>
           </a:p>
@@ -2546,7 +2546,7 @@
           <a:p>
             <a:fld id="{70186140-57E4-4B6F-BB49-D5C1E28E250A}" type="datetimeFigureOut">
               <a:rPr lang="en-GB" smtClean="0"/>
-              <a:t>05/06/2012</a:t>
+              <a:t>06/06/2012</a:t>
             </a:fld>
             <a:endParaRPr lang="en-GB"/>
           </a:p>
@@ -2834,7 +2834,7 @@
           <a:p>
             <a:fld id="{70186140-57E4-4B6F-BB49-D5C1E28E250A}" type="datetimeFigureOut">
               <a:rPr lang="en-GB" smtClean="0"/>
-              <a:t>05/06/2012</a:t>
+              <a:t>06/06/2012</a:t>
             </a:fld>
             <a:endParaRPr lang="en-GB"/>
           </a:p>
@@ -3256,7 +3256,7 @@
           <a:p>
             <a:fld id="{70186140-57E4-4B6F-BB49-D5C1E28E250A}" type="datetimeFigureOut">
               <a:rPr lang="en-GB" smtClean="0"/>
-              <a:t>05/06/2012</a:t>
+              <a:t>06/06/2012</a:t>
             </a:fld>
             <a:endParaRPr lang="en-GB"/>
           </a:p>
@@ -3374,7 +3374,7 @@
           <a:p>
             <a:fld id="{70186140-57E4-4B6F-BB49-D5C1E28E250A}" type="datetimeFigureOut">
               <a:rPr lang="en-GB" smtClean="0"/>
-              <a:t>05/06/2012</a:t>
+              <a:t>06/06/2012</a:t>
             </a:fld>
             <a:endParaRPr lang="en-GB"/>
           </a:p>
@@ -3469,7 +3469,7 @@
           <a:p>
             <a:fld id="{70186140-57E4-4B6F-BB49-D5C1E28E250A}" type="datetimeFigureOut">
               <a:rPr lang="en-GB" smtClean="0"/>
-              <a:t>05/06/2012</a:t>
+              <a:t>06/06/2012</a:t>
             </a:fld>
             <a:endParaRPr lang="en-GB"/>
           </a:p>
@@ -3746,7 +3746,7 @@
           <a:p>
             <a:fld id="{70186140-57E4-4B6F-BB49-D5C1E28E250A}" type="datetimeFigureOut">
               <a:rPr lang="en-GB" smtClean="0"/>
-              <a:t>05/06/2012</a:t>
+              <a:t>06/06/2012</a:t>
             </a:fld>
             <a:endParaRPr lang="en-GB"/>
           </a:p>
@@ -3999,7 +3999,7 @@
           <a:p>
             <a:fld id="{70186140-57E4-4B6F-BB49-D5C1E28E250A}" type="datetimeFigureOut">
               <a:rPr lang="en-GB" smtClean="0"/>
-              <a:t>05/06/2012</a:t>
+              <a:t>06/06/2012</a:t>
             </a:fld>
             <a:endParaRPr lang="en-GB"/>
           </a:p>
@@ -4212,7 +4212,7 @@
           <a:p>
             <a:fld id="{70186140-57E4-4B6F-BB49-D5C1E28E250A}" type="datetimeFigureOut">
               <a:rPr lang="en-GB" smtClean="0"/>
-              <a:t>05/06/2012</a:t>
+              <a:t>06/06/2012</a:t>
             </a:fld>
             <a:endParaRPr lang="en-GB"/>
           </a:p>
@@ -4602,7 +4602,7 @@
         </p:nvSpPr>
         <p:spPr>
           <a:xfrm>
-            <a:off x="1043608" y="5517232"/>
+            <a:off x="6084168" y="4797152"/>
             <a:ext cx="2736304" cy="792088"/>
           </a:xfrm>
           <a:prstGeom prst="roundRect">
@@ -4659,17 +4659,7 @@
                   </a:schemeClr>
                 </a:solidFill>
               </a:rPr>
-              <a:t>luiz_filipe.abrahao@</a:t>
-            </a:r>
-            <a:r>
-              <a:rPr lang="en-GB" sz="1600" dirty="0" err="1" smtClean="0">
-                <a:solidFill>
-                  <a:schemeClr val="accent5">
-                    <a:lumMod val="75000"/>
-                  </a:schemeClr>
-                </a:solidFill>
-              </a:rPr>
-              <a:t>kcl.ac.uk</a:t>
+              <a:t>luiz_filipe.abrahao@kcl.ac.uk</a:t>
             </a:r>
             <a:endParaRPr lang="en-GB" sz="1600" dirty="0" smtClean="0">
               <a:solidFill>
@@ -4693,7 +4683,7 @@
         </p:nvSpPr>
         <p:spPr>
           <a:xfrm>
-            <a:off x="685800" y="2679055"/>
+            <a:off x="685800" y="2420888"/>
             <a:ext cx="7772400" cy="1470025"/>
           </a:xfrm>
         </p:spPr>
@@ -4783,7 +4773,7 @@
         </p:nvSpPr>
         <p:spPr>
           <a:xfrm>
-            <a:off x="3923928" y="5517232"/>
+            <a:off x="4716016" y="5733256"/>
             <a:ext cx="4104456" cy="792088"/>
           </a:xfrm>
           <a:prstGeom prst="roundRect">
@@ -5309,7 +5299,15 @@
             </a:pPr>
             <a:r>
               <a:rPr lang="en-GB" dirty="0"/>
-              <a:t>Tested with 30 000 nodes and </a:t>
+              <a:t>Tested with </a:t>
+            </a:r>
+            <a:r>
+              <a:rPr lang="en-GB" dirty="0" smtClean="0"/>
+              <a:t>50 </a:t>
+            </a:r>
+            <a:r>
+              <a:rPr lang="en-GB" dirty="0"/>
+              <a:t>000 nodes and </a:t>
             </a:r>
             <a:r>
               <a:rPr lang="en-GB" dirty="0" smtClean="0"/>
@@ -5699,7 +5697,15 @@
             </a:pPr>
             <a:r>
               <a:rPr lang="en-GB" dirty="0" smtClean="0"/>
-              <a:t>Pheromone trail updates need to be local, how to implement?</a:t>
+              <a:t>Pheromone trail updates need to be </a:t>
+            </a:r>
+            <a:r>
+              <a:rPr lang="en-GB" dirty="0" smtClean="0"/>
+              <a:t>local</a:t>
+            </a:r>
+            <a:r>
+              <a:rPr lang="en-GB" dirty="0"/>
+              <a:t>;</a:t>
             </a:r>
             <a:endParaRPr lang="en-GB" dirty="0"/>
           </a:p>
@@ -5711,11 +5717,7 @@
             </a:pPr>
             <a:r>
               <a:rPr lang="en-GB" dirty="0" smtClean="0"/>
-              <a:t>Data </a:t>
-            </a:r>
-            <a:r>
-              <a:rPr lang="en-GB" dirty="0" smtClean="0"/>
-              <a:t>output and processing.</a:t>
+              <a:t>Data output and processing.</a:t>
             </a:r>
             <a:endParaRPr lang="en-GB" dirty="0"/>
           </a:p>
@@ -5970,6 +5972,51 @@
           <a:chExt cx="0" cy="0"/>
         </a:xfrm>
       </p:grpSpPr>
+      <p:cxnSp>
+        <p:nvCxnSpPr>
+          <p:cNvPr id="24" name="Elbow Connector 23"/>
+          <p:cNvCxnSpPr>
+            <a:stCxn id="15" idx="3"/>
+            <a:endCxn id="21" idx="1"/>
+          </p:cNvCxnSpPr>
+          <p:nvPr/>
+        </p:nvCxnSpPr>
+        <p:spPr>
+          <a:xfrm>
+            <a:off x="2843808" y="2240868"/>
+            <a:ext cx="395536" cy="1296144"/>
+          </a:xfrm>
+          <a:prstGeom prst="bentConnector3">
+            <a:avLst>
+              <a:gd name="adj1" fmla="val 50000"/>
+            </a:avLst>
+          </a:prstGeom>
+          <a:ln>
+            <a:solidFill>
+              <a:schemeClr val="accent6">
+                <a:lumMod val="40000"/>
+                <a:lumOff val="60000"/>
+              </a:schemeClr>
+            </a:solidFill>
+            <a:tailEnd type="arrow"/>
+          </a:ln>
+          <a:effectLst/>
+        </p:spPr>
+        <p:style>
+          <a:lnRef idx="2">
+            <a:schemeClr val="accent1"/>
+          </a:lnRef>
+          <a:fillRef idx="0">
+            <a:schemeClr val="accent1"/>
+          </a:fillRef>
+          <a:effectRef idx="1">
+            <a:schemeClr val="accent1"/>
+          </a:effectRef>
+          <a:fontRef idx="minor">
+            <a:schemeClr val="tx1"/>
+          </a:fontRef>
+        </p:style>
+      </p:cxnSp>
       <p:sp>
         <p:nvSpPr>
           <p:cNvPr id="3" name="Title 2"/>
@@ -5998,53 +6045,878 @@
           </a:p>
         </p:txBody>
       </p:sp>
-      <p:pic>
-        <p:nvPicPr>
-          <p:cNvPr id="8" name="Picture 7" descr="MSc Project.png"/>
-          <p:cNvPicPr>
-            <a:picLocks noChangeAspect="1"/>
-          </p:cNvPicPr>
+      <p:sp>
+        <p:nvSpPr>
+          <p:cNvPr id="11" name="TextBox 10"/>
+          <p:cNvSpPr txBox="1"/>
           <p:nvPr/>
-        </p:nvPicPr>
-        <p:blipFill>
-          <a:blip r:embed="rId2">
-            <a:extLst>
-              <a:ext uri="{28A0092B-C50C-407E-A947-70E740481C1C}">
-                <a14:useLocalDpi xmlns:a14="http://schemas.microsoft.com/office/drawing/2010/main" val="0"/>
-              </a:ext>
-            </a:extLst>
-          </a:blip>
-          <a:stretch>
-            <a:fillRect/>
-          </a:stretch>
-        </p:blipFill>
+        </p:nvSpPr>
         <p:spPr>
           <a:xfrm>
-            <a:off x="107504" y="1340768"/>
-            <a:ext cx="8892480" cy="3479666"/>
+            <a:off x="1799184" y="1268760"/>
+            <a:ext cx="615673" cy="369332"/>
           </a:xfrm>
-          <a:prstGeom prst="roundRect">
-            <a:avLst>
-              <a:gd name="adj" fmla="val 4636"/>
-            </a:avLst>
+          <a:prstGeom prst="rect">
+            <a:avLst/>
           </a:prstGeom>
-          <a:solidFill>
-            <a:srgbClr val="FFFFFF">
-              <a:shade val="85000"/>
-            </a:srgbClr>
-          </a:solidFill>
+          <a:noFill/>
+        </p:spPr>
+        <p:txBody>
+          <a:bodyPr wrap="none" rtlCol="0">
+            <a:spAutoFit/>
+          </a:bodyPr>
+          <a:lstStyle/>
+          <a:p>
+            <a:r>
+              <a:rPr lang="en-GB" dirty="0" smtClean="0"/>
+              <a:t>June</a:t>
+            </a:r>
+            <a:endParaRPr lang="en-GB" dirty="0"/>
+          </a:p>
+        </p:txBody>
+      </p:sp>
+      <p:sp>
+        <p:nvSpPr>
+          <p:cNvPr id="12" name="TextBox 11"/>
+          <p:cNvSpPr txBox="1"/>
+          <p:nvPr/>
+        </p:nvSpPr>
+        <p:spPr>
+          <a:xfrm>
+            <a:off x="3959424" y="1268760"/>
+            <a:ext cx="537001" cy="369332"/>
+          </a:xfrm>
+          <a:prstGeom prst="rect">
+            <a:avLst/>
+          </a:prstGeom>
+          <a:noFill/>
+        </p:spPr>
+        <p:txBody>
+          <a:bodyPr wrap="none" rtlCol="0">
+            <a:spAutoFit/>
+          </a:bodyPr>
+          <a:lstStyle/>
+          <a:p>
+            <a:r>
+              <a:rPr lang="en-GB" dirty="0" smtClean="0"/>
+              <a:t>July</a:t>
+            </a:r>
+            <a:endParaRPr lang="en-GB" dirty="0"/>
+          </a:p>
+        </p:txBody>
+      </p:sp>
+      <p:sp>
+        <p:nvSpPr>
+          <p:cNvPr id="13" name="TextBox 12"/>
+          <p:cNvSpPr txBox="1"/>
+          <p:nvPr/>
+        </p:nvSpPr>
+        <p:spPr>
+          <a:xfrm>
+            <a:off x="6073061" y="1268760"/>
+            <a:ext cx="838691" cy="369332"/>
+          </a:xfrm>
+          <a:prstGeom prst="rect">
+            <a:avLst/>
+          </a:prstGeom>
+          <a:noFill/>
+        </p:spPr>
+        <p:txBody>
+          <a:bodyPr wrap="none" rtlCol="0">
+            <a:spAutoFit/>
+          </a:bodyPr>
+          <a:lstStyle/>
+          <a:p>
+            <a:r>
+              <a:rPr lang="en-GB" dirty="0" smtClean="0"/>
+              <a:t>August</a:t>
+            </a:r>
+            <a:endParaRPr lang="en-GB" dirty="0"/>
+          </a:p>
+        </p:txBody>
+      </p:sp>
+      <p:sp>
+        <p:nvSpPr>
+          <p:cNvPr id="14" name="Rectangle 13"/>
+          <p:cNvSpPr/>
+          <p:nvPr/>
+        </p:nvSpPr>
+        <p:spPr>
+          <a:xfrm>
+            <a:off x="611560" y="1700808"/>
+            <a:ext cx="7380312" cy="45719"/>
+          </a:xfrm>
+          <a:prstGeom prst="rect">
+            <a:avLst/>
+          </a:prstGeom>
+          <a:gradFill flip="none" rotWithShape="1">
+            <a:gsLst>
+              <a:gs pos="51000">
+                <a:schemeClr val="accent6">
+                  <a:lumMod val="75000"/>
+                  <a:alpha val="51000"/>
+                </a:schemeClr>
+              </a:gs>
+              <a:gs pos="100000">
+                <a:srgbClr val="FFFFFF">
+                  <a:alpha val="51000"/>
+                </a:srgbClr>
+              </a:gs>
+              <a:gs pos="0">
+                <a:schemeClr val="bg1">
+                  <a:alpha val="51000"/>
+                </a:schemeClr>
+              </a:gs>
+            </a:gsLst>
+            <a:path path="circle">
+              <a:fillToRect l="50000" t="50000" r="50000" b="50000"/>
+            </a:path>
+            <a:tileRect/>
+          </a:gradFill>
           <a:ln>
             <a:noFill/>
           </a:ln>
-          <a:effectLst>
-            <a:reflection blurRad="12700" stA="38000" endPos="28000" dist="5000" dir="5400000" sy="-100000" algn="bl" rotWithShape="0"/>
-          </a:effectLst>
+          <a:effectLst/>
         </p:spPr>
-      </p:pic>
+        <p:style>
+          <a:lnRef idx="1">
+            <a:schemeClr val="accent1"/>
+          </a:lnRef>
+          <a:fillRef idx="3">
+            <a:schemeClr val="accent1"/>
+          </a:fillRef>
+          <a:effectRef idx="2">
+            <a:schemeClr val="accent1"/>
+          </a:effectRef>
+          <a:fontRef idx="minor">
+            <a:schemeClr val="lt1"/>
+          </a:fontRef>
+        </p:style>
+        <p:txBody>
+          <a:bodyPr rtlCol="0" anchor="ctr"/>
+          <a:lstStyle/>
+          <a:p>
+            <a:pPr algn="ctr"/>
+            <a:endParaRPr lang="en-GB" dirty="0"/>
+          </a:p>
+        </p:txBody>
+      </p:sp>
+      <p:sp>
+        <p:nvSpPr>
+          <p:cNvPr id="15" name="Rounded Rectangle 14"/>
+          <p:cNvSpPr/>
+          <p:nvPr/>
+        </p:nvSpPr>
+        <p:spPr>
+          <a:xfrm>
+            <a:off x="467544" y="2132856"/>
+            <a:ext cx="2376264" cy="216024"/>
+          </a:xfrm>
+          <a:prstGeom prst="roundRect">
+            <a:avLst/>
+          </a:prstGeom>
+          <a:ln>
+            <a:noFill/>
+          </a:ln>
+          <a:effectLst/>
+        </p:spPr>
+        <p:style>
+          <a:lnRef idx="1">
+            <a:schemeClr val="accent6"/>
+          </a:lnRef>
+          <a:fillRef idx="3">
+            <a:schemeClr val="accent6"/>
+          </a:fillRef>
+          <a:effectRef idx="2">
+            <a:schemeClr val="accent6"/>
+          </a:effectRef>
+          <a:fontRef idx="minor">
+            <a:schemeClr val="lt1"/>
+          </a:fontRef>
+        </p:style>
+        <p:txBody>
+          <a:bodyPr rtlCol="0" anchor="ctr"/>
+          <a:lstStyle/>
+          <a:p>
+            <a:pPr algn="ctr"/>
+            <a:r>
+              <a:rPr lang="en-GB" sz="1200" b="1" dirty="0"/>
+              <a:t>Model and </a:t>
+            </a:r>
+            <a:r>
+              <a:rPr lang="en-GB" sz="1200" b="1" dirty="0" smtClean="0"/>
+              <a:t>Implementation</a:t>
+            </a:r>
+            <a:endParaRPr lang="en-GB" sz="1200" b="1" dirty="0"/>
+          </a:p>
+        </p:txBody>
+      </p:sp>
+      <p:sp>
+        <p:nvSpPr>
+          <p:cNvPr id="16" name="Rounded Rectangle 15"/>
+          <p:cNvSpPr/>
+          <p:nvPr/>
+        </p:nvSpPr>
+        <p:spPr>
+          <a:xfrm>
+            <a:off x="467544" y="2420888"/>
+            <a:ext cx="1368152" cy="216024"/>
+          </a:xfrm>
+          <a:prstGeom prst="roundRect">
+            <a:avLst/>
+          </a:prstGeom>
+          <a:ln>
+            <a:noFill/>
+          </a:ln>
+          <a:effectLst/>
+        </p:spPr>
+        <p:style>
+          <a:lnRef idx="1">
+            <a:schemeClr val="accent6"/>
+          </a:lnRef>
+          <a:fillRef idx="3">
+            <a:schemeClr val="accent6"/>
+          </a:fillRef>
+          <a:effectRef idx="2">
+            <a:schemeClr val="accent6"/>
+          </a:effectRef>
+          <a:fontRef idx="minor">
+            <a:schemeClr val="lt1"/>
+          </a:fontRef>
+        </p:style>
+        <p:txBody>
+          <a:bodyPr rtlCol="0" anchor="ctr"/>
+          <a:lstStyle/>
+          <a:p>
+            <a:pPr algn="ctr"/>
+            <a:endParaRPr lang="en-GB"/>
+          </a:p>
+        </p:txBody>
+      </p:sp>
+      <p:sp>
+        <p:nvSpPr>
+          <p:cNvPr id="17" name="TextBox 16"/>
+          <p:cNvSpPr txBox="1"/>
+          <p:nvPr/>
+        </p:nvSpPr>
+        <p:spPr>
+          <a:xfrm>
+            <a:off x="1817817" y="2385513"/>
+            <a:ext cx="2561443" cy="276999"/>
+          </a:xfrm>
+          <a:prstGeom prst="rect">
+            <a:avLst/>
+          </a:prstGeom>
+          <a:noFill/>
+        </p:spPr>
+        <p:txBody>
+          <a:bodyPr wrap="none" rtlCol="0">
+            <a:spAutoFit/>
+          </a:bodyPr>
+          <a:lstStyle/>
+          <a:p>
+            <a:r>
+              <a:rPr lang="en-GB" sz="1200" b="1" dirty="0" smtClean="0">
+                <a:solidFill>
+                  <a:schemeClr val="accent6">
+                    <a:lumMod val="75000"/>
+                  </a:schemeClr>
+                </a:solidFill>
+              </a:rPr>
+              <a:t>Research and Implement pheromone</a:t>
+            </a:r>
+            <a:endParaRPr lang="en-GB" sz="1200" b="1" dirty="0">
+              <a:solidFill>
+                <a:schemeClr val="accent6">
+                  <a:lumMod val="75000"/>
+                </a:schemeClr>
+              </a:solidFill>
+            </a:endParaRPr>
+          </a:p>
+        </p:txBody>
+      </p:sp>
+      <p:sp>
+        <p:nvSpPr>
+          <p:cNvPr id="19" name="Rounded Rectangle 18"/>
+          <p:cNvSpPr/>
+          <p:nvPr/>
+        </p:nvSpPr>
+        <p:spPr>
+          <a:xfrm>
+            <a:off x="1511152" y="2708920"/>
+            <a:ext cx="1368152" cy="216024"/>
+          </a:xfrm>
+          <a:prstGeom prst="roundRect">
+            <a:avLst/>
+          </a:prstGeom>
+          <a:ln>
+            <a:noFill/>
+          </a:ln>
+          <a:effectLst/>
+        </p:spPr>
+        <p:style>
+          <a:lnRef idx="1">
+            <a:schemeClr val="accent6"/>
+          </a:lnRef>
+          <a:fillRef idx="3">
+            <a:schemeClr val="accent6"/>
+          </a:fillRef>
+          <a:effectRef idx="2">
+            <a:schemeClr val="accent6"/>
+          </a:effectRef>
+          <a:fontRef idx="minor">
+            <a:schemeClr val="lt1"/>
+          </a:fontRef>
+        </p:style>
+        <p:txBody>
+          <a:bodyPr rtlCol="0" anchor="ctr"/>
+          <a:lstStyle/>
+          <a:p>
+            <a:pPr algn="ctr"/>
+            <a:endParaRPr lang="en-GB"/>
+          </a:p>
+        </p:txBody>
+      </p:sp>
+      <p:sp>
+        <p:nvSpPr>
+          <p:cNvPr id="20" name="TextBox 19"/>
+          <p:cNvSpPr txBox="1"/>
+          <p:nvPr/>
+        </p:nvSpPr>
+        <p:spPr>
+          <a:xfrm>
+            <a:off x="2853616" y="2671109"/>
+            <a:ext cx="2492990" cy="276999"/>
+          </a:xfrm>
+          <a:prstGeom prst="rect">
+            <a:avLst/>
+          </a:prstGeom>
+          <a:noFill/>
+        </p:spPr>
+        <p:txBody>
+          <a:bodyPr wrap="none" rtlCol="0">
+            <a:spAutoFit/>
+          </a:bodyPr>
+          <a:lstStyle/>
+          <a:p>
+            <a:r>
+              <a:rPr lang="en-GB" sz="1200" b="1" dirty="0" smtClean="0">
+                <a:solidFill>
+                  <a:schemeClr val="accent6">
+                    <a:lumMod val="75000"/>
+                  </a:schemeClr>
+                </a:solidFill>
+              </a:rPr>
+              <a:t>Implement Tasks and colony factory</a:t>
+            </a:r>
+            <a:endParaRPr lang="en-GB" sz="1200" b="1" dirty="0">
+              <a:solidFill>
+                <a:schemeClr val="accent6">
+                  <a:lumMod val="75000"/>
+                </a:schemeClr>
+              </a:solidFill>
+            </a:endParaRPr>
+          </a:p>
+        </p:txBody>
+      </p:sp>
+      <p:sp>
+        <p:nvSpPr>
+          <p:cNvPr id="21" name="Rounded Rectangle 20"/>
+          <p:cNvSpPr/>
+          <p:nvPr/>
+        </p:nvSpPr>
+        <p:spPr>
+          <a:xfrm>
+            <a:off x="3239344" y="3429000"/>
+            <a:ext cx="2484784" cy="216024"/>
+          </a:xfrm>
+          <a:prstGeom prst="roundRect">
+            <a:avLst/>
+          </a:prstGeom>
+          <a:ln/>
+          <a:effectLst/>
+        </p:spPr>
+        <p:style>
+          <a:lnRef idx="1">
+            <a:schemeClr val="accent4"/>
+          </a:lnRef>
+          <a:fillRef idx="3">
+            <a:schemeClr val="accent4"/>
+          </a:fillRef>
+          <a:effectRef idx="2">
+            <a:schemeClr val="accent4"/>
+          </a:effectRef>
+          <a:fontRef idx="minor">
+            <a:schemeClr val="lt1"/>
+          </a:fontRef>
+        </p:style>
+        <p:txBody>
+          <a:bodyPr rtlCol="0" anchor="ctr"/>
+          <a:lstStyle/>
+          <a:p>
+            <a:pPr algn="ctr"/>
+            <a:r>
+              <a:rPr lang="en-GB" sz="1200" b="1" dirty="0" smtClean="0"/>
+              <a:t>Experiment and data collection</a:t>
+            </a:r>
+            <a:endParaRPr lang="en-GB" sz="1200" b="1" dirty="0"/>
+          </a:p>
+        </p:txBody>
+      </p:sp>
+      <p:sp>
+        <p:nvSpPr>
+          <p:cNvPr id="25" name="Rounded Rectangle 24"/>
+          <p:cNvSpPr/>
+          <p:nvPr/>
+        </p:nvSpPr>
+        <p:spPr>
+          <a:xfrm>
+            <a:off x="3239344" y="3717032"/>
+            <a:ext cx="1224136" cy="216024"/>
+          </a:xfrm>
+          <a:prstGeom prst="roundRect">
+            <a:avLst/>
+          </a:prstGeom>
+          <a:ln/>
+          <a:effectLst/>
+        </p:spPr>
+        <p:style>
+          <a:lnRef idx="1">
+            <a:schemeClr val="accent4"/>
+          </a:lnRef>
+          <a:fillRef idx="3">
+            <a:schemeClr val="accent4"/>
+          </a:fillRef>
+          <a:effectRef idx="2">
+            <a:schemeClr val="accent4"/>
+          </a:effectRef>
+          <a:fontRef idx="minor">
+            <a:schemeClr val="lt1"/>
+          </a:fontRef>
+        </p:style>
+        <p:txBody>
+          <a:bodyPr rtlCol="0" anchor="ctr"/>
+          <a:lstStyle/>
+          <a:p>
+            <a:pPr algn="ctr"/>
+            <a:endParaRPr lang="en-GB" sz="1200" b="1" dirty="0"/>
+          </a:p>
+        </p:txBody>
+      </p:sp>
+      <p:sp>
+        <p:nvSpPr>
+          <p:cNvPr id="26" name="TextBox 25"/>
+          <p:cNvSpPr txBox="1"/>
+          <p:nvPr/>
+        </p:nvSpPr>
+        <p:spPr>
+          <a:xfrm>
+            <a:off x="4439056" y="3681657"/>
+            <a:ext cx="2011037" cy="276999"/>
+          </a:xfrm>
+          <a:prstGeom prst="rect">
+            <a:avLst/>
+          </a:prstGeom>
+          <a:noFill/>
+        </p:spPr>
+        <p:txBody>
+          <a:bodyPr wrap="none" rtlCol="0">
+            <a:spAutoFit/>
+          </a:bodyPr>
+          <a:lstStyle/>
+          <a:p>
+            <a:r>
+              <a:rPr lang="en-GB" sz="1200" b="1" dirty="0" smtClean="0">
+                <a:solidFill>
+                  <a:schemeClr val="accent4">
+                    <a:lumMod val="75000"/>
+                  </a:schemeClr>
+                </a:solidFill>
+              </a:rPr>
+              <a:t>Run experiment, collect data </a:t>
+            </a:r>
+            <a:endParaRPr lang="en-GB" sz="1200" b="1" dirty="0">
+              <a:solidFill>
+                <a:schemeClr val="accent4">
+                  <a:lumMod val="75000"/>
+                </a:schemeClr>
+              </a:solidFill>
+            </a:endParaRPr>
+          </a:p>
+        </p:txBody>
+      </p:sp>
+      <p:sp>
+        <p:nvSpPr>
+          <p:cNvPr id="27" name="Rounded Rectangle 26"/>
+          <p:cNvSpPr/>
+          <p:nvPr/>
+        </p:nvSpPr>
+        <p:spPr>
+          <a:xfrm>
+            <a:off x="4211960" y="4040439"/>
+            <a:ext cx="1440160" cy="216024"/>
+          </a:xfrm>
+          <a:prstGeom prst="roundRect">
+            <a:avLst/>
+          </a:prstGeom>
+          <a:ln/>
+          <a:effectLst/>
+        </p:spPr>
+        <p:style>
+          <a:lnRef idx="1">
+            <a:schemeClr val="accent4"/>
+          </a:lnRef>
+          <a:fillRef idx="3">
+            <a:schemeClr val="accent4"/>
+          </a:fillRef>
+          <a:effectRef idx="2">
+            <a:schemeClr val="accent4"/>
+          </a:effectRef>
+          <a:fontRef idx="minor">
+            <a:schemeClr val="lt1"/>
+          </a:fontRef>
+        </p:style>
+        <p:txBody>
+          <a:bodyPr rtlCol="0" anchor="ctr"/>
+          <a:lstStyle/>
+          <a:p>
+            <a:pPr algn="ctr"/>
+            <a:endParaRPr lang="en-GB" sz="1200" b="1" dirty="0"/>
+          </a:p>
+        </p:txBody>
+      </p:sp>
+      <p:sp>
+        <p:nvSpPr>
+          <p:cNvPr id="28" name="TextBox 27"/>
+          <p:cNvSpPr txBox="1"/>
+          <p:nvPr/>
+        </p:nvSpPr>
+        <p:spPr>
+          <a:xfrm>
+            <a:off x="5652120" y="4005064"/>
+            <a:ext cx="1008660" cy="276999"/>
+          </a:xfrm>
+          <a:prstGeom prst="rect">
+            <a:avLst/>
+          </a:prstGeom>
+          <a:noFill/>
+        </p:spPr>
+        <p:txBody>
+          <a:bodyPr wrap="none" rtlCol="0">
+            <a:spAutoFit/>
+          </a:bodyPr>
+          <a:lstStyle/>
+          <a:p>
+            <a:r>
+              <a:rPr lang="en-GB" sz="1200" b="1" dirty="0" smtClean="0">
+                <a:solidFill>
+                  <a:schemeClr val="accent4">
+                    <a:lumMod val="75000"/>
+                  </a:schemeClr>
+                </a:solidFill>
+              </a:rPr>
+              <a:t>Analyse data</a:t>
+            </a:r>
+            <a:endParaRPr lang="en-GB" sz="1200" b="1" dirty="0">
+              <a:solidFill>
+                <a:schemeClr val="accent4">
+                  <a:lumMod val="75000"/>
+                </a:schemeClr>
+              </a:solidFill>
+            </a:endParaRPr>
+          </a:p>
+        </p:txBody>
+      </p:sp>
+      <p:sp>
+        <p:nvSpPr>
+          <p:cNvPr id="29" name="Rounded Rectangle 28"/>
+          <p:cNvSpPr/>
+          <p:nvPr/>
+        </p:nvSpPr>
+        <p:spPr>
+          <a:xfrm>
+            <a:off x="3995936" y="4725144"/>
+            <a:ext cx="4752528" cy="216024"/>
+          </a:xfrm>
+          <a:prstGeom prst="roundRect">
+            <a:avLst/>
+          </a:prstGeom>
+          <a:ln/>
+        </p:spPr>
+        <p:style>
+          <a:lnRef idx="1">
+            <a:schemeClr val="accent5"/>
+          </a:lnRef>
+          <a:fillRef idx="3">
+            <a:schemeClr val="accent5"/>
+          </a:fillRef>
+          <a:effectRef idx="2">
+            <a:schemeClr val="accent5"/>
+          </a:effectRef>
+          <a:fontRef idx="minor">
+            <a:schemeClr val="lt1"/>
+          </a:fontRef>
+        </p:style>
+        <p:txBody>
+          <a:bodyPr rtlCol="0" anchor="ctr"/>
+          <a:lstStyle/>
+          <a:p>
+            <a:pPr algn="ctr"/>
+            <a:r>
+              <a:rPr lang="en-GB" sz="1200" b="1" dirty="0" smtClean="0"/>
+              <a:t>Reports</a:t>
+            </a:r>
+            <a:endParaRPr lang="en-GB" sz="1200" b="1" dirty="0"/>
+          </a:p>
+        </p:txBody>
+      </p:sp>
+      <p:sp>
+        <p:nvSpPr>
+          <p:cNvPr id="33" name="Diamond 32"/>
+          <p:cNvSpPr/>
+          <p:nvPr/>
+        </p:nvSpPr>
+        <p:spPr>
+          <a:xfrm>
+            <a:off x="4427984" y="5085184"/>
+            <a:ext cx="216024" cy="216024"/>
+          </a:xfrm>
+          <a:prstGeom prst="diamond">
+            <a:avLst/>
+          </a:prstGeom>
+          <a:effectLst/>
+        </p:spPr>
+        <p:style>
+          <a:lnRef idx="1">
+            <a:schemeClr val="accent5"/>
+          </a:lnRef>
+          <a:fillRef idx="3">
+            <a:schemeClr val="accent5"/>
+          </a:fillRef>
+          <a:effectRef idx="2">
+            <a:schemeClr val="accent5"/>
+          </a:effectRef>
+          <a:fontRef idx="minor">
+            <a:schemeClr val="lt1"/>
+          </a:fontRef>
+        </p:style>
+        <p:txBody>
+          <a:bodyPr rtlCol="0" anchor="ctr"/>
+          <a:lstStyle/>
+          <a:p>
+            <a:pPr algn="ctr"/>
+            <a:endParaRPr lang="en-GB"/>
+          </a:p>
+        </p:txBody>
+      </p:sp>
+      <p:sp>
+        <p:nvSpPr>
+          <p:cNvPr id="35" name="TextBox 34"/>
+          <p:cNvSpPr txBox="1"/>
+          <p:nvPr/>
+        </p:nvSpPr>
+        <p:spPr>
+          <a:xfrm>
+            <a:off x="4620848" y="5037598"/>
+            <a:ext cx="1129035" cy="276999"/>
+          </a:xfrm>
+          <a:prstGeom prst="rect">
+            <a:avLst/>
+          </a:prstGeom>
+          <a:noFill/>
+        </p:spPr>
+        <p:txBody>
+          <a:bodyPr wrap="none" rtlCol="0">
+            <a:spAutoFit/>
+          </a:bodyPr>
+          <a:lstStyle/>
+          <a:p>
+            <a:r>
+              <a:rPr lang="en-GB" sz="1200" b="1" dirty="0" smtClean="0">
+                <a:solidFill>
+                  <a:schemeClr val="accent5">
+                    <a:lumMod val="75000"/>
+                  </a:schemeClr>
+                </a:solidFill>
+              </a:rPr>
+              <a:t>Interim Report</a:t>
+            </a:r>
+            <a:endParaRPr lang="en-GB" sz="1200" b="1" dirty="0">
+              <a:solidFill>
+                <a:schemeClr val="accent5">
+                  <a:lumMod val="75000"/>
+                </a:schemeClr>
+              </a:solidFill>
+            </a:endParaRPr>
+          </a:p>
+        </p:txBody>
+      </p:sp>
+      <p:sp>
+        <p:nvSpPr>
+          <p:cNvPr id="36" name="Diamond 35"/>
+          <p:cNvSpPr/>
+          <p:nvPr/>
+        </p:nvSpPr>
+        <p:spPr>
+          <a:xfrm>
+            <a:off x="6251344" y="5229200"/>
+            <a:ext cx="216024" cy="216024"/>
+          </a:xfrm>
+          <a:prstGeom prst="diamond">
+            <a:avLst/>
+          </a:prstGeom>
+          <a:effectLst/>
+        </p:spPr>
+        <p:style>
+          <a:lnRef idx="1">
+            <a:schemeClr val="accent5"/>
+          </a:lnRef>
+          <a:fillRef idx="3">
+            <a:schemeClr val="accent5"/>
+          </a:fillRef>
+          <a:effectRef idx="2">
+            <a:schemeClr val="accent5"/>
+          </a:effectRef>
+          <a:fontRef idx="minor">
+            <a:schemeClr val="lt1"/>
+          </a:fontRef>
+        </p:style>
+        <p:txBody>
+          <a:bodyPr rtlCol="0" anchor="ctr"/>
+          <a:lstStyle/>
+          <a:p>
+            <a:pPr algn="ctr"/>
+            <a:endParaRPr lang="en-GB"/>
+          </a:p>
+        </p:txBody>
+      </p:sp>
+      <p:sp>
+        <p:nvSpPr>
+          <p:cNvPr id="37" name="TextBox 36"/>
+          <p:cNvSpPr txBox="1"/>
+          <p:nvPr/>
+        </p:nvSpPr>
+        <p:spPr>
+          <a:xfrm>
+            <a:off x="6444208" y="5181614"/>
+            <a:ext cx="1199292" cy="276999"/>
+          </a:xfrm>
+          <a:prstGeom prst="rect">
+            <a:avLst/>
+          </a:prstGeom>
+          <a:noFill/>
+        </p:spPr>
+        <p:txBody>
+          <a:bodyPr wrap="none" rtlCol="0">
+            <a:spAutoFit/>
+          </a:bodyPr>
+          <a:lstStyle/>
+          <a:p>
+            <a:r>
+              <a:rPr lang="en-GB" sz="1200" b="1" dirty="0" smtClean="0">
+                <a:solidFill>
+                  <a:schemeClr val="accent5">
+                    <a:lumMod val="75000"/>
+                  </a:schemeClr>
+                </a:solidFill>
+              </a:rPr>
+              <a:t>Sample Chapter</a:t>
+            </a:r>
+            <a:endParaRPr lang="en-GB" sz="1200" b="1" dirty="0">
+              <a:solidFill>
+                <a:schemeClr val="accent5">
+                  <a:lumMod val="75000"/>
+                </a:schemeClr>
+              </a:solidFill>
+            </a:endParaRPr>
+          </a:p>
+        </p:txBody>
+      </p:sp>
+      <p:sp>
+        <p:nvSpPr>
+          <p:cNvPr id="38" name="Diamond 37"/>
+          <p:cNvSpPr/>
+          <p:nvPr/>
+        </p:nvSpPr>
+        <p:spPr>
+          <a:xfrm>
+            <a:off x="8244408" y="5552607"/>
+            <a:ext cx="216024" cy="216024"/>
+          </a:xfrm>
+          <a:prstGeom prst="diamond">
+            <a:avLst/>
+          </a:prstGeom>
+          <a:effectLst/>
+        </p:spPr>
+        <p:style>
+          <a:lnRef idx="1">
+            <a:schemeClr val="accent5"/>
+          </a:lnRef>
+          <a:fillRef idx="3">
+            <a:schemeClr val="accent5"/>
+          </a:fillRef>
+          <a:effectRef idx="2">
+            <a:schemeClr val="accent5"/>
+          </a:effectRef>
+          <a:fontRef idx="minor">
+            <a:schemeClr val="lt1"/>
+          </a:fontRef>
+        </p:style>
+        <p:txBody>
+          <a:bodyPr rtlCol="0" anchor="ctr"/>
+          <a:lstStyle/>
+          <a:p>
+            <a:pPr algn="ctr"/>
+            <a:endParaRPr lang="en-GB"/>
+          </a:p>
+        </p:txBody>
+      </p:sp>
+      <p:sp>
+        <p:nvSpPr>
+          <p:cNvPr id="39" name="TextBox 38"/>
+          <p:cNvSpPr txBox="1"/>
+          <p:nvPr/>
+        </p:nvSpPr>
+        <p:spPr>
+          <a:xfrm>
+            <a:off x="7272932" y="5517232"/>
+            <a:ext cx="982435" cy="276999"/>
+          </a:xfrm>
+          <a:prstGeom prst="rect">
+            <a:avLst/>
+          </a:prstGeom>
+          <a:noFill/>
+        </p:spPr>
+        <p:txBody>
+          <a:bodyPr wrap="none" rtlCol="0">
+            <a:spAutoFit/>
+          </a:bodyPr>
+          <a:lstStyle/>
+          <a:p>
+            <a:r>
+              <a:rPr lang="en-GB" sz="1200" b="1" dirty="0" smtClean="0">
+                <a:solidFill>
+                  <a:schemeClr val="accent5">
+                    <a:lumMod val="75000"/>
+                  </a:schemeClr>
+                </a:solidFill>
+              </a:rPr>
+              <a:t>Report Draft</a:t>
+            </a:r>
+            <a:endParaRPr lang="en-GB" sz="1200" b="1" dirty="0">
+              <a:solidFill>
+                <a:schemeClr val="accent5">
+                  <a:lumMod val="75000"/>
+                </a:schemeClr>
+              </a:solidFill>
+            </a:endParaRPr>
+          </a:p>
+        </p:txBody>
+      </p:sp>
     </p:spTree>
     <p:extLst>
       <p:ext uri="{BB962C8B-B14F-4D97-AF65-F5344CB8AC3E}">
-        <p14:creationId xmlns:p14="http://schemas.microsoft.com/office/powerpoint/2010/main" val="2501142546"/>
+        <p14:creationId xmlns:p14="http://schemas.microsoft.com/office/powerpoint/2010/main" val="432923352"/>
       </p:ext>
     </p:extLst>
   </p:cSld>
@@ -7603,8 +8475,16 @@
               </a:spcBef>
             </a:pPr>
             <a:r>
+              <a:rPr lang="en-GB" b="1" dirty="0" smtClean="0"/>
+              <a:t>Generic: </a:t>
+            </a:r>
+            <a:r>
+              <a:rPr lang="en-GB" dirty="0" smtClean="0"/>
+              <a:t>Different </a:t>
+            </a:r>
+            <a:r>
               <a:rPr lang="en-GB" dirty="0"/>
-              <a:t>Different types of </a:t>
+              <a:t>types of </a:t>
             </a:r>
             <a:r>
               <a:rPr lang="en-GB" dirty="0" smtClean="0"/>
@@ -8086,11 +8966,7 @@
             <a:pPr algn="r"/>
             <a:r>
               <a:rPr lang="en-US" sz="1400" dirty="0" smtClean="0"/>
-              <a:t>[3] </a:t>
-            </a:r>
-            <a:r>
-              <a:rPr lang="en-US" sz="1400" dirty="0" smtClean="0"/>
-              <a:t>The </a:t>
+              <a:t>[3] The </a:t>
             </a:r>
             <a:r>
               <a:rPr lang="en-US" sz="1400" dirty="0" err="1" smtClean="0"/>
@@ -8585,7 +9461,7 @@
             </a:r>
             <a:r>
               <a:rPr lang="en-US" baseline="30000" dirty="0" smtClean="0"/>
-              <a:t>[3]</a:t>
+              <a:t>[4]</a:t>
             </a:r>
             <a:endParaRPr lang="en-US" baseline="30000" dirty="0"/>
           </a:p>
@@ -8647,11 +9523,7 @@
             </a:r>
             <a:r>
               <a:rPr lang="en-US" sz="1400" dirty="0" smtClean="0"/>
-              <a:t> in Insect Societies</a:t>
-            </a:r>
-            <a:r>
-              <a:rPr lang="en-US" sz="1400" dirty="0" smtClean="0"/>
-              <a:t>, </a:t>
+              <a:t> in Insect Societies, </a:t>
             </a:r>
             <a:r>
               <a:rPr lang="en-US" sz="1400" dirty="0" err="1" smtClean="0"/>
@@ -9021,7 +9893,7 @@
           <a:graphicData uri="http://schemas.openxmlformats.org/presentationml/2006/ole">
             <mc:AlternateContent xmlns:mc="http://schemas.openxmlformats.org/markup-compatibility/2006">
               <mc:Choice xmlns:v="urn:schemas-microsoft-com:vml" Requires="v">
-                <p:oleObj spid="_x0000_s1034" name="Equation" r:id="rId4" imgW="914400" imgH="406400" progId="Equation.3">
+                <p:oleObj spid="_x0000_s1061" name="Equation" r:id="rId4" imgW="914400" imgH="406400" progId="Equation.3">
                   <p:embed/>
                 </p:oleObj>
               </mc:Choice>

--- a/presentation-june/Presentation.pptx
+++ b/presentation-june/Presentation.pptx
@@ -5,7 +5,7 @@
     <p:sldMasterId id="2147483648" r:id="rId1"/>
   </p:sldMasterIdLst>
   <p:notesMasterIdLst>
-    <p:notesMasterId r:id="rId16"/>
+    <p:notesMasterId r:id="rId15"/>
   </p:notesMasterIdLst>
   <p:sldIdLst>
     <p:sldId id="256" r:id="rId2"/>
@@ -21,7 +21,6 @@
     <p:sldId id="265" r:id="rId12"/>
     <p:sldId id="266" r:id="rId13"/>
     <p:sldId id="272" r:id="rId14"/>
-    <p:sldId id="268" r:id="rId15"/>
   </p:sldIdLst>
   <p:sldSz cx="9144000" cy="6858000" type="screen4x3"/>
   <p:notesSz cx="6858000" cy="9144000"/>
@@ -126,7 +125,7 @@
 <file path=ppt/charts/chart1.xml><?xml version="1.0" encoding="utf-8"?>
 <c:chartSpace xmlns:c="http://schemas.openxmlformats.org/drawingml/2006/chart" xmlns:a="http://schemas.openxmlformats.org/drawingml/2006/main" xmlns:r="http://schemas.openxmlformats.org/officeDocument/2006/relationships">
   <c:date1904 val="0"/>
-  <c:lang val="en-US"/>
+  <c:lang val="en-GB"/>
   <c:roundedCorners val="0"/>
   <mc:AlternateContent xmlns:mc="http://schemas.openxmlformats.org/markup-compatibility/2006">
     <mc:Choice xmlns:c14="http://schemas.microsoft.com/office/drawing/2007/8/2/chart" Requires="c14">
@@ -292,10 +291,10 @@
                 <c:formatCode>General</c:formatCode>
                 <c:ptCount val="2"/>
                 <c:pt idx="0">
-                  <c:v>2.0</c:v>
+                  <c:v>2</c:v>
                 </c:pt>
                 <c:pt idx="1">
-                  <c:v>98.0</c:v>
+                  <c:v>98</c:v>
                 </c:pt>
               </c:numCache>
             </c:numRef>
@@ -335,7 +334,7 @@
 <file path=ppt/charts/chart2.xml><?xml version="1.0" encoding="utf-8"?>
 <c:chartSpace xmlns:c="http://schemas.openxmlformats.org/drawingml/2006/chart" xmlns:a="http://schemas.openxmlformats.org/drawingml/2006/main" xmlns:r="http://schemas.openxmlformats.org/officeDocument/2006/relationships">
   <c:date1904 val="0"/>
-  <c:lang val="en-US"/>
+  <c:lang val="en-GB"/>
   <c:roundedCorners val="0"/>
   <mc:AlternateContent xmlns:mc="http://schemas.openxmlformats.org/markup-compatibility/2006">
     <mc:Choice xmlns:c14="http://schemas.microsoft.com/office/drawing/2007/8/2/chart" Requires="c14">
@@ -501,10 +500,10 @@
                 <c:formatCode>General</c:formatCode>
                 <c:ptCount val="2"/>
                 <c:pt idx="0">
-                  <c:v>50.0</c:v>
+                  <c:v>50</c:v>
                 </c:pt>
                 <c:pt idx="1">
-                  <c:v>50.0</c:v>
+                  <c:v>50</c:v>
                 </c:pt>
               </c:numCache>
             </c:numRef>
@@ -633,7 +632,7 @@
           <a:p>
             <a:fld id="{D2D90C8E-9ABA-428A-AE3B-7180319A3F53}" type="datetimeFigureOut">
               <a:rPr lang="en-GB" smtClean="0"/>
-              <a:t>06/06/2012</a:t>
+              <a:t>07/06/2012</a:t>
             </a:fld>
             <a:endParaRPr lang="en-GB"/>
           </a:p>
@@ -1708,7 +1707,7 @@
           <a:p>
             <a:fld id="{70186140-57E4-4B6F-BB49-D5C1E28E250A}" type="datetimeFigureOut">
               <a:rPr lang="en-GB" smtClean="0"/>
-              <a:t>06/06/2012</a:t>
+              <a:t>07/06/2012</a:t>
             </a:fld>
             <a:endParaRPr lang="en-GB"/>
           </a:p>
@@ -1769,7 +1768,7 @@
   <p:timing>
     <p:tnLst>
       <p:par>
-        <p:cTn xmlns:p14="http://schemas.microsoft.com/office/powerpoint/2010/main" id="1" dur="indefinite" restart="never" nodeType="tmRoot"/>
+        <p:cTn id="1" dur="indefinite" restart="never" nodeType="tmRoot"/>
       </p:par>
     </p:tnLst>
   </p:timing>
@@ -1885,7 +1884,7 @@
           <a:p>
             <a:fld id="{70186140-57E4-4B6F-BB49-D5C1E28E250A}" type="datetimeFigureOut">
               <a:rPr lang="en-GB" smtClean="0"/>
-              <a:t>06/06/2012</a:t>
+              <a:t>07/06/2012</a:t>
             </a:fld>
             <a:endParaRPr lang="en-GB"/>
           </a:p>
@@ -2065,7 +2064,7 @@
           <a:p>
             <a:fld id="{70186140-57E4-4B6F-BB49-D5C1E28E250A}" type="datetimeFigureOut">
               <a:rPr lang="en-GB" smtClean="0"/>
-              <a:t>06/06/2012</a:t>
+              <a:t>07/06/2012</a:t>
             </a:fld>
             <a:endParaRPr lang="en-GB"/>
           </a:p>
@@ -2247,7 +2246,7 @@
           <a:p>
             <a:fld id="{70186140-57E4-4B6F-BB49-D5C1E28E250A}" type="datetimeFigureOut">
               <a:rPr lang="en-GB" smtClean="0"/>
-              <a:t>06/06/2012</a:t>
+              <a:t>07/06/2012</a:t>
             </a:fld>
             <a:endParaRPr lang="en-GB"/>
           </a:p>
@@ -2354,7 +2353,7 @@
   <p:timing>
     <p:tnLst>
       <p:par>
-        <p:cTn xmlns:p14="http://schemas.microsoft.com/office/powerpoint/2010/main" id="1" dur="indefinite" restart="never" nodeType="tmRoot"/>
+        <p:cTn id="1" dur="indefinite" restart="never" nodeType="tmRoot"/>
       </p:par>
     </p:tnLst>
   </p:timing>
@@ -2546,7 +2545,7 @@
           <a:p>
             <a:fld id="{70186140-57E4-4B6F-BB49-D5C1E28E250A}" type="datetimeFigureOut">
               <a:rPr lang="en-GB" smtClean="0"/>
-              <a:t>06/06/2012</a:t>
+              <a:t>07/06/2012</a:t>
             </a:fld>
             <a:endParaRPr lang="en-GB"/>
           </a:p>
@@ -2834,7 +2833,7 @@
           <a:p>
             <a:fld id="{70186140-57E4-4B6F-BB49-D5C1E28E250A}" type="datetimeFigureOut">
               <a:rPr lang="en-GB" smtClean="0"/>
-              <a:t>06/06/2012</a:t>
+              <a:t>07/06/2012</a:t>
             </a:fld>
             <a:endParaRPr lang="en-GB"/>
           </a:p>
@@ -3256,7 +3255,7 @@
           <a:p>
             <a:fld id="{70186140-57E4-4B6F-BB49-D5C1E28E250A}" type="datetimeFigureOut">
               <a:rPr lang="en-GB" smtClean="0"/>
-              <a:t>06/06/2012</a:t>
+              <a:t>07/06/2012</a:t>
             </a:fld>
             <a:endParaRPr lang="en-GB"/>
           </a:p>
@@ -3374,7 +3373,7 @@
           <a:p>
             <a:fld id="{70186140-57E4-4B6F-BB49-D5C1E28E250A}" type="datetimeFigureOut">
               <a:rPr lang="en-GB" smtClean="0"/>
-              <a:t>06/06/2012</a:t>
+              <a:t>07/06/2012</a:t>
             </a:fld>
             <a:endParaRPr lang="en-GB"/>
           </a:p>
@@ -3469,7 +3468,7 @@
           <a:p>
             <a:fld id="{70186140-57E4-4B6F-BB49-D5C1E28E250A}" type="datetimeFigureOut">
               <a:rPr lang="en-GB" smtClean="0"/>
-              <a:t>06/06/2012</a:t>
+              <a:t>07/06/2012</a:t>
             </a:fld>
             <a:endParaRPr lang="en-GB"/>
           </a:p>
@@ -3746,7 +3745,7 @@
           <a:p>
             <a:fld id="{70186140-57E4-4B6F-BB49-D5C1E28E250A}" type="datetimeFigureOut">
               <a:rPr lang="en-GB" smtClean="0"/>
-              <a:t>06/06/2012</a:t>
+              <a:t>07/06/2012</a:t>
             </a:fld>
             <a:endParaRPr lang="en-GB"/>
           </a:p>
@@ -3999,7 +3998,7 @@
           <a:p>
             <a:fld id="{70186140-57E4-4B6F-BB49-D5C1E28E250A}" type="datetimeFigureOut">
               <a:rPr lang="en-GB" smtClean="0"/>
-              <a:t>06/06/2012</a:t>
+              <a:t>07/06/2012</a:t>
             </a:fld>
             <a:endParaRPr lang="en-GB"/>
           </a:p>
@@ -4212,7 +4211,7 @@
           <a:p>
             <a:fld id="{70186140-57E4-4B6F-BB49-D5C1E28E250A}" type="datetimeFigureOut">
               <a:rPr lang="en-GB" smtClean="0"/>
-              <a:t>06/06/2012</a:t>
+              <a:t>07/06/2012</a:t>
             </a:fld>
             <a:endParaRPr lang="en-GB"/>
           </a:p>
@@ -4320,7 +4319,7 @@
   <p:timing>
     <p:tnLst>
       <p:par>
-        <p:cTn xmlns:p14="http://schemas.microsoft.com/office/powerpoint/2010/main" id="1" dur="indefinite" restart="never" nodeType="tmRoot"/>
+        <p:cTn id="1" dur="indefinite" restart="never" nodeType="tmRoot"/>
       </p:par>
     </p:tnLst>
   </p:timing>
@@ -4736,14 +4735,14 @@
           </a:ln>
           <a:effectLst/>
           <a:extLst>
-            <a:ext uri="{909E8E84-426E-40dd-AFC4-6F175D3DCCD1}">
+            <a:ext uri="{909E8E84-426E-40DD-AFC4-6F175D3DCCD1}">
               <a14:hiddenFill xmlns:a14="http://schemas.microsoft.com/office/drawing/2010/main">
                 <a:solidFill>
                   <a:schemeClr val="accent1"/>
                 </a:solidFill>
               </a14:hiddenFill>
             </a:ext>
-            <a:ext uri="{91240B29-F687-4f45-9708-019B960494DF}">
+            <a:ext uri="{91240B29-F687-4F45-9708-019B960494DF}">
               <a14:hiddenLine xmlns:a14="http://schemas.microsoft.com/office/drawing/2010/main" w="9525">
                 <a:solidFill>
                   <a:schemeClr val="tx1"/>
@@ -4753,7 +4752,7 @@
                 <a:tailEnd/>
               </a14:hiddenLine>
             </a:ext>
-            <a:ext uri="{AF507438-7753-43e0-B8FC-AC1667EBCBE1}">
+            <a:ext uri="{AF507438-7753-43E0-B8FC-AC1667EBCBE1}">
               <a14:hiddenEffects xmlns:a14="http://schemas.microsoft.com/office/drawing/2010/main">
                 <a:effectLst>
                   <a:outerShdw dist="35921" dir="2700000" algn="ctr" rotWithShape="0">
@@ -4942,7 +4941,7 @@
   <p:timing>
     <p:tnLst>
       <p:par>
-        <p:cTn xmlns:p14="http://schemas.microsoft.com/office/powerpoint/2010/main" id="1" dur="indefinite" restart="never" nodeType="tmRoot"/>
+        <p:cTn id="1" dur="indefinite" restart="never" nodeType="tmRoot"/>
       </p:par>
     </p:tnLst>
   </p:timing>
@@ -5057,7 +5056,7 @@
   <p:timing>
     <p:tnLst>
       <p:par>
-        <p:cTn xmlns:p14="http://schemas.microsoft.com/office/powerpoint/2010/main" id="1" dur="indefinite" restart="never" nodeType="tmRoot">
+        <p:cTn id="1" dur="indefinite" restart="never" nodeType="tmRoot">
           <p:childTnLst>
             <p:seq concurrent="1" nextAc="seek">
               <p:cTn id="2" dur="indefinite" nodeType="mainSeq">
@@ -5349,7 +5348,7 @@
   <p:timing>
     <p:tnLst>
       <p:par>
-        <p:cTn xmlns:p14="http://schemas.microsoft.com/office/powerpoint/2010/main" id="1" dur="indefinite" restart="never" nodeType="tmRoot">
+        <p:cTn id="1" dur="indefinite" restart="never" nodeType="tmRoot">
           <p:childTnLst>
             <p:seq concurrent="1" nextAc="seek">
               <p:cTn id="2" dur="indefinite" nodeType="mainSeq">
@@ -5697,17 +5696,12 @@
             </a:pPr>
             <a:r>
               <a:rPr lang="en-GB" dirty="0" smtClean="0"/>
-              <a:t>Pheromone trail updates need to be </a:t>
-            </a:r>
-            <a:r>
-              <a:rPr lang="en-GB" dirty="0" smtClean="0"/>
-              <a:t>local</a:t>
+              <a:t>Pheromone trail updates need to be local</a:t>
             </a:r>
             <a:r>
               <a:rPr lang="en-GB" dirty="0"/>
               <a:t>;</a:t>
             </a:r>
-            <a:endParaRPr lang="en-GB" dirty="0"/>
           </a:p>
           <a:p>
             <a:pPr>
@@ -5736,7 +5730,7 @@
   <p:timing>
     <p:tnLst>
       <p:par>
-        <p:cTn xmlns:p14="http://schemas.microsoft.com/office/powerpoint/2010/main" id="1" dur="indefinite" restart="never" nodeType="tmRoot">
+        <p:cTn id="1" dur="indefinite" restart="never" nodeType="tmRoot">
           <p:childTnLst>
             <p:seq concurrent="1" nextAc="seek">
               <p:cTn id="2" dur="indefinite" nodeType="mainSeq">
@@ -6926,192 +6920,7 @@
   <p:timing>
     <p:tnLst>
       <p:par>
-        <p:cTn xmlns:p14="http://schemas.microsoft.com/office/powerpoint/2010/main" id="1" dur="indefinite" restart="never" nodeType="tmRoot"/>
-      </p:par>
-    </p:tnLst>
-  </p:timing>
-</p:sld>
-</file>
-
-<file path=ppt/slides/slide14.xml><?xml version="1.0" encoding="utf-8"?>
-<p:sld xmlns:a="http://schemas.openxmlformats.org/drawingml/2006/main" xmlns:r="http://schemas.openxmlformats.org/officeDocument/2006/relationships" xmlns:p="http://schemas.openxmlformats.org/presentationml/2006/main">
-  <p:cSld>
-    <p:spTree>
-      <p:nvGrpSpPr>
-        <p:cNvPr id="1" name=""/>
-        <p:cNvGrpSpPr/>
-        <p:nvPr/>
-      </p:nvGrpSpPr>
-      <p:grpSpPr>
-        <a:xfrm>
-          <a:off x="0" y="0"/>
-          <a:ext cx="0" cy="0"/>
-          <a:chOff x="0" y="0"/>
-          <a:chExt cx="0" cy="0"/>
-        </a:xfrm>
-      </p:grpSpPr>
-      <p:grpSp>
-        <p:nvGrpSpPr>
-          <p:cNvPr id="7" name="Group 6"/>
-          <p:cNvGrpSpPr/>
-          <p:nvPr/>
-        </p:nvGrpSpPr>
-        <p:grpSpPr>
-          <a:xfrm>
-            <a:off x="3059832" y="1289018"/>
-            <a:ext cx="2493996" cy="3148409"/>
-            <a:chOff x="3540125" y="1355899"/>
-            <a:chExt cx="2493996" cy="3148409"/>
-          </a:xfrm>
-        </p:grpSpPr>
-        <p:pic>
-          <p:nvPicPr>
-            <p:cNvPr id="1027" name="Picture 3" descr="C:\Users\luiza\Desktop\presentation\stock\australis2.jpg"/>
-            <p:cNvPicPr>
-              <a:picLocks noChangeAspect="1" noChangeArrowheads="1"/>
-            </p:cNvPicPr>
-            <p:nvPr/>
-          </p:nvPicPr>
-          <p:blipFill>
-            <a:blip r:embed="rId2">
-              <a:extLst>
-                <a:ext uri="{BEBA8EAE-BF5A-486C-A8C5-ECC9F3942E4B}">
-                  <a14:imgProps xmlns:a14="http://schemas.microsoft.com/office/drawing/2010/main">
-                    <a14:imgLayer r:embed="rId3">
-                      <a14:imgEffect>
-                        <a14:backgroundRemoval t="16413" b="89970" l="15000" r="95000"/>
-                      </a14:imgEffect>
-                    </a14:imgLayer>
-                  </a14:imgProps>
-                </a:ext>
-                <a:ext uri="{28A0092B-C50C-407E-A947-70E740481C1C}">
-                  <a14:useLocalDpi xmlns:a14="http://schemas.microsoft.com/office/drawing/2010/main" val="0"/>
-                </a:ext>
-              </a:extLst>
-            </a:blip>
-            <a:srcRect/>
-            <a:stretch>
-              <a:fillRect/>
-            </a:stretch>
-          </p:blipFill>
-          <p:spPr bwMode="auto">
-            <a:xfrm rot="21369794">
-              <a:off x="3540125" y="2924944"/>
-              <a:ext cx="2493996" cy="1579364"/>
-            </a:xfrm>
-            <a:prstGeom prst="rect">
-              <a:avLst/>
-            </a:prstGeom>
-            <a:noFill/>
-            <a:ln>
-              <a:noFill/>
-            </a:ln>
-            <a:extLst>
-              <a:ext uri="{909E8E84-426E-40dd-AFC4-6F175D3DCCD1}">
-                <a14:hiddenFill xmlns:a14="http://schemas.microsoft.com/office/drawing/2010/main">
-                  <a:solidFill>
-                    <a:srgbClr val="FFFFFF"/>
-                  </a:solidFill>
-                </a14:hiddenFill>
-              </a:ext>
-            </a:extLst>
-          </p:spPr>
-        </p:pic>
-        <p:sp>
-          <p:nvSpPr>
-            <p:cNvPr id="6" name="TextBox 5"/>
-            <p:cNvSpPr txBox="1"/>
-            <p:nvPr/>
-          </p:nvSpPr>
-          <p:spPr>
-            <a:xfrm rot="900000">
-              <a:off x="4529858" y="1355899"/>
-              <a:ext cx="1004715" cy="2215991"/>
-            </a:xfrm>
-            <a:prstGeom prst="rect">
-              <a:avLst/>
-            </a:prstGeom>
-            <a:noFill/>
-          </p:spPr>
-          <p:txBody>
-            <a:bodyPr wrap="none" rtlCol="0">
-              <a:spAutoFit/>
-            </a:bodyPr>
-            <a:lstStyle/>
-            <a:p>
-              <a:r>
-                <a:rPr lang="en-GB" sz="13800" dirty="0" smtClean="0">
-                  <a:solidFill>
-                    <a:srgbClr val="77933C"/>
-                  </a:solidFill>
-                </a:rPr>
-                <a:t>?</a:t>
-              </a:r>
-              <a:endParaRPr lang="en-GB" sz="13800" dirty="0">
-                <a:solidFill>
-                  <a:srgbClr val="77933C"/>
-                </a:solidFill>
-              </a:endParaRPr>
-            </a:p>
-          </p:txBody>
-        </p:sp>
-        <p:sp>
-          <p:nvSpPr>
-            <p:cNvPr id="9" name="TextBox 8"/>
-            <p:cNvSpPr txBox="1"/>
-            <p:nvPr/>
-          </p:nvSpPr>
-          <p:spPr>
-            <a:xfrm rot="19800000">
-              <a:off x="3900111" y="2068751"/>
-              <a:ext cx="707245" cy="1446550"/>
-            </a:xfrm>
-            <a:prstGeom prst="rect">
-              <a:avLst/>
-            </a:prstGeom>
-            <a:noFill/>
-          </p:spPr>
-          <p:txBody>
-            <a:bodyPr wrap="none" rtlCol="0">
-              <a:spAutoFit/>
-            </a:bodyPr>
-            <a:lstStyle/>
-            <a:p>
-              <a:r>
-                <a:rPr lang="en-GB" sz="8800" dirty="0" smtClean="0">
-                  <a:solidFill>
-                    <a:schemeClr val="accent3">
-                      <a:lumMod val="75000"/>
-                    </a:schemeClr>
-                  </a:solidFill>
-                </a:rPr>
-                <a:t>?</a:t>
-              </a:r>
-              <a:endParaRPr lang="en-GB" sz="8800" dirty="0">
-                <a:solidFill>
-                  <a:schemeClr val="accent3">
-                    <a:lumMod val="75000"/>
-                  </a:schemeClr>
-                </a:solidFill>
-              </a:endParaRPr>
-            </a:p>
-          </p:txBody>
-        </p:sp>
-      </p:grpSp>
-    </p:spTree>
-    <p:extLst>
-      <p:ext uri="{BB962C8B-B14F-4D97-AF65-F5344CB8AC3E}">
-        <p14:creationId xmlns:p14="http://schemas.microsoft.com/office/powerpoint/2010/main" val="880166617"/>
-      </p:ext>
-    </p:extLst>
-  </p:cSld>
-  <p:clrMapOvr>
-    <a:masterClrMapping/>
-  </p:clrMapOvr>
-  <p:timing>
-    <p:tnLst>
-      <p:par>
-        <p:cTn xmlns:p14="http://schemas.microsoft.com/office/powerpoint/2010/main" id="1" dur="indefinite" restart="never" nodeType="tmRoot"/>
+        <p:cTn id="1" dur="indefinite" restart="never" nodeType="tmRoot"/>
       </p:par>
     </p:tnLst>
   </p:timing>
@@ -7293,7 +7102,7 @@
   <p:timing>
     <p:tnLst>
       <p:par>
-        <p:cTn xmlns:p14="http://schemas.microsoft.com/office/powerpoint/2010/main" id="1" dur="indefinite" restart="never" nodeType="tmRoot">
+        <p:cTn id="1" dur="indefinite" restart="never" nodeType="tmRoot">
           <p:childTnLst>
             <p:seq concurrent="1" nextAc="seek">
               <p:cTn id="2" dur="indefinite" nodeType="mainSeq">
@@ -7912,7 +7721,7 @@
   <p:timing>
     <p:tnLst>
       <p:par>
-        <p:cTn xmlns:p14="http://schemas.microsoft.com/office/powerpoint/2010/main" id="1" dur="indefinite" restart="never" nodeType="tmRoot">
+        <p:cTn id="1" dur="indefinite" restart="never" nodeType="tmRoot">
           <p:childTnLst>
             <p:seq concurrent="1" nextAc="seek">
               <p:cTn id="2" dur="indefinite" nodeType="mainSeq">
@@ -8280,7 +8089,7 @@
   <p:timing>
     <p:tnLst>
       <p:par>
-        <p:cTn xmlns:p14="http://schemas.microsoft.com/office/powerpoint/2010/main" id="1" dur="indefinite" restart="never" nodeType="tmRoot">
+        <p:cTn id="1" dur="indefinite" restart="never" nodeType="tmRoot">
           <p:childTnLst>
             <p:seq concurrent="1" nextAc="seek">
               <p:cTn id="2" dur="indefinite" nodeType="mainSeq">
@@ -8439,26 +8248,12 @@
             </a:r>
             <a:r>
               <a:rPr lang="en-GB" dirty="0" smtClean="0"/>
-              <a:t/>
-            </a:r>
-            <a:br>
-              <a:rPr lang="en-GB" dirty="0" smtClean="0"/>
-            </a:br>
-            <a:r>
-              <a:rPr lang="en-GB" dirty="0" smtClean="0"/>
               <a:t>neighbours </a:t>
             </a:r>
             <a:r>
               <a:rPr lang="en-GB" dirty="0"/>
               <a:t>and has a list of </a:t>
             </a:r>
-            <a:r>
-              <a:rPr lang="en-GB" dirty="0" smtClean="0"/>
-              <a:t/>
-            </a:r>
-            <a:br>
-              <a:rPr lang="en-GB" dirty="0" smtClean="0"/>
-            </a:br>
             <a:r>
               <a:rPr lang="en-GB" dirty="0" smtClean="0"/>
               <a:t>agents </a:t>
@@ -8525,36 +8320,6 @@
           </a:p>
         </p:txBody>
       </p:sp>
-      <p:pic>
-        <p:nvPicPr>
-          <p:cNvPr id="4" name="Picture 3"/>
-          <p:cNvPicPr>
-            <a:picLocks noChangeAspect="1"/>
-          </p:cNvPicPr>
-          <p:nvPr/>
-        </p:nvPicPr>
-        <p:blipFill>
-          <a:blip r:embed="rId3">
-            <a:extLst>
-              <a:ext uri="{28A0092B-C50C-407E-A947-70E740481C1C}">
-                <a14:useLocalDpi xmlns:a14="http://schemas.microsoft.com/office/drawing/2010/main" val="0"/>
-              </a:ext>
-            </a:extLst>
-          </a:blip>
-          <a:stretch>
-            <a:fillRect/>
-          </a:stretch>
-        </p:blipFill>
-        <p:spPr>
-          <a:xfrm>
-            <a:off x="6300192" y="2564904"/>
-            <a:ext cx="1800200" cy="1880347"/>
-          </a:xfrm>
-          <a:prstGeom prst="rect">
-            <a:avLst/>
-          </a:prstGeom>
-        </p:spPr>
-      </p:pic>
     </p:spTree>
     <p:extLst>
       <p:ext uri="{BB962C8B-B14F-4D97-AF65-F5344CB8AC3E}">
@@ -8568,7 +8333,7 @@
   <p:timing>
     <p:tnLst>
       <p:par>
-        <p:cTn xmlns:p14="http://schemas.microsoft.com/office/powerpoint/2010/main" id="1" dur="indefinite" restart="never" nodeType="tmRoot">
+        <p:cTn id="1" dur="indefinite" restart="never" nodeType="tmRoot">
           <p:childTnLst>
             <p:seq concurrent="1" nextAc="seek">
               <p:cTn id="2" dur="indefinite" nodeType="mainSeq">
@@ -8692,41 +8457,6 @@
                                   </p:childTnLst>
                                 </p:cTn>
                               </p:par>
-                              <p:par>
-                                <p:cTn id="13" presetID="10" presetClass="entr" presetSubtype="0" fill="hold" nodeType="withEffect">
-                                  <p:stCondLst>
-                                    <p:cond delay="0"/>
-                                  </p:stCondLst>
-                                  <p:childTnLst>
-                                    <p:set>
-                                      <p:cBhvr>
-                                        <p:cTn id="14" dur="1" fill="hold">
-                                          <p:stCondLst>
-                                            <p:cond delay="0"/>
-                                          </p:stCondLst>
-                                        </p:cTn>
-                                        <p:tgtEl>
-                                          <p:spTgt spid="4"/>
-                                        </p:tgtEl>
-                                        <p:attrNameLst>
-                                          <p:attrName>style.visibility</p:attrName>
-                                        </p:attrNameLst>
-                                      </p:cBhvr>
-                                      <p:to>
-                                        <p:strVal val="visible"/>
-                                      </p:to>
-                                    </p:set>
-                                    <p:animEffect transition="in" filter="fade">
-                                      <p:cBhvr>
-                                        <p:cTn id="15" dur="500"/>
-                                        <p:tgtEl>
-                                          <p:spTgt spid="4"/>
-                                        </p:tgtEl>
-                                      </p:cBhvr>
-                                    </p:animEffect>
-                                  </p:childTnLst>
-                                </p:cTn>
-                              </p:par>
                             </p:childTnLst>
                           </p:cTn>
                         </p:par>
@@ -8734,26 +8464,26 @@
                     </p:cTn>
                   </p:par>
                   <p:par>
-                    <p:cTn id="16" fill="hold">
+                    <p:cTn id="13" fill="hold">
                       <p:stCondLst>
                         <p:cond delay="indefinite"/>
                       </p:stCondLst>
                       <p:childTnLst>
                         <p:par>
-                          <p:cTn id="17" fill="hold">
+                          <p:cTn id="14" fill="hold">
                             <p:stCondLst>
                               <p:cond delay="0"/>
                             </p:stCondLst>
                             <p:childTnLst>
                               <p:par>
-                                <p:cTn id="18" presetID="10" presetClass="entr" presetSubtype="0" fill="hold" grpId="0" nodeType="clickEffect">
+                                <p:cTn id="15" presetID="10" presetClass="entr" presetSubtype="0" fill="hold" grpId="0" nodeType="clickEffect">
                                   <p:stCondLst>
                                     <p:cond delay="0"/>
                                   </p:stCondLst>
                                   <p:childTnLst>
                                     <p:set>
                                       <p:cBhvr>
-                                        <p:cTn id="19" dur="1" fill="hold">
+                                        <p:cTn id="16" dur="1" fill="hold">
                                           <p:stCondLst>
                                             <p:cond delay="0"/>
                                           </p:stCondLst>
@@ -8775,7 +8505,7 @@
                                     </p:set>
                                     <p:animEffect transition="in" filter="fade">
                                       <p:cBhvr>
-                                        <p:cTn id="20" dur="500"/>
+                                        <p:cTn id="17" dur="500"/>
                                         <p:tgtEl>
                                           <p:spTgt spid="2">
                                             <p:txEl>
@@ -8880,7 +8610,15 @@
             </a:pPr>
             <a:r>
               <a:rPr lang="en-GB" dirty="0"/>
-              <a:t>Each agent is assigned a set of possible tasks</a:t>
+              <a:t>Each agent </a:t>
+            </a:r>
+            <a:r>
+              <a:rPr lang="en-GB" dirty="0" smtClean="0"/>
+              <a:t>is </a:t>
+            </a:r>
+            <a:r>
+              <a:rPr lang="en-GB" dirty="0"/>
+              <a:t>assigned a set of possible tasks</a:t>
             </a:r>
             <a:r>
               <a:rPr lang="en-US" dirty="0"/>
@@ -8895,16 +8633,21 @@
             </a:pPr>
             <a:r>
               <a:rPr lang="en-US" dirty="0"/>
-              <a:t>The agent is able to choose which task to perform depending on the context, like real ants do</a:t>
-            </a:r>
-            <a:r>
-              <a:rPr lang="en-US" baseline="30000" dirty="0"/>
-              <a:t>[2]</a:t>
-            </a:r>
-            <a:r>
-              <a:rPr lang="en-US" dirty="0"/>
+              <a:t>The agent is able to choose which task to perform depending on the context, like real ants </a:t>
+            </a:r>
+            <a:r>
+              <a:rPr lang="en-US" dirty="0" smtClean="0"/>
+              <a:t>do</a:t>
+            </a:r>
+            <a:r>
+              <a:rPr lang="en-US" baseline="30000" dirty="0" smtClean="0"/>
+              <a:t>[3]</a:t>
+            </a:r>
+            <a:r>
+              <a:rPr lang="en-US" dirty="0" smtClean="0"/>
               <a:t>;</a:t>
             </a:r>
+            <a:endParaRPr lang="en-US" dirty="0"/>
           </a:p>
           <a:p>
             <a:pPr>
@@ -8914,7 +8657,15 @@
             </a:pPr>
             <a:r>
               <a:rPr lang="en-US" dirty="0"/>
-              <a:t>Each agent is ran as an independent thread in the available CPUs.</a:t>
+              <a:t>Each agent is </a:t>
+            </a:r>
+            <a:r>
+              <a:rPr lang="en-US" dirty="0" smtClean="0"/>
+              <a:t>run </a:t>
+            </a:r>
+            <a:r>
+              <a:rPr lang="en-US" dirty="0"/>
+              <a:t>as an independent thread in the available CPUs.</a:t>
             </a:r>
           </a:p>
         </p:txBody>
@@ -9001,7 +8752,7 @@
   <p:timing>
     <p:tnLst>
       <p:par>
-        <p:cTn xmlns:p14="http://schemas.microsoft.com/office/powerpoint/2010/main" id="1" dur="indefinite" restart="never" nodeType="tmRoot">
+        <p:cTn id="1" dur="indefinite" restart="never" nodeType="tmRoot">
           <p:childTnLst>
             <p:seq concurrent="1" nextAc="seek">
               <p:cTn id="2" dur="indefinite" nodeType="mainSeq">
@@ -9322,9 +9073,9 @@
       </p:sp>
       <p:pic>
         <p:nvPicPr>
-          <p:cNvPr id="6" name="Picture 5"/>
+          <p:cNvPr id="2051" name="Picture 3" descr="C:\Users\luiza\Documents\repositories\personal\project\msc-project\uml\class-06-07.png"/>
           <p:cNvPicPr>
-            <a:picLocks noChangeAspect="1"/>
+            <a:picLocks noChangeAspect="1" noChangeArrowheads="1"/>
           </p:cNvPicPr>
           <p:nvPr/>
         </p:nvPicPr>
@@ -9336,18 +9087,29 @@
               </a:ext>
             </a:extLst>
           </a:blip>
+          <a:srcRect/>
           <a:stretch>
             <a:fillRect/>
           </a:stretch>
         </p:blipFill>
-        <p:spPr>
+        <p:spPr bwMode="auto">
           <a:xfrm>
-            <a:off x="658319" y="1412776"/>
-            <a:ext cx="7827362" cy="4320480"/>
+            <a:off x="539552" y="1139262"/>
+            <a:ext cx="7979991" cy="4810018"/>
           </a:xfrm>
           <a:prstGeom prst="rect">
             <a:avLst/>
           </a:prstGeom>
+          <a:noFill/>
+          <a:extLst>
+            <a:ext uri="{909E8E84-426E-40DD-AFC4-6F175D3DCCD1}">
+              <a14:hiddenFill xmlns:a14="http://schemas.microsoft.com/office/drawing/2010/main">
+                <a:solidFill>
+                  <a:srgbClr val="FFFFFF"/>
+                </a:solidFill>
+              </a14:hiddenFill>
+            </a:ext>
+          </a:extLst>
         </p:spPr>
       </p:pic>
     </p:spTree>
@@ -9363,7 +9125,7 @@
   <p:timing>
     <p:tnLst>
       <p:par>
-        <p:cTn xmlns:p14="http://schemas.microsoft.com/office/powerpoint/2010/main" id="1" dur="indefinite" restart="never" nodeType="tmRoot"/>
+        <p:cTn id="1" dur="indefinite" restart="never" nodeType="tmRoot"/>
       </p:par>
     </p:tnLst>
   </p:timing>
@@ -9550,7 +9312,7 @@
   <p:timing>
     <p:tnLst>
       <p:par>
-        <p:cTn xmlns:p14="http://schemas.microsoft.com/office/powerpoint/2010/main" id="1" dur="indefinite" restart="never" nodeType="tmRoot">
+        <p:cTn id="1" dur="indefinite" restart="never" nodeType="tmRoot">
           <p:childTnLst>
             <p:seq concurrent="1" nextAc="seek">
               <p:cTn id="2" dur="indefinite" nodeType="mainSeq">
@@ -9893,7 +9655,7 @@
           <a:graphicData uri="http://schemas.openxmlformats.org/presentationml/2006/ole">
             <mc:AlternateContent xmlns:mc="http://schemas.openxmlformats.org/markup-compatibility/2006">
               <mc:Choice xmlns:v="urn:schemas-microsoft-com:vml" Requires="v">
-                <p:oleObj spid="_x0000_s1061" name="Equation" r:id="rId4" imgW="914400" imgH="406400" progId="Equation.3">
+                <p:oleObj spid="_x0000_s1069" name="Equation" r:id="rId4" imgW="914400" imgH="406400" progId="Equation.3">
                   <p:embed/>
                 </p:oleObj>
               </mc:Choice>
@@ -10005,7 +9767,7 @@
   <p:timing>
     <p:tnLst>
       <p:par>
-        <p:cTn xmlns:p14="http://schemas.microsoft.com/office/powerpoint/2010/main" id="1" dur="indefinite" restart="never" nodeType="tmRoot"/>
+        <p:cTn id="1" dur="indefinite" restart="never" nodeType="tmRoot"/>
       </p:par>
     </p:tnLst>
   </p:timing>

--- a/presentation-june/Presentation.pptx
+++ b/presentation-june/Presentation.pptx
@@ -5,7 +5,7 @@
     <p:sldMasterId id="2147483648" r:id="rId1"/>
   </p:sldMasterIdLst>
   <p:notesMasterIdLst>
-    <p:notesMasterId r:id="rId15"/>
+    <p:notesMasterId r:id="rId16"/>
   </p:notesMasterIdLst>
   <p:sldIdLst>
     <p:sldId id="256" r:id="rId2"/>
@@ -19,8 +19,9 @@
     <p:sldId id="271" r:id="rId10"/>
     <p:sldId id="264" r:id="rId11"/>
     <p:sldId id="265" r:id="rId12"/>
-    <p:sldId id="266" r:id="rId13"/>
-    <p:sldId id="272" r:id="rId14"/>
+    <p:sldId id="273" r:id="rId13"/>
+    <p:sldId id="266" r:id="rId14"/>
+    <p:sldId id="272" r:id="rId15"/>
   </p:sldIdLst>
   <p:sldSz cx="9144000" cy="6858000" type="screen4x3"/>
   <p:notesSz cx="6858000" cy="9144000"/>
@@ -599,7 +600,7 @@
             </a:lvl1pPr>
           </a:lstStyle>
           <a:p>
-            <a:endParaRPr lang="en-GB"/>
+            <a:endParaRPr lang="en-GB" dirty="0"/>
           </a:p>
         </p:txBody>
       </p:sp>
@@ -634,7 +635,7 @@
               <a:rPr lang="en-GB" smtClean="0"/>
               <a:t>07/06/2012</a:t>
             </a:fld>
-            <a:endParaRPr lang="en-GB"/>
+            <a:endParaRPr lang="en-GB" dirty="0"/>
           </a:p>
         </p:txBody>
       </p:sp>
@@ -667,7 +668,7 @@
           <a:bodyPr vert="horz" lIns="91440" tIns="45720" rIns="91440" bIns="45720" rtlCol="0" anchor="ctr"/>
           <a:lstStyle/>
           <a:p>
-            <a:endParaRPr lang="en-GB"/>
+            <a:endParaRPr lang="en-GB" dirty="0"/>
           </a:p>
         </p:txBody>
       </p:sp>
@@ -758,7 +759,7 @@
             </a:lvl1pPr>
           </a:lstStyle>
           <a:p>
-            <a:endParaRPr lang="en-GB"/>
+            <a:endParaRPr lang="en-GB" dirty="0"/>
           </a:p>
         </p:txBody>
       </p:sp>
@@ -793,7 +794,7 @@
               <a:rPr lang="en-GB" smtClean="0"/>
               <a:t>‹#›</a:t>
             </a:fld>
-            <a:endParaRPr lang="en-GB"/>
+            <a:endParaRPr lang="en-GB" dirty="0"/>
           </a:p>
         </p:txBody>
       </p:sp>
@@ -1709,7 +1710,7 @@
               <a:rPr lang="en-GB" smtClean="0"/>
               <a:t>07/06/2012</a:t>
             </a:fld>
-            <a:endParaRPr lang="en-GB"/>
+            <a:endParaRPr lang="en-GB" dirty="0"/>
           </a:p>
         </p:txBody>
       </p:sp>
@@ -1728,7 +1729,7 @@
           <a:bodyPr/>
           <a:lstStyle/>
           <a:p>
-            <a:endParaRPr lang="en-GB"/>
+            <a:endParaRPr lang="en-GB" dirty="0"/>
           </a:p>
         </p:txBody>
       </p:sp>
@@ -1751,7 +1752,7 @@
               <a:rPr lang="en-GB" smtClean="0"/>
               <a:t>‹#›</a:t>
             </a:fld>
-            <a:endParaRPr lang="en-GB"/>
+            <a:endParaRPr lang="en-GB" dirty="0"/>
           </a:p>
         </p:txBody>
       </p:sp>
@@ -1886,7 +1887,7 @@
               <a:rPr lang="en-GB" smtClean="0"/>
               <a:t>07/06/2012</a:t>
             </a:fld>
-            <a:endParaRPr lang="en-GB"/>
+            <a:endParaRPr lang="en-GB" dirty="0"/>
           </a:p>
         </p:txBody>
       </p:sp>
@@ -1905,7 +1906,7 @@
           <a:bodyPr/>
           <a:lstStyle/>
           <a:p>
-            <a:endParaRPr lang="en-GB"/>
+            <a:endParaRPr lang="en-GB" dirty="0"/>
           </a:p>
         </p:txBody>
       </p:sp>
@@ -1928,7 +1929,7 @@
               <a:rPr lang="en-GB" smtClean="0"/>
               <a:t>‹#›</a:t>
             </a:fld>
-            <a:endParaRPr lang="en-GB"/>
+            <a:endParaRPr lang="en-GB" dirty="0"/>
           </a:p>
         </p:txBody>
       </p:sp>
@@ -2066,7 +2067,7 @@
               <a:rPr lang="en-GB" smtClean="0"/>
               <a:t>07/06/2012</a:t>
             </a:fld>
-            <a:endParaRPr lang="en-GB"/>
+            <a:endParaRPr lang="en-GB" dirty="0"/>
           </a:p>
         </p:txBody>
       </p:sp>
@@ -2085,7 +2086,7 @@
           <a:bodyPr/>
           <a:lstStyle/>
           <a:p>
-            <a:endParaRPr lang="en-GB"/>
+            <a:endParaRPr lang="en-GB" dirty="0"/>
           </a:p>
         </p:txBody>
       </p:sp>
@@ -2108,7 +2109,7 @@
               <a:rPr lang="en-GB" smtClean="0"/>
               <a:t>‹#›</a:t>
             </a:fld>
-            <a:endParaRPr lang="en-GB"/>
+            <a:endParaRPr lang="en-GB" dirty="0"/>
           </a:p>
         </p:txBody>
       </p:sp>
@@ -2248,7 +2249,7 @@
               <a:rPr lang="en-GB" smtClean="0"/>
               <a:t>07/06/2012</a:t>
             </a:fld>
-            <a:endParaRPr lang="en-GB"/>
+            <a:endParaRPr lang="en-GB" dirty="0"/>
           </a:p>
         </p:txBody>
       </p:sp>
@@ -2267,7 +2268,7 @@
           <a:bodyPr/>
           <a:lstStyle/>
           <a:p>
-            <a:endParaRPr lang="en-GB"/>
+            <a:endParaRPr lang="en-GB" dirty="0"/>
           </a:p>
         </p:txBody>
       </p:sp>
@@ -2290,7 +2291,7 @@
               <a:rPr lang="en-GB" smtClean="0"/>
               <a:t>‹#›</a:t>
             </a:fld>
-            <a:endParaRPr lang="en-GB"/>
+            <a:endParaRPr lang="en-GB" dirty="0"/>
           </a:p>
         </p:txBody>
       </p:sp>
@@ -2547,7 +2548,7 @@
               <a:rPr lang="en-GB" smtClean="0"/>
               <a:t>07/06/2012</a:t>
             </a:fld>
-            <a:endParaRPr lang="en-GB"/>
+            <a:endParaRPr lang="en-GB" dirty="0"/>
           </a:p>
         </p:txBody>
       </p:sp>
@@ -2566,7 +2567,7 @@
           <a:bodyPr/>
           <a:lstStyle/>
           <a:p>
-            <a:endParaRPr lang="en-GB"/>
+            <a:endParaRPr lang="en-GB" dirty="0"/>
           </a:p>
         </p:txBody>
       </p:sp>
@@ -2589,7 +2590,7 @@
               <a:rPr lang="en-GB" smtClean="0"/>
               <a:t>‹#›</a:t>
             </a:fld>
-            <a:endParaRPr lang="en-GB"/>
+            <a:endParaRPr lang="en-GB" dirty="0"/>
           </a:p>
         </p:txBody>
       </p:sp>
@@ -2835,7 +2836,7 @@
               <a:rPr lang="en-GB" smtClean="0"/>
               <a:t>07/06/2012</a:t>
             </a:fld>
-            <a:endParaRPr lang="en-GB"/>
+            <a:endParaRPr lang="en-GB" dirty="0"/>
           </a:p>
         </p:txBody>
       </p:sp>
@@ -2854,7 +2855,7 @@
           <a:bodyPr/>
           <a:lstStyle/>
           <a:p>
-            <a:endParaRPr lang="en-GB"/>
+            <a:endParaRPr lang="en-GB" dirty="0"/>
           </a:p>
         </p:txBody>
       </p:sp>
@@ -2877,7 +2878,7 @@
               <a:rPr lang="en-GB" smtClean="0"/>
               <a:t>‹#›</a:t>
             </a:fld>
-            <a:endParaRPr lang="en-GB"/>
+            <a:endParaRPr lang="en-GB" dirty="0"/>
           </a:p>
         </p:txBody>
       </p:sp>
@@ -3257,7 +3258,7 @@
               <a:rPr lang="en-GB" smtClean="0"/>
               <a:t>07/06/2012</a:t>
             </a:fld>
-            <a:endParaRPr lang="en-GB"/>
+            <a:endParaRPr lang="en-GB" dirty="0"/>
           </a:p>
         </p:txBody>
       </p:sp>
@@ -3276,7 +3277,7 @@
           <a:bodyPr/>
           <a:lstStyle/>
           <a:p>
-            <a:endParaRPr lang="en-GB"/>
+            <a:endParaRPr lang="en-GB" dirty="0"/>
           </a:p>
         </p:txBody>
       </p:sp>
@@ -3299,7 +3300,7 @@
               <a:rPr lang="en-GB" smtClean="0"/>
               <a:t>‹#›</a:t>
             </a:fld>
-            <a:endParaRPr lang="en-GB"/>
+            <a:endParaRPr lang="en-GB" dirty="0"/>
           </a:p>
         </p:txBody>
       </p:sp>
@@ -3375,7 +3376,7 @@
               <a:rPr lang="en-GB" smtClean="0"/>
               <a:t>07/06/2012</a:t>
             </a:fld>
-            <a:endParaRPr lang="en-GB"/>
+            <a:endParaRPr lang="en-GB" dirty="0"/>
           </a:p>
         </p:txBody>
       </p:sp>
@@ -3394,7 +3395,7 @@
           <a:bodyPr/>
           <a:lstStyle/>
           <a:p>
-            <a:endParaRPr lang="en-GB"/>
+            <a:endParaRPr lang="en-GB" dirty="0"/>
           </a:p>
         </p:txBody>
       </p:sp>
@@ -3417,7 +3418,7 @@
               <a:rPr lang="en-GB" smtClean="0"/>
               <a:t>‹#›</a:t>
             </a:fld>
-            <a:endParaRPr lang="en-GB"/>
+            <a:endParaRPr lang="en-GB" dirty="0"/>
           </a:p>
         </p:txBody>
       </p:sp>
@@ -3470,7 +3471,7 @@
               <a:rPr lang="en-GB" smtClean="0"/>
               <a:t>07/06/2012</a:t>
             </a:fld>
-            <a:endParaRPr lang="en-GB"/>
+            <a:endParaRPr lang="en-GB" dirty="0"/>
           </a:p>
         </p:txBody>
       </p:sp>
@@ -3489,7 +3490,7 @@
           <a:bodyPr/>
           <a:lstStyle/>
           <a:p>
-            <a:endParaRPr lang="en-GB"/>
+            <a:endParaRPr lang="en-GB" dirty="0"/>
           </a:p>
         </p:txBody>
       </p:sp>
@@ -3512,7 +3513,7 @@
               <a:rPr lang="en-GB" smtClean="0"/>
               <a:t>‹#›</a:t>
             </a:fld>
-            <a:endParaRPr lang="en-GB"/>
+            <a:endParaRPr lang="en-GB" dirty="0"/>
           </a:p>
         </p:txBody>
       </p:sp>
@@ -3747,7 +3748,7 @@
               <a:rPr lang="en-GB" smtClean="0"/>
               <a:t>07/06/2012</a:t>
             </a:fld>
-            <a:endParaRPr lang="en-GB"/>
+            <a:endParaRPr lang="en-GB" dirty="0"/>
           </a:p>
         </p:txBody>
       </p:sp>
@@ -3766,7 +3767,7 @@
           <a:bodyPr/>
           <a:lstStyle/>
           <a:p>
-            <a:endParaRPr lang="en-GB"/>
+            <a:endParaRPr lang="en-GB" dirty="0"/>
           </a:p>
         </p:txBody>
       </p:sp>
@@ -3789,7 +3790,7 @@
               <a:rPr lang="en-GB" smtClean="0"/>
               <a:t>‹#›</a:t>
             </a:fld>
-            <a:endParaRPr lang="en-GB"/>
+            <a:endParaRPr lang="en-GB" dirty="0"/>
           </a:p>
         </p:txBody>
       </p:sp>
@@ -3912,7 +3913,7 @@
             </a:lvl9pPr>
           </a:lstStyle>
           <a:p>
-            <a:endParaRPr lang="en-GB"/>
+            <a:endParaRPr lang="en-GB" dirty="0"/>
           </a:p>
         </p:txBody>
       </p:sp>
@@ -4000,7 +4001,7 @@
               <a:rPr lang="en-GB" smtClean="0"/>
               <a:t>07/06/2012</a:t>
             </a:fld>
-            <a:endParaRPr lang="en-GB"/>
+            <a:endParaRPr lang="en-GB" dirty="0"/>
           </a:p>
         </p:txBody>
       </p:sp>
@@ -4019,7 +4020,7 @@
           <a:bodyPr/>
           <a:lstStyle/>
           <a:p>
-            <a:endParaRPr lang="en-GB"/>
+            <a:endParaRPr lang="en-GB" dirty="0"/>
           </a:p>
         </p:txBody>
       </p:sp>
@@ -4042,7 +4043,7 @@
               <a:rPr lang="en-GB" smtClean="0"/>
               <a:t>‹#›</a:t>
             </a:fld>
-            <a:endParaRPr lang="en-GB"/>
+            <a:endParaRPr lang="en-GB" dirty="0"/>
           </a:p>
         </p:txBody>
       </p:sp>
@@ -4213,7 +4214,7 @@
               <a:rPr lang="en-GB" smtClean="0"/>
               <a:t>07/06/2012</a:t>
             </a:fld>
-            <a:endParaRPr lang="en-GB"/>
+            <a:endParaRPr lang="en-GB" dirty="0"/>
           </a:p>
         </p:txBody>
       </p:sp>
@@ -4250,7 +4251,7 @@
             </a:lvl1pPr>
           </a:lstStyle>
           <a:p>
-            <a:endParaRPr lang="en-GB"/>
+            <a:endParaRPr lang="en-GB" dirty="0"/>
           </a:p>
         </p:txBody>
       </p:sp>
@@ -4291,7 +4292,7 @@
               <a:rPr lang="en-GB" smtClean="0"/>
               <a:t>‹#›</a:t>
             </a:fld>
-            <a:endParaRPr lang="en-GB"/>
+            <a:endParaRPr lang="en-GB" dirty="0"/>
           </a:p>
         </p:txBody>
       </p:sp>
@@ -4651,7 +4652,7 @@
           </a:p>
           <a:p>
             <a:r>
-              <a:rPr lang="en-GB" sz="1600" dirty="0" err="1" smtClean="0">
+              <a:rPr lang="en-GB" sz="1600" dirty="0" smtClean="0">
                 <a:solidFill>
                   <a:schemeClr val="accent5">
                     <a:lumMod val="75000"/>
@@ -4660,13 +4661,6 @@
               </a:rPr>
               <a:t>luiz_filipe.abrahao@kcl.ac.uk</a:t>
             </a:r>
-            <a:endParaRPr lang="en-GB" sz="1600" dirty="0" smtClean="0">
-              <a:solidFill>
-                <a:schemeClr val="accent5">
-                  <a:lumMod val="75000"/>
-                </a:schemeClr>
-              </a:solidFill>
-            </a:endParaRPr>
           </a:p>
         </p:txBody>
       </p:sp>
@@ -5662,6 +5656,229 @@
           <a:p>
             <a:r>
               <a:rPr lang="en-GB" dirty="0" smtClean="0"/>
+              <a:t>Current Work</a:t>
+            </a:r>
+            <a:endParaRPr lang="en-GB" dirty="0"/>
+          </a:p>
+        </p:txBody>
+      </p:sp>
+      <p:cxnSp>
+        <p:nvCxnSpPr>
+          <p:cNvPr id="6" name="Straight Arrow Connector 5"/>
+          <p:cNvCxnSpPr/>
+          <p:nvPr/>
+        </p:nvCxnSpPr>
+        <p:spPr>
+          <a:xfrm>
+            <a:off x="765593" y="1885836"/>
+            <a:ext cx="792088" cy="0"/>
+          </a:xfrm>
+          <a:prstGeom prst="straightConnector1">
+            <a:avLst/>
+          </a:prstGeom>
+          <a:ln w="38100">
+            <a:solidFill>
+              <a:schemeClr val="bg1">
+                <a:lumMod val="65000"/>
+              </a:schemeClr>
+            </a:solidFill>
+            <a:headEnd type="none" w="med" len="med"/>
+            <a:tailEnd type="triangle" w="med" len="med"/>
+          </a:ln>
+        </p:spPr>
+        <p:style>
+          <a:lnRef idx="1">
+            <a:schemeClr val="accent1"/>
+          </a:lnRef>
+          <a:fillRef idx="0">
+            <a:schemeClr val="accent1"/>
+          </a:fillRef>
+          <a:effectRef idx="0">
+            <a:schemeClr val="accent1"/>
+          </a:effectRef>
+          <a:fontRef idx="minor">
+            <a:schemeClr val="tx1"/>
+          </a:fontRef>
+        </p:style>
+      </p:cxnSp>
+      <p:cxnSp>
+        <p:nvCxnSpPr>
+          <p:cNvPr id="9" name="Straight Arrow Connector 8"/>
+          <p:cNvCxnSpPr/>
+          <p:nvPr/>
+        </p:nvCxnSpPr>
+        <p:spPr>
+          <a:xfrm flipH="1">
+            <a:off x="781090" y="1870338"/>
+            <a:ext cx="1" cy="792088"/>
+          </a:xfrm>
+          <a:prstGeom prst="straightConnector1">
+            <a:avLst/>
+          </a:prstGeom>
+          <a:ln w="38100">
+            <a:solidFill>
+              <a:schemeClr val="bg1">
+                <a:lumMod val="65000"/>
+              </a:schemeClr>
+            </a:solidFill>
+            <a:headEnd type="none" w="med" len="med"/>
+            <a:tailEnd type="triangle" w="med" len="med"/>
+          </a:ln>
+        </p:spPr>
+        <p:style>
+          <a:lnRef idx="1">
+            <a:schemeClr val="accent1"/>
+          </a:lnRef>
+          <a:fillRef idx="0">
+            <a:schemeClr val="accent1"/>
+          </a:fillRef>
+          <a:effectRef idx="0">
+            <a:schemeClr val="accent1"/>
+          </a:effectRef>
+          <a:fontRef idx="minor">
+            <a:schemeClr val="tx1"/>
+          </a:fontRef>
+        </p:style>
+      </p:cxnSp>
+      <p:pic>
+        <p:nvPicPr>
+          <p:cNvPr id="2052" name="Picture 4" descr="C:\Users\luiza\Documents\repositories\personal\project\msc-project\msc-model\target\explored-space-phero.png"/>
+          <p:cNvPicPr>
+            <a:picLocks noChangeAspect="1" noChangeArrowheads="1"/>
+          </p:cNvPicPr>
+          <p:nvPr/>
+        </p:nvPicPr>
+        <p:blipFill>
+          <a:blip r:embed="rId2">
+            <a:extLst>
+              <a:ext uri="{28A0092B-C50C-407E-A947-70E740481C1C}">
+                <a14:useLocalDpi xmlns:a14="http://schemas.microsoft.com/office/drawing/2010/main" val="0"/>
+              </a:ext>
+            </a:extLst>
+          </a:blip>
+          <a:srcRect/>
+          <a:stretch>
+            <a:fillRect/>
+          </a:stretch>
+        </p:blipFill>
+        <p:spPr bwMode="auto">
+          <a:xfrm>
+            <a:off x="938808" y="2055862"/>
+            <a:ext cx="1905000" cy="2381250"/>
+          </a:xfrm>
+          <a:prstGeom prst="rect">
+            <a:avLst/>
+          </a:prstGeom>
+          <a:noFill/>
+          <a:ln>
+            <a:solidFill>
+              <a:schemeClr val="bg1">
+                <a:lumMod val="65000"/>
+              </a:schemeClr>
+            </a:solidFill>
+          </a:ln>
+          <a:extLst>
+            <a:ext uri="{909E8E84-426E-40DD-AFC4-6F175D3DCCD1}">
+              <a14:hiddenFill xmlns:a14="http://schemas.microsoft.com/office/drawing/2010/main">
+                <a:solidFill>
+                  <a:srgbClr val="FFFFFF"/>
+                </a:solidFill>
+              </a14:hiddenFill>
+            </a:ext>
+          </a:extLst>
+        </p:spPr>
+      </p:pic>
+      <p:sp>
+        <p:nvSpPr>
+          <p:cNvPr id="10" name="TextBox 9"/>
+          <p:cNvSpPr txBox="1"/>
+          <p:nvPr/>
+        </p:nvSpPr>
+        <p:spPr>
+          <a:xfrm>
+            <a:off x="760742" y="4551511"/>
+            <a:ext cx="2371098" cy="461665"/>
+          </a:xfrm>
+          <a:prstGeom prst="rect">
+            <a:avLst/>
+          </a:prstGeom>
+          <a:noFill/>
+        </p:spPr>
+        <p:txBody>
+          <a:bodyPr wrap="none" rtlCol="0">
+            <a:spAutoFit/>
+          </a:bodyPr>
+          <a:lstStyle/>
+          <a:p>
+            <a:pPr algn="ctr"/>
+            <a:r>
+              <a:rPr lang="en-GB" sz="1200" b="1" dirty="0" smtClean="0"/>
+              <a:t>50 000 nodes, 10 agents randomly</a:t>
+            </a:r>
+          </a:p>
+          <a:p>
+            <a:pPr algn="ctr"/>
+            <a:r>
+              <a:rPr lang="en-GB" sz="1200" b="1" dirty="0" smtClean="0"/>
+              <a:t> moving through space</a:t>
+            </a:r>
+          </a:p>
+        </p:txBody>
+      </p:sp>
+    </p:spTree>
+    <p:extLst>
+      <p:ext uri="{BB962C8B-B14F-4D97-AF65-F5344CB8AC3E}">
+        <p14:creationId xmlns:p14="http://schemas.microsoft.com/office/powerpoint/2010/main" val="2699782112"/>
+      </p:ext>
+    </p:extLst>
+  </p:cSld>
+  <p:clrMapOvr>
+    <a:masterClrMapping/>
+  </p:clrMapOvr>
+  <p:timing>
+    <p:tnLst>
+      <p:par>
+        <p:cTn id="1" dur="indefinite" restart="never" nodeType="tmRoot"/>
+      </p:par>
+    </p:tnLst>
+  </p:timing>
+</p:sld>
+</file>
+
+<file path=ppt/slides/slide13.xml><?xml version="1.0" encoding="utf-8"?>
+<p:sld xmlns:a="http://schemas.openxmlformats.org/drawingml/2006/main" xmlns:r="http://schemas.openxmlformats.org/officeDocument/2006/relationships" xmlns:p="http://schemas.openxmlformats.org/presentationml/2006/main">
+  <p:cSld>
+    <p:spTree>
+      <p:nvGrpSpPr>
+        <p:cNvPr id="1" name=""/>
+        <p:cNvGrpSpPr/>
+        <p:nvPr/>
+      </p:nvGrpSpPr>
+      <p:grpSpPr>
+        <a:xfrm>
+          <a:off x="0" y="0"/>
+          <a:ext cx="0" cy="0"/>
+          <a:chOff x="0" y="0"/>
+          <a:chExt cx="0" cy="0"/>
+        </a:xfrm>
+      </p:grpSpPr>
+      <p:sp>
+        <p:nvSpPr>
+          <p:cNvPr id="3" name="Title 2"/>
+          <p:cNvSpPr>
+            <a:spLocks noGrp="1"/>
+          </p:cNvSpPr>
+          <p:nvPr>
+            <p:ph type="title"/>
+          </p:nvPr>
+        </p:nvSpPr>
+        <p:spPr/>
+        <p:txBody>
+          <a:bodyPr/>
+          <a:lstStyle/>
+          <a:p>
+            <a:r>
+              <a:rPr lang="en-GB" dirty="0" smtClean="0"/>
               <a:t>Challenges</a:t>
             </a:r>
             <a:endParaRPr lang="en-GB" dirty="0"/>
@@ -5949,7 +6166,7 @@
 </p:sld>
 </file>
 
-<file path=ppt/slides/slide13.xml><?xml version="1.0" encoding="utf-8"?>
+<file path=ppt/slides/slide14.xml><?xml version="1.0" encoding="utf-8"?>
 <p:sld xmlns:a="http://schemas.openxmlformats.org/drawingml/2006/main" xmlns:r="http://schemas.openxmlformats.org/officeDocument/2006/relationships" xmlns:p="http://schemas.openxmlformats.org/presentationml/2006/main">
   <p:cSld>
     <p:spTree>
@@ -6283,7 +6500,7 @@
           <a:lstStyle/>
           <a:p>
             <a:pPr algn="ctr"/>
-            <a:endParaRPr lang="en-GB"/>
+            <a:endParaRPr lang="en-GB" dirty="0"/>
           </a:p>
         </p:txBody>
       </p:sp>
@@ -6367,7 +6584,7 @@
           <a:lstStyle/>
           <a:p>
             <a:pPr algn="ctr"/>
-            <a:endParaRPr lang="en-GB"/>
+            <a:endParaRPr lang="en-GB" dirty="0"/>
           </a:p>
         </p:txBody>
       </p:sp>
@@ -6699,7 +6916,7 @@
           <a:lstStyle/>
           <a:p>
             <a:pPr algn="ctr"/>
-            <a:endParaRPr lang="en-GB"/>
+            <a:endParaRPr lang="en-GB" dirty="0"/>
           </a:p>
         </p:txBody>
       </p:sp>
@@ -6780,7 +6997,7 @@
           <a:lstStyle/>
           <a:p>
             <a:pPr algn="ctr"/>
-            <a:endParaRPr lang="en-GB"/>
+            <a:endParaRPr lang="en-GB" dirty="0"/>
           </a:p>
         </p:txBody>
       </p:sp>
@@ -6861,7 +7078,7 @@
           <a:lstStyle/>
           <a:p>
             <a:pPr algn="ctr"/>
-            <a:endParaRPr lang="en-GB"/>
+            <a:endParaRPr lang="en-GB" dirty="0"/>
           </a:p>
         </p:txBody>
       </p:sp>
@@ -9655,7 +9872,7 @@
           <a:graphicData uri="http://schemas.openxmlformats.org/presentationml/2006/ole">
             <mc:AlternateContent xmlns:mc="http://schemas.openxmlformats.org/markup-compatibility/2006">
               <mc:Choice xmlns:v="urn:schemas-microsoft-com:vml" Requires="v">
-                <p:oleObj spid="_x0000_s1069" name="Equation" r:id="rId4" imgW="914400" imgH="406400" progId="Equation.3">
+                <p:oleObj spid="_x0000_s1074" name="Equation" r:id="rId4" imgW="914400" imgH="406400" progId="Equation.3">
                   <p:embed/>
                 </p:oleObj>
               </mc:Choice>

--- a/presentation-june/Presentation.pptx
+++ b/presentation-june/Presentation.pptx
@@ -5,7 +5,7 @@
     <p:sldMasterId id="2147483648" r:id="rId1"/>
   </p:sldMasterIdLst>
   <p:notesMasterIdLst>
-    <p:notesMasterId r:id="rId16"/>
+    <p:notesMasterId r:id="rId15"/>
   </p:notesMasterIdLst>
   <p:sldIdLst>
     <p:sldId id="256" r:id="rId2"/>
@@ -19,9 +19,8 @@
     <p:sldId id="271" r:id="rId10"/>
     <p:sldId id="264" r:id="rId11"/>
     <p:sldId id="265" r:id="rId12"/>
-    <p:sldId id="273" r:id="rId13"/>
-    <p:sldId id="266" r:id="rId14"/>
-    <p:sldId id="272" r:id="rId15"/>
+    <p:sldId id="266" r:id="rId13"/>
+    <p:sldId id="272" r:id="rId14"/>
   </p:sldIdLst>
   <p:sldSz cx="9144000" cy="6858000" type="screen4x3"/>
   <p:notesSz cx="6858000" cy="9144000"/>
@@ -126,7 +125,7 @@
 <file path=ppt/charts/chart1.xml><?xml version="1.0" encoding="utf-8"?>
 <c:chartSpace xmlns:c="http://schemas.openxmlformats.org/drawingml/2006/chart" xmlns:a="http://schemas.openxmlformats.org/drawingml/2006/main" xmlns:r="http://schemas.openxmlformats.org/officeDocument/2006/relationships">
   <c:date1904 val="0"/>
-  <c:lang val="en-GB"/>
+  <c:lang val="en-US"/>
   <c:roundedCorners val="0"/>
   <mc:AlternateContent xmlns:mc="http://schemas.openxmlformats.org/markup-compatibility/2006">
     <mc:Choice xmlns:c14="http://schemas.microsoft.com/office/drawing/2007/8/2/chart" Requires="c14">
@@ -292,10 +291,10 @@
                 <c:formatCode>General</c:formatCode>
                 <c:ptCount val="2"/>
                 <c:pt idx="0">
-                  <c:v>2</c:v>
+                  <c:v>2.0</c:v>
                 </c:pt>
                 <c:pt idx="1">
-                  <c:v>98</c:v>
+                  <c:v>98.0</c:v>
                 </c:pt>
               </c:numCache>
             </c:numRef>
@@ -335,7 +334,7 @@
 <file path=ppt/charts/chart2.xml><?xml version="1.0" encoding="utf-8"?>
 <c:chartSpace xmlns:c="http://schemas.openxmlformats.org/drawingml/2006/chart" xmlns:a="http://schemas.openxmlformats.org/drawingml/2006/main" xmlns:r="http://schemas.openxmlformats.org/officeDocument/2006/relationships">
   <c:date1904 val="0"/>
-  <c:lang val="en-GB"/>
+  <c:lang val="en-US"/>
   <c:roundedCorners val="0"/>
   <mc:AlternateContent xmlns:mc="http://schemas.openxmlformats.org/markup-compatibility/2006">
     <mc:Choice xmlns:c14="http://schemas.microsoft.com/office/drawing/2007/8/2/chart" Requires="c14">
@@ -501,10 +500,10 @@
                 <c:formatCode>General</c:formatCode>
                 <c:ptCount val="2"/>
                 <c:pt idx="0">
-                  <c:v>50</c:v>
+                  <c:v>50.0</c:v>
                 </c:pt>
                 <c:pt idx="1">
-                  <c:v>50</c:v>
+                  <c:v>50.0</c:v>
                 </c:pt>
               </c:numCache>
             </c:numRef>
@@ -1769,7 +1768,7 @@
   <p:timing>
     <p:tnLst>
       <p:par>
-        <p:cTn id="1" dur="indefinite" restart="never" nodeType="tmRoot"/>
+        <p:cTn xmlns:p14="http://schemas.microsoft.com/office/powerpoint/2010/main" id="1" dur="indefinite" restart="never" nodeType="tmRoot"/>
       </p:par>
     </p:tnLst>
   </p:timing>
@@ -2354,7 +2353,7 @@
   <p:timing>
     <p:tnLst>
       <p:par>
-        <p:cTn id="1" dur="indefinite" restart="never" nodeType="tmRoot"/>
+        <p:cTn xmlns:p14="http://schemas.microsoft.com/office/powerpoint/2010/main" id="1" dur="indefinite" restart="never" nodeType="tmRoot"/>
       </p:par>
     </p:tnLst>
   </p:timing>
@@ -4320,7 +4319,7 @@
   <p:timing>
     <p:tnLst>
       <p:par>
-        <p:cTn id="1" dur="indefinite" restart="never" nodeType="tmRoot"/>
+        <p:cTn xmlns:p14="http://schemas.microsoft.com/office/powerpoint/2010/main" id="1" dur="indefinite" restart="never" nodeType="tmRoot"/>
       </p:par>
     </p:tnLst>
   </p:timing>
@@ -4729,14 +4728,14 @@
           </a:ln>
           <a:effectLst/>
           <a:extLst>
-            <a:ext uri="{909E8E84-426E-40DD-AFC4-6F175D3DCCD1}">
+            <a:ext uri="{909E8E84-426E-40dd-AFC4-6F175D3DCCD1}">
               <a14:hiddenFill xmlns:a14="http://schemas.microsoft.com/office/drawing/2010/main">
                 <a:solidFill>
                   <a:schemeClr val="accent1"/>
                 </a:solidFill>
               </a14:hiddenFill>
             </a:ext>
-            <a:ext uri="{91240B29-F687-4F45-9708-019B960494DF}">
+            <a:ext uri="{91240B29-F687-4f45-9708-019B960494DF}">
               <a14:hiddenLine xmlns:a14="http://schemas.microsoft.com/office/drawing/2010/main" w="9525">
                 <a:solidFill>
                   <a:schemeClr val="tx1"/>
@@ -4746,7 +4745,7 @@
                 <a:tailEnd/>
               </a14:hiddenLine>
             </a:ext>
-            <a:ext uri="{AF507438-7753-43E0-B8FC-AC1667EBCBE1}">
+            <a:ext uri="{AF507438-7753-43e0-B8FC-AC1667EBCBE1}">
               <a14:hiddenEffects xmlns:a14="http://schemas.microsoft.com/office/drawing/2010/main">
                 <a:effectLst>
                   <a:outerShdw dist="35921" dir="2700000" algn="ctr" rotWithShape="0">
@@ -4935,7 +4934,7 @@
   <p:timing>
     <p:tnLst>
       <p:par>
-        <p:cTn id="1" dur="indefinite" restart="never" nodeType="tmRoot"/>
+        <p:cTn xmlns:p14="http://schemas.microsoft.com/office/powerpoint/2010/main" id="1" dur="indefinite" restart="never" nodeType="tmRoot"/>
       </p:par>
     </p:tnLst>
   </p:timing>
@@ -5050,7 +5049,7 @@
   <p:timing>
     <p:tnLst>
       <p:par>
-        <p:cTn id="1" dur="indefinite" restart="never" nodeType="tmRoot">
+        <p:cTn xmlns:p14="http://schemas.microsoft.com/office/powerpoint/2010/main" id="1" dur="indefinite" restart="never" nodeType="tmRoot">
           <p:childTnLst>
             <p:seq concurrent="1" nextAc="seek">
               <p:cTn id="2" dur="indefinite" nodeType="mainSeq">
@@ -5300,7 +5299,18 @@
             </a:r>
             <a:r>
               <a:rPr lang="en-GB" dirty="0"/>
-              <a:t>000 nodes and </a:t>
+              <a:t>000 </a:t>
+            </a:r>
+            <a:r>
+              <a:rPr lang="en-GB" dirty="0" smtClean="0"/>
+              <a:t>nodes</a:t>
+            </a:r>
+            <a:br>
+              <a:rPr lang="en-GB" dirty="0" smtClean="0"/>
+            </a:br>
+            <a:r>
+              <a:rPr lang="en-GB" dirty="0" smtClean="0"/>
+              <a:t>and </a:t>
             </a:r>
             <a:r>
               <a:rPr lang="en-GB" dirty="0" smtClean="0"/>
@@ -5308,27 +5318,199 @@
             </a:r>
             <a:r>
               <a:rPr lang="en-GB" dirty="0"/>
-              <a:t>agents;</a:t>
-            </a:r>
-          </a:p>
-          <a:p>
-            <a:pPr>
-              <a:spcBef>
-                <a:spcPts val="3000"/>
-              </a:spcBef>
-            </a:pPr>
-            <a:r>
-              <a:rPr lang="en-GB" dirty="0"/>
-              <a:t>Currently studying what are the best ways to “produce the colony</a:t>
+              <a:t>agents</a:t>
             </a:r>
             <a:r>
               <a:rPr lang="en-GB" dirty="0" smtClean="0"/>
-              <a:t>” and which tasks to implement.</a:t>
+              <a:t>;</a:t>
             </a:r>
             <a:endParaRPr lang="en-GB" dirty="0"/>
           </a:p>
         </p:txBody>
       </p:sp>
+      <p:grpSp>
+        <p:nvGrpSpPr>
+          <p:cNvPr id="2" name="Group 1"/>
+          <p:cNvGrpSpPr/>
+          <p:nvPr/>
+        </p:nvGrpSpPr>
+        <p:grpSpPr>
+          <a:xfrm>
+            <a:off x="6022056" y="2523396"/>
+            <a:ext cx="2715256" cy="3142838"/>
+            <a:chOff x="6022056" y="2523396"/>
+            <a:chExt cx="2715256" cy="3142838"/>
+          </a:xfrm>
+        </p:grpSpPr>
+        <p:cxnSp>
+          <p:nvCxnSpPr>
+            <p:cNvPr id="4" name="Straight Arrow Connector 3"/>
+            <p:cNvCxnSpPr/>
+            <p:nvPr/>
+          </p:nvCxnSpPr>
+          <p:spPr>
+            <a:xfrm>
+              <a:off x="6198985" y="2538894"/>
+              <a:ext cx="792088" cy="0"/>
+            </a:xfrm>
+            <a:prstGeom prst="straightConnector1">
+              <a:avLst/>
+            </a:prstGeom>
+            <a:ln w="38100">
+              <a:solidFill>
+                <a:schemeClr val="bg1">
+                  <a:lumMod val="65000"/>
+                </a:schemeClr>
+              </a:solidFill>
+              <a:headEnd type="none" w="med" len="med"/>
+              <a:tailEnd type="triangle" w="med" len="med"/>
+            </a:ln>
+          </p:spPr>
+          <p:style>
+            <a:lnRef idx="1">
+              <a:schemeClr val="accent1"/>
+            </a:lnRef>
+            <a:fillRef idx="0">
+              <a:schemeClr val="accent1"/>
+            </a:fillRef>
+            <a:effectRef idx="0">
+              <a:schemeClr val="accent1"/>
+            </a:effectRef>
+            <a:fontRef idx="minor">
+              <a:schemeClr val="tx1"/>
+            </a:fontRef>
+          </p:style>
+        </p:cxnSp>
+        <p:cxnSp>
+          <p:nvCxnSpPr>
+            <p:cNvPr id="6" name="Straight Arrow Connector 5"/>
+            <p:cNvCxnSpPr/>
+            <p:nvPr/>
+          </p:nvCxnSpPr>
+          <p:spPr>
+            <a:xfrm flipH="1">
+              <a:off x="6214482" y="2523396"/>
+              <a:ext cx="1" cy="792088"/>
+            </a:xfrm>
+            <a:prstGeom prst="straightConnector1">
+              <a:avLst/>
+            </a:prstGeom>
+            <a:ln w="38100">
+              <a:solidFill>
+                <a:schemeClr val="bg1">
+                  <a:lumMod val="65000"/>
+                </a:schemeClr>
+              </a:solidFill>
+              <a:headEnd type="none" w="med" len="med"/>
+              <a:tailEnd type="triangle" w="med" len="med"/>
+            </a:ln>
+          </p:spPr>
+          <p:style>
+            <a:lnRef idx="1">
+              <a:schemeClr val="accent1"/>
+            </a:lnRef>
+            <a:fillRef idx="0">
+              <a:schemeClr val="accent1"/>
+            </a:fillRef>
+            <a:effectRef idx="0">
+              <a:schemeClr val="accent1"/>
+            </a:effectRef>
+            <a:fontRef idx="minor">
+              <a:schemeClr val="tx1"/>
+            </a:fontRef>
+          </p:style>
+        </p:cxnSp>
+        <p:pic>
+          <p:nvPicPr>
+            <p:cNvPr id="7" name="Picture 4" descr="C:\Users\luiza\Documents\repositories\personal\project\msc-project\msc-model\target\explored-space-phero.png"/>
+            <p:cNvPicPr>
+              <a:picLocks noChangeAspect="1" noChangeArrowheads="1"/>
+            </p:cNvPicPr>
+            <p:nvPr/>
+          </p:nvPicPr>
+          <p:blipFill>
+            <a:blip r:embed="rId2">
+              <a:extLst>
+                <a:ext uri="{28A0092B-C50C-407E-A947-70E740481C1C}">
+                  <a14:useLocalDpi xmlns:a14="http://schemas.microsoft.com/office/drawing/2010/main" val="0"/>
+                </a:ext>
+              </a:extLst>
+            </a:blip>
+            <a:srcRect/>
+            <a:stretch>
+              <a:fillRect/>
+            </a:stretch>
+          </p:blipFill>
+          <p:spPr bwMode="auto">
+            <a:xfrm>
+              <a:off x="6372200" y="2708920"/>
+              <a:ext cx="1905000" cy="2381250"/>
+            </a:xfrm>
+            <a:prstGeom prst="rect">
+              <a:avLst/>
+            </a:prstGeom>
+            <a:noFill/>
+            <a:ln>
+              <a:solidFill>
+                <a:schemeClr val="bg1">
+                  <a:lumMod val="65000"/>
+                </a:schemeClr>
+              </a:solidFill>
+            </a:ln>
+            <a:extLst>
+              <a:ext uri="{909E8E84-426E-40dd-AFC4-6F175D3DCCD1}">
+                <a14:hiddenFill xmlns:a14="http://schemas.microsoft.com/office/drawing/2010/main">
+                  <a:solidFill>
+                    <a:srgbClr val="FFFFFF"/>
+                  </a:solidFill>
+                </a14:hiddenFill>
+              </a:ext>
+            </a:extLst>
+          </p:spPr>
+        </p:pic>
+        <p:sp>
+          <p:nvSpPr>
+            <p:cNvPr id="8" name="TextBox 7"/>
+            <p:cNvSpPr txBox="1"/>
+            <p:nvPr/>
+          </p:nvSpPr>
+          <p:spPr>
+            <a:xfrm>
+              <a:off x="6022056" y="5204569"/>
+              <a:ext cx="2715256" cy="461665"/>
+            </a:xfrm>
+            <a:prstGeom prst="rect">
+              <a:avLst/>
+            </a:prstGeom>
+            <a:noFill/>
+          </p:spPr>
+          <p:txBody>
+            <a:bodyPr wrap="none" rtlCol="0">
+              <a:spAutoFit/>
+            </a:bodyPr>
+            <a:lstStyle/>
+            <a:p>
+              <a:pPr algn="ctr"/>
+              <a:r>
+                <a:rPr lang="en-GB" sz="1200" b="1" dirty="0" smtClean="0"/>
+                <a:t>50 000 nodes, 10 agents randomly</a:t>
+              </a:r>
+            </a:p>
+            <a:p>
+              <a:pPr algn="ctr"/>
+              <a:r>
+                <a:rPr lang="en-GB" sz="1200" b="1" dirty="0" smtClean="0"/>
+                <a:t> moving through </a:t>
+              </a:r>
+              <a:r>
+                <a:rPr lang="en-GB" sz="1200" b="1" dirty="0" smtClean="0"/>
+                <a:t>space after 10 seconds</a:t>
+              </a:r>
+              <a:endParaRPr lang="en-GB" sz="1200" b="1" dirty="0" smtClean="0"/>
+            </a:p>
+          </p:txBody>
+        </p:sp>
+      </p:grpSp>
     </p:spTree>
     <p:extLst>
       <p:ext uri="{BB962C8B-B14F-4D97-AF65-F5344CB8AC3E}">
@@ -5342,7 +5524,7 @@
   <p:timing>
     <p:tnLst>
       <p:par>
-        <p:cTn id="1" dur="indefinite" restart="never" nodeType="tmRoot">
+        <p:cTn xmlns:p14="http://schemas.microsoft.com/office/powerpoint/2010/main" id="1" dur="indefinite" restart="never" nodeType="tmRoot">
           <p:childTnLst>
             <p:seq concurrent="1" nextAc="seek">
               <p:cTn id="2" dur="indefinite" nodeType="mainSeq">
@@ -5527,43 +5709,21 @@
                                   </p:childTnLst>
                                 </p:cTn>
                               </p:par>
-                            </p:childTnLst>
-                          </p:cTn>
-                        </p:par>
-                      </p:childTnLst>
-                    </p:cTn>
-                  </p:par>
-                  <p:par>
-                    <p:cTn id="18" fill="hold">
-                      <p:stCondLst>
-                        <p:cond delay="indefinite"/>
-                      </p:stCondLst>
-                      <p:childTnLst>
-                        <p:par>
-                          <p:cTn id="19" fill="hold">
-                            <p:stCondLst>
-                              <p:cond delay="0"/>
-                            </p:stCondLst>
-                            <p:childTnLst>
                               <p:par>
-                                <p:cTn id="20" presetID="10" presetClass="entr" presetSubtype="0" fill="hold" grpId="0" nodeType="clickEffect">
+                                <p:cTn id="18" presetID="10" presetClass="entr" presetSubtype="0" fill="hold" nodeType="withEffect">
                                   <p:stCondLst>
                                     <p:cond delay="0"/>
                                   </p:stCondLst>
                                   <p:childTnLst>
                                     <p:set>
                                       <p:cBhvr>
-                                        <p:cTn id="21" dur="1" fill="hold">
+                                        <p:cTn id="19" dur="1" fill="hold">
                                           <p:stCondLst>
                                             <p:cond delay="0"/>
                                           </p:stCondLst>
                                         </p:cTn>
                                         <p:tgtEl>
-                                          <p:spTgt spid="5">
-                                            <p:txEl>
-                                              <p:pRg st="3" end="3"/>
-                                            </p:txEl>
-                                          </p:spTgt>
+                                          <p:spTgt spid="2"/>
                                         </p:tgtEl>
                                         <p:attrNameLst>
                                           <p:attrName>style.visibility</p:attrName>
@@ -5575,13 +5735,9 @@
                                     </p:set>
                                     <p:animEffect transition="in" filter="fade">
                                       <p:cBhvr>
-                                        <p:cTn id="22" dur="500"/>
+                                        <p:cTn id="20" dur="500"/>
                                         <p:tgtEl>
-                                          <p:spTgt spid="5">
-                                            <p:txEl>
-                                              <p:pRg st="3" end="3"/>
-                                            </p:txEl>
-                                          </p:spTgt>
+                                          <p:spTgt spid="2"/>
                                         </p:tgtEl>
                                       </p:cBhvr>
                                     </p:animEffect>
@@ -5616,7 +5772,7 @@
       </p:par>
     </p:tnLst>
     <p:bldLst>
-      <p:bldP spid="5" grpId="0" uiExpand="1" build="p"/>
+      <p:bldP spid="5" grpId="0" build="p"/>
     </p:bldLst>
   </p:timing>
 </p:sld>
@@ -5656,229 +5812,6 @@
           <a:p>
             <a:r>
               <a:rPr lang="en-GB" dirty="0" smtClean="0"/>
-              <a:t>Current Work</a:t>
-            </a:r>
-            <a:endParaRPr lang="en-GB" dirty="0"/>
-          </a:p>
-        </p:txBody>
-      </p:sp>
-      <p:cxnSp>
-        <p:nvCxnSpPr>
-          <p:cNvPr id="6" name="Straight Arrow Connector 5"/>
-          <p:cNvCxnSpPr/>
-          <p:nvPr/>
-        </p:nvCxnSpPr>
-        <p:spPr>
-          <a:xfrm>
-            <a:off x="765593" y="1885836"/>
-            <a:ext cx="792088" cy="0"/>
-          </a:xfrm>
-          <a:prstGeom prst="straightConnector1">
-            <a:avLst/>
-          </a:prstGeom>
-          <a:ln w="38100">
-            <a:solidFill>
-              <a:schemeClr val="bg1">
-                <a:lumMod val="65000"/>
-              </a:schemeClr>
-            </a:solidFill>
-            <a:headEnd type="none" w="med" len="med"/>
-            <a:tailEnd type="triangle" w="med" len="med"/>
-          </a:ln>
-        </p:spPr>
-        <p:style>
-          <a:lnRef idx="1">
-            <a:schemeClr val="accent1"/>
-          </a:lnRef>
-          <a:fillRef idx="0">
-            <a:schemeClr val="accent1"/>
-          </a:fillRef>
-          <a:effectRef idx="0">
-            <a:schemeClr val="accent1"/>
-          </a:effectRef>
-          <a:fontRef idx="minor">
-            <a:schemeClr val="tx1"/>
-          </a:fontRef>
-        </p:style>
-      </p:cxnSp>
-      <p:cxnSp>
-        <p:nvCxnSpPr>
-          <p:cNvPr id="9" name="Straight Arrow Connector 8"/>
-          <p:cNvCxnSpPr/>
-          <p:nvPr/>
-        </p:nvCxnSpPr>
-        <p:spPr>
-          <a:xfrm flipH="1">
-            <a:off x="781090" y="1870338"/>
-            <a:ext cx="1" cy="792088"/>
-          </a:xfrm>
-          <a:prstGeom prst="straightConnector1">
-            <a:avLst/>
-          </a:prstGeom>
-          <a:ln w="38100">
-            <a:solidFill>
-              <a:schemeClr val="bg1">
-                <a:lumMod val="65000"/>
-              </a:schemeClr>
-            </a:solidFill>
-            <a:headEnd type="none" w="med" len="med"/>
-            <a:tailEnd type="triangle" w="med" len="med"/>
-          </a:ln>
-        </p:spPr>
-        <p:style>
-          <a:lnRef idx="1">
-            <a:schemeClr val="accent1"/>
-          </a:lnRef>
-          <a:fillRef idx="0">
-            <a:schemeClr val="accent1"/>
-          </a:fillRef>
-          <a:effectRef idx="0">
-            <a:schemeClr val="accent1"/>
-          </a:effectRef>
-          <a:fontRef idx="minor">
-            <a:schemeClr val="tx1"/>
-          </a:fontRef>
-        </p:style>
-      </p:cxnSp>
-      <p:pic>
-        <p:nvPicPr>
-          <p:cNvPr id="2052" name="Picture 4" descr="C:\Users\luiza\Documents\repositories\personal\project\msc-project\msc-model\target\explored-space-phero.png"/>
-          <p:cNvPicPr>
-            <a:picLocks noChangeAspect="1" noChangeArrowheads="1"/>
-          </p:cNvPicPr>
-          <p:nvPr/>
-        </p:nvPicPr>
-        <p:blipFill>
-          <a:blip r:embed="rId2">
-            <a:extLst>
-              <a:ext uri="{28A0092B-C50C-407E-A947-70E740481C1C}">
-                <a14:useLocalDpi xmlns:a14="http://schemas.microsoft.com/office/drawing/2010/main" val="0"/>
-              </a:ext>
-            </a:extLst>
-          </a:blip>
-          <a:srcRect/>
-          <a:stretch>
-            <a:fillRect/>
-          </a:stretch>
-        </p:blipFill>
-        <p:spPr bwMode="auto">
-          <a:xfrm>
-            <a:off x="938808" y="2055862"/>
-            <a:ext cx="1905000" cy="2381250"/>
-          </a:xfrm>
-          <a:prstGeom prst="rect">
-            <a:avLst/>
-          </a:prstGeom>
-          <a:noFill/>
-          <a:ln>
-            <a:solidFill>
-              <a:schemeClr val="bg1">
-                <a:lumMod val="65000"/>
-              </a:schemeClr>
-            </a:solidFill>
-          </a:ln>
-          <a:extLst>
-            <a:ext uri="{909E8E84-426E-40DD-AFC4-6F175D3DCCD1}">
-              <a14:hiddenFill xmlns:a14="http://schemas.microsoft.com/office/drawing/2010/main">
-                <a:solidFill>
-                  <a:srgbClr val="FFFFFF"/>
-                </a:solidFill>
-              </a14:hiddenFill>
-            </a:ext>
-          </a:extLst>
-        </p:spPr>
-      </p:pic>
-      <p:sp>
-        <p:nvSpPr>
-          <p:cNvPr id="10" name="TextBox 9"/>
-          <p:cNvSpPr txBox="1"/>
-          <p:nvPr/>
-        </p:nvSpPr>
-        <p:spPr>
-          <a:xfrm>
-            <a:off x="760742" y="4551511"/>
-            <a:ext cx="2371098" cy="461665"/>
-          </a:xfrm>
-          <a:prstGeom prst="rect">
-            <a:avLst/>
-          </a:prstGeom>
-          <a:noFill/>
-        </p:spPr>
-        <p:txBody>
-          <a:bodyPr wrap="none" rtlCol="0">
-            <a:spAutoFit/>
-          </a:bodyPr>
-          <a:lstStyle/>
-          <a:p>
-            <a:pPr algn="ctr"/>
-            <a:r>
-              <a:rPr lang="en-GB" sz="1200" b="1" dirty="0" smtClean="0"/>
-              <a:t>50 000 nodes, 10 agents randomly</a:t>
-            </a:r>
-          </a:p>
-          <a:p>
-            <a:pPr algn="ctr"/>
-            <a:r>
-              <a:rPr lang="en-GB" sz="1200" b="1" dirty="0" smtClean="0"/>
-              <a:t> moving through space</a:t>
-            </a:r>
-          </a:p>
-        </p:txBody>
-      </p:sp>
-    </p:spTree>
-    <p:extLst>
-      <p:ext uri="{BB962C8B-B14F-4D97-AF65-F5344CB8AC3E}">
-        <p14:creationId xmlns:p14="http://schemas.microsoft.com/office/powerpoint/2010/main" val="2699782112"/>
-      </p:ext>
-    </p:extLst>
-  </p:cSld>
-  <p:clrMapOvr>
-    <a:masterClrMapping/>
-  </p:clrMapOvr>
-  <p:timing>
-    <p:tnLst>
-      <p:par>
-        <p:cTn id="1" dur="indefinite" restart="never" nodeType="tmRoot"/>
-      </p:par>
-    </p:tnLst>
-  </p:timing>
-</p:sld>
-</file>
-
-<file path=ppt/slides/slide13.xml><?xml version="1.0" encoding="utf-8"?>
-<p:sld xmlns:a="http://schemas.openxmlformats.org/drawingml/2006/main" xmlns:r="http://schemas.openxmlformats.org/officeDocument/2006/relationships" xmlns:p="http://schemas.openxmlformats.org/presentationml/2006/main">
-  <p:cSld>
-    <p:spTree>
-      <p:nvGrpSpPr>
-        <p:cNvPr id="1" name=""/>
-        <p:cNvGrpSpPr/>
-        <p:nvPr/>
-      </p:nvGrpSpPr>
-      <p:grpSpPr>
-        <a:xfrm>
-          <a:off x="0" y="0"/>
-          <a:ext cx="0" cy="0"/>
-          <a:chOff x="0" y="0"/>
-          <a:chExt cx="0" cy="0"/>
-        </a:xfrm>
-      </p:grpSpPr>
-      <p:sp>
-        <p:nvSpPr>
-          <p:cNvPr id="3" name="Title 2"/>
-          <p:cNvSpPr>
-            <a:spLocks noGrp="1"/>
-          </p:cNvSpPr>
-          <p:nvPr>
-            <p:ph type="title"/>
-          </p:nvPr>
-        </p:nvSpPr>
-        <p:spPr/>
-        <p:txBody>
-          <a:bodyPr/>
-          <a:lstStyle/>
-          <a:p>
-            <a:r>
-              <a:rPr lang="en-GB" dirty="0" smtClean="0"/>
               <a:t>Challenges</a:t>
             </a:r>
             <a:endParaRPr lang="en-GB" dirty="0"/>
@@ -5916,9 +5849,10 @@
               <a:t>Pheromone trail updates need to be local</a:t>
             </a:r>
             <a:r>
-              <a:rPr lang="en-GB" dirty="0"/>
+              <a:rPr lang="en-GB" dirty="0" smtClean="0"/>
               <a:t>;</a:t>
             </a:r>
+            <a:endParaRPr lang="en-GB" dirty="0"/>
           </a:p>
           <a:p>
             <a:pPr>
@@ -5947,7 +5881,7 @@
   <p:timing>
     <p:tnLst>
       <p:par>
-        <p:cTn id="1" dur="indefinite" restart="never" nodeType="tmRoot">
+        <p:cTn xmlns:p14="http://schemas.microsoft.com/office/powerpoint/2010/main" id="1" dur="indefinite" restart="never" nodeType="tmRoot">
           <p:childTnLst>
             <p:seq concurrent="1" nextAc="seek">
               <p:cTn id="2" dur="indefinite" nodeType="mainSeq">
@@ -6166,7 +6100,7 @@
 </p:sld>
 </file>
 
-<file path=ppt/slides/slide14.xml><?xml version="1.0" encoding="utf-8"?>
+<file path=ppt/slides/slide13.xml><?xml version="1.0" encoding="utf-8"?>
 <p:sld xmlns:a="http://schemas.openxmlformats.org/drawingml/2006/main" xmlns:r="http://schemas.openxmlformats.org/officeDocument/2006/relationships" xmlns:p="http://schemas.openxmlformats.org/presentationml/2006/main">
   <p:cSld>
     <p:spTree>
@@ -7137,7 +7071,7 @@
   <p:timing>
     <p:tnLst>
       <p:par>
-        <p:cTn id="1" dur="indefinite" restart="never" nodeType="tmRoot"/>
+        <p:cTn xmlns:p14="http://schemas.microsoft.com/office/powerpoint/2010/main" id="1" dur="indefinite" restart="never" nodeType="tmRoot"/>
       </p:par>
     </p:tnLst>
   </p:timing>
@@ -7319,7 +7253,7 @@
   <p:timing>
     <p:tnLst>
       <p:par>
-        <p:cTn id="1" dur="indefinite" restart="never" nodeType="tmRoot">
+        <p:cTn xmlns:p14="http://schemas.microsoft.com/office/powerpoint/2010/main" id="1" dur="indefinite" restart="never" nodeType="tmRoot">
           <p:childTnLst>
             <p:seq concurrent="1" nextAc="seek">
               <p:cTn id="2" dur="indefinite" nodeType="mainSeq">
@@ -7938,7 +7872,7 @@
   <p:timing>
     <p:tnLst>
       <p:par>
-        <p:cTn id="1" dur="indefinite" restart="never" nodeType="tmRoot">
+        <p:cTn xmlns:p14="http://schemas.microsoft.com/office/powerpoint/2010/main" id="1" dur="indefinite" restart="never" nodeType="tmRoot">
           <p:childTnLst>
             <p:seq concurrent="1" nextAc="seek">
               <p:cTn id="2" dur="indefinite" nodeType="mainSeq">
@@ -8306,7 +8240,7 @@
   <p:timing>
     <p:tnLst>
       <p:par>
-        <p:cTn id="1" dur="indefinite" restart="never" nodeType="tmRoot">
+        <p:cTn xmlns:p14="http://schemas.microsoft.com/office/powerpoint/2010/main" id="1" dur="indefinite" restart="never" nodeType="tmRoot">
           <p:childTnLst>
             <p:seq concurrent="1" nextAc="seek">
               <p:cTn id="2" dur="indefinite" nodeType="mainSeq">
@@ -8550,7 +8484,7 @@
   <p:timing>
     <p:tnLst>
       <p:par>
-        <p:cTn id="1" dur="indefinite" restart="never" nodeType="tmRoot">
+        <p:cTn xmlns:p14="http://schemas.microsoft.com/office/powerpoint/2010/main" id="1" dur="indefinite" restart="never" nodeType="tmRoot">
           <p:childTnLst>
             <p:seq concurrent="1" nextAc="seek">
               <p:cTn id="2" dur="indefinite" nodeType="mainSeq">
@@ -8969,7 +8903,7 @@
   <p:timing>
     <p:tnLst>
       <p:par>
-        <p:cTn id="1" dur="indefinite" restart="never" nodeType="tmRoot">
+        <p:cTn xmlns:p14="http://schemas.microsoft.com/office/powerpoint/2010/main" id="1" dur="indefinite" restart="never" nodeType="tmRoot">
           <p:childTnLst>
             <p:seq concurrent="1" nextAc="seek">
               <p:cTn id="2" dur="indefinite" nodeType="mainSeq">
@@ -9290,9 +9224,9 @@
       </p:sp>
       <p:pic>
         <p:nvPicPr>
-          <p:cNvPr id="2051" name="Picture 3" descr="C:\Users\luiza\Documents\repositories\personal\project\msc-project\uml\class-06-07.png"/>
+          <p:cNvPr id="2" name="Picture 1" descr="class-06-07.png"/>
           <p:cNvPicPr>
-            <a:picLocks noChangeAspect="1" noChangeArrowheads="1"/>
+            <a:picLocks noChangeAspect="1"/>
           </p:cNvPicPr>
           <p:nvPr/>
         </p:nvPicPr>
@@ -9304,29 +9238,18 @@
               </a:ext>
             </a:extLst>
           </a:blip>
-          <a:srcRect/>
           <a:stretch>
             <a:fillRect/>
           </a:stretch>
         </p:blipFill>
-        <p:spPr bwMode="auto">
+        <p:spPr>
           <a:xfrm>
-            <a:off x="539552" y="1139262"/>
-            <a:ext cx="7979991" cy="4810018"/>
+            <a:off x="395536" y="1434461"/>
+            <a:ext cx="8495217" cy="4226787"/>
           </a:xfrm>
           <a:prstGeom prst="rect">
             <a:avLst/>
           </a:prstGeom>
-          <a:noFill/>
-          <a:extLst>
-            <a:ext uri="{909E8E84-426E-40DD-AFC4-6F175D3DCCD1}">
-              <a14:hiddenFill xmlns:a14="http://schemas.microsoft.com/office/drawing/2010/main">
-                <a:solidFill>
-                  <a:srgbClr val="FFFFFF"/>
-                </a:solidFill>
-              </a14:hiddenFill>
-            </a:ext>
-          </a:extLst>
         </p:spPr>
       </p:pic>
     </p:spTree>
@@ -9342,7 +9265,7 @@
   <p:timing>
     <p:tnLst>
       <p:par>
-        <p:cTn id="1" dur="indefinite" restart="never" nodeType="tmRoot"/>
+        <p:cTn xmlns:p14="http://schemas.microsoft.com/office/powerpoint/2010/main" id="1" dur="indefinite" restart="never" nodeType="tmRoot"/>
       </p:par>
     </p:tnLst>
   </p:timing>
@@ -9529,7 +9452,7 @@
   <p:timing>
     <p:tnLst>
       <p:par>
-        <p:cTn id="1" dur="indefinite" restart="never" nodeType="tmRoot">
+        <p:cTn xmlns:p14="http://schemas.microsoft.com/office/powerpoint/2010/main" id="1" dur="indefinite" restart="never" nodeType="tmRoot">
           <p:childTnLst>
             <p:seq concurrent="1" nextAc="seek">
               <p:cTn id="2" dur="indefinite" nodeType="mainSeq">
@@ -9872,7 +9795,7 @@
           <a:graphicData uri="http://schemas.openxmlformats.org/presentationml/2006/ole">
             <mc:AlternateContent xmlns:mc="http://schemas.openxmlformats.org/markup-compatibility/2006">
               <mc:Choice xmlns:v="urn:schemas-microsoft-com:vml" Requires="v">
-                <p:oleObj spid="_x0000_s1074" name="Equation" r:id="rId4" imgW="914400" imgH="406400" progId="Equation.3">
+                <p:oleObj spid="_x0000_s1079" name="Equation" r:id="rId4" imgW="914400" imgH="406400" progId="Equation.3">
                   <p:embed/>
                 </p:oleObj>
               </mc:Choice>
@@ -9984,7 +9907,7 @@
   <p:timing>
     <p:tnLst>
       <p:par>
-        <p:cTn id="1" dur="indefinite" restart="never" nodeType="tmRoot"/>
+        <p:cTn xmlns:p14="http://schemas.microsoft.com/office/powerpoint/2010/main" id="1" dur="indefinite" restart="never" nodeType="tmRoot"/>
       </p:par>
     </p:tnLst>
   </p:timing>
